--- a/report/compiler_ppt.pptx
+++ b/report/compiler_ppt.pptx
@@ -39,22 +39,23 @@
     <p:sldId id="490" r:id="rId32"/>
     <p:sldId id="493" r:id="rId33"/>
     <p:sldId id="413" r:id="rId34"/>
-    <p:sldId id="414" r:id="rId35"/>
-    <p:sldId id="422" r:id="rId36"/>
-    <p:sldId id="459" r:id="rId37"/>
-    <p:sldId id="489" r:id="rId38"/>
-    <p:sldId id="488" r:id="rId39"/>
-    <p:sldId id="457" r:id="rId40"/>
-    <p:sldId id="441" r:id="rId41"/>
-    <p:sldId id="415" r:id="rId42"/>
-    <p:sldId id="448" r:id="rId43"/>
-    <p:sldId id="449" r:id="rId44"/>
-    <p:sldId id="369" r:id="rId45"/>
+    <p:sldId id="508" r:id="rId35"/>
+    <p:sldId id="509" r:id="rId36"/>
+    <p:sldId id="507" r:id="rId37"/>
+    <p:sldId id="414" r:id="rId38"/>
+    <p:sldId id="422" r:id="rId39"/>
+    <p:sldId id="488" r:id="rId40"/>
+    <p:sldId id="457" r:id="rId41"/>
+    <p:sldId id="441" r:id="rId42"/>
+    <p:sldId id="415" r:id="rId43"/>
+    <p:sldId id="448" r:id="rId44"/>
+    <p:sldId id="449" r:id="rId45"/>
+    <p:sldId id="369" r:id="rId46"/>
   </p:sldIdLst>
   <p:sldSz cx="12192000" cy="6858000"/>
   <p:notesSz cx="6858000" cy="9144000"/>
   <p:custDataLst>
-    <p:tags r:id="rId49"/>
+    <p:tags r:id="rId50"/>
   </p:custDataLst>
   <p:defaultTextStyle>
     <a:defPPr>
@@ -3196,6 +3197,84 @@
 </file>
 
 <file path=ppt/notesSlides/notesSlide40.xml><?xml version="1.0" encoding="utf-8"?>
+<p:notes xmlns:a="http://schemas.openxmlformats.org/drawingml/2006/main" xmlns:r="http://schemas.openxmlformats.org/officeDocument/2006/relationships" xmlns:p="http://schemas.openxmlformats.org/presentationml/2006/main">
+  <p:cSld>
+    <p:spTree>
+      <p:nvGrpSpPr>
+        <p:cNvPr id="1" name=""/>
+        <p:cNvGrpSpPr/>
+        <p:nvPr/>
+      </p:nvGrpSpPr>
+      <p:grpSpPr>
+        <a:xfrm>
+          <a:off x="0" y="0"/>
+          <a:ext cx="0" cy="0"/>
+          <a:chOff x="0" y="0"/>
+          <a:chExt cx="0" cy="0"/>
+        </a:xfrm>
+      </p:grpSpPr>
+      <p:sp>
+        <p:nvSpPr>
+          <p:cNvPr id="2" name="幻灯片图像占位符 1"/>
+          <p:cNvSpPr>
+            <a:spLocks noGrp="1" noRot="1" noChangeAspect="1"/>
+          </p:cNvSpPr>
+          <p:nvPr>
+            <p:ph type="sldImg"/>
+          </p:nvPr>
+        </p:nvSpPr>
+        <p:spPr/>
+      </p:sp>
+      <p:sp>
+        <p:nvSpPr>
+          <p:cNvPr id="3" name="备注占位符 2"/>
+          <p:cNvSpPr>
+            <a:spLocks noGrp="1"/>
+          </p:cNvSpPr>
+          <p:nvPr>
+            <p:ph type="body" idx="1"/>
+          </p:nvPr>
+        </p:nvSpPr>
+        <p:spPr/>
+        <p:txBody>
+          <a:bodyPr/>
+          <a:lstStyle/>
+          <a:p>
+            <a:endParaRPr lang="zh-CN" altLang="en-US"/>
+          </a:p>
+        </p:txBody>
+      </p:sp>
+      <p:sp>
+        <p:nvSpPr>
+          <p:cNvPr id="4" name="灯片编号占位符 3"/>
+          <p:cNvSpPr>
+            <a:spLocks noGrp="1"/>
+          </p:cNvSpPr>
+          <p:nvPr>
+            <p:ph type="sldNum" sz="quarter" idx="5"/>
+          </p:nvPr>
+        </p:nvSpPr>
+        <p:spPr/>
+        <p:txBody>
+          <a:bodyPr/>
+          <a:lstStyle/>
+          <a:p>
+            <a:fld id="{3DD9C11C-D04B-4B83-A5E8-D873315BDD39}" type="slidenum">
+              <a:rPr lang="zh-CN" altLang="en-US" smtClean="0"/>
+            </a:fld>
+            <a:endParaRPr lang="zh-CN" altLang="en-US"/>
+          </a:p>
+        </p:txBody>
+      </p:sp>
+    </p:spTree>
+  </p:cSld>
+  <p:clrMapOvr>
+    <a:masterClrMapping/>
+  </p:clrMapOvr>
+</p:notes>
+</file>
+
+<file path=ppt/notesSlides/notesSlide41.xml><?xml version="1.0" encoding="utf-8"?>
 <p:notes xmlns:a="http://schemas.openxmlformats.org/drawingml/2006/main" xmlns:r="http://schemas.openxmlformats.org/officeDocument/2006/relationships" xmlns:p="http://schemas.openxmlformats.org/presentationml/2006/main">
   <p:cSld>
     <p:spTree>
@@ -10384,47 +10463,53 @@
             </a:pPr>
             <a:r>
               <a:rPr lang="zh-CN" altLang="en-US" sz="1600" dirty="0" smtClean="0">
-                <a:latin typeface="字魂105号-简雅黑" panose="00000500000000000000" pitchFamily="2" charset="-122"/>
-                <a:ea typeface="字魂105号-简雅黑" panose="00000500000000000000" pitchFamily="2" charset="-122"/>
+                <a:latin typeface="华文中宋" panose="02010600040101010101" charset="-122"/>
+                <a:ea typeface="华文中宋" panose="02010600040101010101" charset="-122"/>
+                <a:cs typeface="华文中宋" panose="02010600040101010101" charset="-122"/>
                 <a:sym typeface="字魂105号-简雅黑" panose="00000500000000000000" pitchFamily="2" charset="-122"/>
               </a:rPr>
               <a:t>产生式的核心部分，从</a:t>
             </a:r>
             <a:r>
               <a:rPr lang="en-US" altLang="zh-CN" sz="1600" dirty="0" smtClean="0">
-                <a:latin typeface="字魂105号-简雅黑" panose="00000500000000000000" pitchFamily="2" charset="-122"/>
-                <a:ea typeface="字魂105号-简雅黑" panose="00000500000000000000" pitchFamily="2" charset="-122"/>
+                <a:latin typeface="华文中宋" panose="02010600040101010101" charset="-122"/>
+                <a:ea typeface="华文中宋" panose="02010600040101010101" charset="-122"/>
+                <a:cs typeface="华文中宋" panose="02010600040101010101" charset="-122"/>
                 <a:sym typeface="字魂105号-简雅黑" panose="00000500000000000000" pitchFamily="2" charset="-122"/>
               </a:rPr>
               <a:t>Program</a:t>
             </a:r>
             <a:r>
               <a:rPr lang="zh-CN" altLang="en-US" sz="1600" dirty="0" smtClean="0">
-                <a:latin typeface="字魂105号-简雅黑" panose="00000500000000000000" pitchFamily="2" charset="-122"/>
-                <a:ea typeface="字魂105号-简雅黑" panose="00000500000000000000" pitchFamily="2" charset="-122"/>
+                <a:latin typeface="华文中宋" panose="02010600040101010101" charset="-122"/>
+                <a:ea typeface="华文中宋" panose="02010600040101010101" charset="-122"/>
+                <a:cs typeface="华文中宋" panose="02010600040101010101" charset="-122"/>
                 <a:sym typeface="字魂105号-简雅黑" panose="00000500000000000000" pitchFamily="2" charset="-122"/>
               </a:rPr>
               <a:t>结构开始，向下拆解函数头，代码块，语句等信息，不同的</a:t>
             </a:r>
             <a:r>
               <a:rPr lang="en-US" altLang="zh-CN" sz="1600" dirty="0" smtClean="0">
-                <a:latin typeface="字魂105号-简雅黑" panose="00000500000000000000" pitchFamily="2" charset="-122"/>
-                <a:ea typeface="字魂105号-简雅黑" panose="00000500000000000000" pitchFamily="2" charset="-122"/>
+                <a:latin typeface="华文中宋" panose="02010600040101010101" charset="-122"/>
+                <a:ea typeface="华文中宋" panose="02010600040101010101" charset="-122"/>
+                <a:cs typeface="华文中宋" panose="02010600040101010101" charset="-122"/>
                 <a:sym typeface="字魂105号-简雅黑" panose="00000500000000000000" pitchFamily="2" charset="-122"/>
               </a:rPr>
               <a:t>Stmt(Statement)</a:t>
             </a:r>
             <a:r>
               <a:rPr lang="zh-CN" altLang="en-US" sz="1600" dirty="0" smtClean="0">
-                <a:latin typeface="字魂105号-简雅黑" panose="00000500000000000000" pitchFamily="2" charset="-122"/>
-                <a:ea typeface="字魂105号-简雅黑" panose="00000500000000000000" pitchFamily="2" charset="-122"/>
+                <a:latin typeface="华文中宋" panose="02010600040101010101" charset="-122"/>
+                <a:ea typeface="华文中宋" panose="02010600040101010101" charset="-122"/>
+                <a:cs typeface="华文中宋" panose="02010600040101010101" charset="-122"/>
                 <a:sym typeface="字魂105号-简雅黑" panose="00000500000000000000" pitchFamily="2" charset="-122"/>
               </a:rPr>
               <a:t>是语法分析中重要的子单元。</a:t>
             </a:r>
             <a:endParaRPr lang="en-US" altLang="zh-CN" sz="1600" dirty="0" smtClean="0">
-              <a:latin typeface="字魂105号-简雅黑" panose="00000500000000000000" pitchFamily="2" charset="-122"/>
-              <a:ea typeface="字魂105号-简雅黑" panose="00000500000000000000" pitchFamily="2" charset="-122"/>
+              <a:latin typeface="华文中宋" panose="02010600040101010101" charset="-122"/>
+              <a:ea typeface="华文中宋" panose="02010600040101010101" charset="-122"/>
+              <a:cs typeface="华文中宋" panose="02010600040101010101" charset="-122"/>
               <a:sym typeface="字魂105号-简雅黑" panose="00000500000000000000" pitchFamily="2" charset="-122"/>
             </a:endParaRPr>
           </a:p>
@@ -10492,23 +10577,26 @@
             </a:pPr>
             <a:r>
               <a:rPr lang="en-US" altLang="zh-CN" sz="1600" dirty="0" smtClean="0">
-                <a:latin typeface="字魂105号-简雅黑" panose="00000500000000000000" pitchFamily="2" charset="-122"/>
-                <a:ea typeface="字魂105号-简雅黑" panose="00000500000000000000" pitchFamily="2" charset="-122"/>
+                <a:latin typeface="华文中宋" panose="02010600040101010101" charset="-122"/>
+                <a:ea typeface="华文中宋" panose="02010600040101010101" charset="-122"/>
+                <a:cs typeface="华文中宋" panose="02010600040101010101" charset="-122"/>
                 <a:sym typeface="字魂105号-简雅黑" panose="00000500000000000000" pitchFamily="2" charset="-122"/>
               </a:rPr>
               <a:t>Expr</a:t>
             </a:r>
             <a:r>
               <a:rPr lang="zh-CN" altLang="en-US" sz="1600" dirty="0" smtClean="0">
-                <a:latin typeface="字魂105号-简雅黑" panose="00000500000000000000" pitchFamily="2" charset="-122"/>
-                <a:ea typeface="字魂105号-简雅黑" panose="00000500000000000000" pitchFamily="2" charset="-122"/>
+                <a:latin typeface="华文中宋" panose="02010600040101010101" charset="-122"/>
+                <a:ea typeface="华文中宋" panose="02010600040101010101" charset="-122"/>
+                <a:cs typeface="华文中宋" panose="02010600040101010101" charset="-122"/>
                 <a:sym typeface="字魂105号-简雅黑" panose="00000500000000000000" pitchFamily="2" charset="-122"/>
               </a:rPr>
               <a:t>表达式是文法比较难处理的部分。</a:t>
             </a:r>
             <a:endParaRPr lang="zh-CN" altLang="en-US" sz="1600" dirty="0" smtClean="0">
-              <a:latin typeface="字魂105号-简雅黑" panose="00000500000000000000" pitchFamily="2" charset="-122"/>
-              <a:ea typeface="字魂105号-简雅黑" panose="00000500000000000000" pitchFamily="2" charset="-122"/>
+              <a:latin typeface="华文中宋" panose="02010600040101010101" charset="-122"/>
+              <a:ea typeface="华文中宋" panose="02010600040101010101" charset="-122"/>
+              <a:cs typeface="华文中宋" panose="02010600040101010101" charset="-122"/>
               <a:sym typeface="字魂105号-简雅黑" panose="00000500000000000000" pitchFamily="2" charset="-122"/>
             </a:endParaRPr>
           </a:p>
@@ -10520,15 +10608,17 @@
             </a:pPr>
             <a:r>
               <a:rPr lang="zh-CN" altLang="en-US" sz="1600" dirty="0" smtClean="0">
-                <a:latin typeface="字魂105号-简雅黑" panose="00000500000000000000" pitchFamily="2" charset="-122"/>
-                <a:ea typeface="字魂105号-简雅黑" panose="00000500000000000000" pitchFamily="2" charset="-122"/>
+                <a:latin typeface="华文中宋" panose="02010600040101010101" charset="-122"/>
+                <a:ea typeface="华文中宋" panose="02010600040101010101" charset="-122"/>
+                <a:cs typeface="华文中宋" panose="02010600040101010101" charset="-122"/>
                 <a:sym typeface="字魂105号-简雅黑" panose="00000500000000000000" pitchFamily="2" charset="-122"/>
               </a:rPr>
               <a:t>一方面，采用优先级向下解析多算符表达式；</a:t>
             </a:r>
             <a:endParaRPr lang="zh-CN" altLang="en-US" sz="1600" dirty="0" smtClean="0">
-              <a:latin typeface="字魂105号-简雅黑" panose="00000500000000000000" pitchFamily="2" charset="-122"/>
-              <a:ea typeface="字魂105号-简雅黑" panose="00000500000000000000" pitchFamily="2" charset="-122"/>
+              <a:latin typeface="华文中宋" panose="02010600040101010101" charset="-122"/>
+              <a:ea typeface="华文中宋" panose="02010600040101010101" charset="-122"/>
+              <a:cs typeface="华文中宋" panose="02010600040101010101" charset="-122"/>
               <a:sym typeface="字魂105号-简雅黑" panose="00000500000000000000" pitchFamily="2" charset="-122"/>
             </a:endParaRPr>
           </a:p>
@@ -10540,47 +10630,53 @@
             </a:pPr>
             <a:r>
               <a:rPr lang="zh-CN" altLang="en-US" sz="1600" dirty="0" smtClean="0">
-                <a:latin typeface="字魂105号-简雅黑" panose="00000500000000000000" pitchFamily="2" charset="-122"/>
-                <a:ea typeface="字魂105号-简雅黑" panose="00000500000000000000" pitchFamily="2" charset="-122"/>
+                <a:latin typeface="华文中宋" panose="02010600040101010101" charset="-122"/>
+                <a:ea typeface="华文中宋" panose="02010600040101010101" charset="-122"/>
+                <a:cs typeface="华文中宋" panose="02010600040101010101" charset="-122"/>
                 <a:sym typeface="字魂105号-简雅黑" panose="00000500000000000000" pitchFamily="2" charset="-122"/>
               </a:rPr>
               <a:t>另一方面，当处理解引用</a:t>
             </a:r>
             <a:r>
               <a:rPr lang="en-US" altLang="zh-CN" sz="1600" dirty="0" smtClean="0">
-                <a:latin typeface="字魂105号-简雅黑" panose="00000500000000000000" pitchFamily="2" charset="-122"/>
-                <a:ea typeface="字魂105号-简雅黑" panose="00000500000000000000" pitchFamily="2" charset="-122"/>
+                <a:latin typeface="华文中宋" panose="02010600040101010101" charset="-122"/>
+                <a:ea typeface="华文中宋" panose="02010600040101010101" charset="-122"/>
+                <a:cs typeface="华文中宋" panose="02010600040101010101" charset="-122"/>
                 <a:sym typeface="字魂105号-简雅黑" panose="00000500000000000000" pitchFamily="2" charset="-122"/>
               </a:rPr>
               <a:t>or</a:t>
             </a:r>
             <a:r>
               <a:rPr lang="zh-CN" altLang="en-US" sz="1600" dirty="0" smtClean="0">
-                <a:latin typeface="字魂105号-简雅黑" panose="00000500000000000000" pitchFamily="2" charset="-122"/>
-                <a:ea typeface="字魂105号-简雅黑" panose="00000500000000000000" pitchFamily="2" charset="-122"/>
+                <a:latin typeface="华文中宋" panose="02010600040101010101" charset="-122"/>
+                <a:ea typeface="华文中宋" panose="02010600040101010101" charset="-122"/>
+                <a:cs typeface="华文中宋" panose="02010600040101010101" charset="-122"/>
                 <a:sym typeface="字魂105号-简雅黑" panose="00000500000000000000" pitchFamily="2" charset="-122"/>
               </a:rPr>
               <a:t>数组</a:t>
             </a:r>
             <a:r>
               <a:rPr lang="en-US" altLang="zh-CN" sz="1600" dirty="0" smtClean="0">
-                <a:latin typeface="字魂105号-简雅黑" panose="00000500000000000000" pitchFamily="2" charset="-122"/>
-                <a:ea typeface="字魂105号-简雅黑" panose="00000500000000000000" pitchFamily="2" charset="-122"/>
+                <a:latin typeface="华文中宋" panose="02010600040101010101" charset="-122"/>
+                <a:ea typeface="华文中宋" panose="02010600040101010101" charset="-122"/>
+                <a:cs typeface="华文中宋" panose="02010600040101010101" charset="-122"/>
                 <a:sym typeface="字魂105号-简雅黑" panose="00000500000000000000" pitchFamily="2" charset="-122"/>
               </a:rPr>
               <a:t>or</a:t>
             </a:r>
             <a:r>
               <a:rPr lang="zh-CN" altLang="en-US" sz="1600" dirty="0" smtClean="0">
-                <a:latin typeface="字魂105号-简雅黑" panose="00000500000000000000" pitchFamily="2" charset="-122"/>
-                <a:ea typeface="字魂105号-简雅黑" panose="00000500000000000000" pitchFamily="2" charset="-122"/>
+                <a:latin typeface="华文中宋" panose="02010600040101010101" charset="-122"/>
+                <a:ea typeface="华文中宋" panose="02010600040101010101" charset="-122"/>
+                <a:cs typeface="华文中宋" panose="02010600040101010101" charset="-122"/>
                 <a:sym typeface="字魂105号-简雅黑" panose="00000500000000000000" pitchFamily="2" charset="-122"/>
               </a:rPr>
               <a:t>元组时，可赋值元素的内容更丰富了，需要整合原先的表达式。</a:t>
             </a:r>
             <a:endParaRPr lang="en-US" altLang="zh-CN" sz="1600" dirty="0" smtClean="0">
-              <a:latin typeface="字魂105号-简雅黑" panose="00000500000000000000" pitchFamily="2" charset="-122"/>
-              <a:ea typeface="字魂105号-简雅黑" panose="00000500000000000000" pitchFamily="2" charset="-122"/>
+              <a:latin typeface="华文中宋" panose="02010600040101010101" charset="-122"/>
+              <a:ea typeface="华文中宋" panose="02010600040101010101" charset="-122"/>
+              <a:cs typeface="华文中宋" panose="02010600040101010101" charset="-122"/>
               <a:sym typeface="字魂105号-简雅黑" panose="00000500000000000000" pitchFamily="2" charset="-122"/>
             </a:endParaRPr>
           </a:p>
@@ -11014,8 +11110,8 @@
         </p:nvSpPr>
         <p:spPr>
           <a:xfrm>
-            <a:off x="1532255" y="1522095"/>
-            <a:ext cx="4450080" cy="2042160"/>
+            <a:off x="1196975" y="1522095"/>
+            <a:ext cx="4785360" cy="2042160"/>
           </a:xfrm>
           <a:prstGeom prst="rect">
             <a:avLst/>
@@ -11064,47 +11160,53 @@
             </a:pPr>
             <a:r>
               <a:rPr lang="zh-CN" altLang="en-US" sz="1600" dirty="0" smtClean="0">
-                <a:latin typeface="字魂105号-简雅黑" panose="00000500000000000000" pitchFamily="2" charset="-122"/>
-                <a:ea typeface="字魂105号-简雅黑" panose="00000500000000000000" pitchFamily="2" charset="-122"/>
+                <a:latin typeface="华文中宋" panose="02010600040101010101" charset="-122"/>
+                <a:ea typeface="华文中宋" panose="02010600040101010101" charset="-122"/>
+                <a:cs typeface="华文中宋" panose="02010600040101010101" charset="-122"/>
                 <a:sym typeface="字魂105号-简雅黑" panose="00000500000000000000" pitchFamily="2" charset="-122"/>
               </a:rPr>
               <a:t>采用</a:t>
             </a:r>
             <a:r>
               <a:rPr lang="zh-CN" altLang="en-US" sz="1600" b="1" dirty="0" smtClean="0">
-                <a:latin typeface="字魂105号-简雅黑" panose="00000500000000000000" pitchFamily="2" charset="-122"/>
-                <a:ea typeface="字魂105号-简雅黑" panose="00000500000000000000" pitchFamily="2" charset="-122"/>
+                <a:latin typeface="华文中宋" panose="02010600040101010101" charset="-122"/>
+                <a:ea typeface="华文中宋" panose="02010600040101010101" charset="-122"/>
+                <a:cs typeface="华文中宋" panose="02010600040101010101" charset="-122"/>
                 <a:sym typeface="字魂105号-简雅黑" panose="00000500000000000000" pitchFamily="2" charset="-122"/>
               </a:rPr>
               <a:t>三明治模型</a:t>
             </a:r>
             <a:r>
               <a:rPr lang="zh-CN" altLang="en-US" sz="1600" dirty="0" smtClean="0">
-                <a:latin typeface="字魂105号-简雅黑" panose="00000500000000000000" pitchFamily="2" charset="-122"/>
-                <a:ea typeface="字魂105号-简雅黑" panose="00000500000000000000" pitchFamily="2" charset="-122"/>
+                <a:latin typeface="华文中宋" panose="02010600040101010101" charset="-122"/>
+                <a:ea typeface="华文中宋" panose="02010600040101010101" charset="-122"/>
+                <a:cs typeface="华文中宋" panose="02010600040101010101" charset="-122"/>
                 <a:sym typeface="字魂105号-简雅黑" panose="00000500000000000000" pitchFamily="2" charset="-122"/>
               </a:rPr>
               <a:t>管理</a:t>
             </a:r>
             <a:r>
               <a:rPr lang="en-US" altLang="zh-CN" sz="1600" dirty="0" smtClean="0">
-                <a:latin typeface="字魂105号-简雅黑" panose="00000500000000000000" pitchFamily="2" charset="-122"/>
-                <a:ea typeface="字魂105号-简雅黑" panose="00000500000000000000" pitchFamily="2" charset="-122"/>
+                <a:latin typeface="华文中宋" panose="02010600040101010101" charset="-122"/>
+                <a:ea typeface="华文中宋" panose="02010600040101010101" charset="-122"/>
+                <a:cs typeface="华文中宋" panose="02010600040101010101" charset="-122"/>
                 <a:sym typeface="字魂105号-简雅黑" panose="00000500000000000000" pitchFamily="2" charset="-122"/>
               </a:rPr>
               <a:t>Token</a:t>
             </a:r>
             <a:r>
               <a:rPr lang="zh-CN" altLang="en-US" sz="1600" dirty="0" smtClean="0">
-                <a:latin typeface="字魂105号-简雅黑" panose="00000500000000000000" pitchFamily="2" charset="-122"/>
-                <a:ea typeface="字魂105号-简雅黑" panose="00000500000000000000" pitchFamily="2" charset="-122"/>
+                <a:latin typeface="华文中宋" panose="02010600040101010101" charset="-122"/>
+                <a:ea typeface="华文中宋" panose="02010600040101010101" charset="-122"/>
+                <a:cs typeface="华文中宋" panose="02010600040101010101" charset="-122"/>
                 <a:sym typeface="字魂105号-简雅黑" panose="00000500000000000000" pitchFamily="2" charset="-122"/>
               </a:rPr>
               <a:t>流：</a:t>
             </a:r>
             <a:endParaRPr lang="zh-CN" altLang="en-US" sz="1600" dirty="0" smtClean="0">
-              <a:latin typeface="字魂105号-简雅黑" panose="00000500000000000000" pitchFamily="2" charset="-122"/>
-              <a:ea typeface="字魂105号-简雅黑" panose="00000500000000000000" pitchFamily="2" charset="-122"/>
+              <a:latin typeface="华文中宋" panose="02010600040101010101" charset="-122"/>
+              <a:ea typeface="华文中宋" panose="02010600040101010101" charset="-122"/>
+              <a:cs typeface="华文中宋" panose="02010600040101010101" charset="-122"/>
               <a:sym typeface="字魂105号-简雅黑" panose="00000500000000000000" pitchFamily="2" charset="-122"/>
             </a:endParaRPr>
           </a:p>
@@ -11118,31 +11220,35 @@
             </a:pPr>
             <a:r>
               <a:rPr lang="en-US" altLang="zh-CN" sz="1600" dirty="0" smtClean="0">
-                <a:latin typeface="字魂105号-简雅黑" panose="00000500000000000000" pitchFamily="2" charset="-122"/>
-                <a:ea typeface="字魂105号-简雅黑" panose="00000500000000000000" pitchFamily="2" charset="-122"/>
+                <a:latin typeface="华文中宋" panose="02010600040101010101" charset="-122"/>
+                <a:ea typeface="华文中宋" panose="02010600040101010101" charset="-122"/>
+                <a:cs typeface="华文中宋" panose="02010600040101010101" charset="-122"/>
                 <a:sym typeface="字魂105号-简雅黑" panose="00000500000000000000" pitchFamily="2" charset="-122"/>
               </a:rPr>
               <a:t>current </a:t>
             </a:r>
             <a:r>
               <a:rPr lang="zh-CN" altLang="en-US" sz="1600" dirty="0" smtClean="0">
-                <a:latin typeface="字魂105号-简雅黑" panose="00000500000000000000" pitchFamily="2" charset="-122"/>
-                <a:ea typeface="字魂105号-简雅黑" panose="00000500000000000000" pitchFamily="2" charset="-122"/>
+                <a:latin typeface="华文中宋" panose="02010600040101010101" charset="-122"/>
+                <a:ea typeface="华文中宋" panose="02010600040101010101" charset="-122"/>
+                <a:cs typeface="华文中宋" panose="02010600040101010101" charset="-122"/>
                 <a:sym typeface="字魂105号-简雅黑" panose="00000500000000000000" pitchFamily="2" charset="-122"/>
               </a:rPr>
               <a:t>表示当前</a:t>
             </a:r>
             <a:r>
               <a:rPr lang="en-US" altLang="zh-CN" sz="1600" dirty="0" smtClean="0">
-                <a:latin typeface="字魂105号-简雅黑" panose="00000500000000000000" pitchFamily="2" charset="-122"/>
-                <a:ea typeface="字魂105号-简雅黑" panose="00000500000000000000" pitchFamily="2" charset="-122"/>
+                <a:latin typeface="华文中宋" panose="02010600040101010101" charset="-122"/>
+                <a:ea typeface="华文中宋" panose="02010600040101010101" charset="-122"/>
+                <a:cs typeface="华文中宋" panose="02010600040101010101" charset="-122"/>
                 <a:sym typeface="字魂105号-简雅黑" panose="00000500000000000000" pitchFamily="2" charset="-122"/>
               </a:rPr>
               <a:t>token</a:t>
             </a:r>
             <a:endParaRPr lang="en-US" altLang="zh-CN" sz="1600" dirty="0" smtClean="0">
-              <a:latin typeface="字魂105号-简雅黑" panose="00000500000000000000" pitchFamily="2" charset="-122"/>
-              <a:ea typeface="字魂105号-简雅黑" panose="00000500000000000000" pitchFamily="2" charset="-122"/>
+              <a:latin typeface="华文中宋" panose="02010600040101010101" charset="-122"/>
+              <a:ea typeface="华文中宋" panose="02010600040101010101" charset="-122"/>
+              <a:cs typeface="华文中宋" panose="02010600040101010101" charset="-122"/>
               <a:sym typeface="字魂105号-简雅黑" panose="00000500000000000000" pitchFamily="2" charset="-122"/>
             </a:endParaRPr>
           </a:p>
@@ -11156,31 +11262,35 @@
             </a:pPr>
             <a:r>
               <a:rPr lang="en-US" altLang="zh-CN" sz="1600" dirty="0" smtClean="0">
-                <a:latin typeface="字魂105号-简雅黑" panose="00000500000000000000" pitchFamily="2" charset="-122"/>
-                <a:ea typeface="字魂105号-简雅黑" panose="00000500000000000000" pitchFamily="2" charset="-122"/>
+                <a:latin typeface="华文中宋" panose="02010600040101010101" charset="-122"/>
+                <a:ea typeface="华文中宋" panose="02010600040101010101" charset="-122"/>
+                <a:cs typeface="华文中宋" panose="02010600040101010101" charset="-122"/>
                 <a:sym typeface="字魂105号-简雅黑" panose="00000500000000000000" pitchFamily="2" charset="-122"/>
               </a:rPr>
               <a:t>lookahead </a:t>
             </a:r>
             <a:r>
               <a:rPr lang="zh-CN" altLang="en-US" sz="1600" dirty="0" smtClean="0">
-                <a:latin typeface="字魂105号-简雅黑" panose="00000500000000000000" pitchFamily="2" charset="-122"/>
-                <a:ea typeface="字魂105号-简雅黑" panose="00000500000000000000" pitchFamily="2" charset="-122"/>
+                <a:latin typeface="华文中宋" panose="02010600040101010101" charset="-122"/>
+                <a:ea typeface="华文中宋" panose="02010600040101010101" charset="-122"/>
+                <a:cs typeface="华文中宋" panose="02010600040101010101" charset="-122"/>
                 <a:sym typeface="字魂105号-简雅黑" panose="00000500000000000000" pitchFamily="2" charset="-122"/>
               </a:rPr>
               <a:t>表示预读</a:t>
             </a:r>
             <a:r>
               <a:rPr lang="en-US" altLang="zh-CN" sz="1600" dirty="0" smtClean="0">
-                <a:latin typeface="字魂105号-简雅黑" panose="00000500000000000000" pitchFamily="2" charset="-122"/>
-                <a:ea typeface="字魂105号-简雅黑" panose="00000500000000000000" pitchFamily="2" charset="-122"/>
+                <a:latin typeface="华文中宋" panose="02010600040101010101" charset="-122"/>
+                <a:ea typeface="华文中宋" panose="02010600040101010101" charset="-122"/>
+                <a:cs typeface="华文中宋" panose="02010600040101010101" charset="-122"/>
                 <a:sym typeface="字魂105号-简雅黑" panose="00000500000000000000" pitchFamily="2" charset="-122"/>
               </a:rPr>
               <a:t>token</a:t>
             </a:r>
             <a:endParaRPr lang="en-US" altLang="zh-CN" sz="1600" dirty="0" smtClean="0">
-              <a:latin typeface="字魂105号-简雅黑" panose="00000500000000000000" pitchFamily="2" charset="-122"/>
-              <a:ea typeface="字魂105号-简雅黑" panose="00000500000000000000" pitchFamily="2" charset="-122"/>
+              <a:latin typeface="华文中宋" panose="02010600040101010101" charset="-122"/>
+              <a:ea typeface="华文中宋" panose="02010600040101010101" charset="-122"/>
+              <a:cs typeface="华文中宋" panose="02010600040101010101" charset="-122"/>
               <a:sym typeface="字魂105号-简雅黑" panose="00000500000000000000" pitchFamily="2" charset="-122"/>
             </a:endParaRPr>
           </a:p>
@@ -11194,55 +11304,62 @@
             </a:pPr>
             <a:r>
               <a:rPr lang="en-US" altLang="zh-CN" sz="1600" dirty="0" smtClean="0">
-                <a:latin typeface="字魂105号-简雅黑" panose="00000500000000000000" pitchFamily="2" charset="-122"/>
-                <a:ea typeface="字魂105号-简雅黑" panose="00000500000000000000" pitchFamily="2" charset="-122"/>
+                <a:latin typeface="华文中宋" panose="02010600040101010101" charset="-122"/>
+                <a:ea typeface="华文中宋" panose="02010600040101010101" charset="-122"/>
+                <a:cs typeface="华文中宋" panose="02010600040101010101" charset="-122"/>
                 <a:sym typeface="字魂105号-简雅黑" panose="00000500000000000000" pitchFamily="2" charset="-122"/>
               </a:rPr>
               <a:t>nextTokenFunc </a:t>
             </a:r>
             <a:r>
               <a:rPr lang="zh-CN" altLang="en-US" sz="1600" dirty="0" smtClean="0">
-                <a:latin typeface="字魂105号-简雅黑" panose="00000500000000000000" pitchFamily="2" charset="-122"/>
-                <a:ea typeface="字魂105号-简雅黑" panose="00000500000000000000" pitchFamily="2" charset="-122"/>
+                <a:latin typeface="华文中宋" panose="02010600040101010101" charset="-122"/>
+                <a:ea typeface="华文中宋" panose="02010600040101010101" charset="-122"/>
+                <a:cs typeface="华文中宋" panose="02010600040101010101" charset="-122"/>
                 <a:sym typeface="字魂105号-简雅黑" panose="00000500000000000000" pitchFamily="2" charset="-122"/>
               </a:rPr>
               <a:t>接收</a:t>
             </a:r>
             <a:r>
               <a:rPr lang="en-US" altLang="zh-CN" sz="1600" dirty="0" smtClean="0">
-                <a:latin typeface="字魂105号-简雅黑" panose="00000500000000000000" pitchFamily="2" charset="-122"/>
-                <a:ea typeface="字魂105号-简雅黑" panose="00000500000000000000" pitchFamily="2" charset="-122"/>
+                <a:latin typeface="华文中宋" panose="02010600040101010101" charset="-122"/>
+                <a:ea typeface="华文中宋" panose="02010600040101010101" charset="-122"/>
+                <a:cs typeface="华文中宋" panose="02010600040101010101" charset="-122"/>
                 <a:sym typeface="字魂105号-简雅黑" panose="00000500000000000000" pitchFamily="2" charset="-122"/>
               </a:rPr>
               <a:t>lexer</a:t>
             </a:r>
             <a:r>
               <a:rPr lang="zh-CN" altLang="en-US" sz="1600" dirty="0" smtClean="0">
-                <a:latin typeface="字魂105号-简雅黑" panose="00000500000000000000" pitchFamily="2" charset="-122"/>
-                <a:ea typeface="字魂105号-简雅黑" panose="00000500000000000000" pitchFamily="2" charset="-122"/>
+                <a:latin typeface="华文中宋" panose="02010600040101010101" charset="-122"/>
+                <a:ea typeface="华文中宋" panose="02010600040101010101" charset="-122"/>
+                <a:cs typeface="华文中宋" panose="02010600040101010101" charset="-122"/>
                 <a:sym typeface="字魂105号-简雅黑" panose="00000500000000000000" pitchFamily="2" charset="-122"/>
               </a:rPr>
               <a:t>的</a:t>
             </a:r>
             <a:r>
               <a:rPr lang="en-US" altLang="zh-CN" sz="1600" dirty="0" smtClean="0">
-                <a:latin typeface="字魂105号-简雅黑" panose="00000500000000000000" pitchFamily="2" charset="-122"/>
-                <a:ea typeface="字魂105号-简雅黑" panose="00000500000000000000" pitchFamily="2" charset="-122"/>
+                <a:latin typeface="华文中宋" panose="02010600040101010101" charset="-122"/>
+                <a:ea typeface="华文中宋" panose="02010600040101010101" charset="-122"/>
+                <a:cs typeface="华文中宋" panose="02010600040101010101" charset="-122"/>
                 <a:sym typeface="字魂105号-简雅黑" panose="00000500000000000000" pitchFamily="2" charset="-122"/>
               </a:rPr>
               <a:t>nextToken</a:t>
             </a:r>
             <a:r>
               <a:rPr lang="zh-CN" altLang="en-US" sz="1600" dirty="0" smtClean="0">
-                <a:latin typeface="字魂105号-简雅黑" panose="00000500000000000000" pitchFamily="2" charset="-122"/>
-                <a:ea typeface="字魂105号-简雅黑" panose="00000500000000000000" pitchFamily="2" charset="-122"/>
+                <a:latin typeface="华文中宋" panose="02010600040101010101" charset="-122"/>
+                <a:ea typeface="华文中宋" panose="02010600040101010101" charset="-122"/>
+                <a:cs typeface="华文中宋" panose="02010600040101010101" charset="-122"/>
                 <a:sym typeface="字魂105号-简雅黑" panose="00000500000000000000" pitchFamily="2" charset="-122"/>
               </a:rPr>
               <a:t>方法</a:t>
             </a:r>
             <a:endParaRPr lang="zh-CN" altLang="en-US" sz="1600" dirty="0" smtClean="0">
-              <a:latin typeface="字魂105号-简雅黑" panose="00000500000000000000" pitchFamily="2" charset="-122"/>
-              <a:ea typeface="字魂105号-简雅黑" panose="00000500000000000000" pitchFamily="2" charset="-122"/>
+              <a:latin typeface="华文中宋" panose="02010600040101010101" charset="-122"/>
+              <a:ea typeface="华文中宋" panose="02010600040101010101" charset="-122"/>
+              <a:cs typeface="华文中宋" panose="02010600040101010101" charset="-122"/>
               <a:sym typeface="字魂105号-简雅黑" panose="00000500000000000000" pitchFamily="2" charset="-122"/>
             </a:endParaRPr>
           </a:p>
@@ -11256,23 +11373,26 @@
             </a:pPr>
             <a:r>
               <a:rPr lang="en-US" altLang="zh-CN" sz="1600" dirty="0" smtClean="0">
-                <a:latin typeface="字魂105号-简雅黑" panose="00000500000000000000" pitchFamily="2" charset="-122"/>
-                <a:ea typeface="字魂105号-简雅黑" panose="00000500000000000000" pitchFamily="2" charset="-122"/>
+                <a:latin typeface="华文中宋" panose="02010600040101010101" charset="-122"/>
+                <a:ea typeface="华文中宋" panose="02010600040101010101" charset="-122"/>
+                <a:cs typeface="华文中宋" panose="02010600040101010101" charset="-122"/>
                 <a:sym typeface="字魂105号-简雅黑" panose="00000500000000000000" pitchFamily="2" charset="-122"/>
               </a:rPr>
               <a:t>reporter</a:t>
             </a:r>
             <a:r>
               <a:rPr lang="zh-CN" altLang="en-US" sz="1600" dirty="0" smtClean="0">
-                <a:latin typeface="字魂105号-简雅黑" panose="00000500000000000000" pitchFamily="2" charset="-122"/>
-                <a:ea typeface="字魂105号-简雅黑" panose="00000500000000000000" pitchFamily="2" charset="-122"/>
+                <a:latin typeface="华文中宋" panose="02010600040101010101" charset="-122"/>
+                <a:ea typeface="华文中宋" panose="02010600040101010101" charset="-122"/>
+                <a:cs typeface="华文中宋" panose="02010600040101010101" charset="-122"/>
                 <a:sym typeface="字魂105号-简雅黑" panose="00000500000000000000" pitchFamily="2" charset="-122"/>
               </a:rPr>
               <a:t>是与分析过程无关的错误机制</a:t>
             </a:r>
             <a:endParaRPr lang="zh-CN" altLang="en-US" sz="1600" dirty="0" smtClean="0">
-              <a:latin typeface="字魂105号-简雅黑" panose="00000500000000000000" pitchFamily="2" charset="-122"/>
-              <a:ea typeface="字魂105号-简雅黑" panose="00000500000000000000" pitchFamily="2" charset="-122"/>
+              <a:latin typeface="华文中宋" panose="02010600040101010101" charset="-122"/>
+              <a:ea typeface="华文中宋" panose="02010600040101010101" charset="-122"/>
+              <a:cs typeface="华文中宋" panose="02010600040101010101" charset="-122"/>
               <a:sym typeface="字魂105号-简雅黑" panose="00000500000000000000" pitchFamily="2" charset="-122"/>
             </a:endParaRPr>
           </a:p>
@@ -11340,111 +11460,125 @@
             </a:pPr>
             <a:r>
               <a:rPr lang="zh-CN" altLang="en-US" sz="1600" dirty="0" smtClean="0">
-                <a:latin typeface="字魂105号-简雅黑" panose="00000500000000000000" pitchFamily="2" charset="-122"/>
-                <a:ea typeface="字魂105号-简雅黑" panose="00000500000000000000" pitchFamily="2" charset="-122"/>
+                <a:latin typeface="华文中宋" panose="02010600040101010101" charset="-122"/>
+                <a:ea typeface="华文中宋" panose="02010600040101010101" charset="-122"/>
+                <a:cs typeface="华文中宋" panose="02010600040101010101" charset="-122"/>
                 <a:sym typeface="字魂105号-简雅黑" panose="00000500000000000000" pitchFamily="2" charset="-122"/>
               </a:rPr>
               <a:t>主要方法有`advance`, `match`, `check`, `checkAhead`, `expect`，</a:t>
             </a:r>
             <a:r>
               <a:rPr lang="en-US" altLang="zh-CN" sz="1600" dirty="0" smtClean="0">
-                <a:latin typeface="字魂105号-简雅黑" panose="00000500000000000000" pitchFamily="2" charset="-122"/>
-                <a:ea typeface="字魂105号-简雅黑" panose="00000500000000000000" pitchFamily="2" charset="-122"/>
+                <a:latin typeface="华文中宋" panose="02010600040101010101" charset="-122"/>
+                <a:ea typeface="华文中宋" panose="02010600040101010101" charset="-122"/>
+                <a:cs typeface="华文中宋" panose="02010600040101010101" charset="-122"/>
                 <a:sym typeface="字魂105号-简雅黑" panose="00000500000000000000" pitchFamily="2" charset="-122"/>
               </a:rPr>
               <a:t>`check`</a:t>
             </a:r>
             <a:r>
               <a:rPr lang="zh-CN" altLang="en-US" sz="1600" dirty="0" smtClean="0">
-                <a:latin typeface="字魂105号-简雅黑" panose="00000500000000000000" pitchFamily="2" charset="-122"/>
-                <a:ea typeface="字魂105号-简雅黑" panose="00000500000000000000" pitchFamily="2" charset="-122"/>
+                <a:latin typeface="华文中宋" panose="02010600040101010101" charset="-122"/>
+                <a:ea typeface="华文中宋" panose="02010600040101010101" charset="-122"/>
+                <a:cs typeface="华文中宋" panose="02010600040101010101" charset="-122"/>
                 <a:sym typeface="字魂105号-简雅黑" panose="00000500000000000000" pitchFamily="2" charset="-122"/>
               </a:rPr>
               <a:t>和</a:t>
             </a:r>
             <a:r>
               <a:rPr lang="en-US" altLang="zh-CN" sz="1600" dirty="0" smtClean="0">
-                <a:latin typeface="字魂105号-简雅黑" panose="00000500000000000000" pitchFamily="2" charset="-122"/>
-                <a:ea typeface="字魂105号-简雅黑" panose="00000500000000000000" pitchFamily="2" charset="-122"/>
+                <a:latin typeface="华文中宋" panose="02010600040101010101" charset="-122"/>
+                <a:ea typeface="华文中宋" panose="02010600040101010101" charset="-122"/>
+                <a:cs typeface="华文中宋" panose="02010600040101010101" charset="-122"/>
                 <a:sym typeface="字魂105号-简雅黑" panose="00000500000000000000" pitchFamily="2" charset="-122"/>
               </a:rPr>
               <a:t>`checkAhead`</a:t>
             </a:r>
             <a:r>
               <a:rPr lang="zh-CN" altLang="en-US" sz="1600" dirty="0" smtClean="0">
-                <a:latin typeface="字魂105号-简雅黑" panose="00000500000000000000" pitchFamily="2" charset="-122"/>
-                <a:ea typeface="字魂105号-简雅黑" panose="00000500000000000000" pitchFamily="2" charset="-122"/>
+                <a:latin typeface="华文中宋" panose="02010600040101010101" charset="-122"/>
+                <a:ea typeface="华文中宋" panose="02010600040101010101" charset="-122"/>
+                <a:cs typeface="华文中宋" panose="02010600040101010101" charset="-122"/>
                 <a:sym typeface="字魂105号-简雅黑" panose="00000500000000000000" pitchFamily="2" charset="-122"/>
               </a:rPr>
               <a:t>实现</a:t>
             </a:r>
             <a:r>
               <a:rPr lang="en-US" altLang="zh-CN" sz="1600" dirty="0" smtClean="0">
-                <a:latin typeface="字魂105号-简雅黑" panose="00000500000000000000" pitchFamily="2" charset="-122"/>
-                <a:ea typeface="字魂105号-简雅黑" panose="00000500000000000000" pitchFamily="2" charset="-122"/>
+                <a:latin typeface="华文中宋" panose="02010600040101010101" charset="-122"/>
+                <a:ea typeface="华文中宋" panose="02010600040101010101" charset="-122"/>
+                <a:cs typeface="华文中宋" panose="02010600040101010101" charset="-122"/>
                 <a:sym typeface="字魂105号-简雅黑" panose="00000500000000000000" pitchFamily="2" charset="-122"/>
               </a:rPr>
               <a:t>LL(2)</a:t>
             </a:r>
             <a:r>
               <a:rPr lang="zh-CN" altLang="en-US" sz="1600" dirty="0" smtClean="0">
-                <a:latin typeface="字魂105号-简雅黑" panose="00000500000000000000" pitchFamily="2" charset="-122"/>
-                <a:ea typeface="字魂105号-简雅黑" panose="00000500000000000000" pitchFamily="2" charset="-122"/>
+                <a:latin typeface="华文中宋" panose="02010600040101010101" charset="-122"/>
+                <a:ea typeface="华文中宋" panose="02010600040101010101" charset="-122"/>
+                <a:cs typeface="华文中宋" panose="02010600040101010101" charset="-122"/>
                 <a:sym typeface="字魂105号-简雅黑" panose="00000500000000000000" pitchFamily="2" charset="-122"/>
               </a:rPr>
               <a:t>效果，</a:t>
             </a:r>
             <a:r>
               <a:rPr lang="en-US" altLang="zh-CN" sz="1600" dirty="0" smtClean="0">
-                <a:latin typeface="字魂105号-简雅黑" panose="00000500000000000000" pitchFamily="2" charset="-122"/>
-                <a:ea typeface="字魂105号-简雅黑" panose="00000500000000000000" pitchFamily="2" charset="-122"/>
+                <a:latin typeface="华文中宋" panose="02010600040101010101" charset="-122"/>
+                <a:ea typeface="华文中宋" panose="02010600040101010101" charset="-122"/>
+                <a:cs typeface="华文中宋" panose="02010600040101010101" charset="-122"/>
                 <a:sym typeface="字魂105号-简雅黑" panose="00000500000000000000" pitchFamily="2" charset="-122"/>
               </a:rPr>
               <a:t>`advance`</a:t>
             </a:r>
             <a:r>
               <a:rPr lang="zh-CN" altLang="en-US" sz="1600" dirty="0" smtClean="0">
-                <a:latin typeface="字魂105号-简雅黑" panose="00000500000000000000" pitchFamily="2" charset="-122"/>
-                <a:ea typeface="字魂105号-简雅黑" panose="00000500000000000000" pitchFamily="2" charset="-122"/>
+                <a:latin typeface="华文中宋" panose="02010600040101010101" charset="-122"/>
+                <a:ea typeface="华文中宋" panose="02010600040101010101" charset="-122"/>
+                <a:cs typeface="华文中宋" panose="02010600040101010101" charset="-122"/>
                 <a:sym typeface="字魂105号-简雅黑" panose="00000500000000000000" pitchFamily="2" charset="-122"/>
               </a:rPr>
               <a:t>和</a:t>
             </a:r>
             <a:r>
               <a:rPr lang="en-US" altLang="zh-CN" sz="1600" dirty="0" smtClean="0">
-                <a:latin typeface="字魂105号-简雅黑" panose="00000500000000000000" pitchFamily="2" charset="-122"/>
-                <a:ea typeface="字魂105号-简雅黑" panose="00000500000000000000" pitchFamily="2" charset="-122"/>
+                <a:latin typeface="华文中宋" panose="02010600040101010101" charset="-122"/>
+                <a:ea typeface="华文中宋" panose="02010600040101010101" charset="-122"/>
+                <a:cs typeface="华文中宋" panose="02010600040101010101" charset="-122"/>
                 <a:sym typeface="字魂105号-简雅黑" panose="00000500000000000000" pitchFamily="2" charset="-122"/>
               </a:rPr>
               <a:t>`expect`</a:t>
             </a:r>
             <a:r>
               <a:rPr lang="zh-CN" altLang="en-US" sz="1600" dirty="0" smtClean="0">
-                <a:latin typeface="字魂105号-简雅黑" panose="00000500000000000000" pitchFamily="2" charset="-122"/>
-                <a:ea typeface="字魂105号-简雅黑" panose="00000500000000000000" pitchFamily="2" charset="-122"/>
+                <a:latin typeface="华文中宋" panose="02010600040101010101" charset="-122"/>
+                <a:ea typeface="华文中宋" panose="02010600040101010101" charset="-122"/>
+                <a:cs typeface="华文中宋" panose="02010600040101010101" charset="-122"/>
                 <a:sym typeface="字魂105号-简雅黑" panose="00000500000000000000" pitchFamily="2" charset="-122"/>
               </a:rPr>
               <a:t>用于接收</a:t>
             </a:r>
             <a:r>
               <a:rPr lang="en-US" altLang="zh-CN" sz="1600" dirty="0" smtClean="0">
-                <a:latin typeface="字魂105号-简雅黑" panose="00000500000000000000" pitchFamily="2" charset="-122"/>
-                <a:ea typeface="字魂105号-简雅黑" panose="00000500000000000000" pitchFamily="2" charset="-122"/>
+                <a:latin typeface="华文中宋" panose="02010600040101010101" charset="-122"/>
+                <a:ea typeface="华文中宋" panose="02010600040101010101" charset="-122"/>
+                <a:cs typeface="华文中宋" panose="02010600040101010101" charset="-122"/>
                 <a:sym typeface="字魂105号-简雅黑" panose="00000500000000000000" pitchFamily="2" charset="-122"/>
               </a:rPr>
               <a:t>Token</a:t>
             </a:r>
             <a:r>
               <a:rPr lang="zh-CN" altLang="en-US" sz="1600" dirty="0" smtClean="0">
-                <a:latin typeface="字魂105号-简雅黑" panose="00000500000000000000" pitchFamily="2" charset="-122"/>
-                <a:ea typeface="字魂105号-简雅黑" panose="00000500000000000000" pitchFamily="2" charset="-122"/>
+                <a:latin typeface="华文中宋" panose="02010600040101010101" charset="-122"/>
+                <a:ea typeface="华文中宋" panose="02010600040101010101" charset="-122"/>
+                <a:cs typeface="华文中宋" panose="02010600040101010101" charset="-122"/>
                 <a:sym typeface="字魂105号-简雅黑" panose="00000500000000000000" pitchFamily="2" charset="-122"/>
               </a:rPr>
               <a:t>。</a:t>
             </a:r>
             <a:endParaRPr lang="zh-CN" altLang="en-US" sz="1600" dirty="0" smtClean="0">
-              <a:latin typeface="字魂105号-简雅黑" panose="00000500000000000000" pitchFamily="2" charset="-122"/>
-              <a:ea typeface="字魂105号-简雅黑" panose="00000500000000000000" pitchFamily="2" charset="-122"/>
+              <a:latin typeface="华文中宋" panose="02010600040101010101" charset="-122"/>
+              <a:ea typeface="华文中宋" panose="02010600040101010101" charset="-122"/>
+              <a:cs typeface="华文中宋" panose="02010600040101010101" charset="-122"/>
               <a:sym typeface="字魂105号-简雅黑" panose="00000500000000000000" pitchFamily="2" charset="-122"/>
             </a:endParaRPr>
           </a:p>
@@ -11888,7 +12022,7 @@
             <a:noAutofit/>
           </a:bodyPr>
           <a:p>
-            <a:pPr indent="0">
+            <a:pPr indent="457200">
               <a:lnSpc>
                 <a:spcPct val="100000"/>
               </a:lnSpc>
@@ -11900,63 +12034,71 @@
             </a:pPr>
             <a:r>
               <a:rPr lang="zh-CN" altLang="en-US" sz="1600" dirty="0" smtClean="0">
-                <a:latin typeface="字魂105号-简雅黑" panose="00000500000000000000" pitchFamily="2" charset="-122"/>
-                <a:ea typeface="字魂105号-简雅黑" panose="00000500000000000000" pitchFamily="2" charset="-122"/>
+                <a:latin typeface="华文中宋" panose="02010600040101010101" charset="-122"/>
+                <a:ea typeface="华文中宋" panose="02010600040101010101" charset="-122"/>
+                <a:cs typeface="华文中宋" panose="02010600040101010101" charset="-122"/>
                 <a:sym typeface="字魂105号-简雅黑" panose="00000500000000000000" pitchFamily="2" charset="-122"/>
               </a:rPr>
               <a:t>由于不采用</a:t>
             </a:r>
             <a:r>
               <a:rPr lang="en-US" altLang="zh-CN" sz="1600" dirty="0" smtClean="0">
-                <a:latin typeface="字魂105号-简雅黑" panose="00000500000000000000" pitchFamily="2" charset="-122"/>
-                <a:ea typeface="字魂105号-简雅黑" panose="00000500000000000000" pitchFamily="2" charset="-122"/>
+                <a:latin typeface="华文中宋" panose="02010600040101010101" charset="-122"/>
+                <a:ea typeface="华文中宋" panose="02010600040101010101" charset="-122"/>
+                <a:cs typeface="华文中宋" panose="02010600040101010101" charset="-122"/>
                 <a:sym typeface="字魂105号-简雅黑" panose="00000500000000000000" pitchFamily="2" charset="-122"/>
               </a:rPr>
               <a:t>LR</a:t>
             </a:r>
             <a:r>
               <a:rPr lang="zh-CN" altLang="en-US" sz="1600" dirty="0" smtClean="0">
-                <a:latin typeface="字魂105号-简雅黑" panose="00000500000000000000" pitchFamily="2" charset="-122"/>
-                <a:ea typeface="字魂105号-简雅黑" panose="00000500000000000000" pitchFamily="2" charset="-122"/>
+                <a:latin typeface="华文中宋" panose="02010600040101010101" charset="-122"/>
+                <a:ea typeface="华文中宋" panose="02010600040101010101" charset="-122"/>
+                <a:cs typeface="华文中宋" panose="02010600040101010101" charset="-122"/>
                 <a:sym typeface="字魂105号-简雅黑" panose="00000500000000000000" pitchFamily="2" charset="-122"/>
               </a:rPr>
               <a:t>分析而是</a:t>
             </a:r>
             <a:r>
               <a:rPr lang="en-US" altLang="zh-CN" sz="1600" dirty="0" smtClean="0">
-                <a:latin typeface="字魂105号-简雅黑" panose="00000500000000000000" pitchFamily="2" charset="-122"/>
-                <a:ea typeface="字魂105号-简雅黑" panose="00000500000000000000" pitchFamily="2" charset="-122"/>
+                <a:latin typeface="华文中宋" panose="02010600040101010101" charset="-122"/>
+                <a:ea typeface="华文中宋" panose="02010600040101010101" charset="-122"/>
+                <a:cs typeface="华文中宋" panose="02010600040101010101" charset="-122"/>
                 <a:sym typeface="字魂105号-简雅黑" panose="00000500000000000000" pitchFamily="2" charset="-122"/>
               </a:rPr>
               <a:t>LL(2)</a:t>
             </a:r>
             <a:r>
               <a:rPr lang="zh-CN" altLang="en-US" sz="1600" dirty="0" smtClean="0">
-                <a:latin typeface="字魂105号-简雅黑" panose="00000500000000000000" pitchFamily="2" charset="-122"/>
-                <a:ea typeface="字魂105号-简雅黑" panose="00000500000000000000" pitchFamily="2" charset="-122"/>
+                <a:latin typeface="华文中宋" panose="02010600040101010101" charset="-122"/>
+                <a:ea typeface="华文中宋" panose="02010600040101010101" charset="-122"/>
+                <a:cs typeface="华文中宋" panose="02010600040101010101" charset="-122"/>
                 <a:sym typeface="字魂105号-简雅黑" panose="00000500000000000000" pitchFamily="2" charset="-122"/>
               </a:rPr>
               <a:t>方法，因此自上而下解析每一个非终结符，</a:t>
             </a:r>
             <a:r>
               <a:rPr lang="en-US" altLang="zh-CN" sz="1600" dirty="0" smtClean="0">
-                <a:latin typeface="字魂105号-简雅黑" panose="00000500000000000000" pitchFamily="2" charset="-122"/>
-                <a:ea typeface="字魂105号-简雅黑" panose="00000500000000000000" pitchFamily="2" charset="-122"/>
+                <a:latin typeface="华文中宋" panose="02010600040101010101" charset="-122"/>
+                <a:ea typeface="华文中宋" panose="02010600040101010101" charset="-122"/>
+                <a:cs typeface="华文中宋" panose="02010600040101010101" charset="-122"/>
                 <a:sym typeface="字魂105号-简雅黑" panose="00000500000000000000" pitchFamily="2" charset="-122"/>
               </a:rPr>
               <a:t>Parser</a:t>
             </a:r>
             <a:r>
               <a:rPr lang="zh-CN" altLang="en-US" sz="1600" dirty="0" smtClean="0">
-                <a:latin typeface="字魂105号-简雅黑" panose="00000500000000000000" pitchFamily="2" charset="-122"/>
-                <a:ea typeface="字魂105号-简雅黑" panose="00000500000000000000" pitchFamily="2" charset="-122"/>
+                <a:latin typeface="华文中宋" panose="02010600040101010101" charset="-122"/>
+                <a:ea typeface="华文中宋" panose="02010600040101010101" charset="-122"/>
+                <a:cs typeface="华文中宋" panose="02010600040101010101" charset="-122"/>
                 <a:sym typeface="字魂105号-简雅黑" panose="00000500000000000000" pitchFamily="2" charset="-122"/>
               </a:rPr>
               <a:t>都有对应的解析函数。</a:t>
             </a:r>
             <a:endParaRPr lang="zh-CN" altLang="en-US" sz="1600" dirty="0" smtClean="0">
-              <a:latin typeface="字魂105号-简雅黑" panose="00000500000000000000" pitchFamily="2" charset="-122"/>
-              <a:ea typeface="字魂105号-简雅黑" panose="00000500000000000000" pitchFamily="2" charset="-122"/>
+              <a:latin typeface="华文中宋" panose="02010600040101010101" charset="-122"/>
+              <a:ea typeface="华文中宋" panose="02010600040101010101" charset="-122"/>
+              <a:cs typeface="华文中宋" panose="02010600040101010101" charset="-122"/>
               <a:sym typeface="字魂105号-简雅黑" panose="00000500000000000000" pitchFamily="2" charset="-122"/>
             </a:endParaRPr>
           </a:p>
@@ -12388,7 +12530,7 @@
         </p:nvSpPr>
         <p:spPr>
           <a:xfrm>
-            <a:off x="2260600" y="1423670"/>
+            <a:off x="2260600" y="1344930"/>
             <a:ext cx="7671435" cy="1194435"/>
           </a:xfrm>
           <a:prstGeom prst="rect">
@@ -12400,142 +12542,106 @@
             <a:noAutofit/>
           </a:bodyPr>
           <a:p>
-            <a:pPr indent="0">
+            <a:pPr indent="457200" algn="l">
               <a:lnSpc>
                 <a:spcPct val="100000"/>
               </a:lnSpc>
-              <a:spcAft>
-                <a:spcPts val="600"/>
-              </a:spcAft>
-              <a:buFont typeface="Wingdings" panose="05000000000000000000" pitchFamily="2" charset="2"/>
+              <a:buClrTx/>
+              <a:buSzTx/>
+              <a:buFontTx/>
               <a:buNone/>
             </a:pPr>
             <a:r>
-              <a:rPr lang="en-US" altLang="zh-CN" sz="1400" dirty="0" smtClean="0">
-                <a:latin typeface="字魂105号-简雅黑" panose="00000500000000000000" pitchFamily="2" charset="-122"/>
-                <a:ea typeface="字魂105号-简雅黑" panose="00000500000000000000" pitchFamily="2" charset="-122"/>
-                <a:sym typeface="字魂105号-简雅黑" panose="00000500000000000000" pitchFamily="2" charset="-122"/>
-              </a:rPr>
-              <a:t>Parser</a:t>
-            </a:r>
-            <a:r>
-              <a:rPr lang="zh-CN" altLang="en-US" sz="1400" dirty="0" smtClean="0">
-                <a:latin typeface="字魂105号-简雅黑" panose="00000500000000000000" pitchFamily="2" charset="-122"/>
-                <a:ea typeface="字魂105号-简雅黑" panose="00000500000000000000" pitchFamily="2" charset="-122"/>
-                <a:sym typeface="字魂105号-简雅黑" panose="00000500000000000000" pitchFamily="2" charset="-122"/>
-              </a:rPr>
-              <a:t>的每个解析函数都是根据产生式严格执行：</a:t>
-            </a:r>
-            <a:endParaRPr lang="zh-CN" altLang="en-US" sz="1400" dirty="0" smtClean="0">
-              <a:latin typeface="字魂105号-简雅黑" panose="00000500000000000000" pitchFamily="2" charset="-122"/>
-              <a:ea typeface="字魂105号-简雅黑" panose="00000500000000000000" pitchFamily="2" charset="-122"/>
+              <a:rPr sz="1600" dirty="0">
+                <a:latin typeface="华文中宋" panose="02010600040101010101" charset="-122"/>
+                <a:ea typeface="华文中宋" panose="02010600040101010101" charset="-122"/>
+                <a:cs typeface="华文中宋" panose="02010600040101010101" charset="-122"/>
+                <a:sym typeface="字魂105号-简雅黑" panose="00000500000000000000" pitchFamily="2" charset="-122"/>
+              </a:rPr>
+              <a:t>Parser的每个解析函数都是根据产生式严格执行：</a:t>
+            </a:r>
+            <a:endParaRPr sz="1600" dirty="0">
+              <a:latin typeface="华文中宋" panose="02010600040101010101" charset="-122"/>
+              <a:ea typeface="华文中宋" panose="02010600040101010101" charset="-122"/>
+              <a:cs typeface="华文中宋" panose="02010600040101010101" charset="-122"/>
               <a:sym typeface="字魂105号-简雅黑" panose="00000500000000000000" pitchFamily="2" charset="-122"/>
             </a:endParaRPr>
           </a:p>
           <a:p>
-            <a:pPr indent="0">
+            <a:pPr indent="457200" algn="l">
               <a:lnSpc>
                 <a:spcPct val="100000"/>
               </a:lnSpc>
-              <a:spcAft>
-                <a:spcPts val="600"/>
-              </a:spcAft>
-              <a:buFont typeface="Wingdings" panose="05000000000000000000" pitchFamily="2" charset="2"/>
+              <a:buClrTx/>
+              <a:buSzTx/>
+              <a:buFontTx/>
               <a:buNone/>
             </a:pPr>
             <a:r>
-              <a:rPr lang="zh-CN" altLang="en-US" sz="1400" dirty="0" smtClean="0">
-                <a:latin typeface="字魂105号-简雅黑" panose="00000500000000000000" pitchFamily="2" charset="-122"/>
-                <a:ea typeface="字魂105号-简雅黑" panose="00000500000000000000" pitchFamily="2" charset="-122"/>
-                <a:sym typeface="字魂105号-简雅黑" panose="00000500000000000000" pitchFamily="2" charset="-122"/>
-              </a:rPr>
-              <a:t>分析非终结符，调用对应解析函数；分析终结符，采用</a:t>
-            </a:r>
-            <a:r>
-              <a:rPr lang="en-US" altLang="zh-CN" sz="1400" dirty="0" smtClean="0">
-                <a:latin typeface="字魂105号-简雅黑" panose="00000500000000000000" pitchFamily="2" charset="-122"/>
-                <a:ea typeface="字魂105号-简雅黑" panose="00000500000000000000" pitchFamily="2" charset="-122"/>
-                <a:sym typeface="字魂105号-简雅黑" panose="00000500000000000000" pitchFamily="2" charset="-122"/>
-              </a:rPr>
-              <a:t>expect</a:t>
-            </a:r>
-            <a:r>
-              <a:rPr lang="zh-CN" altLang="en-US" sz="1400" dirty="0" smtClean="0">
-                <a:latin typeface="字魂105号-简雅黑" panose="00000500000000000000" pitchFamily="2" charset="-122"/>
-                <a:ea typeface="字魂105号-简雅黑" panose="00000500000000000000" pitchFamily="2" charset="-122"/>
-                <a:sym typeface="字魂105号-简雅黑" panose="00000500000000000000" pitchFamily="2" charset="-122"/>
-              </a:rPr>
-              <a:t>进行</a:t>
-            </a:r>
-            <a:r>
-              <a:rPr lang="en-US" altLang="zh-CN" sz="1400" dirty="0" smtClean="0">
-                <a:latin typeface="字魂105号-简雅黑" panose="00000500000000000000" pitchFamily="2" charset="-122"/>
-                <a:ea typeface="字魂105号-简雅黑" panose="00000500000000000000" pitchFamily="2" charset="-122"/>
-                <a:sym typeface="字魂105号-简雅黑" panose="00000500000000000000" pitchFamily="2" charset="-122"/>
-              </a:rPr>
-              <a:t>token</a:t>
-            </a:r>
-            <a:r>
-              <a:rPr lang="zh-CN" altLang="en-US" sz="1400" dirty="0" smtClean="0">
-                <a:latin typeface="字魂105号-简雅黑" panose="00000500000000000000" pitchFamily="2" charset="-122"/>
-                <a:ea typeface="字魂105号-简雅黑" panose="00000500000000000000" pitchFamily="2" charset="-122"/>
-                <a:sym typeface="字魂105号-简雅黑" panose="00000500000000000000" pitchFamily="2" charset="-122"/>
-              </a:rPr>
-              <a:t>的匹配。</a:t>
-            </a:r>
-            <a:endParaRPr lang="zh-CN" altLang="en-US" sz="1400" dirty="0" smtClean="0">
-              <a:latin typeface="字魂105号-简雅黑" panose="00000500000000000000" pitchFamily="2" charset="-122"/>
-              <a:ea typeface="字魂105号-简雅黑" panose="00000500000000000000" pitchFamily="2" charset="-122"/>
+              <a:rPr sz="1600" dirty="0">
+                <a:latin typeface="华文中宋" panose="02010600040101010101" charset="-122"/>
+                <a:ea typeface="华文中宋" panose="02010600040101010101" charset="-122"/>
+                <a:cs typeface="华文中宋" panose="02010600040101010101" charset="-122"/>
+                <a:sym typeface="字魂105号-简雅黑" panose="00000500000000000000" pitchFamily="2" charset="-122"/>
+              </a:rPr>
+              <a:t>分析非终结符，调用对应解析函数；分析终结符，采用expect进行token的匹配。</a:t>
+            </a:r>
+            <a:endParaRPr sz="1600" dirty="0">
+              <a:latin typeface="华文中宋" panose="02010600040101010101" charset="-122"/>
+              <a:ea typeface="华文中宋" panose="02010600040101010101" charset="-122"/>
+              <a:cs typeface="华文中宋" panose="02010600040101010101" charset="-122"/>
               <a:sym typeface="字魂105号-简雅黑" panose="00000500000000000000" pitchFamily="2" charset="-122"/>
             </a:endParaRPr>
           </a:p>
           <a:p>
-            <a:pPr indent="0">
+            <a:pPr indent="457200" algn="l">
               <a:lnSpc>
                 <a:spcPct val="100000"/>
               </a:lnSpc>
-              <a:spcAft>
-                <a:spcPts val="600"/>
-              </a:spcAft>
-              <a:buFont typeface="Wingdings" panose="05000000000000000000" pitchFamily="2" charset="2"/>
+              <a:buClrTx/>
+              <a:buSzTx/>
+              <a:buFontTx/>
               <a:buNone/>
             </a:pPr>
             <a:r>
-              <a:rPr lang="zh-CN" altLang="en-US" sz="1400" dirty="0" smtClean="0">
-                <a:latin typeface="字魂105号-简雅黑" panose="00000500000000000000" pitchFamily="2" charset="-122"/>
-                <a:ea typeface="字魂105号-简雅黑" panose="00000500000000000000" pitchFamily="2" charset="-122"/>
+              <a:rPr sz="1600" dirty="0">
+                <a:latin typeface="华文中宋" panose="02010600040101010101" charset="-122"/>
+                <a:ea typeface="华文中宋" panose="02010600040101010101" charset="-122"/>
+                <a:cs typeface="华文中宋" panose="02010600040101010101" charset="-122"/>
                 <a:sym typeface="字魂105号-简雅黑" panose="00000500000000000000" pitchFamily="2" charset="-122"/>
               </a:rPr>
               <a:t>下示函数头部分解析：</a:t>
             </a:r>
-            <a:endParaRPr lang="zh-CN" altLang="en-US" sz="1400" dirty="0" smtClean="0">
-              <a:latin typeface="字魂105号-简雅黑" panose="00000500000000000000" pitchFamily="2" charset="-122"/>
-              <a:ea typeface="字魂105号-简雅黑" panose="00000500000000000000" pitchFamily="2" charset="-122"/>
+            <a:endParaRPr sz="1600" dirty="0">
+              <a:latin typeface="华文中宋" panose="02010600040101010101" charset="-122"/>
+              <a:ea typeface="华文中宋" panose="02010600040101010101" charset="-122"/>
+              <a:cs typeface="华文中宋" panose="02010600040101010101" charset="-122"/>
               <a:sym typeface="字魂105号-简雅黑" panose="00000500000000000000" pitchFamily="2" charset="-122"/>
             </a:endParaRPr>
           </a:p>
           <a:p>
-            <a:pPr indent="0">
+            <a:pPr indent="457200" algn="l">
               <a:lnSpc>
                 <a:spcPct val="100000"/>
               </a:lnSpc>
-              <a:spcAft>
-                <a:spcPts val="600"/>
-              </a:spcAft>
-              <a:buFont typeface="Wingdings" panose="05000000000000000000" pitchFamily="2" charset="2"/>
+              <a:buClrTx/>
+              <a:buSzTx/>
+              <a:buFontTx/>
               <a:buNone/>
             </a:pPr>
             <a:r>
-              <a:rPr lang="zh-CN" altLang="en-US" sz="1400" dirty="0" smtClean="0">
-                <a:latin typeface="字魂105号-简雅黑" panose="00000500000000000000" pitchFamily="2" charset="-122"/>
-                <a:ea typeface="字魂105号-简雅黑" panose="00000500000000000000" pitchFamily="2" charset="-122"/>
+              <a:rPr sz="1600" dirty="0">
+                <a:latin typeface="华文中宋" panose="02010600040101010101" charset="-122"/>
+                <a:ea typeface="华文中宋" panose="02010600040101010101" charset="-122"/>
+                <a:cs typeface="华文中宋" panose="02010600040101010101" charset="-122"/>
                 <a:sym typeface="字魂105号-简雅黑" panose="00000500000000000000" pitchFamily="2" charset="-122"/>
               </a:rPr>
               <a:t>FuncHeaderDecl -&gt; "fn" "\&lt;ID\&gt;" "(" (arg ("," arg)*)? ")" ("-&gt;" VarType)?</a:t>
             </a:r>
-            <a:endParaRPr lang="zh-CN" altLang="en-US" sz="1400" dirty="0" smtClean="0">
-              <a:latin typeface="字魂105号-简雅黑" panose="00000500000000000000" pitchFamily="2" charset="-122"/>
-              <a:ea typeface="字魂105号-简雅黑" panose="00000500000000000000" pitchFamily="2" charset="-122"/>
+            <a:endParaRPr sz="1600" dirty="0">
+              <a:latin typeface="华文中宋" panose="02010600040101010101" charset="-122"/>
+              <a:ea typeface="华文中宋" panose="02010600040101010101" charset="-122"/>
+              <a:cs typeface="华文中宋" panose="02010600040101010101" charset="-122"/>
               <a:sym typeface="字魂105号-简雅黑" panose="00000500000000000000" pitchFamily="2" charset="-122"/>
             </a:endParaRPr>
           </a:p>
@@ -22103,6 +22209,9 @@
             </a:r>
             <a:r>
               <a:rPr lang="en-US" altLang="zh-CN" sz="1600" dirty="0">
+                <a:solidFill>
+                  <a:srgbClr val="FF0000"/>
+                </a:solidFill>
                 <a:latin typeface="华文中宋" panose="02010600040101010101" charset="-122"/>
                 <a:ea typeface="华文中宋" panose="02010600040101010101" charset="-122"/>
                 <a:cs typeface="华文中宋" panose="02010600040101010101" charset="-122"/>
@@ -23538,7 +23647,7 @@
               <a:t> `</a:t>
             </a:r>
             <a:r>
-              <a:rPr lang="en-US" altLang="zh-CN" sz="1600" b="0" dirty="0">
+              <a:rPr lang="en-US" altLang="zh-CN" sz="1600" b="1" dirty="0">
                 <a:solidFill>
                   <a:srgbClr val="FF0000"/>
                 </a:solidFill>
@@ -24452,12 +24561,15 @@
               <a:t>作为整个语义分析的入口，</a:t>
             </a:r>
             <a:r>
-              <a:rPr lang="zh-CN" altLang="en-US" sz="1600" dirty="0">
-                <a:latin typeface="华文中宋" panose="02010600040101010101" charset="-122"/>
-                <a:ea typeface="华文中宋" panose="02010600040101010101" charset="-122"/>
-                <a:cs typeface="华文中宋" panose="02010600040101010101" charset="-122"/>
-              </a:rPr>
-              <a:t>**checkProg**</a:t>
+              <a:rPr lang="zh-CN" altLang="en-US" sz="1600" b="1" dirty="0">
+                <a:solidFill>
+                  <a:srgbClr val="FF0000"/>
+                </a:solidFill>
+                <a:latin typeface="华文中宋" panose="02010600040101010101" charset="-122"/>
+                <a:ea typeface="华文中宋" panose="02010600040101010101" charset="-122"/>
+                <a:cs typeface="华文中宋" panose="02010600040101010101" charset="-122"/>
+              </a:rPr>
+              <a:t>checkProg</a:t>
             </a:r>
             <a:r>
               <a:rPr lang="zh-CN" altLang="en-US" sz="1600" b="0" dirty="0">
@@ -25654,7 +25766,7 @@
         <p:spPr>
           <a:xfrm>
             <a:off x="4613690" y="3271730"/>
-            <a:ext cx="3859530" cy="645160"/>
+            <a:ext cx="3398520" cy="645160"/>
           </a:xfrm>
           <a:prstGeom prst="rect">
             <a:avLst/>
@@ -25702,7 +25814,7 @@
                 <a:ea typeface="字魂105号-简雅黑" panose="00000500000000000000" pitchFamily="2" charset="-122"/>
                 <a:sym typeface="字魂105号-简雅黑" panose="00000500000000000000" pitchFamily="2" charset="-122"/>
               </a:rPr>
-              <a:t>  中间代码生成</a:t>
+              <a:t>中间代码生成</a:t>
             </a:r>
             <a:endParaRPr kumimoji="0" lang="zh-CN" altLang="en-US" sz="3600" b="0" i="0" u="none" strike="noStrike" kern="1200" cap="none" spc="0" normalizeH="0" baseline="0" noProof="0" dirty="0">
               <a:ln>
@@ -26269,6 +26381,3898 @@
       </p:grpSpPr>
       <p:sp>
         <p:nvSpPr>
+          <p:cNvPr id="2" name="任意多边形: 形状 1"/>
+          <p:cNvSpPr/>
+          <p:nvPr/>
+        </p:nvSpPr>
+        <p:spPr>
+          <a:xfrm>
+            <a:off x="415013" y="503442"/>
+            <a:ext cx="4197627" cy="750211"/>
+          </a:xfrm>
+          <a:custGeom>
+            <a:avLst/>
+            <a:gdLst>
+              <a:gd name="connsiteX0" fmla="*/ 674315 w 6261654"/>
+              <a:gd name="connsiteY0" fmla="*/ 0 h 1348631"/>
+              <a:gd name="connsiteX1" fmla="*/ 674325 w 6261654"/>
+              <a:gd name="connsiteY1" fmla="*/ 1 h 1348631"/>
+              <a:gd name="connsiteX2" fmla="*/ 5558735 w 6261654"/>
+              <a:gd name="connsiteY2" fmla="*/ 1 h 1348631"/>
+              <a:gd name="connsiteX3" fmla="*/ 5558735 w 6261654"/>
+              <a:gd name="connsiteY3" fmla="*/ 2885 h 1348631"/>
+              <a:gd name="connsiteX4" fmla="*/ 5587339 w 6261654"/>
+              <a:gd name="connsiteY4" fmla="*/ 1 h 1348631"/>
+              <a:gd name="connsiteX5" fmla="*/ 6261654 w 6261654"/>
+              <a:gd name="connsiteY5" fmla="*/ 674316 h 1348631"/>
+              <a:gd name="connsiteX6" fmla="*/ 5587339 w 6261654"/>
+              <a:gd name="connsiteY6" fmla="*/ 1348631 h 1348631"/>
+              <a:gd name="connsiteX7" fmla="*/ 5558735 w 6261654"/>
+              <a:gd name="connsiteY7" fmla="*/ 1345748 h 1348631"/>
+              <a:gd name="connsiteX8" fmla="*/ 5558735 w 6261654"/>
+              <a:gd name="connsiteY8" fmla="*/ 1348630 h 1348631"/>
+              <a:gd name="connsiteX9" fmla="*/ 674315 w 6261654"/>
+              <a:gd name="connsiteY9" fmla="*/ 1348630 h 1348631"/>
+              <a:gd name="connsiteX10" fmla="*/ 0 w 6261654"/>
+              <a:gd name="connsiteY10" fmla="*/ 674315 h 1348631"/>
+              <a:gd name="connsiteX11" fmla="*/ 674315 w 6261654"/>
+              <a:gd name="connsiteY11" fmla="*/ 0 h 1348631"/>
+            </a:gdLst>
+            <a:ahLst/>
+            <a:cxnLst>
+              <a:cxn ang="0">
+                <a:pos x="connsiteX0" y="connsiteY0"/>
+              </a:cxn>
+              <a:cxn ang="0">
+                <a:pos x="connsiteX1" y="connsiteY1"/>
+              </a:cxn>
+              <a:cxn ang="0">
+                <a:pos x="connsiteX2" y="connsiteY2"/>
+              </a:cxn>
+              <a:cxn ang="0">
+                <a:pos x="connsiteX3" y="connsiteY3"/>
+              </a:cxn>
+              <a:cxn ang="0">
+                <a:pos x="connsiteX4" y="connsiteY4"/>
+              </a:cxn>
+              <a:cxn ang="0">
+                <a:pos x="connsiteX5" y="connsiteY5"/>
+              </a:cxn>
+              <a:cxn ang="0">
+                <a:pos x="connsiteX6" y="connsiteY6"/>
+              </a:cxn>
+              <a:cxn ang="0">
+                <a:pos x="connsiteX7" y="connsiteY7"/>
+              </a:cxn>
+              <a:cxn ang="0">
+                <a:pos x="connsiteX8" y="connsiteY8"/>
+              </a:cxn>
+              <a:cxn ang="0">
+                <a:pos x="connsiteX9" y="connsiteY9"/>
+              </a:cxn>
+              <a:cxn ang="0">
+                <a:pos x="connsiteX10" y="connsiteY10"/>
+              </a:cxn>
+              <a:cxn ang="0">
+                <a:pos x="connsiteX11" y="connsiteY11"/>
+              </a:cxn>
+            </a:cxnLst>
+            <a:rect l="l" t="t" r="r" b="b"/>
+            <a:pathLst>
+              <a:path w="6261654" h="1348631">
+                <a:moveTo>
+                  <a:pt x="674315" y="0"/>
+                </a:moveTo>
+                <a:lnTo>
+                  <a:pt x="674325" y="1"/>
+                </a:lnTo>
+                <a:lnTo>
+                  <a:pt x="5558735" y="1"/>
+                </a:lnTo>
+                <a:lnTo>
+                  <a:pt x="5558735" y="2885"/>
+                </a:lnTo>
+                <a:lnTo>
+                  <a:pt x="5587339" y="1"/>
+                </a:lnTo>
+                <a:cubicBezTo>
+                  <a:pt x="5959753" y="1"/>
+                  <a:pt x="6261654" y="301902"/>
+                  <a:pt x="6261654" y="674316"/>
+                </a:cubicBezTo>
+                <a:cubicBezTo>
+                  <a:pt x="6261654" y="1046730"/>
+                  <a:pt x="5959753" y="1348631"/>
+                  <a:pt x="5587339" y="1348631"/>
+                </a:cubicBezTo>
+                <a:lnTo>
+                  <a:pt x="5558735" y="1345748"/>
+                </a:lnTo>
+                <a:lnTo>
+                  <a:pt x="5558735" y="1348630"/>
+                </a:lnTo>
+                <a:lnTo>
+                  <a:pt x="674315" y="1348630"/>
+                </a:lnTo>
+                <a:cubicBezTo>
+                  <a:pt x="301901" y="1348630"/>
+                  <a:pt x="0" y="1046729"/>
+                  <a:pt x="0" y="674315"/>
+                </a:cubicBezTo>
+                <a:cubicBezTo>
+                  <a:pt x="0" y="301901"/>
+                  <a:pt x="301901" y="0"/>
+                  <a:pt x="674315" y="0"/>
+                </a:cubicBezTo>
+                <a:close/>
+              </a:path>
+            </a:pathLst>
+          </a:custGeom>
+          <a:solidFill>
+            <a:srgbClr val="005A8A"/>
+          </a:solidFill>
+          <a:ln w="38100">
+            <a:solidFill>
+              <a:srgbClr val="005A8A"/>
+            </a:solidFill>
+          </a:ln>
+          <a:effectLst/>
+        </p:spPr>
+        <p:style>
+          <a:lnRef idx="2">
+            <a:schemeClr val="accent1">
+              <a:shade val="50000"/>
+            </a:schemeClr>
+          </a:lnRef>
+          <a:fillRef idx="1">
+            <a:schemeClr val="accent1"/>
+          </a:fillRef>
+          <a:effectRef idx="0">
+            <a:schemeClr val="accent1"/>
+          </a:effectRef>
+          <a:fontRef idx="minor">
+            <a:schemeClr val="lt1"/>
+          </a:fontRef>
+        </p:style>
+        <p:txBody>
+          <a:bodyPr rtlCol="0" anchor="ctr"/>
+          <a:lstStyle/>
+          <a:p>
+            <a:endParaRPr lang="zh-CN" altLang="en-US" sz="2000" b="1" dirty="0">
+              <a:latin typeface="字魂105号-简雅黑" panose="00000500000000000000" pitchFamily="2" charset="-122"/>
+              <a:ea typeface="字魂105号-简雅黑" panose="00000500000000000000" pitchFamily="2" charset="-122"/>
+              <a:sym typeface="字魂105号-简雅黑" panose="00000500000000000000" pitchFamily="2" charset="-122"/>
+            </a:endParaRPr>
+          </a:p>
+        </p:txBody>
+      </p:sp>
+      <p:pic>
+        <p:nvPicPr>
+          <p:cNvPr id="3" name="图片 2"/>
+          <p:cNvPicPr>
+            <a:picLocks noChangeAspect="1"/>
+          </p:cNvPicPr>
+          <p:nvPr/>
+        </p:nvPicPr>
+        <p:blipFill>
+          <a:blip r:embed="rId1" cstate="print">
+            <a:extLst>
+              <a:ext uri="{28A0092B-C50C-407E-A947-70E740481C1C}">
+                <a14:useLocalDpi xmlns:a14="http://schemas.microsoft.com/office/drawing/2010/main" val="0"/>
+              </a:ext>
+            </a:extLst>
+          </a:blip>
+          <a:stretch>
+            <a:fillRect/>
+          </a:stretch>
+        </p:blipFill>
+        <p:spPr>
+          <a:xfrm>
+            <a:off x="577941" y="569481"/>
+            <a:ext cx="618131" cy="618131"/>
+          </a:xfrm>
+          <a:prstGeom prst="rect">
+            <a:avLst/>
+          </a:prstGeom>
+        </p:spPr>
+      </p:pic>
+      <p:sp>
+        <p:nvSpPr>
+          <p:cNvPr id="4" name="矩形 3"/>
+          <p:cNvSpPr/>
+          <p:nvPr/>
+        </p:nvSpPr>
+        <p:spPr>
+          <a:xfrm>
+            <a:off x="1289785" y="647713"/>
+            <a:ext cx="3244850" cy="460375"/>
+          </a:xfrm>
+          <a:prstGeom prst="rect">
+            <a:avLst/>
+          </a:prstGeom>
+        </p:spPr>
+        <p:txBody>
+          <a:bodyPr wrap="none">
+            <a:spAutoFit/>
+          </a:bodyPr>
+          <a:lstStyle/>
+          <a:p>
+            <a:pPr algn="l"/>
+            <a:r>
+              <a:rPr lang="en-US" altLang="zh-CN" sz="2400" b="1" dirty="0">
+                <a:solidFill>
+                  <a:schemeClr val="bg1"/>
+                </a:solidFill>
+                <a:latin typeface="字魂105号-简雅黑" panose="00000500000000000000" pitchFamily="2" charset="-122"/>
+                <a:ea typeface="字魂105号-简雅黑" panose="00000500000000000000" pitchFamily="2" charset="-122"/>
+                <a:sym typeface="字魂105号-简雅黑" panose="00000500000000000000" pitchFamily="2" charset="-122"/>
+              </a:rPr>
+              <a:t> </a:t>
+            </a:r>
+            <a:r>
+              <a:rPr lang="zh-CN" altLang="en-US" sz="2400" b="1" dirty="0">
+                <a:solidFill>
+                  <a:schemeClr val="bg1"/>
+                </a:solidFill>
+                <a:latin typeface="字魂105号-简雅黑" panose="00000500000000000000" pitchFamily="2" charset="-122"/>
+                <a:ea typeface="字魂105号-简雅黑" panose="00000500000000000000" pitchFamily="2" charset="-122"/>
+                <a:sym typeface="字魂105号-简雅黑" panose="00000500000000000000" pitchFamily="2" charset="-122"/>
+              </a:rPr>
+              <a:t>中间代码</a:t>
+            </a:r>
+            <a:r>
+              <a:rPr lang="en-US" altLang="zh-CN" sz="2400" b="1" dirty="0">
+                <a:solidFill>
+                  <a:schemeClr val="bg1"/>
+                </a:solidFill>
+                <a:latin typeface="字魂105号-简雅黑" panose="00000500000000000000" pitchFamily="2" charset="-122"/>
+                <a:ea typeface="字魂105号-简雅黑" panose="00000500000000000000" pitchFamily="2" charset="-122"/>
+                <a:sym typeface="字魂105号-简雅黑" panose="00000500000000000000" pitchFamily="2" charset="-122"/>
+              </a:rPr>
+              <a:t>-</a:t>
+            </a:r>
+            <a:r>
+              <a:rPr lang="zh-CN" altLang="en-US" sz="2400" b="1" dirty="0">
+                <a:solidFill>
+                  <a:schemeClr val="bg1"/>
+                </a:solidFill>
+                <a:latin typeface="字魂105号-简雅黑" panose="00000500000000000000" pitchFamily="2" charset="-122"/>
+                <a:ea typeface="字魂105号-简雅黑" panose="00000500000000000000" pitchFamily="2" charset="-122"/>
+                <a:sym typeface="字魂105号-简雅黑" panose="00000500000000000000" pitchFamily="2" charset="-122"/>
+              </a:rPr>
+              <a:t>四元式设计</a:t>
+            </a:r>
+            <a:endParaRPr lang="zh-CN" altLang="en-US" sz="2400" b="1" dirty="0">
+              <a:solidFill>
+                <a:schemeClr val="bg1"/>
+              </a:solidFill>
+              <a:latin typeface="字魂105号-简雅黑" panose="00000500000000000000" pitchFamily="2" charset="-122"/>
+              <a:ea typeface="字魂105号-简雅黑" panose="00000500000000000000" pitchFamily="2" charset="-122"/>
+              <a:sym typeface="字魂105号-简雅黑" panose="00000500000000000000" pitchFamily="2" charset="-122"/>
+            </a:endParaRPr>
+          </a:p>
+        </p:txBody>
+      </p:sp>
+      <p:pic>
+        <p:nvPicPr>
+          <p:cNvPr id="46" name="图片 45"/>
+          <p:cNvPicPr>
+            <a:picLocks noChangeAspect="1"/>
+          </p:cNvPicPr>
+          <p:nvPr/>
+        </p:nvPicPr>
+        <p:blipFill>
+          <a:blip r:embed="rId2" cstate="print">
+            <a:extLst>
+              <a:ext uri="{28A0092B-C50C-407E-A947-70E740481C1C}">
+                <a14:useLocalDpi xmlns:a14="http://schemas.microsoft.com/office/drawing/2010/main" val="0"/>
+              </a:ext>
+            </a:extLst>
+          </a:blip>
+          <a:stretch>
+            <a:fillRect/>
+          </a:stretch>
+        </p:blipFill>
+        <p:spPr>
+          <a:xfrm>
+            <a:off x="10935249" y="6387542"/>
+            <a:ext cx="938700" cy="312900"/>
+          </a:xfrm>
+          <a:prstGeom prst="rect">
+            <a:avLst/>
+          </a:prstGeom>
+        </p:spPr>
+      </p:pic>
+      <p:sp>
+        <p:nvSpPr>
+          <p:cNvPr id="69" name="矩形 68"/>
+          <p:cNvSpPr/>
+          <p:nvPr>
+            <p:custDataLst>
+              <p:tags r:id="rId3"/>
+            </p:custDataLst>
+          </p:nvPr>
+        </p:nvSpPr>
+        <p:spPr>
+          <a:xfrm>
+            <a:off x="2222500" y="1424940"/>
+            <a:ext cx="6737350" cy="746125"/>
+          </a:xfrm>
+          <a:prstGeom prst="rect">
+            <a:avLst/>
+          </a:prstGeom>
+        </p:spPr>
+        <p:txBody>
+          <a:bodyPr wrap="square">
+            <a:noAutofit/>
+          </a:bodyPr>
+          <a:p>
+            <a:pPr indent="0">
+              <a:lnSpc>
+                <a:spcPct val="150000"/>
+              </a:lnSpc>
+              <a:spcAft>
+                <a:spcPts val="600"/>
+              </a:spcAft>
+              <a:buFont typeface="Wingdings" panose="05000000000000000000" pitchFamily="2" charset="2"/>
+              <a:buNone/>
+            </a:pPr>
+            <a:endParaRPr lang="zh-CN" altLang="en-US" sz="1600" dirty="0" smtClean="0">
+              <a:latin typeface="华文中宋" panose="02010600040101010101" charset="-122"/>
+              <a:ea typeface="华文中宋" panose="02010600040101010101" charset="-122"/>
+              <a:cs typeface="华文中宋" panose="02010600040101010101" charset="-122"/>
+              <a:sym typeface="字魂105号-简雅黑" panose="00000500000000000000" pitchFamily="2" charset="-122"/>
+            </a:endParaRPr>
+          </a:p>
+        </p:txBody>
+      </p:sp>
+      <p:sp>
+        <p:nvSpPr>
+          <p:cNvPr id="9" name="矩形 8"/>
+          <p:cNvSpPr/>
+          <p:nvPr>
+            <p:custDataLst>
+              <p:tags r:id="rId4"/>
+            </p:custDataLst>
+          </p:nvPr>
+        </p:nvSpPr>
+        <p:spPr>
+          <a:xfrm>
+            <a:off x="577850" y="1734820"/>
+            <a:ext cx="4450080" cy="3416935"/>
+          </a:xfrm>
+          <a:prstGeom prst="rect">
+            <a:avLst/>
+          </a:prstGeom>
+        </p:spPr>
+        <p:txBody>
+          <a:bodyPr wrap="square">
+            <a:noAutofit/>
+          </a:bodyPr>
+          <a:p>
+            <a:pPr marL="285750" indent="-285750">
+              <a:lnSpc>
+                <a:spcPct val="150000"/>
+              </a:lnSpc>
+              <a:spcAft>
+                <a:spcPts val="600"/>
+              </a:spcAft>
+              <a:buFont typeface="Wingdings" panose="05000000000000000000" pitchFamily="2" charset="2"/>
+              <a:buChar char="l"/>
+            </a:pPr>
+            <a:r>
+              <a:rPr lang="zh-CN" altLang="en-US" sz="2000" b="1" dirty="0">
+                <a:solidFill>
+                  <a:srgbClr val="005A8A"/>
+                </a:solidFill>
+                <a:latin typeface="字魂105号-简雅黑" panose="00000500000000000000" pitchFamily="2" charset="-122"/>
+                <a:ea typeface="字魂105号-简雅黑" panose="00000500000000000000" pitchFamily="2" charset="-122"/>
+                <a:sym typeface="字魂105号-简雅黑" panose="00000500000000000000" pitchFamily="2" charset="-122"/>
+              </a:rPr>
+              <a:t>操作符分类</a:t>
+            </a:r>
+            <a:endParaRPr lang="en-US" altLang="zh-CN" sz="2000" b="1" dirty="0">
+              <a:solidFill>
+                <a:srgbClr val="005A8A"/>
+              </a:solidFill>
+              <a:latin typeface="字魂105号-简雅黑" panose="00000500000000000000" pitchFamily="2" charset="-122"/>
+              <a:ea typeface="字魂105号-简雅黑" panose="00000500000000000000" pitchFamily="2" charset="-122"/>
+              <a:sym typeface="字魂105号-简雅黑" panose="00000500000000000000" pitchFamily="2" charset="-122"/>
+            </a:endParaRPr>
+          </a:p>
+          <a:p>
+            <a:pPr>
+              <a:lnSpc>
+                <a:spcPct val="150000"/>
+              </a:lnSpc>
+            </a:pPr>
+            <a:r>
+              <a:rPr lang="zh-CN" altLang="en-US" sz="1600" dirty="0" smtClean="0">
+                <a:latin typeface="华文中宋" panose="02010600040101010101" charset="-122"/>
+                <a:ea typeface="华文中宋" panose="02010600040101010101" charset="-122"/>
+                <a:cs typeface="华文中宋" panose="02010600040101010101" charset="-122"/>
+                <a:sym typeface="字魂105号-简雅黑" panose="00000500000000000000" pitchFamily="2" charset="-122"/>
+              </a:rPr>
+              <a:t>定义枚举类</a:t>
+            </a:r>
+            <a:r>
+              <a:rPr lang="en-US" sz="1600" b="1" dirty="0" smtClean="0">
+                <a:solidFill>
+                  <a:srgbClr val="FF0000"/>
+                </a:solidFill>
+                <a:latin typeface="华文中宋" panose="02010600040101010101" charset="-122"/>
+                <a:ea typeface="华文中宋" panose="02010600040101010101" charset="-122"/>
+                <a:cs typeface="华文中宋" panose="02010600040101010101" charset="-122"/>
+                <a:sym typeface="字魂105号-简雅黑" panose="00000500000000000000" pitchFamily="2" charset="-122"/>
+              </a:rPr>
+              <a:t>`ir::OpCode`</a:t>
+            </a:r>
+            <a:r>
+              <a:rPr lang="zh-CN" altLang="en-US" sz="1600" dirty="0" smtClean="0">
+                <a:latin typeface="华文中宋" panose="02010600040101010101" charset="-122"/>
+                <a:ea typeface="华文中宋" panose="02010600040101010101" charset="-122"/>
+                <a:cs typeface="华文中宋" panose="02010600040101010101" charset="-122"/>
+                <a:sym typeface="字魂105号-简雅黑" panose="00000500000000000000" pitchFamily="2" charset="-122"/>
+              </a:rPr>
+              <a:t>，记录四元式操作符。</a:t>
+            </a:r>
+            <a:endParaRPr lang="zh-CN" altLang="en-US" sz="1600" dirty="0" smtClean="0">
+              <a:latin typeface="华文中宋" panose="02010600040101010101" charset="-122"/>
+              <a:ea typeface="华文中宋" panose="02010600040101010101" charset="-122"/>
+              <a:cs typeface="华文中宋" panose="02010600040101010101" charset="-122"/>
+              <a:sym typeface="字魂105号-简雅黑" panose="00000500000000000000" pitchFamily="2" charset="-122"/>
+            </a:endParaRPr>
+          </a:p>
+          <a:p>
+            <a:pPr marL="285750" indent="-285750">
+              <a:lnSpc>
+                <a:spcPct val="150000"/>
+              </a:lnSpc>
+              <a:buFont typeface="Arial" panose="020B0604020202020204" pitchFamily="34" charset="0"/>
+              <a:buChar char="•"/>
+            </a:pPr>
+            <a:r>
+              <a:rPr lang="zh-CN" altLang="en-US" sz="1600" dirty="0" smtClean="0">
+                <a:latin typeface="华文中宋" panose="02010600040101010101" charset="-122"/>
+                <a:ea typeface="华文中宋" panose="02010600040101010101" charset="-122"/>
+                <a:cs typeface="华文中宋" panose="02010600040101010101" charset="-122"/>
+                <a:sym typeface="字魂105号-简雅黑" panose="00000500000000000000" pitchFamily="2" charset="-122"/>
+              </a:rPr>
+              <a:t>算数运算：Add, Sub, Mul, Div</a:t>
+            </a:r>
+            <a:endParaRPr lang="zh-CN" altLang="en-US" sz="1600" dirty="0" smtClean="0">
+              <a:latin typeface="华文中宋" panose="02010600040101010101" charset="-122"/>
+              <a:ea typeface="华文中宋" panose="02010600040101010101" charset="-122"/>
+              <a:cs typeface="华文中宋" panose="02010600040101010101" charset="-122"/>
+              <a:sym typeface="字魂105号-简雅黑" panose="00000500000000000000" pitchFamily="2" charset="-122"/>
+            </a:endParaRPr>
+          </a:p>
+          <a:p>
+            <a:pPr marL="285750" indent="-285750">
+              <a:lnSpc>
+                <a:spcPct val="150000"/>
+              </a:lnSpc>
+              <a:buFont typeface="Arial" panose="020B0604020202020204" pitchFamily="34" charset="0"/>
+              <a:buChar char="•"/>
+            </a:pPr>
+            <a:r>
+              <a:rPr lang="zh-CN" altLang="en-US" sz="1600" dirty="0" smtClean="0">
+                <a:latin typeface="华文中宋" panose="02010600040101010101" charset="-122"/>
+                <a:ea typeface="华文中宋" panose="02010600040101010101" charset="-122"/>
+                <a:cs typeface="华文中宋" panose="02010600040101010101" charset="-122"/>
+                <a:sym typeface="字魂105号-简雅黑" panose="00000500000000000000" pitchFamily="2" charset="-122"/>
+              </a:rPr>
+              <a:t>控制流：Jeq, Jne, Jge, Jgt, Jle, Jlt</a:t>
+            </a:r>
+            <a:endParaRPr lang="zh-CN" altLang="en-US" sz="1600" dirty="0" smtClean="0">
+              <a:latin typeface="华文中宋" panose="02010600040101010101" charset="-122"/>
+              <a:ea typeface="华文中宋" panose="02010600040101010101" charset="-122"/>
+              <a:cs typeface="华文中宋" panose="02010600040101010101" charset="-122"/>
+              <a:sym typeface="字魂105号-简雅黑" panose="00000500000000000000" pitchFamily="2" charset="-122"/>
+            </a:endParaRPr>
+          </a:p>
+          <a:p>
+            <a:pPr marL="285750" indent="-285750">
+              <a:lnSpc>
+                <a:spcPct val="150000"/>
+              </a:lnSpc>
+              <a:buFont typeface="Arial" panose="020B0604020202020204" pitchFamily="34" charset="0"/>
+              <a:buChar char="•"/>
+            </a:pPr>
+            <a:r>
+              <a:rPr lang="zh-CN" sz="1600" dirty="0" smtClean="0">
+                <a:latin typeface="华文中宋" panose="02010600040101010101" charset="-122"/>
+                <a:ea typeface="华文中宋" panose="02010600040101010101" charset="-122"/>
+                <a:cs typeface="华文中宋" panose="02010600040101010101" charset="-122"/>
+                <a:sym typeface="字魂105号-简雅黑" panose="00000500000000000000" pitchFamily="2" charset="-122"/>
+              </a:rPr>
+              <a:t>比较运算</a:t>
+            </a:r>
+            <a:r>
+              <a:rPr lang="zh-CN" altLang="en-US" sz="1600" dirty="0" smtClean="0">
+                <a:latin typeface="华文中宋" panose="02010600040101010101" charset="-122"/>
+                <a:ea typeface="华文中宋" panose="02010600040101010101" charset="-122"/>
+                <a:cs typeface="华文中宋" panose="02010600040101010101" charset="-122"/>
+                <a:sym typeface="字魂105号-简雅黑" panose="00000500000000000000" pitchFamily="2" charset="-122"/>
+              </a:rPr>
+              <a:t>：Eq, Neq, Geq, Leq</a:t>
+            </a:r>
+            <a:endParaRPr lang="zh-CN" altLang="en-US" sz="1600" dirty="0" smtClean="0">
+              <a:latin typeface="华文中宋" panose="02010600040101010101" charset="-122"/>
+              <a:ea typeface="华文中宋" panose="02010600040101010101" charset="-122"/>
+              <a:cs typeface="华文中宋" panose="02010600040101010101" charset="-122"/>
+              <a:sym typeface="字魂105号-简雅黑" panose="00000500000000000000" pitchFamily="2" charset="-122"/>
+            </a:endParaRPr>
+          </a:p>
+          <a:p>
+            <a:pPr marL="285750" indent="-285750">
+              <a:lnSpc>
+                <a:spcPct val="150000"/>
+              </a:lnSpc>
+              <a:buFont typeface="Arial" panose="020B0604020202020204" pitchFamily="34" charset="0"/>
+              <a:buChar char="•"/>
+            </a:pPr>
+            <a:r>
+              <a:rPr lang="zh-CN" altLang="en-US" sz="1600" dirty="0" smtClean="0">
+                <a:latin typeface="华文中宋" panose="02010600040101010101" charset="-122"/>
+                <a:ea typeface="华文中宋" panose="02010600040101010101" charset="-122"/>
+                <a:cs typeface="华文中宋" panose="02010600040101010101" charset="-122"/>
+                <a:sym typeface="字魂105号-简雅黑" panose="00000500000000000000" pitchFamily="2" charset="-122"/>
+              </a:rPr>
+              <a:t>变量声明和赋值：</a:t>
+            </a:r>
+            <a:r>
+              <a:rPr lang="en-US" altLang="zh-CN" sz="1600" dirty="0" smtClean="0">
+                <a:latin typeface="华文中宋" panose="02010600040101010101" charset="-122"/>
+                <a:ea typeface="华文中宋" panose="02010600040101010101" charset="-122"/>
+                <a:cs typeface="华文中宋" panose="02010600040101010101" charset="-122"/>
+                <a:sym typeface="字魂105号-简雅黑" panose="00000500000000000000" pitchFamily="2" charset="-122"/>
+              </a:rPr>
+              <a:t>Label, Goto</a:t>
+            </a:r>
+            <a:endParaRPr lang="en-US" altLang="zh-CN" sz="1600" dirty="0" smtClean="0">
+              <a:latin typeface="华文中宋" panose="02010600040101010101" charset="-122"/>
+              <a:ea typeface="华文中宋" panose="02010600040101010101" charset="-122"/>
+              <a:cs typeface="华文中宋" panose="02010600040101010101" charset="-122"/>
+              <a:sym typeface="字魂105号-简雅黑" panose="00000500000000000000" pitchFamily="2" charset="-122"/>
+            </a:endParaRPr>
+          </a:p>
+          <a:p>
+            <a:pPr marL="285750" indent="-285750">
+              <a:lnSpc>
+                <a:spcPct val="150000"/>
+              </a:lnSpc>
+              <a:buFont typeface="Arial" panose="020B0604020202020204" pitchFamily="34" charset="0"/>
+              <a:buChar char="•"/>
+            </a:pPr>
+            <a:r>
+              <a:rPr lang="zh-CN" altLang="en-US" sz="1600" dirty="0" smtClean="0">
+                <a:latin typeface="华文中宋" panose="02010600040101010101" charset="-122"/>
+                <a:ea typeface="华文中宋" panose="02010600040101010101" charset="-122"/>
+                <a:cs typeface="华文中宋" panose="02010600040101010101" charset="-122"/>
+                <a:sym typeface="字魂105号-简雅黑" panose="00000500000000000000" pitchFamily="2" charset="-122"/>
+              </a:rPr>
+              <a:t>标号声明和跳转：</a:t>
+            </a:r>
+            <a:r>
+              <a:rPr lang="en-US" altLang="zh-CN" sz="1600" dirty="0" smtClean="0">
+                <a:latin typeface="华文中宋" panose="02010600040101010101" charset="-122"/>
+                <a:ea typeface="华文中宋" panose="02010600040101010101" charset="-122"/>
+                <a:cs typeface="华文中宋" panose="02010600040101010101" charset="-122"/>
+                <a:sym typeface="字魂105号-简雅黑" panose="00000500000000000000" pitchFamily="2" charset="-122"/>
+              </a:rPr>
+              <a:t>Push, Pop</a:t>
+            </a:r>
+            <a:endParaRPr lang="en-US" altLang="zh-CN" sz="1600" dirty="0" smtClean="0">
+              <a:latin typeface="华文中宋" panose="02010600040101010101" charset="-122"/>
+              <a:ea typeface="华文中宋" panose="02010600040101010101" charset="-122"/>
+              <a:cs typeface="华文中宋" panose="02010600040101010101" charset="-122"/>
+              <a:sym typeface="字魂105号-简雅黑" panose="00000500000000000000" pitchFamily="2" charset="-122"/>
+            </a:endParaRPr>
+          </a:p>
+          <a:p>
+            <a:pPr marL="285750" indent="-285750">
+              <a:lnSpc>
+                <a:spcPct val="150000"/>
+              </a:lnSpc>
+              <a:buFont typeface="Arial" panose="020B0604020202020204" pitchFamily="34" charset="0"/>
+              <a:buChar char="•"/>
+            </a:pPr>
+            <a:r>
+              <a:rPr lang="zh-CN" altLang="en-US" sz="1600" dirty="0" smtClean="0">
+                <a:latin typeface="华文中宋" panose="02010600040101010101" charset="-122"/>
+                <a:ea typeface="华文中宋" panose="02010600040101010101" charset="-122"/>
+                <a:cs typeface="华文中宋" panose="02010600040101010101" charset="-122"/>
+                <a:sym typeface="字魂105号-简雅黑" panose="00000500000000000000" pitchFamily="2" charset="-122"/>
+              </a:rPr>
+              <a:t>函数调用和返回：</a:t>
+            </a:r>
+            <a:r>
+              <a:rPr lang="en-US" altLang="zh-CN" sz="1600" dirty="0" smtClean="0">
+                <a:latin typeface="华文中宋" panose="02010600040101010101" charset="-122"/>
+                <a:ea typeface="华文中宋" panose="02010600040101010101" charset="-122"/>
+                <a:cs typeface="华文中宋" panose="02010600040101010101" charset="-122"/>
+                <a:sym typeface="字魂105号-简雅黑" panose="00000500000000000000" pitchFamily="2" charset="-122"/>
+              </a:rPr>
+              <a:t>Call, Return</a:t>
+            </a:r>
+            <a:endParaRPr lang="en-US" altLang="zh-CN" sz="1600" dirty="0" smtClean="0">
+              <a:latin typeface="华文中宋" panose="02010600040101010101" charset="-122"/>
+              <a:ea typeface="华文中宋" panose="02010600040101010101" charset="-122"/>
+              <a:cs typeface="华文中宋" panose="02010600040101010101" charset="-122"/>
+              <a:sym typeface="字魂105号-简雅黑" panose="00000500000000000000" pitchFamily="2" charset="-122"/>
+            </a:endParaRPr>
+          </a:p>
+        </p:txBody>
+      </p:sp>
+      <p:sp>
+        <p:nvSpPr>
+          <p:cNvPr id="11" name="矩形 10"/>
+          <p:cNvSpPr/>
+          <p:nvPr>
+            <p:custDataLst>
+              <p:tags r:id="rId5"/>
+            </p:custDataLst>
+          </p:nvPr>
+        </p:nvSpPr>
+        <p:spPr>
+          <a:xfrm>
+            <a:off x="6307455" y="1734820"/>
+            <a:ext cx="3616960" cy="1196975"/>
+          </a:xfrm>
+          <a:prstGeom prst="rect">
+            <a:avLst/>
+          </a:prstGeom>
+        </p:spPr>
+        <p:txBody>
+          <a:bodyPr wrap="square">
+            <a:noAutofit/>
+          </a:bodyPr>
+          <a:p>
+            <a:pPr marL="285750" indent="-285750">
+              <a:lnSpc>
+                <a:spcPct val="150000"/>
+              </a:lnSpc>
+              <a:spcAft>
+                <a:spcPts val="600"/>
+              </a:spcAft>
+              <a:buFont typeface="Wingdings" panose="05000000000000000000" pitchFamily="2" charset="2"/>
+              <a:buChar char="l"/>
+            </a:pPr>
+            <a:r>
+              <a:rPr lang="zh-CN" altLang="en-US" sz="2000" b="1" dirty="0">
+                <a:solidFill>
+                  <a:srgbClr val="005A8A"/>
+                </a:solidFill>
+                <a:latin typeface="字魂105号-简雅黑" panose="00000500000000000000" pitchFamily="2" charset="-122"/>
+                <a:ea typeface="字魂105号-简雅黑" panose="00000500000000000000" pitchFamily="2" charset="-122"/>
+                <a:sym typeface="字魂105号-简雅黑" panose="00000500000000000000" pitchFamily="2" charset="-122"/>
+              </a:rPr>
+              <a:t>数据结构</a:t>
+            </a:r>
+            <a:endParaRPr lang="en-US" altLang="zh-CN" sz="2000" b="1" dirty="0">
+              <a:solidFill>
+                <a:srgbClr val="005A8A"/>
+              </a:solidFill>
+              <a:latin typeface="字魂105号-简雅黑" panose="00000500000000000000" pitchFamily="2" charset="-122"/>
+              <a:ea typeface="字魂105号-简雅黑" panose="00000500000000000000" pitchFamily="2" charset="-122"/>
+              <a:sym typeface="字魂105号-简雅黑" panose="00000500000000000000" pitchFamily="2" charset="-122"/>
+            </a:endParaRPr>
+          </a:p>
+          <a:p>
+            <a:pPr>
+              <a:lnSpc>
+                <a:spcPct val="150000"/>
+              </a:lnSpc>
+            </a:pPr>
+            <a:r>
+              <a:rPr lang="zh-CN" altLang="en-US" sz="1600" dirty="0" smtClean="0">
+                <a:latin typeface="华文中宋" panose="02010600040101010101" charset="-122"/>
+                <a:ea typeface="华文中宋" panose="02010600040101010101" charset="-122"/>
+                <a:cs typeface="华文中宋" panose="02010600040101010101" charset="-122"/>
+                <a:sym typeface="字魂105号-简雅黑" panose="00000500000000000000" pitchFamily="2" charset="-122"/>
+              </a:rPr>
+              <a:t>定义</a:t>
+            </a:r>
+            <a:r>
+              <a:rPr lang="zh-CN" altLang="en-US" sz="1600" b="1" dirty="0" smtClean="0">
+                <a:solidFill>
+                  <a:srgbClr val="FF0000"/>
+                </a:solidFill>
+                <a:latin typeface="华文中宋" panose="02010600040101010101" charset="-122"/>
+                <a:ea typeface="华文中宋" panose="02010600040101010101" charset="-122"/>
+                <a:cs typeface="华文中宋" panose="02010600040101010101" charset="-122"/>
+                <a:sym typeface="字魂105号-简雅黑" panose="00000500000000000000" pitchFamily="2" charset="-122"/>
+              </a:rPr>
+              <a:t>操作数</a:t>
+            </a:r>
+            <a:r>
+              <a:rPr lang="zh-CN" altLang="en-US" sz="1600" dirty="0" smtClean="0">
+                <a:latin typeface="华文中宋" panose="02010600040101010101" charset="-122"/>
+                <a:ea typeface="华文中宋" panose="02010600040101010101" charset="-122"/>
+                <a:cs typeface="华文中宋" panose="02010600040101010101" charset="-122"/>
+                <a:sym typeface="字魂105号-简雅黑" panose="00000500000000000000" pitchFamily="2" charset="-122"/>
+              </a:rPr>
+              <a:t>和</a:t>
+            </a:r>
+            <a:r>
+              <a:rPr lang="zh-CN" altLang="en-US" sz="1600" b="1" dirty="0" smtClean="0">
+                <a:solidFill>
+                  <a:srgbClr val="FF0000"/>
+                </a:solidFill>
+                <a:latin typeface="华文中宋" panose="02010600040101010101" charset="-122"/>
+                <a:ea typeface="华文中宋" panose="02010600040101010101" charset="-122"/>
+                <a:cs typeface="华文中宋" panose="02010600040101010101" charset="-122"/>
+                <a:sym typeface="字魂105号-简雅黑" panose="00000500000000000000" pitchFamily="2" charset="-122"/>
+              </a:rPr>
+              <a:t>四元式</a:t>
+            </a:r>
+            <a:r>
+              <a:rPr lang="zh-CN" altLang="en-US" sz="1600" dirty="0" smtClean="0">
+                <a:latin typeface="华文中宋" panose="02010600040101010101" charset="-122"/>
+                <a:ea typeface="华文中宋" panose="02010600040101010101" charset="-122"/>
+                <a:cs typeface="华文中宋" panose="02010600040101010101" charset="-122"/>
+                <a:sym typeface="字魂105号-简雅黑" panose="00000500000000000000" pitchFamily="2" charset="-122"/>
+              </a:rPr>
+              <a:t>结构：</a:t>
+            </a:r>
+            <a:endParaRPr lang="zh-CN" altLang="en-US" sz="1600" dirty="0" smtClean="0">
+              <a:latin typeface="华文中宋" panose="02010600040101010101" charset="-122"/>
+              <a:ea typeface="华文中宋" panose="02010600040101010101" charset="-122"/>
+              <a:cs typeface="华文中宋" panose="02010600040101010101" charset="-122"/>
+              <a:sym typeface="字魂105号-简雅黑" panose="00000500000000000000" pitchFamily="2" charset="-122"/>
+            </a:endParaRPr>
+          </a:p>
+          <a:p>
+            <a:pPr>
+              <a:lnSpc>
+                <a:spcPct val="150000"/>
+              </a:lnSpc>
+            </a:pPr>
+            <a:endParaRPr lang="en-US" altLang="zh-CN" sz="1600" dirty="0" smtClean="0">
+              <a:latin typeface="华文中宋" panose="02010600040101010101" charset="-122"/>
+              <a:ea typeface="华文中宋" panose="02010600040101010101" charset="-122"/>
+              <a:cs typeface="华文中宋" panose="02010600040101010101" charset="-122"/>
+              <a:sym typeface="字魂105号-简雅黑" panose="00000500000000000000" pitchFamily="2" charset="-122"/>
+            </a:endParaRPr>
+          </a:p>
+        </p:txBody>
+      </p:sp>
+      <p:sp>
+        <p:nvSpPr>
+          <p:cNvPr id="13" name="文本框 12"/>
+          <p:cNvSpPr txBox="1"/>
+          <p:nvPr/>
+        </p:nvSpPr>
+        <p:spPr>
+          <a:xfrm>
+            <a:off x="9037955" y="2844800"/>
+            <a:ext cx="2353310" cy="2306955"/>
+          </a:xfrm>
+          <a:prstGeom prst="rect">
+            <a:avLst/>
+          </a:prstGeom>
+          <a:noFill/>
+        </p:spPr>
+        <p:txBody>
+          <a:bodyPr wrap="square" rtlCol="0" anchor="t">
+            <a:spAutoFit/>
+          </a:bodyPr>
+          <a:p>
+            <a:pPr>
+              <a:lnSpc>
+                <a:spcPct val="150000"/>
+              </a:lnSpc>
+            </a:pPr>
+            <a:r>
+              <a:rPr lang="en-US" altLang="zh-CN" sz="1600" dirty="0" smtClean="0">
+                <a:latin typeface="华文中宋" panose="02010600040101010101" charset="-122"/>
+                <a:ea typeface="华文中宋" panose="02010600040101010101" charset="-122"/>
+                <a:cs typeface="华文中宋" panose="02010600040101010101" charset="-122"/>
+                <a:sym typeface="字魂105号-简雅黑" panose="00000500000000000000" pitchFamily="2" charset="-122"/>
+              </a:rPr>
+              <a:t>struct Quad {</a:t>
+            </a:r>
+            <a:endParaRPr lang="en-US" altLang="zh-CN" sz="1600" dirty="0" smtClean="0">
+              <a:latin typeface="华文中宋" panose="02010600040101010101" charset="-122"/>
+              <a:ea typeface="华文中宋" panose="02010600040101010101" charset="-122"/>
+              <a:cs typeface="华文中宋" panose="02010600040101010101" charset="-122"/>
+              <a:sym typeface="字魂105号-简雅黑" panose="00000500000000000000" pitchFamily="2" charset="-122"/>
+            </a:endParaRPr>
+          </a:p>
+          <a:p>
+            <a:pPr>
+              <a:lnSpc>
+                <a:spcPct val="150000"/>
+              </a:lnSpc>
+            </a:pPr>
+            <a:r>
+              <a:rPr lang="en-US" altLang="zh-CN" sz="1600" dirty="0" smtClean="0">
+                <a:latin typeface="华文中宋" panose="02010600040101010101" charset="-122"/>
+                <a:ea typeface="华文中宋" panose="02010600040101010101" charset="-122"/>
+                <a:cs typeface="华文中宋" panose="02010600040101010101" charset="-122"/>
+                <a:sym typeface="字魂105号-简雅黑" panose="00000500000000000000" pitchFamily="2" charset="-122"/>
+              </a:rPr>
+              <a:t>  OpCode op;</a:t>
+            </a:r>
+            <a:endParaRPr lang="en-US" altLang="zh-CN" sz="1600" dirty="0" smtClean="0">
+              <a:latin typeface="华文中宋" panose="02010600040101010101" charset="-122"/>
+              <a:ea typeface="华文中宋" panose="02010600040101010101" charset="-122"/>
+              <a:cs typeface="华文中宋" panose="02010600040101010101" charset="-122"/>
+              <a:sym typeface="字魂105号-简雅黑" panose="00000500000000000000" pitchFamily="2" charset="-122"/>
+            </a:endParaRPr>
+          </a:p>
+          <a:p>
+            <a:pPr>
+              <a:lnSpc>
+                <a:spcPct val="150000"/>
+              </a:lnSpc>
+            </a:pPr>
+            <a:r>
+              <a:rPr lang="en-US" altLang="zh-CN" sz="1600" dirty="0" smtClean="0">
+                <a:latin typeface="华文中宋" panose="02010600040101010101" charset="-122"/>
+                <a:ea typeface="华文中宋" panose="02010600040101010101" charset="-122"/>
+                <a:cs typeface="华文中宋" panose="02010600040101010101" charset="-122"/>
+                <a:sym typeface="字魂105号-简雅黑" panose="00000500000000000000" pitchFamily="2" charset="-122"/>
+              </a:rPr>
+              <a:t>  Operand arg1;</a:t>
+            </a:r>
+            <a:endParaRPr lang="en-US" altLang="zh-CN" sz="1600" dirty="0" smtClean="0">
+              <a:latin typeface="华文中宋" panose="02010600040101010101" charset="-122"/>
+              <a:ea typeface="华文中宋" panose="02010600040101010101" charset="-122"/>
+              <a:cs typeface="华文中宋" panose="02010600040101010101" charset="-122"/>
+              <a:sym typeface="字魂105号-简雅黑" panose="00000500000000000000" pitchFamily="2" charset="-122"/>
+            </a:endParaRPr>
+          </a:p>
+          <a:p>
+            <a:pPr>
+              <a:lnSpc>
+                <a:spcPct val="150000"/>
+              </a:lnSpc>
+            </a:pPr>
+            <a:r>
+              <a:rPr lang="en-US" altLang="zh-CN" sz="1600" dirty="0" smtClean="0">
+                <a:latin typeface="华文中宋" panose="02010600040101010101" charset="-122"/>
+                <a:ea typeface="华文中宋" panose="02010600040101010101" charset="-122"/>
+                <a:cs typeface="华文中宋" panose="02010600040101010101" charset="-122"/>
+                <a:sym typeface="字魂105号-简雅黑" panose="00000500000000000000" pitchFamily="2" charset="-122"/>
+              </a:rPr>
+              <a:t>  Operand arg2;</a:t>
+            </a:r>
+            <a:endParaRPr lang="en-US" altLang="zh-CN" sz="1600" dirty="0" smtClean="0">
+              <a:latin typeface="华文中宋" panose="02010600040101010101" charset="-122"/>
+              <a:ea typeface="华文中宋" panose="02010600040101010101" charset="-122"/>
+              <a:cs typeface="华文中宋" panose="02010600040101010101" charset="-122"/>
+              <a:sym typeface="字魂105号-简雅黑" panose="00000500000000000000" pitchFamily="2" charset="-122"/>
+            </a:endParaRPr>
+          </a:p>
+          <a:p>
+            <a:pPr>
+              <a:lnSpc>
+                <a:spcPct val="150000"/>
+              </a:lnSpc>
+            </a:pPr>
+            <a:r>
+              <a:rPr lang="en-US" altLang="zh-CN" sz="1600" dirty="0" smtClean="0">
+                <a:latin typeface="华文中宋" panose="02010600040101010101" charset="-122"/>
+                <a:ea typeface="华文中宋" panose="02010600040101010101" charset="-122"/>
+                <a:cs typeface="华文中宋" panose="02010600040101010101" charset="-122"/>
+                <a:sym typeface="字魂105号-简雅黑" panose="00000500000000000000" pitchFamily="2" charset="-122"/>
+              </a:rPr>
+              <a:t>  Operand res;</a:t>
+            </a:r>
+            <a:endParaRPr lang="en-US" altLang="zh-CN" sz="1600" dirty="0" smtClean="0">
+              <a:latin typeface="华文中宋" panose="02010600040101010101" charset="-122"/>
+              <a:ea typeface="华文中宋" panose="02010600040101010101" charset="-122"/>
+              <a:cs typeface="华文中宋" panose="02010600040101010101" charset="-122"/>
+              <a:sym typeface="字魂105号-简雅黑" panose="00000500000000000000" pitchFamily="2" charset="-122"/>
+            </a:endParaRPr>
+          </a:p>
+          <a:p>
+            <a:pPr>
+              <a:lnSpc>
+                <a:spcPct val="150000"/>
+              </a:lnSpc>
+            </a:pPr>
+            <a:r>
+              <a:rPr lang="en-US" altLang="zh-CN" sz="1600" dirty="0" smtClean="0">
+                <a:latin typeface="华文中宋" panose="02010600040101010101" charset="-122"/>
+                <a:ea typeface="华文中宋" panose="02010600040101010101" charset="-122"/>
+                <a:cs typeface="华文中宋" panose="02010600040101010101" charset="-122"/>
+                <a:sym typeface="字魂105号-简雅黑" panose="00000500000000000000" pitchFamily="2" charset="-122"/>
+              </a:rPr>
+              <a:t>};</a:t>
+            </a:r>
+            <a:endParaRPr lang="en-US" altLang="zh-CN" sz="1600" dirty="0" smtClean="0">
+              <a:latin typeface="华文中宋" panose="02010600040101010101" charset="-122"/>
+              <a:ea typeface="华文中宋" panose="02010600040101010101" charset="-122"/>
+              <a:cs typeface="华文中宋" panose="02010600040101010101" charset="-122"/>
+              <a:sym typeface="字魂105号-简雅黑" panose="00000500000000000000" pitchFamily="2" charset="-122"/>
+            </a:endParaRPr>
+          </a:p>
+        </p:txBody>
+      </p:sp>
+      <p:sp>
+        <p:nvSpPr>
+          <p:cNvPr id="14" name="文本框 13"/>
+          <p:cNvSpPr txBox="1"/>
+          <p:nvPr/>
+        </p:nvSpPr>
+        <p:spPr>
+          <a:xfrm>
+            <a:off x="5620385" y="2931795"/>
+            <a:ext cx="3339465" cy="1753235"/>
+          </a:xfrm>
+          <a:prstGeom prst="rect">
+            <a:avLst/>
+          </a:prstGeom>
+          <a:noFill/>
+        </p:spPr>
+        <p:txBody>
+          <a:bodyPr wrap="square" rtlCol="0" anchor="t">
+            <a:spAutoFit/>
+          </a:bodyPr>
+          <a:p>
+            <a:r>
+              <a:rPr lang="zh-CN" altLang="en-US"/>
+              <a:t>struct Operand {</a:t>
+            </a:r>
+            <a:endParaRPr lang="zh-CN" altLang="en-US"/>
+          </a:p>
+          <a:p>
+            <a:r>
+              <a:rPr lang="zh-CN" altLang="en-US"/>
+              <a:t>  std::string name;</a:t>
+            </a:r>
+            <a:endParaRPr lang="zh-CN" altLang="en-US"/>
+          </a:p>
+          <a:p>
+            <a:endParaRPr lang="zh-CN" altLang="en-US"/>
+          </a:p>
+          <a:p>
+            <a:r>
+              <a:rPr lang="zh-CN" altLang="en-US"/>
+              <a:t>  Operand() = default;</a:t>
+            </a:r>
+            <a:endParaRPr lang="zh-CN" altLang="en-US"/>
+          </a:p>
+          <a:p>
+            <a:r>
+              <a:rPr lang="zh-CN" altLang="en-US"/>
+              <a:t>  Operand(std::string name)</a:t>
+            </a:r>
+            <a:r>
+              <a:rPr lang="en-US" altLang="zh-CN"/>
+              <a:t>;</a:t>
+            </a:r>
+            <a:endParaRPr lang="zh-CN" altLang="en-US"/>
+          </a:p>
+          <a:p>
+            <a:r>
+              <a:rPr lang="zh-CN" altLang="en-US"/>
+              <a:t>};</a:t>
+            </a:r>
+            <a:endParaRPr lang="zh-CN" altLang="en-US"/>
+          </a:p>
+        </p:txBody>
+      </p:sp>
+    </p:spTree>
+  </p:cSld>
+  <p:clrMapOvr>
+    <a:masterClrMapping/>
+  </p:clrMapOvr>
+  <mc:AlternateContent xmlns:mc="http://schemas.openxmlformats.org/markup-compatibility/2006">
+    <mc:Choice xmlns:p15="http://schemas.microsoft.com/office/powerpoint/2012/main" Requires="p15">
+      <p:transition xmlns:p14="http://schemas.microsoft.com/office/powerpoint/2010/main" spd="slow" Requires="p14" p14:dur="1250" advTm="3000">
+        <p15:prstTrans prst="pageCurlDouble"/>
+      </p:transition>
+    </mc:Choice>
+    <mc:Fallback>
+      <p:transition spd="slow" advTm="3000">
+        <p:fade/>
+      </p:transition>
+    </mc:Fallback>
+  </mc:AlternateContent>
+  <p:timing>
+    <p:tnLst>
+      <p:par>
+        <p:cTn id="1" dur="indefinite" restart="never" nodeType="tmRoot"/>
+      </p:par>
+    </p:tnLst>
+  </p:timing>
+</p:sld>
+</file>
+
+<file path=ppt/slides/slide31.xml><?xml version="1.0" encoding="utf-8"?>
+<p:sld xmlns:a="http://schemas.openxmlformats.org/drawingml/2006/main" xmlns:r="http://schemas.openxmlformats.org/officeDocument/2006/relationships" xmlns:p="http://schemas.openxmlformats.org/presentationml/2006/main">
+  <p:cSld>
+    <p:spTree>
+      <p:nvGrpSpPr>
+        <p:cNvPr id="1" name=""/>
+        <p:cNvGrpSpPr/>
+        <p:nvPr/>
+      </p:nvGrpSpPr>
+      <p:grpSpPr>
+        <a:xfrm>
+          <a:off x="0" y="0"/>
+          <a:ext cx="0" cy="0"/>
+          <a:chOff x="0" y="0"/>
+          <a:chExt cx="0" cy="0"/>
+        </a:xfrm>
+      </p:grpSpPr>
+      <p:sp>
+        <p:nvSpPr>
+          <p:cNvPr id="2" name="任意多边形: 形状 1"/>
+          <p:cNvSpPr/>
+          <p:nvPr/>
+        </p:nvSpPr>
+        <p:spPr>
+          <a:xfrm>
+            <a:off x="415013" y="503442"/>
+            <a:ext cx="4197627" cy="750211"/>
+          </a:xfrm>
+          <a:custGeom>
+            <a:avLst/>
+            <a:gdLst>
+              <a:gd name="connsiteX0" fmla="*/ 674315 w 6261654"/>
+              <a:gd name="connsiteY0" fmla="*/ 0 h 1348631"/>
+              <a:gd name="connsiteX1" fmla="*/ 674325 w 6261654"/>
+              <a:gd name="connsiteY1" fmla="*/ 1 h 1348631"/>
+              <a:gd name="connsiteX2" fmla="*/ 5558735 w 6261654"/>
+              <a:gd name="connsiteY2" fmla="*/ 1 h 1348631"/>
+              <a:gd name="connsiteX3" fmla="*/ 5558735 w 6261654"/>
+              <a:gd name="connsiteY3" fmla="*/ 2885 h 1348631"/>
+              <a:gd name="connsiteX4" fmla="*/ 5587339 w 6261654"/>
+              <a:gd name="connsiteY4" fmla="*/ 1 h 1348631"/>
+              <a:gd name="connsiteX5" fmla="*/ 6261654 w 6261654"/>
+              <a:gd name="connsiteY5" fmla="*/ 674316 h 1348631"/>
+              <a:gd name="connsiteX6" fmla="*/ 5587339 w 6261654"/>
+              <a:gd name="connsiteY6" fmla="*/ 1348631 h 1348631"/>
+              <a:gd name="connsiteX7" fmla="*/ 5558735 w 6261654"/>
+              <a:gd name="connsiteY7" fmla="*/ 1345748 h 1348631"/>
+              <a:gd name="connsiteX8" fmla="*/ 5558735 w 6261654"/>
+              <a:gd name="connsiteY8" fmla="*/ 1348630 h 1348631"/>
+              <a:gd name="connsiteX9" fmla="*/ 674315 w 6261654"/>
+              <a:gd name="connsiteY9" fmla="*/ 1348630 h 1348631"/>
+              <a:gd name="connsiteX10" fmla="*/ 0 w 6261654"/>
+              <a:gd name="connsiteY10" fmla="*/ 674315 h 1348631"/>
+              <a:gd name="connsiteX11" fmla="*/ 674315 w 6261654"/>
+              <a:gd name="connsiteY11" fmla="*/ 0 h 1348631"/>
+            </a:gdLst>
+            <a:ahLst/>
+            <a:cxnLst>
+              <a:cxn ang="0">
+                <a:pos x="connsiteX0" y="connsiteY0"/>
+              </a:cxn>
+              <a:cxn ang="0">
+                <a:pos x="connsiteX1" y="connsiteY1"/>
+              </a:cxn>
+              <a:cxn ang="0">
+                <a:pos x="connsiteX2" y="connsiteY2"/>
+              </a:cxn>
+              <a:cxn ang="0">
+                <a:pos x="connsiteX3" y="connsiteY3"/>
+              </a:cxn>
+              <a:cxn ang="0">
+                <a:pos x="connsiteX4" y="connsiteY4"/>
+              </a:cxn>
+              <a:cxn ang="0">
+                <a:pos x="connsiteX5" y="connsiteY5"/>
+              </a:cxn>
+              <a:cxn ang="0">
+                <a:pos x="connsiteX6" y="connsiteY6"/>
+              </a:cxn>
+              <a:cxn ang="0">
+                <a:pos x="connsiteX7" y="connsiteY7"/>
+              </a:cxn>
+              <a:cxn ang="0">
+                <a:pos x="connsiteX8" y="connsiteY8"/>
+              </a:cxn>
+              <a:cxn ang="0">
+                <a:pos x="connsiteX9" y="connsiteY9"/>
+              </a:cxn>
+              <a:cxn ang="0">
+                <a:pos x="connsiteX10" y="connsiteY10"/>
+              </a:cxn>
+              <a:cxn ang="0">
+                <a:pos x="connsiteX11" y="connsiteY11"/>
+              </a:cxn>
+            </a:cxnLst>
+            <a:rect l="l" t="t" r="r" b="b"/>
+            <a:pathLst>
+              <a:path w="6261654" h="1348631">
+                <a:moveTo>
+                  <a:pt x="674315" y="0"/>
+                </a:moveTo>
+                <a:lnTo>
+                  <a:pt x="674325" y="1"/>
+                </a:lnTo>
+                <a:lnTo>
+                  <a:pt x="5558735" y="1"/>
+                </a:lnTo>
+                <a:lnTo>
+                  <a:pt x="5558735" y="2885"/>
+                </a:lnTo>
+                <a:lnTo>
+                  <a:pt x="5587339" y="1"/>
+                </a:lnTo>
+                <a:cubicBezTo>
+                  <a:pt x="5959753" y="1"/>
+                  <a:pt x="6261654" y="301902"/>
+                  <a:pt x="6261654" y="674316"/>
+                </a:cubicBezTo>
+                <a:cubicBezTo>
+                  <a:pt x="6261654" y="1046730"/>
+                  <a:pt x="5959753" y="1348631"/>
+                  <a:pt x="5587339" y="1348631"/>
+                </a:cubicBezTo>
+                <a:lnTo>
+                  <a:pt x="5558735" y="1345748"/>
+                </a:lnTo>
+                <a:lnTo>
+                  <a:pt x="5558735" y="1348630"/>
+                </a:lnTo>
+                <a:lnTo>
+                  <a:pt x="674315" y="1348630"/>
+                </a:lnTo>
+                <a:cubicBezTo>
+                  <a:pt x="301901" y="1348630"/>
+                  <a:pt x="0" y="1046729"/>
+                  <a:pt x="0" y="674315"/>
+                </a:cubicBezTo>
+                <a:cubicBezTo>
+                  <a:pt x="0" y="301901"/>
+                  <a:pt x="301901" y="0"/>
+                  <a:pt x="674315" y="0"/>
+                </a:cubicBezTo>
+                <a:close/>
+              </a:path>
+            </a:pathLst>
+          </a:custGeom>
+          <a:solidFill>
+            <a:srgbClr val="005A8A"/>
+          </a:solidFill>
+          <a:ln w="38100">
+            <a:solidFill>
+              <a:srgbClr val="005A8A"/>
+            </a:solidFill>
+          </a:ln>
+          <a:effectLst/>
+        </p:spPr>
+        <p:style>
+          <a:lnRef idx="2">
+            <a:schemeClr val="accent1">
+              <a:shade val="50000"/>
+            </a:schemeClr>
+          </a:lnRef>
+          <a:fillRef idx="1">
+            <a:schemeClr val="accent1"/>
+          </a:fillRef>
+          <a:effectRef idx="0">
+            <a:schemeClr val="accent1"/>
+          </a:effectRef>
+          <a:fontRef idx="minor">
+            <a:schemeClr val="lt1"/>
+          </a:fontRef>
+        </p:style>
+        <p:txBody>
+          <a:bodyPr rtlCol="0" anchor="ctr"/>
+          <a:lstStyle/>
+          <a:p>
+            <a:endParaRPr lang="zh-CN" altLang="en-US" sz="2000" b="1" dirty="0">
+              <a:latin typeface="字魂105号-简雅黑" panose="00000500000000000000" pitchFamily="2" charset="-122"/>
+              <a:ea typeface="字魂105号-简雅黑" panose="00000500000000000000" pitchFamily="2" charset="-122"/>
+              <a:sym typeface="字魂105号-简雅黑" panose="00000500000000000000" pitchFamily="2" charset="-122"/>
+            </a:endParaRPr>
+          </a:p>
+        </p:txBody>
+      </p:sp>
+      <p:pic>
+        <p:nvPicPr>
+          <p:cNvPr id="3" name="图片 2"/>
+          <p:cNvPicPr>
+            <a:picLocks noChangeAspect="1"/>
+          </p:cNvPicPr>
+          <p:nvPr/>
+        </p:nvPicPr>
+        <p:blipFill>
+          <a:blip r:embed="rId1" cstate="print">
+            <a:extLst>
+              <a:ext uri="{28A0092B-C50C-407E-A947-70E740481C1C}">
+                <a14:useLocalDpi xmlns:a14="http://schemas.microsoft.com/office/drawing/2010/main" val="0"/>
+              </a:ext>
+            </a:extLst>
+          </a:blip>
+          <a:stretch>
+            <a:fillRect/>
+          </a:stretch>
+        </p:blipFill>
+        <p:spPr>
+          <a:xfrm>
+            <a:off x="577941" y="569481"/>
+            <a:ext cx="618131" cy="618131"/>
+          </a:xfrm>
+          <a:prstGeom prst="rect">
+            <a:avLst/>
+          </a:prstGeom>
+        </p:spPr>
+      </p:pic>
+      <p:sp>
+        <p:nvSpPr>
+          <p:cNvPr id="4" name="矩形 3"/>
+          <p:cNvSpPr/>
+          <p:nvPr/>
+        </p:nvSpPr>
+        <p:spPr>
+          <a:xfrm>
+            <a:off x="1289785" y="647713"/>
+            <a:ext cx="2632710" cy="460375"/>
+          </a:xfrm>
+          <a:prstGeom prst="rect">
+            <a:avLst/>
+          </a:prstGeom>
+        </p:spPr>
+        <p:txBody>
+          <a:bodyPr wrap="none">
+            <a:spAutoFit/>
+          </a:bodyPr>
+          <a:lstStyle/>
+          <a:p>
+            <a:pPr algn="l"/>
+            <a:r>
+              <a:rPr lang="en-US" altLang="zh-CN" sz="2400" b="1" dirty="0">
+                <a:solidFill>
+                  <a:schemeClr val="bg1"/>
+                </a:solidFill>
+                <a:latin typeface="字魂105号-简雅黑" panose="00000500000000000000" pitchFamily="2" charset="-122"/>
+                <a:ea typeface="字魂105号-简雅黑" panose="00000500000000000000" pitchFamily="2" charset="-122"/>
+                <a:sym typeface="字魂105号-简雅黑" panose="00000500000000000000" pitchFamily="2" charset="-122"/>
+              </a:rPr>
+              <a:t> </a:t>
+            </a:r>
+            <a:r>
+              <a:rPr lang="zh-CN" altLang="en-US" sz="2400" b="1" dirty="0">
+                <a:solidFill>
+                  <a:schemeClr val="bg1"/>
+                </a:solidFill>
+                <a:latin typeface="字魂105号-简雅黑" panose="00000500000000000000" pitchFamily="2" charset="-122"/>
+                <a:ea typeface="字魂105号-简雅黑" panose="00000500000000000000" pitchFamily="2" charset="-122"/>
+                <a:sym typeface="字魂105号-简雅黑" panose="00000500000000000000" pitchFamily="2" charset="-122"/>
+              </a:rPr>
+              <a:t>中间代码</a:t>
+            </a:r>
+            <a:r>
+              <a:rPr lang="en-US" altLang="zh-CN" sz="2400" b="1" dirty="0">
+                <a:solidFill>
+                  <a:schemeClr val="bg1"/>
+                </a:solidFill>
+                <a:latin typeface="字魂105号-简雅黑" panose="00000500000000000000" pitchFamily="2" charset="-122"/>
+                <a:ea typeface="字魂105号-简雅黑" panose="00000500000000000000" pitchFamily="2" charset="-122"/>
+                <a:sym typeface="字魂105号-简雅黑" panose="00000500000000000000" pitchFamily="2" charset="-122"/>
+              </a:rPr>
+              <a:t>-</a:t>
+            </a:r>
+            <a:r>
+              <a:rPr lang="zh-CN" altLang="en-US" sz="2400" b="1" dirty="0">
+                <a:solidFill>
+                  <a:schemeClr val="bg1"/>
+                </a:solidFill>
+                <a:latin typeface="字魂105号-简雅黑" panose="00000500000000000000" pitchFamily="2" charset="-122"/>
+                <a:ea typeface="字魂105号-简雅黑" panose="00000500000000000000" pitchFamily="2" charset="-122"/>
+                <a:sym typeface="字魂105号-简雅黑" panose="00000500000000000000" pitchFamily="2" charset="-122"/>
+              </a:rPr>
+              <a:t>生成器</a:t>
+            </a:r>
+            <a:endParaRPr lang="en-US" altLang="zh-CN" sz="2400" b="1" dirty="0">
+              <a:solidFill>
+                <a:schemeClr val="bg1"/>
+              </a:solidFill>
+              <a:latin typeface="字魂105号-简雅黑" panose="00000500000000000000" pitchFamily="2" charset="-122"/>
+              <a:ea typeface="字魂105号-简雅黑" panose="00000500000000000000" pitchFamily="2" charset="-122"/>
+              <a:sym typeface="字魂105号-简雅黑" panose="00000500000000000000" pitchFamily="2" charset="-122"/>
+            </a:endParaRPr>
+          </a:p>
+        </p:txBody>
+      </p:sp>
+      <p:pic>
+        <p:nvPicPr>
+          <p:cNvPr id="46" name="图片 45"/>
+          <p:cNvPicPr>
+            <a:picLocks noChangeAspect="1"/>
+          </p:cNvPicPr>
+          <p:nvPr/>
+        </p:nvPicPr>
+        <p:blipFill>
+          <a:blip r:embed="rId2" cstate="print">
+            <a:extLst>
+              <a:ext uri="{28A0092B-C50C-407E-A947-70E740481C1C}">
+                <a14:useLocalDpi xmlns:a14="http://schemas.microsoft.com/office/drawing/2010/main" val="0"/>
+              </a:ext>
+            </a:extLst>
+          </a:blip>
+          <a:stretch>
+            <a:fillRect/>
+          </a:stretch>
+        </p:blipFill>
+        <p:spPr>
+          <a:xfrm>
+            <a:off x="10935249" y="6387542"/>
+            <a:ext cx="938700" cy="312900"/>
+          </a:xfrm>
+          <a:prstGeom prst="rect">
+            <a:avLst/>
+          </a:prstGeom>
+        </p:spPr>
+      </p:pic>
+      <p:sp>
+        <p:nvSpPr>
+          <p:cNvPr id="69" name="矩形 68"/>
+          <p:cNvSpPr/>
+          <p:nvPr>
+            <p:custDataLst>
+              <p:tags r:id="rId3"/>
+            </p:custDataLst>
+          </p:nvPr>
+        </p:nvSpPr>
+        <p:spPr>
+          <a:xfrm>
+            <a:off x="2222500" y="1424940"/>
+            <a:ext cx="6737350" cy="746125"/>
+          </a:xfrm>
+          <a:prstGeom prst="rect">
+            <a:avLst/>
+          </a:prstGeom>
+        </p:spPr>
+        <p:txBody>
+          <a:bodyPr wrap="square">
+            <a:noAutofit/>
+          </a:bodyPr>
+          <a:p>
+            <a:pPr indent="0">
+              <a:lnSpc>
+                <a:spcPct val="150000"/>
+              </a:lnSpc>
+              <a:spcAft>
+                <a:spcPts val="600"/>
+              </a:spcAft>
+              <a:buFont typeface="Wingdings" panose="05000000000000000000" pitchFamily="2" charset="2"/>
+              <a:buNone/>
+            </a:pPr>
+            <a:endParaRPr lang="zh-CN" altLang="en-US" sz="1600" dirty="0" smtClean="0">
+              <a:latin typeface="华文中宋" panose="02010600040101010101" charset="-122"/>
+              <a:ea typeface="华文中宋" panose="02010600040101010101" charset="-122"/>
+              <a:cs typeface="华文中宋" panose="02010600040101010101" charset="-122"/>
+              <a:sym typeface="字魂105号-简雅黑" panose="00000500000000000000" pitchFamily="2" charset="-122"/>
+            </a:endParaRPr>
+          </a:p>
+        </p:txBody>
+      </p:sp>
+      <p:sp>
+        <p:nvSpPr>
+          <p:cNvPr id="9" name="矩形 8"/>
+          <p:cNvSpPr/>
+          <p:nvPr>
+            <p:custDataLst>
+              <p:tags r:id="rId4"/>
+            </p:custDataLst>
+          </p:nvPr>
+        </p:nvSpPr>
+        <p:spPr>
+          <a:xfrm>
+            <a:off x="415925" y="1734820"/>
+            <a:ext cx="5511800" cy="4055745"/>
+          </a:xfrm>
+          <a:prstGeom prst="rect">
+            <a:avLst/>
+          </a:prstGeom>
+        </p:spPr>
+        <p:txBody>
+          <a:bodyPr wrap="square">
+            <a:noAutofit/>
+          </a:bodyPr>
+          <a:p>
+            <a:pPr marL="285750" indent="-285750">
+              <a:lnSpc>
+                <a:spcPct val="150000"/>
+              </a:lnSpc>
+              <a:spcAft>
+                <a:spcPts val="600"/>
+              </a:spcAft>
+              <a:buFont typeface="Wingdings" panose="05000000000000000000" pitchFamily="2" charset="2"/>
+              <a:buChar char="l"/>
+            </a:pPr>
+            <a:r>
+              <a:rPr lang="zh-CN" altLang="en-US" sz="2000" b="1" dirty="0">
+                <a:solidFill>
+                  <a:srgbClr val="005A8A"/>
+                </a:solidFill>
+                <a:latin typeface="字魂105号-简雅黑" panose="00000500000000000000" pitchFamily="2" charset="-122"/>
+                <a:ea typeface="字魂105号-简雅黑" panose="00000500000000000000" pitchFamily="2" charset="-122"/>
+                <a:sym typeface="字魂105号-简雅黑" panose="00000500000000000000" pitchFamily="2" charset="-122"/>
+              </a:rPr>
+              <a:t>生成器设计</a:t>
+            </a:r>
+            <a:endParaRPr lang="en-US" altLang="zh-CN" sz="2000" b="1" dirty="0">
+              <a:solidFill>
+                <a:srgbClr val="005A8A"/>
+              </a:solidFill>
+              <a:latin typeface="字魂105号-简雅黑" panose="00000500000000000000" pitchFamily="2" charset="-122"/>
+              <a:ea typeface="字魂105号-简雅黑" panose="00000500000000000000" pitchFamily="2" charset="-122"/>
+              <a:sym typeface="字魂105号-简雅黑" panose="00000500000000000000" pitchFamily="2" charset="-122"/>
+            </a:endParaRPr>
+          </a:p>
+          <a:p>
+            <a:pPr>
+              <a:lnSpc>
+                <a:spcPct val="150000"/>
+              </a:lnSpc>
+            </a:pPr>
+            <a:r>
+              <a:rPr lang="zh-CN" altLang="en-US" sz="1600" dirty="0" smtClean="0">
+                <a:latin typeface="华文中宋" panose="02010600040101010101" charset="-122"/>
+                <a:ea typeface="华文中宋" panose="02010600040101010101" charset="-122"/>
+                <a:cs typeface="华文中宋" panose="02010600040101010101" charset="-122"/>
+                <a:sym typeface="字魂105号-简雅黑" panose="00000500000000000000" pitchFamily="2" charset="-122"/>
+              </a:rPr>
+              <a:t>中间代码生成器类中定义了一个四元式列表 </a:t>
+            </a:r>
+            <a:r>
+              <a:rPr lang="zh-CN" altLang="en-US" sz="1600" b="1" dirty="0" smtClean="0">
+                <a:solidFill>
+                  <a:srgbClr val="FF0000"/>
+                </a:solidFill>
+                <a:latin typeface="华文中宋" panose="02010600040101010101" charset="-122"/>
+                <a:ea typeface="华文中宋" panose="02010600040101010101" charset="-122"/>
+                <a:cs typeface="华文中宋" panose="02010600040101010101" charset="-122"/>
+                <a:sym typeface="字魂105号-简雅黑" panose="00000500000000000000" pitchFamily="2" charset="-122"/>
+              </a:rPr>
+              <a:t>`quads` </a:t>
+            </a:r>
+            <a:r>
+              <a:rPr lang="zh-CN" altLang="en-US" sz="1600" dirty="0" smtClean="0">
+                <a:latin typeface="华文中宋" panose="02010600040101010101" charset="-122"/>
+                <a:ea typeface="华文中宋" panose="02010600040101010101" charset="-122"/>
+                <a:cs typeface="华文中宋" panose="02010600040101010101" charset="-122"/>
+                <a:sym typeface="字魂105号-简雅黑" panose="00000500000000000000" pitchFamily="2" charset="-122"/>
+              </a:rPr>
+              <a:t>存储顺序生成的所有四元式，定义了一个 </a:t>
+            </a:r>
+            <a:r>
+              <a:rPr lang="zh-CN" altLang="en-US" sz="1600" b="1" dirty="0" smtClean="0">
+                <a:solidFill>
+                  <a:srgbClr val="FF0000"/>
+                </a:solidFill>
+                <a:latin typeface="华文中宋" panose="02010600040101010101" charset="-122"/>
+                <a:ea typeface="华文中宋" panose="02010600040101010101" charset="-122"/>
+                <a:cs typeface="华文中宋" panose="02010600040101010101" charset="-122"/>
+                <a:sym typeface="字魂105号-简雅黑" panose="00000500000000000000" pitchFamily="2" charset="-122"/>
+              </a:rPr>
+              <a:t>`p_stable` </a:t>
+            </a:r>
+            <a:r>
+              <a:rPr lang="zh-CN" altLang="en-US" sz="1600" dirty="0" smtClean="0">
+                <a:latin typeface="华文中宋" panose="02010600040101010101" charset="-122"/>
+                <a:ea typeface="华文中宋" panose="02010600040101010101" charset="-122"/>
+                <a:cs typeface="华文中宋" panose="02010600040101010101" charset="-122"/>
+                <a:sym typeface="字魂105号-简雅黑" panose="00000500000000000000" pitchFamily="2" charset="-122"/>
+              </a:rPr>
+              <a:t>指向全局共享的符号表。</a:t>
+            </a:r>
+            <a:endParaRPr lang="zh-CN" altLang="en-US" sz="1600" dirty="0" smtClean="0">
+              <a:latin typeface="华文中宋" panose="02010600040101010101" charset="-122"/>
+              <a:ea typeface="华文中宋" panose="02010600040101010101" charset="-122"/>
+              <a:cs typeface="华文中宋" panose="02010600040101010101" charset="-122"/>
+              <a:sym typeface="字魂105号-简雅黑" panose="00000500000000000000" pitchFamily="2" charset="-122"/>
+            </a:endParaRPr>
+          </a:p>
+          <a:p>
+            <a:pPr>
+              <a:lnSpc>
+                <a:spcPct val="150000"/>
+              </a:lnSpc>
+            </a:pPr>
+            <a:endParaRPr lang="en-US" altLang="zh-CN" sz="1600" dirty="0" smtClean="0">
+              <a:latin typeface="华文中宋" panose="02010600040101010101" charset="-122"/>
+              <a:ea typeface="华文中宋" panose="02010600040101010101" charset="-122"/>
+              <a:cs typeface="华文中宋" panose="02010600040101010101" charset="-122"/>
+              <a:sym typeface="字魂105号-简雅黑" panose="00000500000000000000" pitchFamily="2" charset="-122"/>
+            </a:endParaRPr>
+          </a:p>
+          <a:p>
+            <a:pPr>
+              <a:lnSpc>
+                <a:spcPct val="150000"/>
+              </a:lnSpc>
+            </a:pPr>
+            <a:r>
+              <a:rPr lang="en-US" altLang="zh-CN" sz="1600" dirty="0" smtClean="0">
+                <a:latin typeface="华文中宋" panose="02010600040101010101" charset="-122"/>
+                <a:ea typeface="华文中宋" panose="02010600040101010101" charset="-122"/>
+                <a:cs typeface="华文中宋" panose="02010600040101010101" charset="-122"/>
+                <a:sym typeface="字魂105号-简雅黑" panose="00000500000000000000" pitchFamily="2" charset="-122"/>
+              </a:rPr>
+              <a:t>以 </a:t>
+            </a:r>
+            <a:r>
+              <a:rPr lang="zh-CN" altLang="en-US" sz="1600" b="1" dirty="0" smtClean="0">
+                <a:solidFill>
+                  <a:srgbClr val="FF0000"/>
+                </a:solidFill>
+                <a:latin typeface="华文中宋" panose="02010600040101010101" charset="-122"/>
+                <a:ea typeface="华文中宋" panose="02010600040101010101" charset="-122"/>
+                <a:cs typeface="华文中宋" panose="02010600040101010101" charset="-122"/>
+                <a:sym typeface="字魂105号-简雅黑" panose="00000500000000000000" pitchFamily="2" charset="-122"/>
+              </a:rPr>
+              <a:t>`generate` </a:t>
+            </a:r>
+            <a:r>
+              <a:rPr lang="en-US" altLang="zh-CN" sz="1600" dirty="0" smtClean="0">
+                <a:latin typeface="华文中宋" panose="02010600040101010101" charset="-122"/>
+                <a:ea typeface="华文中宋" panose="02010600040101010101" charset="-122"/>
+                <a:cs typeface="华文中宋" panose="02010600040101010101" charset="-122"/>
+                <a:sym typeface="字魂105号-简雅黑" panose="00000500000000000000" pitchFamily="2" charset="-122"/>
+              </a:rPr>
+              <a:t>开头的一组函数是整个中间代码生成器的核心，其以深度优先、从左到右的顺序遍历语法分析器生成的 AST，并根据语义规则生成中间代码。</a:t>
+            </a:r>
+            <a:endParaRPr lang="en-US" altLang="zh-CN" sz="1600" dirty="0" smtClean="0">
+              <a:latin typeface="华文中宋" panose="02010600040101010101" charset="-122"/>
+              <a:ea typeface="华文中宋" panose="02010600040101010101" charset="-122"/>
+              <a:cs typeface="华文中宋" panose="02010600040101010101" charset="-122"/>
+              <a:sym typeface="字魂105号-简雅黑" panose="00000500000000000000" pitchFamily="2" charset="-122"/>
+            </a:endParaRPr>
+          </a:p>
+          <a:p>
+            <a:pPr>
+              <a:lnSpc>
+                <a:spcPct val="150000"/>
+              </a:lnSpc>
+            </a:pPr>
+            <a:endParaRPr lang="en-US" altLang="zh-CN" sz="1600" dirty="0" smtClean="0">
+              <a:latin typeface="华文中宋" panose="02010600040101010101" charset="-122"/>
+              <a:ea typeface="华文中宋" panose="02010600040101010101" charset="-122"/>
+              <a:cs typeface="华文中宋" panose="02010600040101010101" charset="-122"/>
+              <a:sym typeface="字魂105号-简雅黑" panose="00000500000000000000" pitchFamily="2" charset="-122"/>
+            </a:endParaRPr>
+          </a:p>
+          <a:p>
+            <a:pPr>
+              <a:lnSpc>
+                <a:spcPct val="150000"/>
+              </a:lnSpc>
+            </a:pPr>
+            <a:r>
+              <a:rPr lang="en-US" altLang="zh-CN" sz="1600" dirty="0" smtClean="0">
+                <a:latin typeface="华文中宋" panose="02010600040101010101" charset="-122"/>
+                <a:ea typeface="华文中宋" panose="02010600040101010101" charset="-122"/>
+                <a:cs typeface="华文中宋" panose="02010600040101010101" charset="-122"/>
+                <a:sym typeface="字魂105号-简雅黑" panose="00000500000000000000" pitchFamily="2" charset="-122"/>
+              </a:rPr>
+              <a:t>该类主要向外部暴露了两个接口：</a:t>
+            </a:r>
+            <a:r>
+              <a:rPr lang="zh-CN" altLang="en-US" sz="1600" b="1" dirty="0" smtClean="0">
+                <a:solidFill>
+                  <a:srgbClr val="FF0000"/>
+                </a:solidFill>
+                <a:latin typeface="华文中宋" panose="02010600040101010101" charset="-122"/>
+                <a:ea typeface="华文中宋" panose="02010600040101010101" charset="-122"/>
+                <a:cs typeface="华文中宋" panose="02010600040101010101" charset="-122"/>
+                <a:sym typeface="字魂105号-简雅黑" panose="00000500000000000000" pitchFamily="2" charset="-122"/>
+              </a:rPr>
+              <a:t>`generateProg` </a:t>
+            </a:r>
+            <a:r>
+              <a:rPr lang="en-US" altLang="zh-CN" sz="1600" dirty="0" smtClean="0">
+                <a:latin typeface="华文中宋" panose="02010600040101010101" charset="-122"/>
+                <a:ea typeface="华文中宋" panose="02010600040101010101" charset="-122"/>
+                <a:cs typeface="华文中宋" panose="02010600040101010101" charset="-122"/>
+                <a:sym typeface="字魂105号-简雅黑" panose="00000500000000000000" pitchFamily="2" charset="-122"/>
+              </a:rPr>
+              <a:t>和 </a:t>
+            </a:r>
+            <a:r>
+              <a:rPr lang="zh-CN" altLang="en-US" sz="1600" b="1" dirty="0" smtClean="0">
+                <a:solidFill>
+                  <a:srgbClr val="FF0000"/>
+                </a:solidFill>
+                <a:latin typeface="华文中宋" panose="02010600040101010101" charset="-122"/>
+                <a:ea typeface="华文中宋" panose="02010600040101010101" charset="-122"/>
+                <a:cs typeface="华文中宋" panose="02010600040101010101" charset="-122"/>
+                <a:sym typeface="字魂105号-简雅黑" panose="00000500000000000000" pitchFamily="2" charset="-122"/>
+              </a:rPr>
+              <a:t>`printQuads` </a:t>
+            </a:r>
+            <a:r>
+              <a:rPr lang="en-US" altLang="zh-CN" sz="1600" dirty="0" smtClean="0">
+                <a:latin typeface="华文中宋" panose="02010600040101010101" charset="-122"/>
+                <a:ea typeface="华文中宋" panose="02010600040101010101" charset="-122"/>
+                <a:cs typeface="华文中宋" panose="02010600040101010101" charset="-122"/>
+                <a:sym typeface="字魂105号-简雅黑" panose="00000500000000000000" pitchFamily="2" charset="-122"/>
+              </a:rPr>
+              <a:t>分别用于生成四元式和打印已生成的四元式。</a:t>
+            </a:r>
+            <a:endParaRPr lang="en-US" altLang="zh-CN" sz="1600" dirty="0" smtClean="0">
+              <a:latin typeface="华文中宋" panose="02010600040101010101" charset="-122"/>
+              <a:ea typeface="华文中宋" panose="02010600040101010101" charset="-122"/>
+              <a:cs typeface="华文中宋" panose="02010600040101010101" charset="-122"/>
+              <a:sym typeface="字魂105号-简雅黑" panose="00000500000000000000" pitchFamily="2" charset="-122"/>
+            </a:endParaRPr>
+          </a:p>
+        </p:txBody>
+      </p:sp>
+      <p:pic>
+        <p:nvPicPr>
+          <p:cNvPr id="5" name="图片 4"/>
+          <p:cNvPicPr>
+            <a:picLocks noChangeAspect="1"/>
+          </p:cNvPicPr>
+          <p:nvPr/>
+        </p:nvPicPr>
+        <p:blipFill>
+          <a:blip r:embed="rId5"/>
+          <a:stretch>
+            <a:fillRect/>
+          </a:stretch>
+        </p:blipFill>
+        <p:spPr>
+          <a:xfrm>
+            <a:off x="5927725" y="327660"/>
+            <a:ext cx="5501640" cy="2941320"/>
+          </a:xfrm>
+          <a:prstGeom prst="rect">
+            <a:avLst/>
+          </a:prstGeom>
+        </p:spPr>
+      </p:pic>
+      <p:pic>
+        <p:nvPicPr>
+          <p:cNvPr id="7" name="图片 6"/>
+          <p:cNvPicPr>
+            <a:picLocks noChangeAspect="1"/>
+          </p:cNvPicPr>
+          <p:nvPr/>
+        </p:nvPicPr>
+        <p:blipFill>
+          <a:blip r:embed="rId6"/>
+          <a:stretch>
+            <a:fillRect/>
+          </a:stretch>
+        </p:blipFill>
+        <p:spPr>
+          <a:xfrm>
+            <a:off x="5927725" y="3294380"/>
+            <a:ext cx="4312920" cy="3406140"/>
+          </a:xfrm>
+          <a:prstGeom prst="rect">
+            <a:avLst/>
+          </a:prstGeom>
+        </p:spPr>
+      </p:pic>
+    </p:spTree>
+  </p:cSld>
+  <p:clrMapOvr>
+    <a:masterClrMapping/>
+  </p:clrMapOvr>
+  <mc:AlternateContent xmlns:mc="http://schemas.openxmlformats.org/markup-compatibility/2006">
+    <mc:Choice xmlns:p15="http://schemas.microsoft.com/office/powerpoint/2012/main" Requires="p15">
+      <p:transition xmlns:p14="http://schemas.microsoft.com/office/powerpoint/2010/main" spd="slow" Requires="p14" p14:dur="1250" advTm="3000">
+        <p15:prstTrans prst="pageCurlDouble"/>
+      </p:transition>
+    </mc:Choice>
+    <mc:Fallback>
+      <p:transition spd="slow" advTm="3000">
+        <p:fade/>
+      </p:transition>
+    </mc:Fallback>
+  </mc:AlternateContent>
+  <p:timing>
+    <p:tnLst>
+      <p:par>
+        <p:cTn id="1" dur="indefinite" restart="never" nodeType="tmRoot"/>
+      </p:par>
+    </p:tnLst>
+  </p:timing>
+</p:sld>
+</file>
+
+<file path=ppt/slides/slide32.xml><?xml version="1.0" encoding="utf-8"?>
+<p:sld xmlns:a="http://schemas.openxmlformats.org/drawingml/2006/main" xmlns:r="http://schemas.openxmlformats.org/officeDocument/2006/relationships" xmlns:p="http://schemas.openxmlformats.org/presentationml/2006/main">
+  <p:cSld>
+    <p:spTree>
+      <p:nvGrpSpPr>
+        <p:cNvPr id="1" name=""/>
+        <p:cNvGrpSpPr/>
+        <p:nvPr/>
+      </p:nvGrpSpPr>
+      <p:grpSpPr>
+        <a:xfrm>
+          <a:off x="0" y="0"/>
+          <a:ext cx="0" cy="0"/>
+          <a:chOff x="0" y="0"/>
+          <a:chExt cx="0" cy="0"/>
+        </a:xfrm>
+      </p:grpSpPr>
+      <p:sp>
+        <p:nvSpPr>
+          <p:cNvPr id="2" name="任意多边形: 形状 1"/>
+          <p:cNvSpPr/>
+          <p:nvPr/>
+        </p:nvSpPr>
+        <p:spPr>
+          <a:xfrm>
+            <a:off x="415013" y="503442"/>
+            <a:ext cx="4197627" cy="750211"/>
+          </a:xfrm>
+          <a:custGeom>
+            <a:avLst/>
+            <a:gdLst>
+              <a:gd name="connsiteX0" fmla="*/ 674315 w 6261654"/>
+              <a:gd name="connsiteY0" fmla="*/ 0 h 1348631"/>
+              <a:gd name="connsiteX1" fmla="*/ 674325 w 6261654"/>
+              <a:gd name="connsiteY1" fmla="*/ 1 h 1348631"/>
+              <a:gd name="connsiteX2" fmla="*/ 5558735 w 6261654"/>
+              <a:gd name="connsiteY2" fmla="*/ 1 h 1348631"/>
+              <a:gd name="connsiteX3" fmla="*/ 5558735 w 6261654"/>
+              <a:gd name="connsiteY3" fmla="*/ 2885 h 1348631"/>
+              <a:gd name="connsiteX4" fmla="*/ 5587339 w 6261654"/>
+              <a:gd name="connsiteY4" fmla="*/ 1 h 1348631"/>
+              <a:gd name="connsiteX5" fmla="*/ 6261654 w 6261654"/>
+              <a:gd name="connsiteY5" fmla="*/ 674316 h 1348631"/>
+              <a:gd name="connsiteX6" fmla="*/ 5587339 w 6261654"/>
+              <a:gd name="connsiteY6" fmla="*/ 1348631 h 1348631"/>
+              <a:gd name="connsiteX7" fmla="*/ 5558735 w 6261654"/>
+              <a:gd name="connsiteY7" fmla="*/ 1345748 h 1348631"/>
+              <a:gd name="connsiteX8" fmla="*/ 5558735 w 6261654"/>
+              <a:gd name="connsiteY8" fmla="*/ 1348630 h 1348631"/>
+              <a:gd name="connsiteX9" fmla="*/ 674315 w 6261654"/>
+              <a:gd name="connsiteY9" fmla="*/ 1348630 h 1348631"/>
+              <a:gd name="connsiteX10" fmla="*/ 0 w 6261654"/>
+              <a:gd name="connsiteY10" fmla="*/ 674315 h 1348631"/>
+              <a:gd name="connsiteX11" fmla="*/ 674315 w 6261654"/>
+              <a:gd name="connsiteY11" fmla="*/ 0 h 1348631"/>
+            </a:gdLst>
+            <a:ahLst/>
+            <a:cxnLst>
+              <a:cxn ang="0">
+                <a:pos x="connsiteX0" y="connsiteY0"/>
+              </a:cxn>
+              <a:cxn ang="0">
+                <a:pos x="connsiteX1" y="connsiteY1"/>
+              </a:cxn>
+              <a:cxn ang="0">
+                <a:pos x="connsiteX2" y="connsiteY2"/>
+              </a:cxn>
+              <a:cxn ang="0">
+                <a:pos x="connsiteX3" y="connsiteY3"/>
+              </a:cxn>
+              <a:cxn ang="0">
+                <a:pos x="connsiteX4" y="connsiteY4"/>
+              </a:cxn>
+              <a:cxn ang="0">
+                <a:pos x="connsiteX5" y="connsiteY5"/>
+              </a:cxn>
+              <a:cxn ang="0">
+                <a:pos x="connsiteX6" y="connsiteY6"/>
+              </a:cxn>
+              <a:cxn ang="0">
+                <a:pos x="connsiteX7" y="connsiteY7"/>
+              </a:cxn>
+              <a:cxn ang="0">
+                <a:pos x="connsiteX8" y="connsiteY8"/>
+              </a:cxn>
+              <a:cxn ang="0">
+                <a:pos x="connsiteX9" y="connsiteY9"/>
+              </a:cxn>
+              <a:cxn ang="0">
+                <a:pos x="connsiteX10" y="connsiteY10"/>
+              </a:cxn>
+              <a:cxn ang="0">
+                <a:pos x="connsiteX11" y="connsiteY11"/>
+              </a:cxn>
+            </a:cxnLst>
+            <a:rect l="l" t="t" r="r" b="b"/>
+            <a:pathLst>
+              <a:path w="6261654" h="1348631">
+                <a:moveTo>
+                  <a:pt x="674315" y="0"/>
+                </a:moveTo>
+                <a:lnTo>
+                  <a:pt x="674325" y="1"/>
+                </a:lnTo>
+                <a:lnTo>
+                  <a:pt x="5558735" y="1"/>
+                </a:lnTo>
+                <a:lnTo>
+                  <a:pt x="5558735" y="2885"/>
+                </a:lnTo>
+                <a:lnTo>
+                  <a:pt x="5587339" y="1"/>
+                </a:lnTo>
+                <a:cubicBezTo>
+                  <a:pt x="5959753" y="1"/>
+                  <a:pt x="6261654" y="301902"/>
+                  <a:pt x="6261654" y="674316"/>
+                </a:cubicBezTo>
+                <a:cubicBezTo>
+                  <a:pt x="6261654" y="1046730"/>
+                  <a:pt x="5959753" y="1348631"/>
+                  <a:pt x="5587339" y="1348631"/>
+                </a:cubicBezTo>
+                <a:lnTo>
+                  <a:pt x="5558735" y="1345748"/>
+                </a:lnTo>
+                <a:lnTo>
+                  <a:pt x="5558735" y="1348630"/>
+                </a:lnTo>
+                <a:lnTo>
+                  <a:pt x="674315" y="1348630"/>
+                </a:lnTo>
+                <a:cubicBezTo>
+                  <a:pt x="301901" y="1348630"/>
+                  <a:pt x="0" y="1046729"/>
+                  <a:pt x="0" y="674315"/>
+                </a:cubicBezTo>
+                <a:cubicBezTo>
+                  <a:pt x="0" y="301901"/>
+                  <a:pt x="301901" y="0"/>
+                  <a:pt x="674315" y="0"/>
+                </a:cubicBezTo>
+                <a:close/>
+              </a:path>
+            </a:pathLst>
+          </a:custGeom>
+          <a:solidFill>
+            <a:srgbClr val="005A8A"/>
+          </a:solidFill>
+          <a:ln w="38100">
+            <a:solidFill>
+              <a:srgbClr val="005A8A"/>
+            </a:solidFill>
+          </a:ln>
+          <a:effectLst/>
+        </p:spPr>
+        <p:style>
+          <a:lnRef idx="2">
+            <a:schemeClr val="accent1">
+              <a:shade val="50000"/>
+            </a:schemeClr>
+          </a:lnRef>
+          <a:fillRef idx="1">
+            <a:schemeClr val="accent1"/>
+          </a:fillRef>
+          <a:effectRef idx="0">
+            <a:schemeClr val="accent1"/>
+          </a:effectRef>
+          <a:fontRef idx="minor">
+            <a:schemeClr val="lt1"/>
+          </a:fontRef>
+        </p:style>
+        <p:txBody>
+          <a:bodyPr rtlCol="0" anchor="ctr"/>
+          <a:lstStyle/>
+          <a:p>
+            <a:endParaRPr lang="zh-CN" altLang="en-US" sz="2000" b="1" dirty="0">
+              <a:latin typeface="字魂105号-简雅黑" panose="00000500000000000000" pitchFamily="2" charset="-122"/>
+              <a:ea typeface="字魂105号-简雅黑" panose="00000500000000000000" pitchFamily="2" charset="-122"/>
+              <a:sym typeface="字魂105号-简雅黑" panose="00000500000000000000" pitchFamily="2" charset="-122"/>
+            </a:endParaRPr>
+          </a:p>
+        </p:txBody>
+      </p:sp>
+      <p:pic>
+        <p:nvPicPr>
+          <p:cNvPr id="3" name="图片 2"/>
+          <p:cNvPicPr>
+            <a:picLocks noChangeAspect="1"/>
+          </p:cNvPicPr>
+          <p:nvPr/>
+        </p:nvPicPr>
+        <p:blipFill>
+          <a:blip r:embed="rId1" cstate="print">
+            <a:extLst>
+              <a:ext uri="{28A0092B-C50C-407E-A947-70E740481C1C}">
+                <a14:useLocalDpi xmlns:a14="http://schemas.microsoft.com/office/drawing/2010/main" val="0"/>
+              </a:ext>
+            </a:extLst>
+          </a:blip>
+          <a:stretch>
+            <a:fillRect/>
+          </a:stretch>
+        </p:blipFill>
+        <p:spPr>
+          <a:xfrm>
+            <a:off x="577941" y="569481"/>
+            <a:ext cx="618131" cy="618131"/>
+          </a:xfrm>
+          <a:prstGeom prst="rect">
+            <a:avLst/>
+          </a:prstGeom>
+        </p:spPr>
+      </p:pic>
+      <p:sp>
+        <p:nvSpPr>
+          <p:cNvPr id="4" name="矩形 3"/>
+          <p:cNvSpPr/>
+          <p:nvPr/>
+        </p:nvSpPr>
+        <p:spPr>
+          <a:xfrm>
+            <a:off x="1289785" y="647713"/>
+            <a:ext cx="2938780" cy="460375"/>
+          </a:xfrm>
+          <a:prstGeom prst="rect">
+            <a:avLst/>
+          </a:prstGeom>
+        </p:spPr>
+        <p:txBody>
+          <a:bodyPr wrap="none">
+            <a:spAutoFit/>
+          </a:bodyPr>
+          <a:lstStyle/>
+          <a:p>
+            <a:r>
+              <a:rPr lang="en-US" altLang="zh-CN" sz="2400" b="1" dirty="0">
+                <a:solidFill>
+                  <a:schemeClr val="bg1"/>
+                </a:solidFill>
+                <a:latin typeface="字魂105号-简雅黑" panose="00000500000000000000" pitchFamily="2" charset="-122"/>
+                <a:ea typeface="字魂105号-简雅黑" panose="00000500000000000000" pitchFamily="2" charset="-122"/>
+                <a:sym typeface="字魂105号-简雅黑" panose="00000500000000000000" pitchFamily="2" charset="-122"/>
+              </a:rPr>
+              <a:t> </a:t>
+            </a:r>
+            <a:r>
+              <a:rPr lang="zh-CN" altLang="en-US" sz="2400" b="1" dirty="0">
+                <a:solidFill>
+                  <a:schemeClr val="bg1"/>
+                </a:solidFill>
+                <a:latin typeface="字魂105号-简雅黑" panose="00000500000000000000" pitchFamily="2" charset="-122"/>
+                <a:ea typeface="字魂105号-简雅黑" panose="00000500000000000000" pitchFamily="2" charset="-122"/>
+                <a:sym typeface="字魂105号-简雅黑" panose="00000500000000000000" pitchFamily="2" charset="-122"/>
+              </a:rPr>
+              <a:t>语义分析</a:t>
+            </a:r>
+            <a:r>
+              <a:rPr lang="en-US" altLang="zh-CN" sz="2400" b="1" dirty="0">
+                <a:solidFill>
+                  <a:schemeClr val="bg1"/>
+                </a:solidFill>
+                <a:latin typeface="字魂105号-简雅黑" panose="00000500000000000000" pitchFamily="2" charset="-122"/>
+                <a:ea typeface="字魂105号-简雅黑" panose="00000500000000000000" pitchFamily="2" charset="-122"/>
+                <a:sym typeface="字魂105号-简雅黑" panose="00000500000000000000" pitchFamily="2" charset="-122"/>
+              </a:rPr>
+              <a:t>-</a:t>
+            </a:r>
+            <a:r>
+              <a:rPr lang="zh-CN" altLang="en-US" sz="2400" b="1" dirty="0">
+                <a:solidFill>
+                  <a:schemeClr val="bg1"/>
+                </a:solidFill>
+                <a:latin typeface="字魂105号-简雅黑" panose="00000500000000000000" pitchFamily="2" charset="-122"/>
+                <a:ea typeface="字魂105号-简雅黑" panose="00000500000000000000" pitchFamily="2" charset="-122"/>
+                <a:sym typeface="字魂105号-简雅黑" panose="00000500000000000000" pitchFamily="2" charset="-122"/>
+              </a:rPr>
+              <a:t>检查</a:t>
+            </a:r>
+            <a:r>
+              <a:rPr lang="zh-CN" altLang="en-US" sz="2400" b="1" dirty="0">
+                <a:solidFill>
+                  <a:schemeClr val="bg1"/>
+                </a:solidFill>
+                <a:latin typeface="字魂105号-简雅黑" panose="00000500000000000000" pitchFamily="2" charset="-122"/>
+                <a:ea typeface="字魂105号-简雅黑" panose="00000500000000000000" pitchFamily="2" charset="-122"/>
+                <a:sym typeface="字魂105号-简雅黑" panose="00000500000000000000" pitchFamily="2" charset="-122"/>
+              </a:rPr>
+              <a:t>流程</a:t>
+            </a:r>
+            <a:endParaRPr lang="zh-CN" altLang="en-US" sz="2400" b="1" dirty="0">
+              <a:solidFill>
+                <a:schemeClr val="bg1"/>
+              </a:solidFill>
+              <a:latin typeface="字魂105号-简雅黑" panose="00000500000000000000" pitchFamily="2" charset="-122"/>
+              <a:ea typeface="字魂105号-简雅黑" panose="00000500000000000000" pitchFamily="2" charset="-122"/>
+              <a:sym typeface="字魂105号-简雅黑" panose="00000500000000000000" pitchFamily="2" charset="-122"/>
+            </a:endParaRPr>
+          </a:p>
+        </p:txBody>
+      </p:sp>
+      <p:pic>
+        <p:nvPicPr>
+          <p:cNvPr id="46" name="图片 45"/>
+          <p:cNvPicPr>
+            <a:picLocks noChangeAspect="1"/>
+          </p:cNvPicPr>
+          <p:nvPr/>
+        </p:nvPicPr>
+        <p:blipFill>
+          <a:blip r:embed="rId2" cstate="print">
+            <a:extLst>
+              <a:ext uri="{28A0092B-C50C-407E-A947-70E740481C1C}">
+                <a14:useLocalDpi xmlns:a14="http://schemas.microsoft.com/office/drawing/2010/main" val="0"/>
+              </a:ext>
+            </a:extLst>
+          </a:blip>
+          <a:stretch>
+            <a:fillRect/>
+          </a:stretch>
+        </p:blipFill>
+        <p:spPr>
+          <a:xfrm>
+            <a:off x="10935249" y="6387542"/>
+            <a:ext cx="938700" cy="312900"/>
+          </a:xfrm>
+          <a:prstGeom prst="rect">
+            <a:avLst/>
+          </a:prstGeom>
+        </p:spPr>
+      </p:pic>
+      <p:sp>
+        <p:nvSpPr>
+          <p:cNvPr id="69" name="矩形 68"/>
+          <p:cNvSpPr/>
+          <p:nvPr>
+            <p:custDataLst>
+              <p:tags r:id="rId3"/>
+            </p:custDataLst>
+          </p:nvPr>
+        </p:nvSpPr>
+        <p:spPr>
+          <a:xfrm>
+            <a:off x="2222500" y="1181100"/>
+            <a:ext cx="6737350" cy="746125"/>
+          </a:xfrm>
+          <a:prstGeom prst="rect">
+            <a:avLst/>
+          </a:prstGeom>
+        </p:spPr>
+        <p:txBody>
+          <a:bodyPr wrap="square">
+            <a:noAutofit/>
+          </a:bodyPr>
+          <a:p>
+            <a:pPr indent="0">
+              <a:lnSpc>
+                <a:spcPct val="150000"/>
+              </a:lnSpc>
+              <a:spcAft>
+                <a:spcPts val="600"/>
+              </a:spcAft>
+              <a:buFont typeface="Wingdings" panose="05000000000000000000" pitchFamily="2" charset="2"/>
+              <a:buNone/>
+            </a:pPr>
+            <a:endParaRPr lang="zh-CN" altLang="en-US" sz="1600" dirty="0" smtClean="0">
+              <a:latin typeface="华文中宋" panose="02010600040101010101" charset="-122"/>
+              <a:ea typeface="华文中宋" panose="02010600040101010101" charset="-122"/>
+              <a:cs typeface="华文中宋" panose="02010600040101010101" charset="-122"/>
+              <a:sym typeface="字魂105号-简雅黑" panose="00000500000000000000" pitchFamily="2" charset="-122"/>
+            </a:endParaRPr>
+          </a:p>
+        </p:txBody>
+      </p:sp>
+      <p:sp>
+        <p:nvSpPr>
+          <p:cNvPr id="19" name="文本框 18"/>
+          <p:cNvSpPr txBox="1"/>
+          <p:nvPr/>
+        </p:nvSpPr>
+        <p:spPr>
+          <a:xfrm>
+            <a:off x="1289685" y="1253490"/>
+            <a:ext cx="2175510" cy="601345"/>
+          </a:xfrm>
+          <a:prstGeom prst="rect">
+            <a:avLst/>
+          </a:prstGeom>
+        </p:spPr>
+        <p:txBody>
+          <a:bodyPr wrap="square">
+            <a:noAutofit/>
+          </a:bodyPr>
+          <a:p>
+            <a:pPr indent="457200" algn="l">
+              <a:lnSpc>
+                <a:spcPct val="120000"/>
+              </a:lnSpc>
+              <a:buClrTx/>
+              <a:buSzTx/>
+              <a:buFontTx/>
+            </a:pPr>
+            <a:r>
+              <a:rPr lang="zh-CN" altLang="en-US" sz="1600" b="0" dirty="0">
+                <a:latin typeface="华文中宋" panose="02010600040101010101" charset="-122"/>
+                <a:ea typeface="华文中宋" panose="02010600040101010101" charset="-122"/>
+                <a:cs typeface="华文中宋" panose="02010600040101010101" charset="-122"/>
+              </a:rPr>
+              <a:t>程序级生成</a:t>
+            </a:r>
+            <a:endParaRPr lang="zh-CN" altLang="en-US" sz="1600" b="0" dirty="0">
+              <a:latin typeface="华文中宋" panose="02010600040101010101" charset="-122"/>
+              <a:ea typeface="华文中宋" panose="02010600040101010101" charset="-122"/>
+              <a:cs typeface="华文中宋" panose="02010600040101010101" charset="-122"/>
+            </a:endParaRPr>
+          </a:p>
+        </p:txBody>
+      </p:sp>
+      <p:sp>
+        <p:nvSpPr>
+          <p:cNvPr id="6" name="文本框 5"/>
+          <p:cNvSpPr txBox="1"/>
+          <p:nvPr/>
+        </p:nvSpPr>
+        <p:spPr>
+          <a:xfrm>
+            <a:off x="3329305" y="1245870"/>
+            <a:ext cx="6037580" cy="681355"/>
+          </a:xfrm>
+          <a:prstGeom prst="rect">
+            <a:avLst/>
+          </a:prstGeom>
+        </p:spPr>
+        <p:txBody>
+          <a:bodyPr wrap="square">
+            <a:spAutoFit/>
+          </a:bodyPr>
+          <a:p>
+            <a:pPr indent="457200" algn="l">
+              <a:lnSpc>
+                <a:spcPct val="120000"/>
+              </a:lnSpc>
+              <a:buClrTx/>
+              <a:buSzTx/>
+              <a:buFontTx/>
+            </a:pPr>
+            <a:r>
+              <a:rPr lang="zh-CN" altLang="en-US" sz="1600" b="0" dirty="0">
+                <a:latin typeface="华文中宋" panose="02010600040101010101" charset="-122"/>
+                <a:ea typeface="华文中宋" panose="02010600040101010101" charset="-122"/>
+                <a:cs typeface="华文中宋" panose="02010600040101010101" charset="-122"/>
+              </a:rPr>
+              <a:t>作为整个中间代码的入口，</a:t>
+            </a:r>
+            <a:r>
+              <a:rPr lang="en-US" altLang="zh-CN" sz="1600" b="1" dirty="0">
+                <a:solidFill>
+                  <a:srgbClr val="FF0000"/>
+                </a:solidFill>
+                <a:latin typeface="华文中宋" panose="02010600040101010101" charset="-122"/>
+                <a:ea typeface="华文中宋" panose="02010600040101010101" charset="-122"/>
+                <a:cs typeface="华文中宋" panose="02010600040101010101" charset="-122"/>
+              </a:rPr>
+              <a:t>generate</a:t>
+            </a:r>
+            <a:r>
+              <a:rPr lang="zh-CN" altLang="en-US" sz="1600" b="1" dirty="0">
+                <a:solidFill>
+                  <a:srgbClr val="FF0000"/>
+                </a:solidFill>
+                <a:latin typeface="华文中宋" panose="02010600040101010101" charset="-122"/>
+                <a:ea typeface="华文中宋" panose="02010600040101010101" charset="-122"/>
+                <a:cs typeface="华文中宋" panose="02010600040101010101" charset="-122"/>
+              </a:rPr>
+              <a:t>Prog</a:t>
+            </a:r>
+            <a:r>
+              <a:rPr lang="zh-CN" altLang="en-US" sz="1600" b="0" dirty="0">
+                <a:latin typeface="华文中宋" panose="02010600040101010101" charset="-122"/>
+                <a:ea typeface="华文中宋" panose="02010600040101010101" charset="-122"/>
+                <a:cs typeface="华文中宋" panose="02010600040101010101" charset="-122"/>
+              </a:rPr>
+              <a:t> 接收语法分析生成的程序树，依次遍历所有函数定义，生成对应中间代码。</a:t>
+            </a:r>
+            <a:endParaRPr lang="zh-CN" altLang="en-US" sz="1600" b="0" dirty="0">
+              <a:latin typeface="华文中宋" panose="02010600040101010101" charset="-122"/>
+              <a:ea typeface="华文中宋" panose="02010600040101010101" charset="-122"/>
+              <a:cs typeface="华文中宋" panose="02010600040101010101" charset="-122"/>
+            </a:endParaRPr>
+          </a:p>
+        </p:txBody>
+      </p:sp>
+      <p:sp>
+        <p:nvSpPr>
+          <p:cNvPr id="7" name="文本框 6"/>
+          <p:cNvSpPr txBox="1"/>
+          <p:nvPr/>
+        </p:nvSpPr>
+        <p:spPr>
+          <a:xfrm>
+            <a:off x="1414145" y="1927225"/>
+            <a:ext cx="2174240" cy="386080"/>
+          </a:xfrm>
+          <a:prstGeom prst="rect">
+            <a:avLst/>
+          </a:prstGeom>
+        </p:spPr>
+        <p:txBody>
+          <a:bodyPr wrap="square">
+            <a:spAutoFit/>
+          </a:bodyPr>
+          <a:p>
+            <a:pPr indent="457200" algn="l">
+              <a:lnSpc>
+                <a:spcPct val="120000"/>
+              </a:lnSpc>
+              <a:buClrTx/>
+              <a:buSzTx/>
+              <a:buFontTx/>
+            </a:pPr>
+            <a:r>
+              <a:rPr lang="zh-CN" altLang="en-US" sz="1600" dirty="0">
+                <a:latin typeface="华文中宋" panose="02010600040101010101" charset="-122"/>
+                <a:ea typeface="华文中宋" panose="02010600040101010101" charset="-122"/>
+                <a:cs typeface="华文中宋" panose="02010600040101010101" charset="-122"/>
+              </a:rPr>
+              <a:t>函数生成</a:t>
+            </a:r>
+            <a:endParaRPr lang="zh-CN" altLang="en-US" sz="1600" dirty="0">
+              <a:latin typeface="华文中宋" panose="02010600040101010101" charset="-122"/>
+              <a:ea typeface="华文中宋" panose="02010600040101010101" charset="-122"/>
+              <a:cs typeface="华文中宋" panose="02010600040101010101" charset="-122"/>
+            </a:endParaRPr>
+          </a:p>
+        </p:txBody>
+      </p:sp>
+      <p:sp>
+        <p:nvSpPr>
+          <p:cNvPr id="8" name="文本框 7"/>
+          <p:cNvSpPr txBox="1"/>
+          <p:nvPr/>
+        </p:nvSpPr>
+        <p:spPr>
+          <a:xfrm>
+            <a:off x="828040" y="2751455"/>
+            <a:ext cx="6869430" cy="386080"/>
+          </a:xfrm>
+          <a:prstGeom prst="rect">
+            <a:avLst/>
+          </a:prstGeom>
+          <a:noFill/>
+        </p:spPr>
+        <p:txBody>
+          <a:bodyPr wrap="square" rtlCol="0">
+            <a:spAutoFit/>
+          </a:bodyPr>
+          <a:p>
+            <a:pPr indent="457200" algn="l">
+              <a:lnSpc>
+                <a:spcPct val="120000"/>
+              </a:lnSpc>
+              <a:buClrTx/>
+              <a:buSzTx/>
+              <a:buFontTx/>
+            </a:pPr>
+            <a:r>
+              <a:rPr lang="zh-CN" altLang="en-US" sz="1600" dirty="0">
+                <a:latin typeface="华文中宋" panose="02010600040101010101" charset="-122"/>
+                <a:ea typeface="华文中宋" panose="02010600040101010101" charset="-122"/>
+                <a:cs typeface="华文中宋" panose="02010600040101010101" charset="-122"/>
+              </a:rPr>
+              <a:t>语句块生成函数处理语句序列，根据语句类型分发到不同生成函数</a:t>
+            </a:r>
+            <a:endParaRPr lang="zh-CN" altLang="en-US" sz="1600" dirty="0">
+              <a:latin typeface="华文中宋" panose="02010600040101010101" charset="-122"/>
+              <a:ea typeface="华文中宋" panose="02010600040101010101" charset="-122"/>
+              <a:cs typeface="华文中宋" panose="02010600040101010101" charset="-122"/>
+            </a:endParaRPr>
+          </a:p>
+        </p:txBody>
+      </p:sp>
+      <p:sp>
+        <p:nvSpPr>
+          <p:cNvPr id="9" name="文本框 8"/>
+          <p:cNvSpPr txBox="1"/>
+          <p:nvPr/>
+        </p:nvSpPr>
+        <p:spPr>
+          <a:xfrm>
+            <a:off x="2915285" y="1957705"/>
+            <a:ext cx="7311390" cy="386080"/>
+          </a:xfrm>
+          <a:prstGeom prst="rect">
+            <a:avLst/>
+          </a:prstGeom>
+        </p:spPr>
+        <p:txBody>
+          <a:bodyPr wrap="square">
+            <a:spAutoFit/>
+          </a:bodyPr>
+          <a:p>
+            <a:pPr indent="457200" algn="l">
+              <a:lnSpc>
+                <a:spcPct val="120000"/>
+              </a:lnSpc>
+              <a:buClrTx/>
+              <a:buSzTx/>
+              <a:buFontTx/>
+            </a:pPr>
+            <a:r>
+              <a:rPr lang="zh-CN" altLang="en-US" sz="1600" b="0" dirty="0">
+                <a:latin typeface="华文中宋" panose="02010600040101010101" charset="-122"/>
+                <a:ea typeface="华文中宋" panose="02010600040101010101" charset="-122"/>
+                <a:cs typeface="华文中宋" panose="02010600040101010101" charset="-122"/>
+              </a:rPr>
+              <a:t>对于每个函数声明，先生成函数头部分，再生成函数体对应的中间代码。</a:t>
+            </a:r>
+            <a:endParaRPr lang="zh-CN" altLang="en-US" sz="1600" b="0" dirty="0">
+              <a:latin typeface="华文中宋" panose="02010600040101010101" charset="-122"/>
+              <a:ea typeface="华文中宋" panose="02010600040101010101" charset="-122"/>
+              <a:cs typeface="华文中宋" panose="02010600040101010101" charset="-122"/>
+            </a:endParaRPr>
+          </a:p>
+        </p:txBody>
+      </p:sp>
+      <p:sp>
+        <p:nvSpPr>
+          <p:cNvPr id="10" name="文本框 9"/>
+          <p:cNvSpPr txBox="1"/>
+          <p:nvPr/>
+        </p:nvSpPr>
+        <p:spPr>
+          <a:xfrm>
+            <a:off x="224155" y="3272790"/>
+            <a:ext cx="2503170" cy="386080"/>
+          </a:xfrm>
+          <a:prstGeom prst="rect">
+            <a:avLst/>
+          </a:prstGeom>
+        </p:spPr>
+        <p:txBody>
+          <a:bodyPr wrap="square">
+            <a:spAutoFit/>
+          </a:bodyPr>
+          <a:p>
+            <a:pPr indent="457200" algn="l">
+              <a:lnSpc>
+                <a:spcPct val="120000"/>
+              </a:lnSpc>
+              <a:buClrTx/>
+              <a:buSzTx/>
+              <a:buFontTx/>
+            </a:pPr>
+            <a:r>
+              <a:rPr lang="zh-CN" altLang="en-US" sz="1600" dirty="0">
+                <a:latin typeface="华文中宋" panose="02010600040101010101" charset="-122"/>
+                <a:ea typeface="华文中宋" panose="02010600040101010101" charset="-122"/>
+                <a:cs typeface="华文中宋" panose="02010600040101010101" charset="-122"/>
+              </a:rPr>
+              <a:t>表达式生成</a:t>
+            </a:r>
+            <a:endParaRPr lang="zh-CN" altLang="en-US" sz="1600" dirty="0">
+              <a:latin typeface="华文中宋" panose="02010600040101010101" charset="-122"/>
+              <a:ea typeface="华文中宋" panose="02010600040101010101" charset="-122"/>
+              <a:cs typeface="华文中宋" panose="02010600040101010101" charset="-122"/>
+            </a:endParaRPr>
+          </a:p>
+        </p:txBody>
+      </p:sp>
+      <p:sp>
+        <p:nvSpPr>
+          <p:cNvPr id="12" name="文本框 11"/>
+          <p:cNvSpPr txBox="1"/>
+          <p:nvPr/>
+        </p:nvSpPr>
+        <p:spPr>
+          <a:xfrm>
+            <a:off x="7139305" y="3326765"/>
+            <a:ext cx="2532380" cy="386080"/>
+          </a:xfrm>
+          <a:prstGeom prst="rect">
+            <a:avLst/>
+          </a:prstGeom>
+        </p:spPr>
+        <p:txBody>
+          <a:bodyPr wrap="square">
+            <a:spAutoFit/>
+          </a:bodyPr>
+          <a:p>
+            <a:pPr indent="457200" algn="l">
+              <a:lnSpc>
+                <a:spcPct val="120000"/>
+              </a:lnSpc>
+              <a:buClrTx/>
+              <a:buSzTx/>
+              <a:buFontTx/>
+            </a:pPr>
+            <a:r>
+              <a:rPr lang="zh-CN" altLang="en-US" sz="1600" dirty="0">
+                <a:latin typeface="华文中宋" panose="02010600040101010101" charset="-122"/>
+                <a:ea typeface="华文中宋" panose="02010600040101010101" charset="-122"/>
+                <a:cs typeface="华文中宋" panose="02010600040101010101" charset="-122"/>
+              </a:rPr>
+              <a:t>控制流生成</a:t>
+            </a:r>
+            <a:endParaRPr lang="zh-CN" altLang="en-US" sz="1600" dirty="0">
+              <a:latin typeface="华文中宋" panose="02010600040101010101" charset="-122"/>
+              <a:ea typeface="华文中宋" panose="02010600040101010101" charset="-122"/>
+              <a:cs typeface="华文中宋" panose="02010600040101010101" charset="-122"/>
+            </a:endParaRPr>
+          </a:p>
+        </p:txBody>
+      </p:sp>
+      <p:sp>
+        <p:nvSpPr>
+          <p:cNvPr id="13" name="文本框 12"/>
+          <p:cNvSpPr txBox="1"/>
+          <p:nvPr/>
+        </p:nvSpPr>
+        <p:spPr>
+          <a:xfrm>
+            <a:off x="3588385" y="3298190"/>
+            <a:ext cx="2359660" cy="386080"/>
+          </a:xfrm>
+          <a:prstGeom prst="rect">
+            <a:avLst/>
+          </a:prstGeom>
+        </p:spPr>
+        <p:txBody>
+          <a:bodyPr wrap="square">
+            <a:spAutoFit/>
+          </a:bodyPr>
+          <a:p>
+            <a:pPr indent="457200" algn="l">
+              <a:lnSpc>
+                <a:spcPct val="120000"/>
+              </a:lnSpc>
+              <a:buClrTx/>
+              <a:buSzTx/>
+              <a:buFontTx/>
+            </a:pPr>
+            <a:r>
+              <a:rPr lang="zh-CN" altLang="en-US" sz="1600" dirty="0">
+                <a:latin typeface="华文中宋" panose="02010600040101010101" charset="-122"/>
+                <a:ea typeface="华文中宋" panose="02010600040101010101" charset="-122"/>
+                <a:cs typeface="华文中宋" panose="02010600040101010101" charset="-122"/>
+              </a:rPr>
+              <a:t>函数调用生成</a:t>
+            </a:r>
+            <a:endParaRPr lang="zh-CN" altLang="en-US" sz="1600" dirty="0">
+              <a:latin typeface="华文中宋" panose="02010600040101010101" charset="-122"/>
+              <a:ea typeface="华文中宋" panose="02010600040101010101" charset="-122"/>
+              <a:cs typeface="华文中宋" panose="02010600040101010101" charset="-122"/>
+            </a:endParaRPr>
+          </a:p>
+        </p:txBody>
+      </p:sp>
+      <p:sp>
+        <p:nvSpPr>
+          <p:cNvPr id="14" name="右箭头 13"/>
+          <p:cNvSpPr/>
+          <p:nvPr/>
+        </p:nvSpPr>
+        <p:spPr>
+          <a:xfrm rot="5400000">
+            <a:off x="2188210" y="1651000"/>
+            <a:ext cx="346710" cy="278130"/>
+          </a:xfrm>
+          <a:prstGeom prst="rightArrow">
+            <a:avLst/>
+          </a:prstGeom>
+        </p:spPr>
+        <p:style>
+          <a:lnRef idx="2">
+            <a:schemeClr val="accent1">
+              <a:lumMod val="75000"/>
+            </a:schemeClr>
+          </a:lnRef>
+          <a:fillRef idx="1">
+            <a:schemeClr val="accent1"/>
+          </a:fillRef>
+          <a:effectRef idx="0">
+            <a:srgbClr val="FFFFFF"/>
+          </a:effectRef>
+          <a:fontRef idx="minor">
+            <a:schemeClr val="lt1"/>
+          </a:fontRef>
+        </p:style>
+        <p:txBody>
+          <a:bodyPr rtlCol="0" anchor="ctr"/>
+          <a:p>
+            <a:pPr algn="ctr"/>
+            <a:endParaRPr lang="zh-CN" altLang="en-US"/>
+          </a:p>
+        </p:txBody>
+      </p:sp>
+      <p:sp>
+        <p:nvSpPr>
+          <p:cNvPr id="15" name="右箭头 14"/>
+          <p:cNvSpPr/>
+          <p:nvPr/>
+        </p:nvSpPr>
+        <p:spPr>
+          <a:xfrm rot="5400000">
+            <a:off x="2188210" y="2393315"/>
+            <a:ext cx="346710" cy="278130"/>
+          </a:xfrm>
+          <a:prstGeom prst="rightArrow">
+            <a:avLst/>
+          </a:prstGeom>
+        </p:spPr>
+        <p:style>
+          <a:lnRef idx="2">
+            <a:schemeClr val="accent1">
+              <a:lumMod val="75000"/>
+            </a:schemeClr>
+          </a:lnRef>
+          <a:fillRef idx="1">
+            <a:schemeClr val="accent1"/>
+          </a:fillRef>
+          <a:effectRef idx="0">
+            <a:srgbClr val="FFFFFF"/>
+          </a:effectRef>
+          <a:fontRef idx="minor">
+            <a:schemeClr val="lt1"/>
+          </a:fontRef>
+        </p:style>
+        <p:txBody>
+          <a:bodyPr rtlCol="0" anchor="ctr"/>
+          <a:p>
+            <a:pPr algn="ctr"/>
+            <a:endParaRPr lang="zh-CN" altLang="en-US"/>
+          </a:p>
+        </p:txBody>
+      </p:sp>
+      <p:sp>
+        <p:nvSpPr>
+          <p:cNvPr id="16" name="左大括号 15"/>
+          <p:cNvSpPr/>
+          <p:nvPr/>
+        </p:nvSpPr>
+        <p:spPr>
+          <a:xfrm rot="5400000">
+            <a:off x="6086475" y="-1693545"/>
+            <a:ext cx="271780" cy="9862820"/>
+          </a:xfrm>
+          <a:prstGeom prst="leftBrace">
+            <a:avLst>
+              <a:gd name="adj1" fmla="val 0"/>
+              <a:gd name="adj2" fmla="val 58173"/>
+            </a:avLst>
+          </a:prstGeom>
+        </p:spPr>
+        <p:style>
+          <a:lnRef idx="2">
+            <a:schemeClr val="accent1"/>
+          </a:lnRef>
+          <a:fillRef idx="0">
+            <a:srgbClr val="FFFFFF"/>
+          </a:fillRef>
+          <a:effectRef idx="0">
+            <a:srgbClr val="FFFFFF"/>
+          </a:effectRef>
+          <a:fontRef idx="minor">
+            <a:schemeClr val="tx1"/>
+          </a:fontRef>
+        </p:style>
+        <p:txBody>
+          <a:bodyPr rtlCol="0" anchor="ctr"/>
+          <a:p>
+            <a:pPr algn="ctr"/>
+            <a:endParaRPr lang="zh-CN" altLang="en-US"/>
+          </a:p>
+        </p:txBody>
+      </p:sp>
+      <p:sp>
+        <p:nvSpPr>
+          <p:cNvPr id="17" name="文本框 16"/>
+          <p:cNvSpPr txBox="1"/>
+          <p:nvPr/>
+        </p:nvSpPr>
+        <p:spPr>
+          <a:xfrm>
+            <a:off x="0" y="3956685"/>
+            <a:ext cx="3902710" cy="2416810"/>
+          </a:xfrm>
+          <a:prstGeom prst="rect">
+            <a:avLst/>
+          </a:prstGeom>
+          <a:noFill/>
+        </p:spPr>
+        <p:txBody>
+          <a:bodyPr wrap="square" rtlCol="0">
+            <a:spAutoFit/>
+          </a:bodyPr>
+          <a:p>
+            <a:pPr marL="285750" indent="-285750" algn="l">
+              <a:lnSpc>
+                <a:spcPct val="120000"/>
+              </a:lnSpc>
+              <a:buClrTx/>
+              <a:buSzTx/>
+              <a:buFont typeface="Arial" panose="020B0604020202020204" pitchFamily="34" charset="0"/>
+              <a:buChar char="•"/>
+            </a:pPr>
+            <a:r>
+              <a:rPr lang="zh-CN" altLang="en-US" sz="1400" dirty="0">
+                <a:latin typeface="华文中宋" panose="02010600040101010101" charset="-122"/>
+                <a:ea typeface="华文中宋" panose="02010600040101010101" charset="-122"/>
+                <a:cs typeface="华文中宋" panose="02010600040101010101" charset="-122"/>
+              </a:rPr>
+              <a:t>算术表达式：递归下降处理。</a:t>
+            </a:r>
+            <a:endParaRPr lang="zh-CN" altLang="en-US" sz="1400" dirty="0">
+              <a:latin typeface="华文中宋" panose="02010600040101010101" charset="-122"/>
+              <a:ea typeface="华文中宋" panose="02010600040101010101" charset="-122"/>
+              <a:cs typeface="华文中宋" panose="02010600040101010101" charset="-122"/>
+            </a:endParaRPr>
+          </a:p>
+          <a:p>
+            <a:pPr indent="457200" algn="l">
+              <a:lnSpc>
+                <a:spcPct val="120000"/>
+              </a:lnSpc>
+              <a:buClrTx/>
+              <a:buSzTx/>
+              <a:buFont typeface="Arial" panose="020B0604020202020204" pitchFamily="34" charset="0"/>
+              <a:buNone/>
+            </a:pPr>
+            <a:r>
+              <a:rPr lang="en-US" altLang="zh-CN" sz="1400" dirty="0">
+                <a:latin typeface="华文中宋" panose="02010600040101010101" charset="-122"/>
+                <a:ea typeface="华文中宋" panose="02010600040101010101" charset="-122"/>
+                <a:cs typeface="华文中宋" panose="02010600040101010101" charset="-122"/>
+              </a:rPr>
+              <a:t>1.</a:t>
+            </a:r>
+            <a:r>
+              <a:rPr lang="zh-CN" altLang="en-US" sz="1400" dirty="0">
+                <a:latin typeface="华文中宋" panose="02010600040101010101" charset="-122"/>
+                <a:ea typeface="华文中宋" panose="02010600040101010101" charset="-122"/>
+                <a:cs typeface="华文中宋" panose="02010600040101010101" charset="-122"/>
+              </a:rPr>
+              <a:t>优先递归生成</a:t>
+            </a:r>
+            <a:r>
+              <a:rPr lang="en-US" altLang="zh-CN" sz="1400" dirty="0">
+                <a:latin typeface="华文中宋" panose="02010600040101010101" charset="-122"/>
+                <a:ea typeface="华文中宋" panose="02010600040101010101" charset="-122"/>
+                <a:cs typeface="华文中宋" panose="02010600040101010101" charset="-122"/>
+              </a:rPr>
+              <a:t>lhs</a:t>
+            </a:r>
+            <a:r>
+              <a:rPr lang="zh-CN" altLang="en-US" sz="1400" dirty="0">
+                <a:latin typeface="华文中宋" panose="02010600040101010101" charset="-122"/>
+                <a:ea typeface="华文中宋" panose="02010600040101010101" charset="-122"/>
+                <a:cs typeface="华文中宋" panose="02010600040101010101" charset="-122"/>
+              </a:rPr>
+              <a:t>和</a:t>
+            </a:r>
+            <a:r>
+              <a:rPr lang="en-US" altLang="zh-CN" sz="1400" dirty="0">
+                <a:latin typeface="华文中宋" panose="02010600040101010101" charset="-122"/>
+                <a:ea typeface="华文中宋" panose="02010600040101010101" charset="-122"/>
+                <a:cs typeface="华文中宋" panose="02010600040101010101" charset="-122"/>
+              </a:rPr>
+              <a:t>rhs</a:t>
+            </a:r>
+            <a:r>
+              <a:rPr lang="zh-CN" altLang="en-US" sz="1400" dirty="0">
+                <a:latin typeface="华文中宋" panose="02010600040101010101" charset="-122"/>
+                <a:ea typeface="华文中宋" panose="02010600040101010101" charset="-122"/>
+                <a:cs typeface="华文中宋" panose="02010600040101010101" charset="-122"/>
+              </a:rPr>
+              <a:t>的中间代码</a:t>
+            </a:r>
+            <a:endParaRPr lang="zh-CN" altLang="en-US" sz="1400" dirty="0">
+              <a:latin typeface="华文中宋" panose="02010600040101010101" charset="-122"/>
+              <a:ea typeface="华文中宋" panose="02010600040101010101" charset="-122"/>
+              <a:cs typeface="华文中宋" panose="02010600040101010101" charset="-122"/>
+            </a:endParaRPr>
+          </a:p>
+          <a:p>
+            <a:pPr indent="457200" algn="l">
+              <a:lnSpc>
+                <a:spcPct val="120000"/>
+              </a:lnSpc>
+              <a:buClrTx/>
+              <a:buSzTx/>
+              <a:buFont typeface="Arial" panose="020B0604020202020204" pitchFamily="34" charset="0"/>
+              <a:buNone/>
+            </a:pPr>
+            <a:r>
+              <a:rPr lang="en-US" altLang="zh-CN" sz="1400" dirty="0">
+                <a:latin typeface="华文中宋" panose="02010600040101010101" charset="-122"/>
+                <a:ea typeface="华文中宋" panose="02010600040101010101" charset="-122"/>
+                <a:cs typeface="华文中宋" panose="02010600040101010101" charset="-122"/>
+              </a:rPr>
+              <a:t>2.</a:t>
+            </a:r>
+            <a:r>
+              <a:rPr lang="zh-CN" altLang="en-US" sz="1400" dirty="0">
+                <a:latin typeface="华文中宋" panose="02010600040101010101" charset="-122"/>
+                <a:ea typeface="华文中宋" panose="02010600040101010101" charset="-122"/>
+                <a:cs typeface="华文中宋" panose="02010600040101010101" charset="-122"/>
+              </a:rPr>
+              <a:t>为运算结果分配临时变量名</a:t>
+            </a:r>
+            <a:endParaRPr lang="zh-CN" altLang="en-US" sz="1400" dirty="0">
+              <a:latin typeface="华文中宋" panose="02010600040101010101" charset="-122"/>
+              <a:ea typeface="华文中宋" panose="02010600040101010101" charset="-122"/>
+              <a:cs typeface="华文中宋" panose="02010600040101010101" charset="-122"/>
+            </a:endParaRPr>
+          </a:p>
+          <a:p>
+            <a:pPr indent="457200" algn="l">
+              <a:lnSpc>
+                <a:spcPct val="120000"/>
+              </a:lnSpc>
+              <a:buClrTx/>
+              <a:buSzTx/>
+              <a:buFont typeface="Arial" panose="020B0604020202020204" pitchFamily="34" charset="0"/>
+              <a:buNone/>
+            </a:pPr>
+            <a:r>
+              <a:rPr lang="en-US" altLang="zh-CN" sz="1400" dirty="0">
+                <a:latin typeface="华文中宋" panose="02010600040101010101" charset="-122"/>
+                <a:ea typeface="华文中宋" panose="02010600040101010101" charset="-122"/>
+                <a:cs typeface="华文中宋" panose="02010600040101010101" charset="-122"/>
+              </a:rPr>
+              <a:t>3.</a:t>
+            </a:r>
+            <a:r>
+              <a:rPr lang="zh-CN" altLang="en-US" sz="1400" dirty="0">
+                <a:latin typeface="华文中宋" panose="02010600040101010101" charset="-122"/>
+                <a:ea typeface="华文中宋" panose="02010600040101010101" charset="-122"/>
+                <a:cs typeface="华文中宋" panose="02010600040101010101" charset="-122"/>
+              </a:rPr>
+              <a:t>根据运算符类型生成对应四元式指令</a:t>
+            </a:r>
+            <a:endParaRPr lang="zh-CN" altLang="en-US" sz="1400" dirty="0">
+              <a:latin typeface="华文中宋" panose="02010600040101010101" charset="-122"/>
+              <a:ea typeface="华文中宋" panose="02010600040101010101" charset="-122"/>
+              <a:cs typeface="华文中宋" panose="02010600040101010101" charset="-122"/>
+            </a:endParaRPr>
+          </a:p>
+          <a:p>
+            <a:pPr marL="285750" indent="-285750" algn="l">
+              <a:lnSpc>
+                <a:spcPct val="120000"/>
+              </a:lnSpc>
+              <a:buClrTx/>
+              <a:buSzTx/>
+              <a:buFont typeface="Arial" panose="020B0604020202020204" pitchFamily="34" charset="0"/>
+              <a:buChar char="•"/>
+            </a:pPr>
+            <a:r>
+              <a:rPr lang="zh-CN" altLang="en-US" sz="1400" dirty="0">
+                <a:latin typeface="华文中宋" panose="02010600040101010101" charset="-122"/>
+                <a:ea typeface="华文中宋" panose="02010600040101010101" charset="-122"/>
+                <a:cs typeface="华文中宋" panose="02010600040101010101" charset="-122"/>
+              </a:rPr>
+              <a:t>比较表达式生成：</a:t>
+            </a:r>
+            <a:endParaRPr lang="zh-CN" altLang="en-US" sz="1400" dirty="0">
+              <a:latin typeface="华文中宋" panose="02010600040101010101" charset="-122"/>
+              <a:ea typeface="华文中宋" panose="02010600040101010101" charset="-122"/>
+              <a:cs typeface="华文中宋" panose="02010600040101010101" charset="-122"/>
+            </a:endParaRPr>
+          </a:p>
+          <a:p>
+            <a:pPr indent="457200" algn="l">
+              <a:lnSpc>
+                <a:spcPct val="120000"/>
+              </a:lnSpc>
+              <a:buClrTx/>
+              <a:buSzTx/>
+              <a:buFont typeface="Arial" panose="020B0604020202020204" pitchFamily="34" charset="0"/>
+              <a:buNone/>
+            </a:pPr>
+            <a:r>
+              <a:rPr lang="en-US" altLang="zh-CN" sz="1400" dirty="0">
+                <a:latin typeface="华文中宋" panose="02010600040101010101" charset="-122"/>
+                <a:ea typeface="华文中宋" panose="02010600040101010101" charset="-122"/>
+                <a:cs typeface="华文中宋" panose="02010600040101010101" charset="-122"/>
+              </a:rPr>
+              <a:t>1.</a:t>
+            </a:r>
+            <a:r>
+              <a:rPr lang="zh-CN" altLang="en-US" sz="1400" dirty="0">
+                <a:latin typeface="华文中宋" panose="02010600040101010101" charset="-122"/>
+                <a:ea typeface="华文中宋" panose="02010600040101010101" charset="-122"/>
+                <a:cs typeface="华文中宋" panose="02010600040101010101" charset="-122"/>
+              </a:rPr>
+              <a:t>递归生成左右操作数中间代码</a:t>
+            </a:r>
+            <a:endParaRPr lang="zh-CN" altLang="en-US" sz="1400" dirty="0">
+              <a:latin typeface="华文中宋" panose="02010600040101010101" charset="-122"/>
+              <a:ea typeface="华文中宋" panose="02010600040101010101" charset="-122"/>
+              <a:cs typeface="华文中宋" panose="02010600040101010101" charset="-122"/>
+            </a:endParaRPr>
+          </a:p>
+          <a:p>
+            <a:pPr indent="457200" algn="l">
+              <a:lnSpc>
+                <a:spcPct val="120000"/>
+              </a:lnSpc>
+              <a:buClrTx/>
+              <a:buSzTx/>
+              <a:buFont typeface="Arial" panose="020B0604020202020204" pitchFamily="34" charset="0"/>
+              <a:buNone/>
+            </a:pPr>
+            <a:r>
+              <a:rPr lang="en-US" altLang="zh-CN" sz="1400" dirty="0">
+                <a:latin typeface="华文中宋" panose="02010600040101010101" charset="-122"/>
+                <a:ea typeface="华文中宋" panose="02010600040101010101" charset="-122"/>
+                <a:cs typeface="华文中宋" panose="02010600040101010101" charset="-122"/>
+              </a:rPr>
+              <a:t>2.</a:t>
+            </a:r>
+            <a:r>
+              <a:rPr lang="zh-CN" altLang="en-US" sz="1400" dirty="0">
+                <a:latin typeface="华文中宋" panose="02010600040101010101" charset="-122"/>
+                <a:ea typeface="华文中宋" panose="02010600040101010101" charset="-122"/>
+                <a:cs typeface="华文中宋" panose="02010600040101010101" charset="-122"/>
+              </a:rPr>
+              <a:t>分配临时变量存储比较结果</a:t>
+            </a:r>
+            <a:r>
+              <a:rPr lang="en-US" altLang="zh-CN" sz="1400" dirty="0">
+                <a:latin typeface="华文中宋" panose="02010600040101010101" charset="-122"/>
+                <a:ea typeface="华文中宋" panose="02010600040101010101" charset="-122"/>
+                <a:cs typeface="华文中宋" panose="02010600040101010101" charset="-122"/>
+              </a:rPr>
+              <a:t>(true/false)</a:t>
+            </a:r>
+            <a:endParaRPr lang="en-US" altLang="zh-CN" sz="1400" dirty="0">
+              <a:latin typeface="华文中宋" panose="02010600040101010101" charset="-122"/>
+              <a:ea typeface="华文中宋" panose="02010600040101010101" charset="-122"/>
+              <a:cs typeface="华文中宋" panose="02010600040101010101" charset="-122"/>
+            </a:endParaRPr>
+          </a:p>
+          <a:p>
+            <a:pPr indent="457200" algn="l">
+              <a:lnSpc>
+                <a:spcPct val="120000"/>
+              </a:lnSpc>
+              <a:buClrTx/>
+              <a:buSzTx/>
+              <a:buFont typeface="Arial" panose="020B0604020202020204" pitchFamily="34" charset="0"/>
+              <a:buNone/>
+            </a:pPr>
+            <a:r>
+              <a:rPr lang="en-US" altLang="zh-CN" sz="1400" dirty="0">
+                <a:latin typeface="华文中宋" panose="02010600040101010101" charset="-122"/>
+                <a:ea typeface="华文中宋" panose="02010600040101010101" charset="-122"/>
+                <a:cs typeface="华文中宋" panose="02010600040101010101" charset="-122"/>
+              </a:rPr>
+              <a:t>3.</a:t>
+            </a:r>
+            <a:r>
+              <a:rPr lang="zh-CN" altLang="en-US" sz="1400" dirty="0">
+                <a:latin typeface="华文中宋" panose="02010600040101010101" charset="-122"/>
+                <a:ea typeface="华文中宋" panose="02010600040101010101" charset="-122"/>
+                <a:cs typeface="华文中宋" panose="02010600040101010101" charset="-122"/>
+              </a:rPr>
+              <a:t>根据比较符生成对应四元式</a:t>
+            </a:r>
+            <a:endParaRPr lang="zh-CN" altLang="en-US" sz="1400" dirty="0">
+              <a:latin typeface="华文中宋" panose="02010600040101010101" charset="-122"/>
+              <a:ea typeface="华文中宋" panose="02010600040101010101" charset="-122"/>
+              <a:cs typeface="华文中宋" panose="02010600040101010101" charset="-122"/>
+            </a:endParaRPr>
+          </a:p>
+          <a:p>
+            <a:pPr indent="457200" algn="l">
+              <a:lnSpc>
+                <a:spcPct val="120000"/>
+              </a:lnSpc>
+              <a:buClrTx/>
+              <a:buSzTx/>
+              <a:buFont typeface="Arial" panose="020B0604020202020204" pitchFamily="34" charset="0"/>
+              <a:buNone/>
+            </a:pPr>
+            <a:r>
+              <a:rPr lang="en-US" altLang="zh-CN" sz="1400" dirty="0">
+                <a:latin typeface="华文中宋" panose="02010600040101010101" charset="-122"/>
+                <a:ea typeface="华文中宋" panose="02010600040101010101" charset="-122"/>
+                <a:cs typeface="华文中宋" panose="02010600040101010101" charset="-122"/>
+              </a:rPr>
+              <a:t>4.</a:t>
+            </a:r>
+            <a:r>
+              <a:rPr lang="zh-CN" altLang="en-US" sz="1400" dirty="0">
+                <a:latin typeface="华文中宋" panose="02010600040101010101" charset="-122"/>
+                <a:ea typeface="华文中宋" panose="02010600040101010101" charset="-122"/>
+                <a:cs typeface="华文中宋" panose="02010600040101010101" charset="-122"/>
+              </a:rPr>
+              <a:t>返回临时变量用于控制流跳转判断</a:t>
+            </a:r>
+            <a:endParaRPr lang="zh-CN" altLang="en-US" sz="1400" dirty="0">
+              <a:latin typeface="华文中宋" panose="02010600040101010101" charset="-122"/>
+              <a:ea typeface="华文中宋" panose="02010600040101010101" charset="-122"/>
+              <a:cs typeface="华文中宋" panose="02010600040101010101" charset="-122"/>
+            </a:endParaRPr>
+          </a:p>
+        </p:txBody>
+      </p:sp>
+      <p:sp>
+        <p:nvSpPr>
+          <p:cNvPr id="18" name="右箭头 17"/>
+          <p:cNvSpPr/>
+          <p:nvPr/>
+        </p:nvSpPr>
+        <p:spPr>
+          <a:xfrm rot="5400000">
+            <a:off x="1162050" y="3718560"/>
+            <a:ext cx="346710" cy="278130"/>
+          </a:xfrm>
+          <a:prstGeom prst="rightArrow">
+            <a:avLst/>
+          </a:prstGeom>
+        </p:spPr>
+        <p:style>
+          <a:lnRef idx="2">
+            <a:schemeClr val="accent1">
+              <a:lumMod val="75000"/>
+            </a:schemeClr>
+          </a:lnRef>
+          <a:fillRef idx="1">
+            <a:schemeClr val="accent1"/>
+          </a:fillRef>
+          <a:effectRef idx="0">
+            <a:srgbClr val="FFFFFF"/>
+          </a:effectRef>
+          <a:fontRef idx="minor">
+            <a:schemeClr val="lt1"/>
+          </a:fontRef>
+        </p:style>
+        <p:txBody>
+          <a:bodyPr rtlCol="0" anchor="ctr"/>
+          <a:p>
+            <a:pPr algn="ctr"/>
+            <a:endParaRPr lang="zh-CN" altLang="en-US"/>
+          </a:p>
+        </p:txBody>
+      </p:sp>
+      <p:sp>
+        <p:nvSpPr>
+          <p:cNvPr id="20" name="文本框 19"/>
+          <p:cNvSpPr txBox="1"/>
+          <p:nvPr/>
+        </p:nvSpPr>
+        <p:spPr>
+          <a:xfrm>
+            <a:off x="6028690" y="4051935"/>
+            <a:ext cx="4464050" cy="2416810"/>
+          </a:xfrm>
+          <a:prstGeom prst="rect">
+            <a:avLst/>
+          </a:prstGeom>
+          <a:noFill/>
+        </p:spPr>
+        <p:txBody>
+          <a:bodyPr wrap="square" rtlCol="0">
+            <a:spAutoFit/>
+          </a:bodyPr>
+          <a:p>
+            <a:pPr marL="285750" indent="-285750" algn="l">
+              <a:lnSpc>
+                <a:spcPct val="120000"/>
+              </a:lnSpc>
+              <a:buClrTx/>
+              <a:buSzTx/>
+              <a:buFont typeface="Arial" panose="020B0604020202020204" pitchFamily="34" charset="0"/>
+              <a:buChar char="•"/>
+            </a:pPr>
+            <a:r>
+              <a:rPr lang="en-US" altLang="zh-CN" sz="1400" dirty="0">
+                <a:latin typeface="华文中宋" panose="02010600040101010101" charset="-122"/>
+                <a:ea typeface="华文中宋" panose="02010600040101010101" charset="-122"/>
+                <a:cs typeface="华文中宋" panose="02010600040101010101" charset="-122"/>
+              </a:rPr>
+              <a:t>if</a:t>
+            </a:r>
+            <a:r>
+              <a:rPr lang="zh-CN" altLang="en-US" sz="1400" dirty="0">
+                <a:latin typeface="华文中宋" panose="02010600040101010101" charset="-122"/>
+                <a:ea typeface="华文中宋" panose="02010600040101010101" charset="-122"/>
+                <a:cs typeface="华文中宋" panose="02010600040101010101" charset="-122"/>
+              </a:rPr>
+              <a:t>语句生成：标签化跳转架构</a:t>
+            </a:r>
+            <a:endParaRPr lang="zh-CN" altLang="en-US" sz="1400" dirty="0">
+              <a:latin typeface="华文中宋" panose="02010600040101010101" charset="-122"/>
+              <a:ea typeface="华文中宋" panose="02010600040101010101" charset="-122"/>
+              <a:cs typeface="华文中宋" panose="02010600040101010101" charset="-122"/>
+            </a:endParaRPr>
+          </a:p>
+          <a:p>
+            <a:pPr indent="0" algn="l">
+              <a:lnSpc>
+                <a:spcPct val="120000"/>
+              </a:lnSpc>
+              <a:buClrTx/>
+              <a:buSzTx/>
+              <a:buFont typeface="Arial" panose="020B0604020202020204" pitchFamily="34" charset="0"/>
+              <a:buNone/>
+            </a:pPr>
+            <a:r>
+              <a:rPr lang="en-US" altLang="zh-CN" sz="1400" dirty="0">
+                <a:latin typeface="华文中宋" panose="02010600040101010101" charset="-122"/>
+                <a:ea typeface="华文中宋" panose="02010600040101010101" charset="-122"/>
+                <a:cs typeface="华文中宋" panose="02010600040101010101" charset="-122"/>
+              </a:rPr>
+              <a:t>1.</a:t>
+            </a:r>
+            <a:r>
+              <a:rPr lang="zh-CN" altLang="en-US" sz="1400" dirty="0">
+                <a:latin typeface="华文中宋" panose="02010600040101010101" charset="-122"/>
+                <a:ea typeface="华文中宋" panose="02010600040101010101" charset="-122"/>
+                <a:cs typeface="华文中宋" panose="02010600040101010101" charset="-122"/>
+              </a:rPr>
+              <a:t>为</a:t>
+            </a:r>
+            <a:r>
+              <a:rPr lang="en-US" altLang="zh-CN" sz="1400" dirty="0">
+                <a:latin typeface="华文中宋" panose="02010600040101010101" charset="-122"/>
+                <a:ea typeface="华文中宋" panose="02010600040101010101" charset="-122"/>
+                <a:cs typeface="华文中宋" panose="02010600040101010101" charset="-122"/>
+              </a:rPr>
+              <a:t>true</a:t>
+            </a:r>
+            <a:r>
+              <a:rPr lang="zh-CN" altLang="en-US" sz="1400" dirty="0">
+                <a:latin typeface="华文中宋" panose="02010600040101010101" charset="-122"/>
+                <a:ea typeface="华文中宋" panose="02010600040101010101" charset="-122"/>
+                <a:cs typeface="华文中宋" panose="02010600040101010101" charset="-122"/>
+              </a:rPr>
+              <a:t>分支、</a:t>
+            </a:r>
+            <a:r>
+              <a:rPr lang="en-US" altLang="zh-CN" sz="1400" dirty="0">
+                <a:latin typeface="华文中宋" panose="02010600040101010101" charset="-122"/>
+                <a:ea typeface="华文中宋" panose="02010600040101010101" charset="-122"/>
+                <a:cs typeface="华文中宋" panose="02010600040101010101" charset="-122"/>
+              </a:rPr>
+              <a:t>false</a:t>
+            </a:r>
+            <a:r>
+              <a:rPr lang="zh-CN" altLang="en-US" sz="1400" dirty="0">
+                <a:latin typeface="华文中宋" panose="02010600040101010101" charset="-122"/>
+                <a:ea typeface="华文中宋" panose="02010600040101010101" charset="-122"/>
+                <a:cs typeface="华文中宋" panose="02010600040101010101" charset="-122"/>
+              </a:rPr>
+              <a:t>分支和结束点创建唯一标签</a:t>
+            </a:r>
+            <a:endParaRPr lang="zh-CN" altLang="en-US" sz="1400" dirty="0">
+              <a:latin typeface="华文中宋" panose="02010600040101010101" charset="-122"/>
+              <a:ea typeface="华文中宋" panose="02010600040101010101" charset="-122"/>
+              <a:cs typeface="华文中宋" panose="02010600040101010101" charset="-122"/>
+            </a:endParaRPr>
+          </a:p>
+          <a:p>
+            <a:pPr indent="0" algn="l">
+              <a:lnSpc>
+                <a:spcPct val="120000"/>
+              </a:lnSpc>
+              <a:buClrTx/>
+              <a:buSzTx/>
+              <a:buFont typeface="Arial" panose="020B0604020202020204" pitchFamily="34" charset="0"/>
+              <a:buNone/>
+            </a:pPr>
+            <a:r>
+              <a:rPr lang="en-US" altLang="zh-CN" sz="1400" dirty="0">
+                <a:latin typeface="华文中宋" panose="02010600040101010101" charset="-122"/>
+                <a:ea typeface="华文中宋" panose="02010600040101010101" charset="-122"/>
+                <a:cs typeface="华文中宋" panose="02010600040101010101" charset="-122"/>
+              </a:rPr>
+              <a:t>2.</a:t>
+            </a:r>
+            <a:r>
+              <a:rPr lang="zh-CN" altLang="en-US" sz="1400" dirty="0">
+                <a:latin typeface="华文中宋" panose="02010600040101010101" charset="-122"/>
+                <a:ea typeface="华文中宋" panose="02010600040101010101" charset="-122"/>
+                <a:cs typeface="华文中宋" panose="02010600040101010101" charset="-122"/>
+              </a:rPr>
+              <a:t>生成条件表达式中间代码，通过</a:t>
+            </a:r>
+            <a:r>
+              <a:rPr lang="en-US" altLang="zh-CN" sz="1400" dirty="0">
+                <a:latin typeface="华文中宋" panose="02010600040101010101" charset="-122"/>
+                <a:ea typeface="华文中宋" panose="02010600040101010101" charset="-122"/>
+                <a:cs typeface="华文中宋" panose="02010600040101010101" charset="-122"/>
+              </a:rPr>
+              <a:t>jne</a:t>
+            </a:r>
+            <a:r>
+              <a:rPr lang="zh-CN" altLang="en-US" sz="1400" dirty="0">
+                <a:latin typeface="华文中宋" panose="02010600040101010101" charset="-122"/>
+                <a:ea typeface="华文中宋" panose="02010600040101010101" charset="-122"/>
+                <a:cs typeface="华文中宋" panose="02010600040101010101" charset="-122"/>
+              </a:rPr>
+              <a:t>跳转</a:t>
+            </a:r>
+            <a:r>
+              <a:rPr lang="en-US" altLang="zh-CN" sz="1400" dirty="0">
+                <a:latin typeface="华文中宋" panose="02010600040101010101" charset="-122"/>
+                <a:ea typeface="华文中宋" panose="02010600040101010101" charset="-122"/>
+                <a:cs typeface="华文中宋" panose="02010600040101010101" charset="-122"/>
+              </a:rPr>
+              <a:t>true</a:t>
+            </a:r>
+            <a:r>
+              <a:rPr lang="zh-CN" altLang="en-US" sz="1400" dirty="0">
+                <a:latin typeface="华文中宋" panose="02010600040101010101" charset="-122"/>
+                <a:ea typeface="华文中宋" panose="02010600040101010101" charset="-122"/>
+                <a:cs typeface="华文中宋" panose="02010600040101010101" charset="-122"/>
+              </a:rPr>
+              <a:t>分支</a:t>
+            </a:r>
+            <a:endParaRPr lang="zh-CN" altLang="en-US" sz="1400" dirty="0">
+              <a:latin typeface="华文中宋" panose="02010600040101010101" charset="-122"/>
+              <a:ea typeface="华文中宋" panose="02010600040101010101" charset="-122"/>
+              <a:cs typeface="华文中宋" panose="02010600040101010101" charset="-122"/>
+            </a:endParaRPr>
+          </a:p>
+          <a:p>
+            <a:pPr indent="0" algn="l">
+              <a:lnSpc>
+                <a:spcPct val="120000"/>
+              </a:lnSpc>
+              <a:buClrTx/>
+              <a:buSzTx/>
+              <a:buFont typeface="Arial" panose="020B0604020202020204" pitchFamily="34" charset="0"/>
+              <a:buNone/>
+            </a:pPr>
+            <a:r>
+              <a:rPr lang="en-US" altLang="zh-CN" sz="1400" dirty="0">
+                <a:latin typeface="华文中宋" panose="02010600040101010101" charset="-122"/>
+                <a:ea typeface="华文中宋" panose="02010600040101010101" charset="-122"/>
+                <a:cs typeface="华文中宋" panose="02010600040101010101" charset="-122"/>
+              </a:rPr>
+              <a:t>3.</a:t>
+            </a:r>
+            <a:r>
+              <a:rPr lang="zh-CN" altLang="en-US" sz="1400" dirty="0">
+                <a:latin typeface="华文中宋" panose="02010600040101010101" charset="-122"/>
+                <a:ea typeface="华文中宋" panose="02010600040101010101" charset="-122"/>
+                <a:cs typeface="华文中宋" panose="02010600040101010101" charset="-122"/>
+              </a:rPr>
+              <a:t>若无</a:t>
+            </a:r>
+            <a:r>
+              <a:rPr lang="en-US" altLang="zh-CN" sz="1400" dirty="0">
+                <a:latin typeface="华文中宋" panose="02010600040101010101" charset="-122"/>
+                <a:ea typeface="华文中宋" panose="02010600040101010101" charset="-122"/>
+                <a:cs typeface="华文中宋" panose="02010600040101010101" charset="-122"/>
+              </a:rPr>
+              <a:t>else</a:t>
+            </a:r>
+            <a:r>
+              <a:rPr lang="zh-CN" altLang="en-US" sz="1400" dirty="0">
+                <a:latin typeface="华文中宋" panose="02010600040101010101" charset="-122"/>
+                <a:ea typeface="华文中宋" panose="02010600040101010101" charset="-122"/>
+                <a:cs typeface="华文中宋" panose="02010600040101010101" charset="-122"/>
+              </a:rPr>
+              <a:t>直接跳转到结束标签，否则跳转到</a:t>
+            </a:r>
+            <a:r>
+              <a:rPr lang="en-US" altLang="zh-CN" sz="1400" dirty="0">
+                <a:latin typeface="华文中宋" panose="02010600040101010101" charset="-122"/>
+                <a:ea typeface="华文中宋" panose="02010600040101010101" charset="-122"/>
+                <a:cs typeface="华文中宋" panose="02010600040101010101" charset="-122"/>
+              </a:rPr>
+              <a:t>false</a:t>
+            </a:r>
+            <a:r>
+              <a:rPr lang="zh-CN" altLang="en-US" sz="1400" dirty="0">
+                <a:latin typeface="华文中宋" panose="02010600040101010101" charset="-122"/>
+                <a:ea typeface="华文中宋" panose="02010600040101010101" charset="-122"/>
+                <a:cs typeface="华文中宋" panose="02010600040101010101" charset="-122"/>
+              </a:rPr>
+              <a:t>分支</a:t>
+            </a:r>
+            <a:endParaRPr lang="zh-CN" altLang="en-US" sz="1400" dirty="0">
+              <a:latin typeface="华文中宋" panose="02010600040101010101" charset="-122"/>
+              <a:ea typeface="华文中宋" panose="02010600040101010101" charset="-122"/>
+              <a:cs typeface="华文中宋" panose="02010600040101010101" charset="-122"/>
+            </a:endParaRPr>
+          </a:p>
+          <a:p>
+            <a:pPr indent="0" algn="l">
+              <a:lnSpc>
+                <a:spcPct val="120000"/>
+              </a:lnSpc>
+              <a:buClrTx/>
+              <a:buSzTx/>
+              <a:buFont typeface="Arial" panose="020B0604020202020204" pitchFamily="34" charset="0"/>
+              <a:buNone/>
+            </a:pPr>
+            <a:r>
+              <a:rPr lang="en-US" altLang="zh-CN" sz="1400" dirty="0">
+                <a:latin typeface="华文中宋" panose="02010600040101010101" charset="-122"/>
+                <a:ea typeface="华文中宋" panose="02010600040101010101" charset="-122"/>
+                <a:cs typeface="华文中宋" panose="02010600040101010101" charset="-122"/>
+              </a:rPr>
+              <a:t>4.</a:t>
+            </a:r>
+            <a:r>
+              <a:rPr lang="zh-CN" altLang="en-US" sz="1400" dirty="0">
+                <a:latin typeface="华文中宋" panose="02010600040101010101" charset="-122"/>
+                <a:ea typeface="华文中宋" panose="02010600040101010101" charset="-122"/>
+                <a:cs typeface="华文中宋" panose="02010600040101010101" charset="-122"/>
+              </a:rPr>
+              <a:t>生成</a:t>
+            </a:r>
+            <a:r>
+              <a:rPr lang="en-US" altLang="zh-CN" sz="1400" dirty="0">
+                <a:latin typeface="华文中宋" panose="02010600040101010101" charset="-122"/>
+                <a:ea typeface="华文中宋" panose="02010600040101010101" charset="-122"/>
+                <a:cs typeface="华文中宋" panose="02010600040101010101" charset="-122"/>
+              </a:rPr>
+              <a:t>if</a:t>
+            </a:r>
+            <a:r>
+              <a:rPr lang="zh-CN" altLang="en-US" sz="1400" dirty="0">
+                <a:latin typeface="华文中宋" panose="02010600040101010101" charset="-122"/>
+                <a:ea typeface="华文中宋" panose="02010600040101010101" charset="-122"/>
+                <a:cs typeface="华文中宋" panose="02010600040101010101" charset="-122"/>
+              </a:rPr>
+              <a:t>和</a:t>
+            </a:r>
+            <a:r>
+              <a:rPr lang="en-US" altLang="zh-CN" sz="1400" dirty="0">
+                <a:latin typeface="华文中宋" panose="02010600040101010101" charset="-122"/>
+                <a:ea typeface="华文中宋" panose="02010600040101010101" charset="-122"/>
+                <a:cs typeface="华文中宋" panose="02010600040101010101" charset="-122"/>
+              </a:rPr>
+              <a:t>else</a:t>
+            </a:r>
+            <a:r>
+              <a:rPr lang="zh-CN" altLang="en-US" sz="1400" dirty="0">
+                <a:latin typeface="华文中宋" panose="02010600040101010101" charset="-122"/>
+                <a:ea typeface="华文中宋" panose="02010600040101010101" charset="-122"/>
+                <a:cs typeface="华文中宋" panose="02010600040101010101" charset="-122"/>
+              </a:rPr>
+              <a:t>的代码块，最后同一跳转到结束标签</a:t>
+            </a:r>
+            <a:endParaRPr lang="zh-CN" altLang="en-US" sz="1400" dirty="0">
+              <a:latin typeface="华文中宋" panose="02010600040101010101" charset="-122"/>
+              <a:ea typeface="华文中宋" panose="02010600040101010101" charset="-122"/>
+              <a:cs typeface="华文中宋" panose="02010600040101010101" charset="-122"/>
+            </a:endParaRPr>
+          </a:p>
+          <a:p>
+            <a:pPr marL="285750" indent="-285750" algn="l">
+              <a:lnSpc>
+                <a:spcPct val="120000"/>
+              </a:lnSpc>
+              <a:buClrTx/>
+              <a:buSzTx/>
+              <a:buFont typeface="Arial" panose="020B0604020202020204" pitchFamily="34" charset="0"/>
+              <a:buChar char="•"/>
+            </a:pPr>
+            <a:r>
+              <a:rPr lang="en-US" altLang="zh-CN" sz="1400" dirty="0">
+                <a:latin typeface="华文中宋" panose="02010600040101010101" charset="-122"/>
+                <a:ea typeface="华文中宋" panose="02010600040101010101" charset="-122"/>
+                <a:cs typeface="华文中宋" panose="02010600040101010101" charset="-122"/>
+              </a:rPr>
+              <a:t>while</a:t>
+            </a:r>
+            <a:r>
+              <a:rPr lang="zh-CN" altLang="en-US" sz="1400" dirty="0">
+                <a:latin typeface="华文中宋" panose="02010600040101010101" charset="-122"/>
+                <a:ea typeface="华文中宋" panose="02010600040101010101" charset="-122"/>
+                <a:cs typeface="华文中宋" panose="02010600040101010101" charset="-122"/>
+              </a:rPr>
+              <a:t>循环生成：</a:t>
+            </a:r>
+            <a:endParaRPr lang="zh-CN" altLang="en-US" sz="1400" dirty="0">
+              <a:latin typeface="华文中宋" panose="02010600040101010101" charset="-122"/>
+              <a:ea typeface="华文中宋" panose="02010600040101010101" charset="-122"/>
+              <a:cs typeface="华文中宋" panose="02010600040101010101" charset="-122"/>
+            </a:endParaRPr>
+          </a:p>
+          <a:p>
+            <a:pPr indent="0" algn="l">
+              <a:lnSpc>
+                <a:spcPct val="120000"/>
+              </a:lnSpc>
+              <a:buClrTx/>
+              <a:buSzTx/>
+              <a:buFont typeface="Arial" panose="020B0604020202020204" pitchFamily="34" charset="0"/>
+              <a:buNone/>
+            </a:pPr>
+            <a:r>
+              <a:rPr lang="en-US" altLang="zh-CN" sz="1400" dirty="0">
+                <a:latin typeface="华文中宋" panose="02010600040101010101" charset="-122"/>
+                <a:ea typeface="华文中宋" panose="02010600040101010101" charset="-122"/>
+                <a:cs typeface="华文中宋" panose="02010600040101010101" charset="-122"/>
+              </a:rPr>
+              <a:t>1.</a:t>
+            </a:r>
+            <a:r>
+              <a:rPr lang="zh-CN" altLang="en-US" sz="1400" dirty="0">
+                <a:latin typeface="华文中宋" panose="02010600040101010101" charset="-122"/>
+                <a:ea typeface="华文中宋" panose="02010600040101010101" charset="-122"/>
+                <a:cs typeface="华文中宋" panose="02010600040101010101" charset="-122"/>
+              </a:rPr>
+              <a:t>标记循环入口和结束点</a:t>
+            </a:r>
+            <a:endParaRPr lang="zh-CN" altLang="en-US" sz="1400" dirty="0">
+              <a:latin typeface="华文中宋" panose="02010600040101010101" charset="-122"/>
+              <a:ea typeface="华文中宋" panose="02010600040101010101" charset="-122"/>
+              <a:cs typeface="华文中宋" panose="02010600040101010101" charset="-122"/>
+            </a:endParaRPr>
+          </a:p>
+          <a:p>
+            <a:pPr indent="0" algn="l">
+              <a:lnSpc>
+                <a:spcPct val="120000"/>
+              </a:lnSpc>
+              <a:buClrTx/>
+              <a:buSzTx/>
+              <a:buFont typeface="Arial" panose="020B0604020202020204" pitchFamily="34" charset="0"/>
+              <a:buNone/>
+            </a:pPr>
+            <a:r>
+              <a:rPr lang="en-US" altLang="zh-CN" sz="1400" dirty="0">
+                <a:latin typeface="华文中宋" panose="02010600040101010101" charset="-122"/>
+                <a:ea typeface="华文中宋" panose="02010600040101010101" charset="-122"/>
+                <a:cs typeface="华文中宋" panose="02010600040101010101" charset="-122"/>
+              </a:rPr>
+              <a:t>2.</a:t>
+            </a:r>
+            <a:r>
+              <a:rPr lang="zh-CN" altLang="en-US" sz="1400" dirty="0">
+                <a:latin typeface="华文中宋" panose="02010600040101010101" charset="-122"/>
+                <a:ea typeface="华文中宋" panose="02010600040101010101" charset="-122"/>
+                <a:cs typeface="华文中宋" panose="02010600040101010101" charset="-122"/>
+              </a:rPr>
+              <a:t>生成条件代码，通过</a:t>
+            </a:r>
+            <a:r>
+              <a:rPr lang="en-US" altLang="zh-CN" sz="1400" dirty="0">
+                <a:latin typeface="华文中宋" panose="02010600040101010101" charset="-122"/>
+                <a:ea typeface="华文中宋" panose="02010600040101010101" charset="-122"/>
+                <a:cs typeface="华文中宋" panose="02010600040101010101" charset="-122"/>
+              </a:rPr>
+              <a:t>jne</a:t>
+            </a:r>
+            <a:r>
+              <a:rPr lang="zh-CN" altLang="en-US" sz="1400" dirty="0">
+                <a:latin typeface="华文中宋" panose="02010600040101010101" charset="-122"/>
+                <a:ea typeface="华文中宋" panose="02010600040101010101" charset="-122"/>
+                <a:cs typeface="华文中宋" panose="02010600040101010101" charset="-122"/>
+              </a:rPr>
+              <a:t>跳转到循环体，否则跳转到结束标签；生成循环体代码后无条件转回开始标签</a:t>
+            </a:r>
+            <a:endParaRPr lang="zh-CN" altLang="en-US" sz="1400" dirty="0">
+              <a:latin typeface="华文中宋" panose="02010600040101010101" charset="-122"/>
+              <a:ea typeface="华文中宋" panose="02010600040101010101" charset="-122"/>
+              <a:cs typeface="华文中宋" panose="02010600040101010101" charset="-122"/>
+            </a:endParaRPr>
+          </a:p>
+        </p:txBody>
+      </p:sp>
+      <p:sp>
+        <p:nvSpPr>
+          <p:cNvPr id="21" name="右箭头 20"/>
+          <p:cNvSpPr/>
+          <p:nvPr/>
+        </p:nvSpPr>
+        <p:spPr>
+          <a:xfrm rot="5400000">
+            <a:off x="8088630" y="3703320"/>
+            <a:ext cx="346710" cy="278130"/>
+          </a:xfrm>
+          <a:prstGeom prst="rightArrow">
+            <a:avLst/>
+          </a:prstGeom>
+        </p:spPr>
+        <p:style>
+          <a:lnRef idx="2">
+            <a:schemeClr val="accent1">
+              <a:lumMod val="75000"/>
+            </a:schemeClr>
+          </a:lnRef>
+          <a:fillRef idx="1">
+            <a:schemeClr val="accent1"/>
+          </a:fillRef>
+          <a:effectRef idx="0">
+            <a:srgbClr val="FFFFFF"/>
+          </a:effectRef>
+          <a:fontRef idx="minor">
+            <a:schemeClr val="lt1"/>
+          </a:fontRef>
+        </p:style>
+        <p:txBody>
+          <a:bodyPr rtlCol="0" anchor="ctr"/>
+          <a:p>
+            <a:pPr algn="ctr"/>
+            <a:endParaRPr lang="zh-CN" altLang="en-US"/>
+          </a:p>
+        </p:txBody>
+      </p:sp>
+      <p:sp>
+        <p:nvSpPr>
+          <p:cNvPr id="22" name="文本框 21"/>
+          <p:cNvSpPr txBox="1"/>
+          <p:nvPr/>
+        </p:nvSpPr>
+        <p:spPr>
+          <a:xfrm>
+            <a:off x="3833495" y="4058920"/>
+            <a:ext cx="2115185" cy="2675255"/>
+          </a:xfrm>
+          <a:prstGeom prst="rect">
+            <a:avLst/>
+          </a:prstGeom>
+          <a:noFill/>
+        </p:spPr>
+        <p:txBody>
+          <a:bodyPr wrap="square" rtlCol="0">
+            <a:spAutoFit/>
+          </a:bodyPr>
+          <a:p>
+            <a:pPr indent="-285750" algn="l">
+              <a:lnSpc>
+                <a:spcPct val="120000"/>
+              </a:lnSpc>
+              <a:buClrTx/>
+              <a:buSzTx/>
+              <a:buFont typeface="Arial" panose="020B0604020202020204" pitchFamily="34" charset="0"/>
+              <a:buChar char="•"/>
+            </a:pPr>
+            <a:r>
+              <a:rPr lang="zh-CN" altLang="en-US" sz="1400" dirty="0">
+                <a:latin typeface="华文中宋" panose="02010600040101010101" charset="-122"/>
+                <a:ea typeface="华文中宋" panose="02010600040101010101" charset="-122"/>
+                <a:cs typeface="华文中宋" panose="02010600040101010101" charset="-122"/>
+              </a:rPr>
+              <a:t>参数压栈：按顺序生成所有实参的中间代码，通过Push指令压入栈帧</a:t>
+            </a:r>
+            <a:endParaRPr lang="zh-CN" altLang="en-US" sz="1400" dirty="0">
+              <a:latin typeface="华文中宋" panose="02010600040101010101" charset="-122"/>
+              <a:ea typeface="华文中宋" panose="02010600040101010101" charset="-122"/>
+              <a:cs typeface="华文中宋" panose="02010600040101010101" charset="-122"/>
+            </a:endParaRPr>
+          </a:p>
+          <a:p>
+            <a:pPr indent="-285750" algn="l">
+              <a:lnSpc>
+                <a:spcPct val="120000"/>
+              </a:lnSpc>
+              <a:buClrTx/>
+              <a:buSzTx/>
+              <a:buFont typeface="Arial" panose="020B0604020202020204" pitchFamily="34" charset="0"/>
+              <a:buChar char="•"/>
+            </a:pPr>
+            <a:r>
+              <a:rPr lang="zh-CN" altLang="en-US" sz="1400" dirty="0">
+                <a:latin typeface="华文中宋" panose="02010600040101010101" charset="-122"/>
+                <a:ea typeface="华文中宋" panose="02010600040101010101" charset="-122"/>
+                <a:cs typeface="华文中宋" panose="02010600040101010101" charset="-122"/>
+              </a:rPr>
+              <a:t>函数调用：使用Call指令跳转到目标函数，指定返回值存储变量</a:t>
+            </a:r>
+            <a:endParaRPr lang="zh-CN" altLang="en-US" sz="1400" dirty="0">
+              <a:latin typeface="华文中宋" panose="02010600040101010101" charset="-122"/>
+              <a:ea typeface="华文中宋" panose="02010600040101010101" charset="-122"/>
+              <a:cs typeface="华文中宋" panose="02010600040101010101" charset="-122"/>
+            </a:endParaRPr>
+          </a:p>
+          <a:p>
+            <a:pPr indent="-285750" algn="l">
+              <a:lnSpc>
+                <a:spcPct val="120000"/>
+              </a:lnSpc>
+              <a:buClrTx/>
+              <a:buSzTx/>
+              <a:buFont typeface="Arial" panose="020B0604020202020204" pitchFamily="34" charset="0"/>
+              <a:buChar char="•"/>
+            </a:pPr>
+            <a:r>
+              <a:rPr lang="zh-CN" altLang="en-US" sz="1400" dirty="0">
+                <a:latin typeface="华文中宋" panose="02010600040101010101" charset="-122"/>
+                <a:ea typeface="华文中宋" panose="02010600040101010101" charset="-122"/>
+                <a:cs typeface="华文中宋" panose="02010600040101010101" charset="-122"/>
+              </a:rPr>
+              <a:t>返回值传递：将函数返回的临时变量名作为整个表达式的值传递</a:t>
+            </a:r>
+            <a:endParaRPr lang="zh-CN" altLang="en-US" sz="1400" dirty="0">
+              <a:latin typeface="华文中宋" panose="02010600040101010101" charset="-122"/>
+              <a:ea typeface="华文中宋" panose="02010600040101010101" charset="-122"/>
+              <a:cs typeface="华文中宋" panose="02010600040101010101" charset="-122"/>
+            </a:endParaRPr>
+          </a:p>
+          <a:p>
+            <a:pPr indent="-285750" algn="l">
+              <a:lnSpc>
+                <a:spcPct val="120000"/>
+              </a:lnSpc>
+              <a:buClrTx/>
+              <a:buSzTx/>
+              <a:buFont typeface="Arial" panose="020B0604020202020204" pitchFamily="34" charset="0"/>
+              <a:buChar char="•"/>
+            </a:pPr>
+            <a:endParaRPr lang="zh-CN" altLang="en-US" sz="1400" dirty="0">
+              <a:latin typeface="华文中宋" panose="02010600040101010101" charset="-122"/>
+              <a:ea typeface="华文中宋" panose="02010600040101010101" charset="-122"/>
+              <a:cs typeface="华文中宋" panose="02010600040101010101" charset="-122"/>
+            </a:endParaRPr>
+          </a:p>
+        </p:txBody>
+      </p:sp>
+      <p:sp>
+        <p:nvSpPr>
+          <p:cNvPr id="23" name="右箭头 22"/>
+          <p:cNvSpPr/>
+          <p:nvPr/>
+        </p:nvSpPr>
+        <p:spPr>
+          <a:xfrm rot="5400000">
+            <a:off x="4717415" y="3732530"/>
+            <a:ext cx="346710" cy="278130"/>
+          </a:xfrm>
+          <a:prstGeom prst="rightArrow">
+            <a:avLst/>
+          </a:prstGeom>
+        </p:spPr>
+        <p:style>
+          <a:lnRef idx="2">
+            <a:schemeClr val="accent1">
+              <a:lumMod val="75000"/>
+            </a:schemeClr>
+          </a:lnRef>
+          <a:fillRef idx="1">
+            <a:schemeClr val="accent1"/>
+          </a:fillRef>
+          <a:effectRef idx="0">
+            <a:srgbClr val="FFFFFF"/>
+          </a:effectRef>
+          <a:fontRef idx="minor">
+            <a:schemeClr val="lt1"/>
+          </a:fontRef>
+        </p:style>
+        <p:txBody>
+          <a:bodyPr rtlCol="0" anchor="ctr"/>
+          <a:p>
+            <a:pPr algn="ctr"/>
+            <a:endParaRPr lang="zh-CN" altLang="en-US"/>
+          </a:p>
+        </p:txBody>
+      </p:sp>
+      <p:sp>
+        <p:nvSpPr>
+          <p:cNvPr id="24" name="文本框 23"/>
+          <p:cNvSpPr txBox="1"/>
+          <p:nvPr/>
+        </p:nvSpPr>
+        <p:spPr>
+          <a:xfrm>
+            <a:off x="1336040" y="6387465"/>
+            <a:ext cx="10537825" cy="386080"/>
+          </a:xfrm>
+          <a:prstGeom prst="rect">
+            <a:avLst/>
+          </a:prstGeom>
+        </p:spPr>
+        <p:txBody>
+          <a:bodyPr wrap="square">
+            <a:spAutoFit/>
+          </a:bodyPr>
+          <a:p>
+            <a:pPr indent="457200" algn="l">
+              <a:lnSpc>
+                <a:spcPct val="120000"/>
+              </a:lnSpc>
+              <a:buClrTx/>
+              <a:buSzTx/>
+              <a:buFontTx/>
+            </a:pPr>
+            <a:r>
+              <a:rPr lang="zh-CN" altLang="en-US" sz="1600" b="0" dirty="0">
+                <a:solidFill>
+                  <a:schemeClr val="accent1"/>
+                </a:solidFill>
+                <a:latin typeface="华文中宋" panose="02010600040101010101" charset="-122"/>
+                <a:ea typeface="华文中宋" panose="02010600040101010101" charset="-122"/>
+                <a:cs typeface="华文中宋" panose="02010600040101010101" charset="-122"/>
+              </a:rPr>
+              <a:t>分层递归策略处理表达式优先级，标签化管理实现结构化控制流，符号表协同维护变量声明周期状态</a:t>
+            </a:r>
+            <a:endParaRPr lang="zh-CN" altLang="en-US" sz="1600" b="0" dirty="0">
+              <a:solidFill>
+                <a:schemeClr val="accent1"/>
+              </a:solidFill>
+              <a:latin typeface="华文中宋" panose="02010600040101010101" charset="-122"/>
+              <a:ea typeface="华文中宋" panose="02010600040101010101" charset="-122"/>
+              <a:cs typeface="华文中宋" panose="02010600040101010101" charset="-122"/>
+            </a:endParaRPr>
+          </a:p>
+        </p:txBody>
+      </p:sp>
+      <p:sp>
+        <p:nvSpPr>
+          <p:cNvPr id="25" name="右箭头 24"/>
+          <p:cNvSpPr/>
+          <p:nvPr/>
+        </p:nvSpPr>
+        <p:spPr>
+          <a:xfrm>
+            <a:off x="464820" y="6408420"/>
+            <a:ext cx="1199515" cy="401955"/>
+          </a:xfrm>
+          <a:prstGeom prst="rightArrow">
+            <a:avLst/>
+          </a:prstGeom>
+        </p:spPr>
+        <p:style>
+          <a:lnRef idx="2">
+            <a:schemeClr val="accent1">
+              <a:lumMod val="75000"/>
+            </a:schemeClr>
+          </a:lnRef>
+          <a:fillRef idx="1">
+            <a:schemeClr val="accent1"/>
+          </a:fillRef>
+          <a:effectRef idx="0">
+            <a:srgbClr val="FFFFFF"/>
+          </a:effectRef>
+          <a:fontRef idx="minor">
+            <a:schemeClr val="lt1"/>
+          </a:fontRef>
+        </p:style>
+        <p:txBody>
+          <a:bodyPr rtlCol="0" anchor="ctr"/>
+          <a:p>
+            <a:pPr algn="ctr"/>
+            <a:endParaRPr lang="zh-CN" altLang="en-US"/>
+          </a:p>
+        </p:txBody>
+      </p:sp>
+      <p:sp>
+        <p:nvSpPr>
+          <p:cNvPr id="5" name="文本框 4"/>
+          <p:cNvSpPr txBox="1"/>
+          <p:nvPr>
+            <p:custDataLst>
+              <p:tags r:id="rId4"/>
+            </p:custDataLst>
+          </p:nvPr>
+        </p:nvSpPr>
+        <p:spPr>
+          <a:xfrm>
+            <a:off x="9832340" y="3298190"/>
+            <a:ext cx="2359660" cy="386080"/>
+          </a:xfrm>
+          <a:prstGeom prst="rect">
+            <a:avLst/>
+          </a:prstGeom>
+        </p:spPr>
+        <p:txBody>
+          <a:bodyPr wrap="square">
+            <a:spAutoFit/>
+          </a:bodyPr>
+          <a:p>
+            <a:pPr indent="457200" algn="l">
+              <a:lnSpc>
+                <a:spcPct val="120000"/>
+              </a:lnSpc>
+              <a:buClrTx/>
+              <a:buSzTx/>
+              <a:buFontTx/>
+            </a:pPr>
+            <a:r>
+              <a:rPr lang="zh-CN" altLang="en-US" sz="1600" dirty="0">
+                <a:latin typeface="华文中宋" panose="02010600040101010101" charset="-122"/>
+                <a:ea typeface="华文中宋" panose="02010600040101010101" charset="-122"/>
+                <a:cs typeface="华文中宋" panose="02010600040101010101" charset="-122"/>
+              </a:rPr>
+              <a:t>赋值语句生成</a:t>
+            </a:r>
+            <a:endParaRPr lang="zh-CN" altLang="en-US" sz="1600" dirty="0">
+              <a:latin typeface="华文中宋" panose="02010600040101010101" charset="-122"/>
+              <a:ea typeface="华文中宋" panose="02010600040101010101" charset="-122"/>
+              <a:cs typeface="华文中宋" panose="02010600040101010101" charset="-122"/>
+            </a:endParaRPr>
+          </a:p>
+        </p:txBody>
+      </p:sp>
+      <p:sp>
+        <p:nvSpPr>
+          <p:cNvPr id="11" name="文本框 10"/>
+          <p:cNvSpPr txBox="1"/>
+          <p:nvPr>
+            <p:custDataLst>
+              <p:tags r:id="rId5"/>
+            </p:custDataLst>
+          </p:nvPr>
+        </p:nvSpPr>
+        <p:spPr>
+          <a:xfrm>
+            <a:off x="10433685" y="4058920"/>
+            <a:ext cx="1758950" cy="1641475"/>
+          </a:xfrm>
+          <a:prstGeom prst="rect">
+            <a:avLst/>
+          </a:prstGeom>
+          <a:noFill/>
+        </p:spPr>
+        <p:txBody>
+          <a:bodyPr wrap="square" rtlCol="0">
+            <a:spAutoFit/>
+          </a:bodyPr>
+          <a:p>
+            <a:pPr indent="-285750" algn="l">
+              <a:lnSpc>
+                <a:spcPct val="120000"/>
+              </a:lnSpc>
+              <a:buClrTx/>
+              <a:buSzTx/>
+              <a:buFont typeface="Arial" panose="020B0604020202020204" pitchFamily="34" charset="0"/>
+              <a:buChar char="•"/>
+            </a:pPr>
+            <a:r>
+              <a:rPr lang="zh-CN" altLang="en-US" sz="1400" dirty="0">
+                <a:latin typeface="华文中宋" panose="02010600040101010101" charset="-122"/>
+                <a:ea typeface="华文中宋" panose="02010600040101010101" charset="-122"/>
+                <a:cs typeface="华文中宋" panose="02010600040101010101" charset="-122"/>
+              </a:rPr>
+              <a:t>生成右值表达式中间代码</a:t>
+            </a:r>
+            <a:endParaRPr lang="zh-CN" altLang="en-US" sz="1400" dirty="0">
+              <a:latin typeface="华文中宋" panose="02010600040101010101" charset="-122"/>
+              <a:ea typeface="华文中宋" panose="02010600040101010101" charset="-122"/>
+              <a:cs typeface="华文中宋" panose="02010600040101010101" charset="-122"/>
+            </a:endParaRPr>
+          </a:p>
+          <a:p>
+            <a:pPr indent="-285750" algn="l">
+              <a:lnSpc>
+                <a:spcPct val="120000"/>
+              </a:lnSpc>
+              <a:buClrTx/>
+              <a:buSzTx/>
+              <a:buFont typeface="Arial" panose="020B0604020202020204" pitchFamily="34" charset="0"/>
+              <a:buChar char="•"/>
+            </a:pPr>
+            <a:r>
+              <a:rPr lang="zh-CN" altLang="en-US" sz="1400" dirty="0">
+                <a:latin typeface="华文中宋" panose="02010600040101010101" charset="-122"/>
+                <a:ea typeface="华文中宋" panose="02010600040101010101" charset="-122"/>
+                <a:cs typeface="华文中宋" panose="02010600040101010101" charset="-122"/>
+              </a:rPr>
+              <a:t>根据左值类型生成对应</a:t>
+            </a:r>
+            <a:r>
+              <a:rPr lang="en-US" altLang="zh-CN" sz="1400" dirty="0">
+                <a:latin typeface="华文中宋" panose="02010600040101010101" charset="-122"/>
+                <a:ea typeface="华文中宋" panose="02010600040101010101" charset="-122"/>
+                <a:cs typeface="华文中宋" panose="02010600040101010101" charset="-122"/>
+              </a:rPr>
+              <a:t>assign</a:t>
+            </a:r>
+            <a:r>
+              <a:rPr lang="zh-CN" altLang="en-US" sz="1400" dirty="0">
+                <a:latin typeface="华文中宋" panose="02010600040101010101" charset="-122"/>
+                <a:ea typeface="华文中宋" panose="02010600040101010101" charset="-122"/>
+                <a:cs typeface="华文中宋" panose="02010600040101010101" charset="-122"/>
+              </a:rPr>
+              <a:t>指令</a:t>
+            </a:r>
+            <a:endParaRPr lang="zh-CN" altLang="en-US" sz="1400" dirty="0">
+              <a:latin typeface="华文中宋" panose="02010600040101010101" charset="-122"/>
+              <a:ea typeface="华文中宋" panose="02010600040101010101" charset="-122"/>
+              <a:cs typeface="华文中宋" panose="02010600040101010101" charset="-122"/>
+            </a:endParaRPr>
+          </a:p>
+          <a:p>
+            <a:pPr indent="-285750" algn="l">
+              <a:lnSpc>
+                <a:spcPct val="120000"/>
+              </a:lnSpc>
+              <a:buClrTx/>
+              <a:buSzTx/>
+              <a:buFont typeface="Arial" panose="020B0604020202020204" pitchFamily="34" charset="0"/>
+              <a:buChar char="•"/>
+            </a:pPr>
+            <a:r>
+              <a:rPr lang="zh-CN" altLang="en-US" sz="1400" dirty="0">
+                <a:latin typeface="华文中宋" panose="02010600040101010101" charset="-122"/>
+                <a:ea typeface="华文中宋" panose="02010600040101010101" charset="-122"/>
+                <a:cs typeface="华文中宋" panose="02010600040101010101" charset="-122"/>
+              </a:rPr>
+              <a:t>在符号表中标记该变量已初始化</a:t>
+            </a:r>
+            <a:endParaRPr lang="zh-CN" altLang="en-US" sz="1400" dirty="0">
+              <a:latin typeface="华文中宋" panose="02010600040101010101" charset="-122"/>
+              <a:ea typeface="华文中宋" panose="02010600040101010101" charset="-122"/>
+              <a:cs typeface="华文中宋" panose="02010600040101010101" charset="-122"/>
+            </a:endParaRPr>
+          </a:p>
+        </p:txBody>
+      </p:sp>
+      <p:sp>
+        <p:nvSpPr>
+          <p:cNvPr id="26" name="右箭头 25"/>
+          <p:cNvSpPr/>
+          <p:nvPr>
+            <p:custDataLst>
+              <p:tags r:id="rId6"/>
+            </p:custDataLst>
+          </p:nvPr>
+        </p:nvSpPr>
+        <p:spPr>
+          <a:xfrm rot="5400000">
+            <a:off x="10961370" y="3732530"/>
+            <a:ext cx="346710" cy="278130"/>
+          </a:xfrm>
+          <a:prstGeom prst="rightArrow">
+            <a:avLst/>
+          </a:prstGeom>
+        </p:spPr>
+        <p:style>
+          <a:lnRef idx="2">
+            <a:schemeClr val="accent1">
+              <a:lumMod val="75000"/>
+            </a:schemeClr>
+          </a:lnRef>
+          <a:fillRef idx="1">
+            <a:schemeClr val="accent1"/>
+          </a:fillRef>
+          <a:effectRef idx="0">
+            <a:srgbClr val="FFFFFF"/>
+          </a:effectRef>
+          <a:fontRef idx="minor">
+            <a:schemeClr val="lt1"/>
+          </a:fontRef>
+        </p:style>
+        <p:txBody>
+          <a:bodyPr rtlCol="0" anchor="ctr"/>
+          <a:p>
+            <a:pPr algn="ctr"/>
+            <a:endParaRPr lang="zh-CN" altLang="en-US"/>
+          </a:p>
+        </p:txBody>
+      </p:sp>
+    </p:spTree>
+  </p:cSld>
+  <p:clrMapOvr>
+    <a:masterClrMapping/>
+  </p:clrMapOvr>
+  <mc:AlternateContent xmlns:mc="http://schemas.openxmlformats.org/markup-compatibility/2006">
+    <mc:Choice xmlns:p15="http://schemas.microsoft.com/office/powerpoint/2012/main" Requires="p15">
+      <p:transition xmlns:p14="http://schemas.microsoft.com/office/powerpoint/2010/main" spd="slow" Requires="p14" p14:dur="1250" advTm="3000">
+        <p15:prstTrans prst="pageCurlDouble"/>
+      </p:transition>
+    </mc:Choice>
+    <mc:Fallback>
+      <p:transition spd="slow" advTm="3000">
+        <p:fade/>
+      </p:transition>
+    </mc:Fallback>
+  </mc:AlternateContent>
+  <p:timing>
+    <p:tnLst>
+      <p:par>
+        <p:cTn id="1" dur="indefinite" restart="never" nodeType="tmRoot"/>
+      </p:par>
+    </p:tnLst>
+  </p:timing>
+</p:sld>
+</file>
+
+<file path=ppt/slides/slide33.xml><?xml version="1.0" encoding="utf-8"?>
+<p:sld xmlns:a="http://schemas.openxmlformats.org/drawingml/2006/main" xmlns:r="http://schemas.openxmlformats.org/officeDocument/2006/relationships" xmlns:p="http://schemas.openxmlformats.org/presentationml/2006/main">
+  <p:cSld>
+    <p:spTree>
+      <p:nvGrpSpPr>
+        <p:cNvPr id="1" name=""/>
+        <p:cNvGrpSpPr/>
+        <p:nvPr/>
+      </p:nvGrpSpPr>
+      <p:grpSpPr>
+        <a:xfrm>
+          <a:off x="0" y="0"/>
+          <a:ext cx="0" cy="0"/>
+          <a:chOff x="0" y="0"/>
+          <a:chExt cx="0" cy="0"/>
+        </a:xfrm>
+      </p:grpSpPr>
+      <p:sp>
+        <p:nvSpPr>
           <p:cNvPr id="2" name="矩形 1"/>
           <p:cNvSpPr/>
           <p:nvPr/>
@@ -26656,7 +30660,7 @@
 </p:sld>
 </file>
 
-<file path=ppt/slides/slide31.xml><?xml version="1.0" encoding="utf-8"?>
+<file path=ppt/slides/slide34.xml><?xml version="1.0" encoding="utf-8"?>
 <p:sld xmlns:a="http://schemas.openxmlformats.org/drawingml/2006/main" xmlns:r="http://schemas.openxmlformats.org/officeDocument/2006/relationships" xmlns:p="http://schemas.openxmlformats.org/presentationml/2006/main">
   <p:cSld>
     <p:spTree>
@@ -27105,31 +31109,38 @@
             </a:pPr>
             <a:r>
               <a:rPr lang="zh-CN" altLang="en-US" sz="1600" dirty="0" smtClean="0">
-                <a:latin typeface="字魂105号-简雅黑" panose="00000500000000000000" pitchFamily="2" charset="-122"/>
-                <a:ea typeface="字魂105号-简雅黑" panose="00000500000000000000" pitchFamily="2" charset="-122"/>
+                <a:latin typeface="华文中宋" panose="02010600040101010101" charset="-122"/>
+                <a:ea typeface="华文中宋" panose="02010600040101010101" charset="-122"/>
+                <a:cs typeface="华文中宋" panose="02010600040101010101" charset="-122"/>
                 <a:sym typeface="字魂105号-简雅黑" panose="00000500000000000000" pitchFamily="2" charset="-122"/>
               </a:rPr>
               <a:t>全局实例化</a:t>
             </a:r>
             <a:r>
-              <a:rPr lang="en-US" sz="1600" dirty="0" smtClean="0">
-                <a:latin typeface="字魂105号-简雅黑" panose="00000500000000000000" pitchFamily="2" charset="-122"/>
-                <a:ea typeface="字魂105号-简雅黑" panose="00000500000000000000" pitchFamily="2" charset="-122"/>
+              <a:rPr lang="en-US" sz="1600" b="1" dirty="0" smtClean="0">
+                <a:solidFill>
+                  <a:srgbClr val="FF0000"/>
+                </a:solidFill>
+                <a:latin typeface="华文中宋" panose="02010600040101010101" charset="-122"/>
+                <a:ea typeface="华文中宋" panose="02010600040101010101" charset="-122"/>
+                <a:cs typeface="华文中宋" panose="02010600040101010101" charset="-122"/>
                 <a:sym typeface="字魂105号-简雅黑" panose="00000500000000000000" pitchFamily="2" charset="-122"/>
               </a:rPr>
               <a:t>ErrorReporter</a:t>
             </a:r>
             <a:r>
               <a:rPr lang="zh-CN" altLang="en-US" sz="1600" dirty="0" smtClean="0">
-                <a:latin typeface="字魂105号-简雅黑" panose="00000500000000000000" pitchFamily="2" charset="-122"/>
-                <a:ea typeface="字魂105号-简雅黑" panose="00000500000000000000" pitchFamily="2" charset="-122"/>
+                <a:latin typeface="华文中宋" panose="02010600040101010101" charset="-122"/>
+                <a:ea typeface="华文中宋" panose="02010600040101010101" charset="-122"/>
+                <a:cs typeface="华文中宋" panose="02010600040101010101" charset="-122"/>
                 <a:sym typeface="字魂105号-简雅黑" panose="00000500000000000000" pitchFamily="2" charset="-122"/>
               </a:rPr>
               <a:t>，以观察者的身份记录不同阶段的错误，因此设计如下。</a:t>
             </a:r>
             <a:endParaRPr lang="zh-CN" altLang="en-US" sz="1600" dirty="0" smtClean="0">
-              <a:latin typeface="字魂105号-简雅黑" panose="00000500000000000000" pitchFamily="2" charset="-122"/>
-              <a:ea typeface="字魂105号-简雅黑" panose="00000500000000000000" pitchFamily="2" charset="-122"/>
+              <a:latin typeface="华文中宋" panose="02010600040101010101" charset="-122"/>
+              <a:ea typeface="华文中宋" panose="02010600040101010101" charset="-122"/>
+              <a:cs typeface="华文中宋" panose="02010600040101010101" charset="-122"/>
               <a:sym typeface="字魂105号-简雅黑" panose="00000500000000000000" pitchFamily="2" charset="-122"/>
             </a:endParaRPr>
           </a:p>
@@ -27143,47 +31154,65 @@
             </a:pPr>
             <a:r>
               <a:rPr lang="zh-CN" altLang="en-US" sz="1600" dirty="0" smtClean="0">
-                <a:latin typeface="字魂105号-简雅黑" panose="00000500000000000000" pitchFamily="2" charset="-122"/>
-                <a:ea typeface="字魂105号-简雅黑" panose="00000500000000000000" pitchFamily="2" charset="-122"/>
+                <a:latin typeface="华文中宋" panose="02010600040101010101" charset="-122"/>
+                <a:ea typeface="华文中宋" panose="02010600040101010101" charset="-122"/>
+                <a:cs typeface="华文中宋" panose="02010600040101010101" charset="-122"/>
                 <a:sym typeface="字魂105号-简雅黑" panose="00000500000000000000" pitchFamily="2" charset="-122"/>
               </a:rPr>
               <a:t>数据成员：源代码信息</a:t>
             </a:r>
             <a:r>
               <a:rPr lang="en-US" altLang="zh-CN" sz="1600" dirty="0" smtClean="0">
-                <a:latin typeface="字魂105号-简雅黑" panose="00000500000000000000" pitchFamily="2" charset="-122"/>
-                <a:ea typeface="字魂105号-简雅黑" panose="00000500000000000000" pitchFamily="2" charset="-122"/>
+                <a:latin typeface="华文中宋" panose="02010600040101010101" charset="-122"/>
+                <a:ea typeface="华文中宋" panose="02010600040101010101" charset="-122"/>
+                <a:cs typeface="华文中宋" panose="02010600040101010101" charset="-122"/>
                 <a:sym typeface="字魂105号-简雅黑" panose="00000500000000000000" pitchFamily="2" charset="-122"/>
               </a:rPr>
               <a:t>text</a:t>
             </a:r>
             <a:r>
               <a:rPr lang="zh-CN" altLang="en-US" sz="1600" dirty="0" smtClean="0">
-                <a:latin typeface="字魂105号-简雅黑" panose="00000500000000000000" pitchFamily="2" charset="-122"/>
-                <a:ea typeface="字魂105号-简雅黑" panose="00000500000000000000" pitchFamily="2" charset="-122"/>
+                <a:latin typeface="华文中宋" panose="02010600040101010101" charset="-122"/>
+                <a:ea typeface="华文中宋" panose="02010600040101010101" charset="-122"/>
+                <a:cs typeface="华文中宋" panose="02010600040101010101" charset="-122"/>
                 <a:sym typeface="字魂105号-简雅黑" panose="00000500000000000000" pitchFamily="2" charset="-122"/>
               </a:rPr>
               <a:t>，三阶段错误存储列表</a:t>
             </a:r>
             <a:r>
               <a:rPr lang="en-US" altLang="zh-CN" sz="1600" dirty="0" smtClean="0">
-                <a:latin typeface="字魂105号-简雅黑" panose="00000500000000000000" pitchFamily="2" charset="-122"/>
-                <a:ea typeface="字魂105号-简雅黑" panose="00000500000000000000" pitchFamily="2" charset="-122"/>
-                <a:sym typeface="字魂105号-简雅黑" panose="00000500000000000000" pitchFamily="2" charset="-122"/>
-              </a:rPr>
-              <a:t> list&lt; &gt; ***_errs</a:t>
+                <a:latin typeface="华文中宋" panose="02010600040101010101" charset="-122"/>
+                <a:ea typeface="华文中宋" panose="02010600040101010101" charset="-122"/>
+                <a:cs typeface="华文中宋" panose="02010600040101010101" charset="-122"/>
+                <a:sym typeface="字魂105号-简雅黑" panose="00000500000000000000" pitchFamily="2" charset="-122"/>
+              </a:rPr>
+              <a:t> </a:t>
+            </a:r>
+            <a:r>
+              <a:rPr lang="en-US" altLang="zh-CN" sz="1600" b="1" dirty="0" smtClean="0">
+                <a:solidFill>
+                  <a:srgbClr val="FF0000"/>
+                </a:solidFill>
+                <a:latin typeface="华文中宋" panose="02010600040101010101" charset="-122"/>
+                <a:ea typeface="华文中宋" panose="02010600040101010101" charset="-122"/>
+                <a:cs typeface="华文中宋" panose="02010600040101010101" charset="-122"/>
+                <a:sym typeface="字魂105号-简雅黑" panose="00000500000000000000" pitchFamily="2" charset="-122"/>
+              </a:rPr>
+              <a:t>list&lt; &gt; ***_errs</a:t>
             </a:r>
             <a:r>
               <a:rPr lang="zh-CN" altLang="en-US" sz="1600" dirty="0" smtClean="0">
-                <a:latin typeface="字魂105号-简雅黑" panose="00000500000000000000" pitchFamily="2" charset="-122"/>
-                <a:ea typeface="字魂105号-简雅黑" panose="00000500000000000000" pitchFamily="2" charset="-122"/>
+                <a:latin typeface="华文中宋" panose="02010600040101010101" charset="-122"/>
+                <a:ea typeface="华文中宋" panose="02010600040101010101" charset="-122"/>
+                <a:cs typeface="华文中宋" panose="02010600040101010101" charset="-122"/>
                 <a:sym typeface="字魂105号-简雅黑" panose="00000500000000000000" pitchFamily="2" charset="-122"/>
               </a:rPr>
               <a:t>。</a:t>
             </a:r>
             <a:endParaRPr lang="zh-CN" altLang="en-US" sz="1600" dirty="0" smtClean="0">
-              <a:latin typeface="字魂105号-简雅黑" panose="00000500000000000000" pitchFamily="2" charset="-122"/>
-              <a:ea typeface="字魂105号-简雅黑" panose="00000500000000000000" pitchFamily="2" charset="-122"/>
+              <a:latin typeface="华文中宋" panose="02010600040101010101" charset="-122"/>
+              <a:ea typeface="华文中宋" panose="02010600040101010101" charset="-122"/>
+              <a:cs typeface="华文中宋" panose="02010600040101010101" charset="-122"/>
               <a:sym typeface="字魂105号-简雅黑" panose="00000500000000000000" pitchFamily="2" charset="-122"/>
             </a:endParaRPr>
           </a:p>
@@ -27197,31 +31226,38 @@
             </a:pPr>
             <a:r>
               <a:rPr lang="zh-CN" altLang="en-US" sz="1600" dirty="0" smtClean="0">
-                <a:latin typeface="字魂105号-简雅黑" panose="00000500000000000000" pitchFamily="2" charset="-122"/>
-                <a:ea typeface="字魂105号-简雅黑" panose="00000500000000000000" pitchFamily="2" charset="-122"/>
+                <a:latin typeface="华文中宋" panose="02010600040101010101" charset="-122"/>
+                <a:ea typeface="华文中宋" panose="02010600040101010101" charset="-122"/>
+                <a:cs typeface="华文中宋" panose="02010600040101010101" charset="-122"/>
                 <a:sym typeface="字魂105号-简雅黑" panose="00000500000000000000" pitchFamily="2" charset="-122"/>
               </a:rPr>
               <a:t>错误报告接口函数</a:t>
             </a:r>
             <a:r>
-              <a:rPr lang="en-US" altLang="zh-CN" sz="1600" dirty="0" smtClean="0">
-                <a:latin typeface="字魂105号-简雅黑" panose="00000500000000000000" pitchFamily="2" charset="-122"/>
-                <a:ea typeface="字魂105号-简雅黑" panose="00000500000000000000" pitchFamily="2" charset="-122"/>
+              <a:rPr lang="en-US" altLang="zh-CN" sz="1600" b="1" dirty="0" smtClean="0">
+                <a:solidFill>
+                  <a:srgbClr val="FF0000"/>
+                </a:solidFill>
+                <a:latin typeface="华文中宋" panose="02010600040101010101" charset="-122"/>
+                <a:ea typeface="华文中宋" panose="02010600040101010101" charset="-122"/>
+                <a:cs typeface="华文中宋" panose="02010600040101010101" charset="-122"/>
                 <a:sym typeface="字魂105号-简雅黑" panose="00000500000000000000" pitchFamily="2" charset="-122"/>
               </a:rPr>
               <a:t>report</a:t>
             </a:r>
             <a:r>
               <a:rPr lang="zh-CN" altLang="en-US" sz="1600" dirty="0" smtClean="0">
-                <a:latin typeface="字魂105号-简雅黑" panose="00000500000000000000" pitchFamily="2" charset="-122"/>
-                <a:ea typeface="字魂105号-简雅黑" panose="00000500000000000000" pitchFamily="2" charset="-122"/>
+                <a:latin typeface="华文中宋" panose="02010600040101010101" charset="-122"/>
+                <a:ea typeface="华文中宋" panose="02010600040101010101" charset="-122"/>
+                <a:cs typeface="华文中宋" panose="02010600040101010101" charset="-122"/>
                 <a:sym typeface="字魂105号-简雅黑" panose="00000500000000000000" pitchFamily="2" charset="-122"/>
               </a:rPr>
               <a:t>：兼容接收不同阶段错误信息。</a:t>
             </a:r>
             <a:endParaRPr lang="zh-CN" altLang="en-US" sz="1600" dirty="0" smtClean="0">
-              <a:latin typeface="字魂105号-简雅黑" panose="00000500000000000000" pitchFamily="2" charset="-122"/>
-              <a:ea typeface="字魂105号-简雅黑" panose="00000500000000000000" pitchFamily="2" charset="-122"/>
+              <a:latin typeface="华文中宋" panose="02010600040101010101" charset="-122"/>
+              <a:ea typeface="华文中宋" panose="02010600040101010101" charset="-122"/>
+              <a:cs typeface="华文中宋" panose="02010600040101010101" charset="-122"/>
               <a:sym typeface="字魂105号-简雅黑" panose="00000500000000000000" pitchFamily="2" charset="-122"/>
             </a:endParaRPr>
           </a:p>
@@ -27235,31 +31271,38 @@
             </a:pPr>
             <a:r>
               <a:rPr lang="zh-CN" altLang="en-US" sz="1600" dirty="0" smtClean="0">
-                <a:latin typeface="字魂105号-简雅黑" panose="00000500000000000000" pitchFamily="2" charset="-122"/>
-                <a:ea typeface="字魂105号-简雅黑" panose="00000500000000000000" pitchFamily="2" charset="-122"/>
+                <a:latin typeface="华文中宋" panose="02010600040101010101" charset="-122"/>
+                <a:ea typeface="华文中宋" panose="02010600040101010101" charset="-122"/>
+                <a:cs typeface="华文中宋" panose="02010600040101010101" charset="-122"/>
                 <a:sym typeface="字魂105号-简雅黑" panose="00000500000000000000" pitchFamily="2" charset="-122"/>
               </a:rPr>
               <a:t>错误显示接口函数</a:t>
             </a:r>
             <a:r>
-              <a:rPr lang="en-US" altLang="zh-CN" sz="1600" dirty="0" smtClean="0">
-                <a:latin typeface="字魂105号-简雅黑" panose="00000500000000000000" pitchFamily="2" charset="-122"/>
-                <a:ea typeface="字魂105号-简雅黑" panose="00000500000000000000" pitchFamily="2" charset="-122"/>
+              <a:rPr lang="en-US" altLang="zh-CN" sz="1600" b="1" dirty="0" smtClean="0">
+                <a:solidFill>
+                  <a:srgbClr val="FF0000"/>
+                </a:solidFill>
+                <a:latin typeface="华文中宋" panose="02010600040101010101" charset="-122"/>
+                <a:ea typeface="华文中宋" panose="02010600040101010101" charset="-122"/>
+                <a:cs typeface="华文中宋" panose="02010600040101010101" charset="-122"/>
                 <a:sym typeface="字魂105号-简雅黑" panose="00000500000000000000" pitchFamily="2" charset="-122"/>
               </a:rPr>
               <a:t>display</a:t>
             </a:r>
             <a:r>
               <a:rPr lang="zh-CN" altLang="en-US" sz="1600" dirty="0" smtClean="0">
-                <a:latin typeface="字魂105号-简雅黑" panose="00000500000000000000" pitchFamily="2" charset="-122"/>
-                <a:ea typeface="字魂105号-简雅黑" panose="00000500000000000000" pitchFamily="2" charset="-122"/>
+                <a:latin typeface="华文中宋" panose="02010600040101010101" charset="-122"/>
+                <a:ea typeface="华文中宋" panose="02010600040101010101" charset="-122"/>
+                <a:cs typeface="华文中宋" panose="02010600040101010101" charset="-122"/>
                 <a:sym typeface="字魂105号-简雅黑" panose="00000500000000000000" pitchFamily="2" charset="-122"/>
               </a:rPr>
               <a:t>：根据不同阶段采用彩色终端输出对应的错误处理。</a:t>
             </a:r>
             <a:endParaRPr lang="zh-CN" altLang="en-US" sz="1600" dirty="0" smtClean="0">
-              <a:latin typeface="字魂105号-简雅黑" panose="00000500000000000000" pitchFamily="2" charset="-122"/>
-              <a:ea typeface="字魂105号-简雅黑" panose="00000500000000000000" pitchFamily="2" charset="-122"/>
+              <a:latin typeface="华文中宋" panose="02010600040101010101" charset="-122"/>
+              <a:ea typeface="华文中宋" panose="02010600040101010101" charset="-122"/>
+              <a:cs typeface="华文中宋" panose="02010600040101010101" charset="-122"/>
               <a:sym typeface="字魂105号-简雅黑" panose="00000500000000000000" pitchFamily="2" charset="-122"/>
             </a:endParaRPr>
           </a:p>
@@ -27273,31 +31316,38 @@
             </a:pPr>
             <a:r>
               <a:rPr lang="zh-CN" altLang="en-US" sz="1600" dirty="0" smtClean="0">
-                <a:latin typeface="字魂105号-简雅黑" panose="00000500000000000000" pitchFamily="2" charset="-122"/>
-                <a:ea typeface="字魂105号-简雅黑" panose="00000500000000000000" pitchFamily="2" charset="-122"/>
+                <a:latin typeface="华文中宋" panose="02010600040101010101" charset="-122"/>
+                <a:ea typeface="华文中宋" panose="02010600040101010101" charset="-122"/>
+                <a:cs typeface="华文中宋" panose="02010600040101010101" charset="-122"/>
                 <a:sym typeface="字魂105号-简雅黑" panose="00000500000000000000" pitchFamily="2" charset="-122"/>
               </a:rPr>
               <a:t>错误存在性检查函数</a:t>
             </a:r>
             <a:r>
-              <a:rPr lang="en-US" altLang="zh-CN" sz="1600" dirty="0" smtClean="0">
-                <a:latin typeface="字魂105号-简雅黑" panose="00000500000000000000" pitchFamily="2" charset="-122"/>
-                <a:ea typeface="字魂105号-简雅黑" panose="00000500000000000000" pitchFamily="2" charset="-122"/>
+              <a:rPr lang="en-US" altLang="zh-CN" sz="1600" b="1" dirty="0" smtClean="0">
+                <a:solidFill>
+                  <a:srgbClr val="FF0000"/>
+                </a:solidFill>
+                <a:latin typeface="华文中宋" panose="02010600040101010101" charset="-122"/>
+                <a:ea typeface="华文中宋" panose="02010600040101010101" charset="-122"/>
+                <a:cs typeface="华文中宋" panose="02010600040101010101" charset="-122"/>
                 <a:sym typeface="字魂105号-简雅黑" panose="00000500000000000000" pitchFamily="2" charset="-122"/>
               </a:rPr>
               <a:t>hasErr</a:t>
             </a:r>
             <a:r>
               <a:rPr lang="zh-CN" altLang="en-US" sz="1600" dirty="0" smtClean="0">
-                <a:latin typeface="字魂105号-简雅黑" panose="00000500000000000000" pitchFamily="2" charset="-122"/>
-                <a:ea typeface="字魂105号-简雅黑" panose="00000500000000000000" pitchFamily="2" charset="-122"/>
+                <a:latin typeface="华文中宋" panose="02010600040101010101" charset="-122"/>
+                <a:ea typeface="华文中宋" panose="02010600040101010101" charset="-122"/>
+                <a:cs typeface="华文中宋" panose="02010600040101010101" charset="-122"/>
                 <a:sym typeface="字魂105号-简雅黑" panose="00000500000000000000" pitchFamily="2" charset="-122"/>
               </a:rPr>
               <a:t>：检查某阶段是否有对应错误决定是否输出错误。</a:t>
             </a:r>
             <a:endParaRPr lang="en-US" altLang="zh-CN" sz="1600" dirty="0" smtClean="0">
-              <a:latin typeface="字魂105号-简雅黑" panose="00000500000000000000" pitchFamily="2" charset="-122"/>
-              <a:ea typeface="字魂105号-简雅黑" panose="00000500000000000000" pitchFamily="2" charset="-122"/>
+              <a:latin typeface="华文中宋" panose="02010600040101010101" charset="-122"/>
+              <a:ea typeface="华文中宋" panose="02010600040101010101" charset="-122"/>
+              <a:cs typeface="华文中宋" panose="02010600040101010101" charset="-122"/>
               <a:sym typeface="字魂105号-简雅黑" panose="00000500000000000000" pitchFamily="2" charset="-122"/>
             </a:endParaRPr>
           </a:p>
@@ -27330,7 +31380,7 @@
 </p:sld>
 </file>
 
-<file path=ppt/slides/slide32.xml><?xml version="1.0" encoding="utf-8"?>
+<file path=ppt/slides/slide35.xml><?xml version="1.0" encoding="utf-8"?>
 <p:sld xmlns:a="http://schemas.openxmlformats.org/drawingml/2006/main" xmlns:r="http://schemas.openxmlformats.org/officeDocument/2006/relationships" xmlns:p="http://schemas.openxmlformats.org/presentationml/2006/main">
   <p:cSld>
     <p:spTree>
@@ -27607,7 +31657,7 @@
                 <a:ea typeface="字魂105号-简雅黑" panose="00000500000000000000" pitchFamily="2" charset="-122"/>
                 <a:sym typeface="字魂105号-简雅黑" panose="00000500000000000000" pitchFamily="2" charset="-122"/>
               </a:rPr>
-              <a:t>词法分析</a:t>
+              <a:t>语义分析</a:t>
             </a:r>
             <a:endParaRPr lang="zh-CN" altLang="en-US" sz="2400" b="1" dirty="0">
               <a:solidFill>
@@ -27705,1554 +31755,6 @@
         </p:nvSpPr>
         <p:spPr>
           <a:xfrm>
-            <a:off x="6233795" y="1424940"/>
-            <a:ext cx="4701540" cy="1905635"/>
-          </a:xfrm>
-          <a:prstGeom prst="rect">
-            <a:avLst/>
-          </a:prstGeom>
-        </p:spPr>
-        <p:txBody>
-          <a:bodyPr wrap="square">
-            <a:noAutofit/>
-          </a:bodyPr>
-          <a:p>
-            <a:pPr marL="285750" indent="-285750">
-              <a:lnSpc>
-                <a:spcPct val="150000"/>
-              </a:lnSpc>
-              <a:spcAft>
-                <a:spcPts val="600"/>
-              </a:spcAft>
-              <a:buFont typeface="Wingdings" panose="05000000000000000000" pitchFamily="2" charset="2"/>
-              <a:buChar char="l"/>
-            </a:pPr>
-            <a:r>
-              <a:rPr lang="zh-CN" altLang="en-US" sz="2000" b="1" dirty="0">
-                <a:solidFill>
-                  <a:srgbClr val="005A8A"/>
-                </a:solidFill>
-                <a:latin typeface="字魂105号-简雅黑" panose="00000500000000000000" pitchFamily="2" charset="-122"/>
-                <a:ea typeface="字魂105号-简雅黑" panose="00000500000000000000" pitchFamily="2" charset="-122"/>
-                <a:sym typeface="字魂105号-简雅黑" panose="00000500000000000000" pitchFamily="2" charset="-122"/>
-              </a:rPr>
-              <a:t>效果呈现</a:t>
-            </a:r>
-            <a:endParaRPr sz="1600" dirty="0" smtClean="0">
-              <a:latin typeface="字魂105号-简雅黑" panose="00000500000000000000" pitchFamily="2" charset="-122"/>
-              <a:ea typeface="字魂105号-简雅黑" panose="00000500000000000000" pitchFamily="2" charset="-122"/>
-              <a:sym typeface="字魂105号-简雅黑" panose="00000500000000000000" pitchFamily="2" charset="-122"/>
-            </a:endParaRPr>
-          </a:p>
-          <a:p>
-            <a:pPr>
-              <a:lnSpc>
-                <a:spcPct val="150000"/>
-              </a:lnSpc>
-            </a:pPr>
-            <a:r>
-              <a:rPr sz="1600" dirty="0" smtClean="0">
-                <a:latin typeface="字魂105号-简雅黑" panose="00000500000000000000" pitchFamily="2" charset="-122"/>
-                <a:ea typeface="字魂105号-简雅黑" panose="00000500000000000000" pitchFamily="2" charset="-122"/>
-                <a:sym typeface="字魂105号-简雅黑" panose="00000500000000000000" pitchFamily="2" charset="-122"/>
-              </a:rPr>
-              <a:t>在实现上，会在分析完代码后，统一报告 UnknownToken 错误。</a:t>
-            </a:r>
-            <a:r>
-              <a:rPr lang="zh-CN" sz="1600" dirty="0" smtClean="0">
-                <a:latin typeface="字魂105号-简雅黑" panose="00000500000000000000" pitchFamily="2" charset="-122"/>
-                <a:ea typeface="字魂105号-简雅黑" panose="00000500000000000000" pitchFamily="2" charset="-122"/>
-                <a:sym typeface="字魂105号-简雅黑" panose="00000500000000000000" pitchFamily="2" charset="-122"/>
-              </a:rPr>
-              <a:t>效果如图：</a:t>
-            </a:r>
-            <a:endParaRPr lang="zh-CN" sz="1600" dirty="0" smtClean="0">
-              <a:latin typeface="字魂105号-简雅黑" panose="00000500000000000000" pitchFamily="2" charset="-122"/>
-              <a:ea typeface="字魂105号-简雅黑" panose="00000500000000000000" pitchFamily="2" charset="-122"/>
-              <a:sym typeface="字魂105号-简雅黑" panose="00000500000000000000" pitchFamily="2" charset="-122"/>
-            </a:endParaRPr>
-          </a:p>
-        </p:txBody>
-      </p:sp>
-      <p:sp>
-        <p:nvSpPr>
-          <p:cNvPr id="13" name="矩形 12"/>
-          <p:cNvSpPr/>
-          <p:nvPr>
-            <p:custDataLst>
-              <p:tags r:id="rId5"/>
-            </p:custDataLst>
-          </p:nvPr>
-        </p:nvSpPr>
-        <p:spPr>
-          <a:xfrm>
-            <a:off x="768985" y="1403350"/>
-            <a:ext cx="4800600" cy="2193925"/>
-          </a:xfrm>
-          <a:prstGeom prst="rect">
-            <a:avLst/>
-          </a:prstGeom>
-        </p:spPr>
-        <p:txBody>
-          <a:bodyPr wrap="square">
-            <a:noAutofit/>
-          </a:bodyPr>
-          <a:p>
-            <a:pPr marL="285750" indent="-285750">
-              <a:lnSpc>
-                <a:spcPct val="150000"/>
-              </a:lnSpc>
-              <a:spcAft>
-                <a:spcPts val="600"/>
-              </a:spcAft>
-              <a:buFont typeface="Wingdings" panose="05000000000000000000" pitchFamily="2" charset="2"/>
-              <a:buChar char="l"/>
-            </a:pPr>
-            <a:r>
-              <a:rPr lang="zh-CN" altLang="en-US" sz="2000" b="1" dirty="0">
-                <a:solidFill>
-                  <a:srgbClr val="005A8A"/>
-                </a:solidFill>
-                <a:latin typeface="字魂105号-简雅黑" panose="00000500000000000000" pitchFamily="2" charset="-122"/>
-                <a:ea typeface="字魂105号-简雅黑" panose="00000500000000000000" pitchFamily="2" charset="-122"/>
-                <a:sym typeface="字魂105号-简雅黑" panose="00000500000000000000" pitchFamily="2" charset="-122"/>
-              </a:rPr>
-              <a:t>错误定义</a:t>
-            </a:r>
-            <a:endParaRPr lang="zh-CN" altLang="en-US" sz="2000" b="1" dirty="0">
-              <a:solidFill>
-                <a:srgbClr val="005A8A"/>
-              </a:solidFill>
-              <a:latin typeface="字魂105号-简雅黑" panose="00000500000000000000" pitchFamily="2" charset="-122"/>
-              <a:ea typeface="字魂105号-简雅黑" panose="00000500000000000000" pitchFamily="2" charset="-122"/>
-              <a:sym typeface="字魂105号-简雅黑" panose="00000500000000000000" pitchFamily="2" charset="-122"/>
-            </a:endParaRPr>
-          </a:p>
-          <a:p>
-            <a:pPr indent="0">
-              <a:lnSpc>
-                <a:spcPct val="150000"/>
-              </a:lnSpc>
-              <a:spcAft>
-                <a:spcPts val="600"/>
-              </a:spcAft>
-              <a:buFont typeface="Wingdings" panose="05000000000000000000" pitchFamily="2" charset="2"/>
-              <a:buNone/>
-            </a:pPr>
-            <a:r>
-              <a:rPr sz="1600" dirty="0" smtClean="0">
-                <a:latin typeface="字魂105号-简雅黑" panose="00000500000000000000" pitchFamily="2" charset="-122"/>
-                <a:ea typeface="字魂105号-简雅黑" panose="00000500000000000000" pitchFamily="2" charset="-122"/>
-                <a:sym typeface="字魂105号-简雅黑" panose="00000500000000000000" pitchFamily="2" charset="-122"/>
-              </a:rPr>
-              <a:t>在我们的设计中，词法分析只有识别到未知 token 错误。</a:t>
-            </a:r>
-            <a:endParaRPr sz="1600" dirty="0" smtClean="0">
-              <a:latin typeface="字魂105号-简雅黑" panose="00000500000000000000" pitchFamily="2" charset="-122"/>
-              <a:ea typeface="字魂105号-简雅黑" panose="00000500000000000000" pitchFamily="2" charset="-122"/>
-              <a:sym typeface="字魂105号-简雅黑" panose="00000500000000000000" pitchFamily="2" charset="-122"/>
-            </a:endParaRPr>
-          </a:p>
-          <a:p>
-            <a:pPr>
-              <a:lnSpc>
-                <a:spcPct val="150000"/>
-              </a:lnSpc>
-            </a:pPr>
-            <a:r>
-              <a:rPr lang="zh-CN" sz="1600" dirty="0" smtClean="0">
-                <a:latin typeface="字魂105号-简雅黑" panose="00000500000000000000" pitchFamily="2" charset="-122"/>
-                <a:ea typeface="字魂105号-简雅黑" panose="00000500000000000000" pitchFamily="2" charset="-122"/>
-                <a:sym typeface="字魂105号-简雅黑" panose="00000500000000000000" pitchFamily="2" charset="-122"/>
-              </a:rPr>
-              <a:t>词法错误数据结构包括错误信息</a:t>
-            </a:r>
-            <a:r>
-              <a:rPr lang="en-US" altLang="zh-CN" sz="1600" dirty="0" smtClean="0">
-                <a:latin typeface="字魂105号-简雅黑" panose="00000500000000000000" pitchFamily="2" charset="-122"/>
-                <a:ea typeface="字魂105号-简雅黑" panose="00000500000000000000" pitchFamily="2" charset="-122"/>
-                <a:sym typeface="字魂105号-简雅黑" panose="00000500000000000000" pitchFamily="2" charset="-122"/>
-              </a:rPr>
-              <a:t>msg</a:t>
-            </a:r>
-            <a:r>
-              <a:rPr lang="zh-CN" altLang="en-US" sz="1600" dirty="0" smtClean="0">
-                <a:latin typeface="字魂105号-简雅黑" panose="00000500000000000000" pitchFamily="2" charset="-122"/>
-                <a:ea typeface="字魂105号-简雅黑" panose="00000500000000000000" pitchFamily="2" charset="-122"/>
-                <a:sym typeface="字魂105号-简雅黑" panose="00000500000000000000" pitchFamily="2" charset="-122"/>
-              </a:rPr>
-              <a:t>、</a:t>
-            </a:r>
-            <a:r>
-              <a:rPr lang="zh-CN" sz="1600" dirty="0" smtClean="0">
-                <a:latin typeface="字魂105号-简雅黑" panose="00000500000000000000" pitchFamily="2" charset="-122"/>
-                <a:ea typeface="字魂105号-简雅黑" panose="00000500000000000000" pitchFamily="2" charset="-122"/>
-                <a:sym typeface="字魂105号-简雅黑" panose="00000500000000000000" pitchFamily="2" charset="-122"/>
-              </a:rPr>
-              <a:t>错误类型</a:t>
-            </a:r>
-            <a:r>
-              <a:rPr lang="en-US" altLang="zh-CN" sz="1600" dirty="0" smtClean="0">
-                <a:latin typeface="字魂105号-简雅黑" panose="00000500000000000000" pitchFamily="2" charset="-122"/>
-                <a:ea typeface="字魂105号-简雅黑" panose="00000500000000000000" pitchFamily="2" charset="-122"/>
-                <a:sym typeface="字魂105号-简雅黑" panose="00000500000000000000" pitchFamily="2" charset="-122"/>
-              </a:rPr>
-              <a:t>type</a:t>
-            </a:r>
-            <a:r>
-              <a:rPr lang="zh-CN" sz="1600" dirty="0" smtClean="0">
-                <a:latin typeface="字魂105号-简雅黑" panose="00000500000000000000" pitchFamily="2" charset="-122"/>
-                <a:ea typeface="字魂105号-简雅黑" panose="00000500000000000000" pitchFamily="2" charset="-122"/>
-                <a:sym typeface="字魂105号-简雅黑" panose="00000500000000000000" pitchFamily="2" charset="-122"/>
-              </a:rPr>
-              <a:t>、位置信息</a:t>
-            </a:r>
-            <a:r>
-              <a:rPr lang="en-US" altLang="zh-CN" sz="1600" dirty="0" smtClean="0">
-                <a:latin typeface="字魂105号-简雅黑" panose="00000500000000000000" pitchFamily="2" charset="-122"/>
-                <a:ea typeface="字魂105号-简雅黑" panose="00000500000000000000" pitchFamily="2" charset="-122"/>
-                <a:sym typeface="字魂105号-简雅黑" panose="00000500000000000000" pitchFamily="2" charset="-122"/>
-              </a:rPr>
-              <a:t>row&amp;col</a:t>
-            </a:r>
-            <a:r>
-              <a:rPr lang="zh-CN" sz="1600" dirty="0" smtClean="0">
-                <a:latin typeface="字魂105号-简雅黑" panose="00000500000000000000" pitchFamily="2" charset="-122"/>
-                <a:ea typeface="字魂105号-简雅黑" panose="00000500000000000000" pitchFamily="2" charset="-122"/>
-                <a:sym typeface="字魂105号-简雅黑" panose="00000500000000000000" pitchFamily="2" charset="-122"/>
-              </a:rPr>
-              <a:t>和相关</a:t>
-            </a:r>
-            <a:r>
-              <a:rPr lang="en-US" altLang="zh-CN" sz="1600" dirty="0" smtClean="0">
-                <a:latin typeface="字魂105号-简雅黑" panose="00000500000000000000" pitchFamily="2" charset="-122"/>
-                <a:ea typeface="字魂105号-简雅黑" panose="00000500000000000000" pitchFamily="2" charset="-122"/>
-                <a:sym typeface="字魂105号-简雅黑" panose="00000500000000000000" pitchFamily="2" charset="-122"/>
-              </a:rPr>
-              <a:t>token</a:t>
-            </a:r>
-            <a:r>
-              <a:rPr lang="zh-CN" altLang="en-US" sz="1600" dirty="0" smtClean="0">
-                <a:latin typeface="字魂105号-简雅黑" panose="00000500000000000000" pitchFamily="2" charset="-122"/>
-                <a:ea typeface="字魂105号-简雅黑" panose="00000500000000000000" pitchFamily="2" charset="-122"/>
-                <a:sym typeface="字魂105号-简雅黑" panose="00000500000000000000" pitchFamily="2" charset="-122"/>
-              </a:rPr>
-              <a:t>。</a:t>
-            </a:r>
-            <a:endParaRPr sz="1600" dirty="0" smtClean="0">
-              <a:latin typeface="字魂105号-简雅黑" panose="00000500000000000000" pitchFamily="2" charset="-122"/>
-              <a:ea typeface="字魂105号-简雅黑" panose="00000500000000000000" pitchFamily="2" charset="-122"/>
-              <a:sym typeface="字魂105号-简雅黑" panose="00000500000000000000" pitchFamily="2" charset="-122"/>
-            </a:endParaRPr>
-          </a:p>
-          <a:p>
-            <a:pPr>
-              <a:lnSpc>
-                <a:spcPct val="150000"/>
-              </a:lnSpc>
-            </a:pPr>
-            <a:endParaRPr lang="zh-CN" sz="1600" dirty="0" smtClean="0">
-              <a:latin typeface="字魂105号-简雅黑" panose="00000500000000000000" pitchFamily="2" charset="-122"/>
-              <a:ea typeface="字魂105号-简雅黑" panose="00000500000000000000" pitchFamily="2" charset="-122"/>
-              <a:sym typeface="字魂105号-简雅黑" panose="00000500000000000000" pitchFamily="2" charset="-122"/>
-            </a:endParaRPr>
-          </a:p>
-        </p:txBody>
-      </p:sp>
-      <p:pic>
-        <p:nvPicPr>
-          <p:cNvPr id="14" name="图片 13"/>
-          <p:cNvPicPr>
-            <a:picLocks noChangeAspect="1"/>
-          </p:cNvPicPr>
-          <p:nvPr/>
-        </p:nvPicPr>
-        <p:blipFill>
-          <a:blip r:embed="rId6"/>
-          <a:stretch>
-            <a:fillRect/>
-          </a:stretch>
-        </p:blipFill>
-        <p:spPr>
-          <a:xfrm>
-            <a:off x="847090" y="3747135"/>
-            <a:ext cx="3787140" cy="1066800"/>
-          </a:xfrm>
-          <a:prstGeom prst="rect">
-            <a:avLst/>
-          </a:prstGeom>
-        </p:spPr>
-      </p:pic>
-      <p:pic>
-        <p:nvPicPr>
-          <p:cNvPr id="15" name="图片 14"/>
-          <p:cNvPicPr>
-            <a:picLocks noChangeAspect="1"/>
-          </p:cNvPicPr>
-          <p:nvPr/>
-        </p:nvPicPr>
-        <p:blipFill>
-          <a:blip r:embed="rId7"/>
-          <a:stretch>
-            <a:fillRect/>
-          </a:stretch>
-        </p:blipFill>
-        <p:spPr>
-          <a:xfrm>
-            <a:off x="847090" y="4875530"/>
-            <a:ext cx="2857500" cy="1824990"/>
-          </a:xfrm>
-          <a:prstGeom prst="rect">
-            <a:avLst/>
-          </a:prstGeom>
-        </p:spPr>
-      </p:pic>
-      <p:pic>
-        <p:nvPicPr>
-          <p:cNvPr id="16" name="图片 15"/>
-          <p:cNvPicPr>
-            <a:picLocks noChangeAspect="1"/>
-          </p:cNvPicPr>
-          <p:nvPr/>
-        </p:nvPicPr>
-        <p:blipFill>
-          <a:blip r:embed="rId8"/>
-          <a:stretch>
-            <a:fillRect/>
-          </a:stretch>
-        </p:blipFill>
-        <p:spPr>
-          <a:xfrm>
-            <a:off x="6213475" y="3747135"/>
-            <a:ext cx="5775960" cy="2377440"/>
-          </a:xfrm>
-          <a:prstGeom prst="rect">
-            <a:avLst/>
-          </a:prstGeom>
-        </p:spPr>
-      </p:pic>
-      <p:sp>
-        <p:nvSpPr>
-          <p:cNvPr id="17" name="矩形 16"/>
-          <p:cNvSpPr/>
-          <p:nvPr/>
-        </p:nvSpPr>
-        <p:spPr>
-          <a:xfrm>
-            <a:off x="5910580" y="-274320"/>
-            <a:ext cx="104140" cy="7292340"/>
-          </a:xfrm>
-          <a:prstGeom prst="rect">
-            <a:avLst/>
-          </a:prstGeom>
-        </p:spPr>
-        <p:style>
-          <a:lnRef idx="2">
-            <a:schemeClr val="accent1"/>
-          </a:lnRef>
-          <a:fillRef idx="0">
-            <a:srgbClr val="FFFFFF"/>
-          </a:fillRef>
-          <a:effectRef idx="0">
-            <a:srgbClr val="FFFFFF"/>
-          </a:effectRef>
-          <a:fontRef idx="minor">
-            <a:schemeClr val="dk1"/>
-          </a:fontRef>
-        </p:style>
-        <p:txBody>
-          <a:bodyPr rtlCol="0" anchor="ctr"/>
-          <a:p>
-            <a:pPr algn="ctr"/>
-            <a:endParaRPr lang="zh-CN" altLang="en-US"/>
-          </a:p>
-        </p:txBody>
-      </p:sp>
-    </p:spTree>
-  </p:cSld>
-  <p:clrMapOvr>
-    <a:masterClrMapping/>
-  </p:clrMapOvr>
-  <mc:AlternateContent xmlns:mc="http://schemas.openxmlformats.org/markup-compatibility/2006">
-    <mc:Choice xmlns:p15="http://schemas.microsoft.com/office/powerpoint/2012/main" Requires="p15">
-      <p:transition xmlns:p14="http://schemas.microsoft.com/office/powerpoint/2010/main" spd="slow" Requires="p14" p14:dur="1250" advTm="3000">
-        <p15:prstTrans prst="pageCurlDouble"/>
-      </p:transition>
-    </mc:Choice>
-    <mc:Fallback>
-      <p:transition spd="slow" advTm="3000">
-        <p:fade/>
-      </p:transition>
-    </mc:Fallback>
-  </mc:AlternateContent>
-  <p:timing>
-    <p:tnLst>
-      <p:par>
-        <p:cTn id="1" dur="indefinite" restart="never" nodeType="tmRoot"/>
-      </p:par>
-    </p:tnLst>
-  </p:timing>
-</p:sld>
-</file>
-
-<file path=ppt/slides/slide33.xml><?xml version="1.0" encoding="utf-8"?>
-<p:sld xmlns:a="http://schemas.openxmlformats.org/drawingml/2006/main" xmlns:r="http://schemas.openxmlformats.org/officeDocument/2006/relationships" xmlns:p="http://schemas.openxmlformats.org/presentationml/2006/main">
-  <p:cSld>
-    <p:spTree>
-      <p:nvGrpSpPr>
-        <p:cNvPr id="1" name=""/>
-        <p:cNvGrpSpPr/>
-        <p:nvPr/>
-      </p:nvGrpSpPr>
-      <p:grpSpPr>
-        <a:xfrm>
-          <a:off x="0" y="0"/>
-          <a:ext cx="0" cy="0"/>
-          <a:chOff x="0" y="0"/>
-          <a:chExt cx="0" cy="0"/>
-        </a:xfrm>
-      </p:grpSpPr>
-      <p:sp>
-        <p:nvSpPr>
-          <p:cNvPr id="2" name="任意多边形: 形状 1"/>
-          <p:cNvSpPr/>
-          <p:nvPr/>
-        </p:nvSpPr>
-        <p:spPr>
-          <a:xfrm>
-            <a:off x="415290" y="503555"/>
-            <a:ext cx="4218940" cy="749935"/>
-          </a:xfrm>
-          <a:custGeom>
-            <a:avLst/>
-            <a:gdLst>
-              <a:gd name="connsiteX0" fmla="*/ 674315 w 6261654"/>
-              <a:gd name="connsiteY0" fmla="*/ 0 h 1348631"/>
-              <a:gd name="connsiteX1" fmla="*/ 674325 w 6261654"/>
-              <a:gd name="connsiteY1" fmla="*/ 1 h 1348631"/>
-              <a:gd name="connsiteX2" fmla="*/ 5558735 w 6261654"/>
-              <a:gd name="connsiteY2" fmla="*/ 1 h 1348631"/>
-              <a:gd name="connsiteX3" fmla="*/ 5558735 w 6261654"/>
-              <a:gd name="connsiteY3" fmla="*/ 2885 h 1348631"/>
-              <a:gd name="connsiteX4" fmla="*/ 5587339 w 6261654"/>
-              <a:gd name="connsiteY4" fmla="*/ 1 h 1348631"/>
-              <a:gd name="connsiteX5" fmla="*/ 6261654 w 6261654"/>
-              <a:gd name="connsiteY5" fmla="*/ 674316 h 1348631"/>
-              <a:gd name="connsiteX6" fmla="*/ 5587339 w 6261654"/>
-              <a:gd name="connsiteY6" fmla="*/ 1348631 h 1348631"/>
-              <a:gd name="connsiteX7" fmla="*/ 5558735 w 6261654"/>
-              <a:gd name="connsiteY7" fmla="*/ 1345748 h 1348631"/>
-              <a:gd name="connsiteX8" fmla="*/ 5558735 w 6261654"/>
-              <a:gd name="connsiteY8" fmla="*/ 1348630 h 1348631"/>
-              <a:gd name="connsiteX9" fmla="*/ 674315 w 6261654"/>
-              <a:gd name="connsiteY9" fmla="*/ 1348630 h 1348631"/>
-              <a:gd name="connsiteX10" fmla="*/ 0 w 6261654"/>
-              <a:gd name="connsiteY10" fmla="*/ 674315 h 1348631"/>
-              <a:gd name="connsiteX11" fmla="*/ 674315 w 6261654"/>
-              <a:gd name="connsiteY11" fmla="*/ 0 h 1348631"/>
-            </a:gdLst>
-            <a:ahLst/>
-            <a:cxnLst>
-              <a:cxn ang="0">
-                <a:pos x="connsiteX0" y="connsiteY0"/>
-              </a:cxn>
-              <a:cxn ang="0">
-                <a:pos x="connsiteX1" y="connsiteY1"/>
-              </a:cxn>
-              <a:cxn ang="0">
-                <a:pos x="connsiteX2" y="connsiteY2"/>
-              </a:cxn>
-              <a:cxn ang="0">
-                <a:pos x="connsiteX3" y="connsiteY3"/>
-              </a:cxn>
-              <a:cxn ang="0">
-                <a:pos x="connsiteX4" y="connsiteY4"/>
-              </a:cxn>
-              <a:cxn ang="0">
-                <a:pos x="connsiteX5" y="connsiteY5"/>
-              </a:cxn>
-              <a:cxn ang="0">
-                <a:pos x="connsiteX6" y="connsiteY6"/>
-              </a:cxn>
-              <a:cxn ang="0">
-                <a:pos x="connsiteX7" y="connsiteY7"/>
-              </a:cxn>
-              <a:cxn ang="0">
-                <a:pos x="connsiteX8" y="connsiteY8"/>
-              </a:cxn>
-              <a:cxn ang="0">
-                <a:pos x="connsiteX9" y="connsiteY9"/>
-              </a:cxn>
-              <a:cxn ang="0">
-                <a:pos x="connsiteX10" y="connsiteY10"/>
-              </a:cxn>
-              <a:cxn ang="0">
-                <a:pos x="connsiteX11" y="connsiteY11"/>
-              </a:cxn>
-            </a:cxnLst>
-            <a:rect l="l" t="t" r="r" b="b"/>
-            <a:pathLst>
-              <a:path w="6261654" h="1348631">
-                <a:moveTo>
-                  <a:pt x="674315" y="0"/>
-                </a:moveTo>
-                <a:lnTo>
-                  <a:pt x="674325" y="1"/>
-                </a:lnTo>
-                <a:lnTo>
-                  <a:pt x="5558735" y="1"/>
-                </a:lnTo>
-                <a:lnTo>
-                  <a:pt x="5558735" y="2885"/>
-                </a:lnTo>
-                <a:lnTo>
-                  <a:pt x="5587339" y="1"/>
-                </a:lnTo>
-                <a:cubicBezTo>
-                  <a:pt x="5959753" y="1"/>
-                  <a:pt x="6261654" y="301902"/>
-                  <a:pt x="6261654" y="674316"/>
-                </a:cubicBezTo>
-                <a:cubicBezTo>
-                  <a:pt x="6261654" y="1046730"/>
-                  <a:pt x="5959753" y="1348631"/>
-                  <a:pt x="5587339" y="1348631"/>
-                </a:cubicBezTo>
-                <a:lnTo>
-                  <a:pt x="5558735" y="1345748"/>
-                </a:lnTo>
-                <a:lnTo>
-                  <a:pt x="5558735" y="1348630"/>
-                </a:lnTo>
-                <a:lnTo>
-                  <a:pt x="674315" y="1348630"/>
-                </a:lnTo>
-                <a:cubicBezTo>
-                  <a:pt x="301901" y="1348630"/>
-                  <a:pt x="0" y="1046729"/>
-                  <a:pt x="0" y="674315"/>
-                </a:cubicBezTo>
-                <a:cubicBezTo>
-                  <a:pt x="0" y="301901"/>
-                  <a:pt x="301901" y="0"/>
-                  <a:pt x="674315" y="0"/>
-                </a:cubicBezTo>
-                <a:close/>
-              </a:path>
-            </a:pathLst>
-          </a:custGeom>
-          <a:solidFill>
-            <a:srgbClr val="005A8A"/>
-          </a:solidFill>
-          <a:ln w="38100">
-            <a:solidFill>
-              <a:srgbClr val="005A8A"/>
-            </a:solidFill>
-          </a:ln>
-          <a:effectLst/>
-        </p:spPr>
-        <p:style>
-          <a:lnRef idx="2">
-            <a:schemeClr val="accent1">
-              <a:shade val="50000"/>
-            </a:schemeClr>
-          </a:lnRef>
-          <a:fillRef idx="1">
-            <a:schemeClr val="accent1"/>
-          </a:fillRef>
-          <a:effectRef idx="0">
-            <a:schemeClr val="accent1"/>
-          </a:effectRef>
-          <a:fontRef idx="minor">
-            <a:schemeClr val="lt1"/>
-          </a:fontRef>
-        </p:style>
-        <p:txBody>
-          <a:bodyPr rtlCol="0" anchor="ctr"/>
-          <a:lstStyle/>
-          <a:p>
-            <a:endParaRPr lang="zh-CN" altLang="en-US" sz="2000" b="1" dirty="0">
-              <a:latin typeface="字魂105号-简雅黑" panose="00000500000000000000" pitchFamily="2" charset="-122"/>
-              <a:ea typeface="字魂105号-简雅黑" panose="00000500000000000000" pitchFamily="2" charset="-122"/>
-              <a:sym typeface="字魂105号-简雅黑" panose="00000500000000000000" pitchFamily="2" charset="-122"/>
-            </a:endParaRPr>
-          </a:p>
-        </p:txBody>
-      </p:sp>
-      <p:pic>
-        <p:nvPicPr>
-          <p:cNvPr id="3" name="图片 2"/>
-          <p:cNvPicPr>
-            <a:picLocks noChangeAspect="1"/>
-          </p:cNvPicPr>
-          <p:nvPr/>
-        </p:nvPicPr>
-        <p:blipFill>
-          <a:blip r:embed="rId1" cstate="print">
-            <a:extLst>
-              <a:ext uri="{28A0092B-C50C-407E-A947-70E740481C1C}">
-                <a14:useLocalDpi xmlns:a14="http://schemas.microsoft.com/office/drawing/2010/main" val="0"/>
-              </a:ext>
-            </a:extLst>
-          </a:blip>
-          <a:stretch>
-            <a:fillRect/>
-          </a:stretch>
-        </p:blipFill>
-        <p:spPr>
-          <a:xfrm>
-            <a:off x="577941" y="569481"/>
-            <a:ext cx="618131" cy="618131"/>
-          </a:xfrm>
-          <a:prstGeom prst="rect">
-            <a:avLst/>
-          </a:prstGeom>
-        </p:spPr>
-      </p:pic>
-      <p:sp>
-        <p:nvSpPr>
-          <p:cNvPr id="4" name="矩形 3"/>
-          <p:cNvSpPr/>
-          <p:nvPr/>
-        </p:nvSpPr>
-        <p:spPr>
-          <a:xfrm>
-            <a:off x="1289785" y="647713"/>
-            <a:ext cx="3244850" cy="460375"/>
-          </a:xfrm>
-          <a:prstGeom prst="rect">
-            <a:avLst/>
-          </a:prstGeom>
-        </p:spPr>
-        <p:txBody>
-          <a:bodyPr wrap="none">
-            <a:spAutoFit/>
-          </a:bodyPr>
-          <a:lstStyle/>
-          <a:p>
-            <a:pPr algn="l"/>
-            <a:r>
-              <a:rPr lang="en-US" altLang="zh-CN" sz="2400" b="1" dirty="0">
-                <a:solidFill>
-                  <a:schemeClr val="bg1"/>
-                </a:solidFill>
-                <a:latin typeface="字魂105号-简雅黑" panose="00000500000000000000" pitchFamily="2" charset="-122"/>
-                <a:ea typeface="字魂105号-简雅黑" panose="00000500000000000000" pitchFamily="2" charset="-122"/>
-                <a:sym typeface="字魂105号-简雅黑" panose="00000500000000000000" pitchFamily="2" charset="-122"/>
-              </a:rPr>
-              <a:t> </a:t>
-            </a:r>
-            <a:r>
-              <a:rPr lang="zh-CN" altLang="en-US" sz="2400" b="1" dirty="0">
-                <a:solidFill>
-                  <a:schemeClr val="bg1"/>
-                </a:solidFill>
-                <a:latin typeface="字魂105号-简雅黑" panose="00000500000000000000" pitchFamily="2" charset="-122"/>
-                <a:ea typeface="字魂105号-简雅黑" panose="00000500000000000000" pitchFamily="2" charset="-122"/>
-                <a:sym typeface="字魂105号-简雅黑" panose="00000500000000000000" pitchFamily="2" charset="-122"/>
-              </a:rPr>
-              <a:t>错误处理器</a:t>
-            </a:r>
-            <a:r>
-              <a:rPr lang="en-US" altLang="zh-CN" sz="2400" b="1" dirty="0">
-                <a:solidFill>
-                  <a:schemeClr val="bg1"/>
-                </a:solidFill>
-                <a:latin typeface="字魂105号-简雅黑" panose="00000500000000000000" pitchFamily="2" charset="-122"/>
-                <a:ea typeface="字魂105号-简雅黑" panose="00000500000000000000" pitchFamily="2" charset="-122"/>
-                <a:sym typeface="字魂105号-简雅黑" panose="00000500000000000000" pitchFamily="2" charset="-122"/>
-              </a:rPr>
-              <a:t>-</a:t>
-            </a:r>
-            <a:r>
-              <a:rPr lang="zh-CN" altLang="en-US" sz="2400" b="1" dirty="0">
-                <a:solidFill>
-                  <a:schemeClr val="bg1"/>
-                </a:solidFill>
-                <a:latin typeface="字魂105号-简雅黑" panose="00000500000000000000" pitchFamily="2" charset="-122"/>
-                <a:ea typeface="字魂105号-简雅黑" panose="00000500000000000000" pitchFamily="2" charset="-122"/>
-                <a:sym typeface="字魂105号-简雅黑" panose="00000500000000000000" pitchFamily="2" charset="-122"/>
-              </a:rPr>
-              <a:t>语法分析</a:t>
-            </a:r>
-            <a:endParaRPr lang="zh-CN" altLang="en-US" sz="2400" b="1" dirty="0">
-              <a:solidFill>
-                <a:schemeClr val="bg1"/>
-              </a:solidFill>
-              <a:latin typeface="字魂105号-简雅黑" panose="00000500000000000000" pitchFamily="2" charset="-122"/>
-              <a:ea typeface="字魂105号-简雅黑" panose="00000500000000000000" pitchFamily="2" charset="-122"/>
-              <a:sym typeface="字魂105号-简雅黑" panose="00000500000000000000" pitchFamily="2" charset="-122"/>
-            </a:endParaRPr>
-          </a:p>
-        </p:txBody>
-      </p:sp>
-      <p:pic>
-        <p:nvPicPr>
-          <p:cNvPr id="46" name="图片 45"/>
-          <p:cNvPicPr>
-            <a:picLocks noChangeAspect="1"/>
-          </p:cNvPicPr>
-          <p:nvPr/>
-        </p:nvPicPr>
-        <p:blipFill>
-          <a:blip r:embed="rId2" cstate="print">
-            <a:extLst>
-              <a:ext uri="{28A0092B-C50C-407E-A947-70E740481C1C}">
-                <a14:useLocalDpi xmlns:a14="http://schemas.microsoft.com/office/drawing/2010/main" val="0"/>
-              </a:ext>
-            </a:extLst>
-          </a:blip>
-          <a:stretch>
-            <a:fillRect/>
-          </a:stretch>
-        </p:blipFill>
-        <p:spPr>
-          <a:xfrm>
-            <a:off x="10935249" y="6387542"/>
-            <a:ext cx="938700" cy="312900"/>
-          </a:xfrm>
-          <a:prstGeom prst="rect">
-            <a:avLst/>
-          </a:prstGeom>
-        </p:spPr>
-      </p:pic>
-      <p:sp>
-        <p:nvSpPr>
-          <p:cNvPr id="69" name="矩形 68"/>
-          <p:cNvSpPr/>
-          <p:nvPr>
-            <p:custDataLst>
-              <p:tags r:id="rId3"/>
-            </p:custDataLst>
-          </p:nvPr>
-        </p:nvSpPr>
-        <p:spPr>
-          <a:xfrm>
-            <a:off x="2222500" y="1424940"/>
-            <a:ext cx="6737350" cy="746125"/>
-          </a:xfrm>
-          <a:prstGeom prst="rect">
-            <a:avLst/>
-          </a:prstGeom>
-        </p:spPr>
-        <p:txBody>
-          <a:bodyPr wrap="square">
-            <a:noAutofit/>
-          </a:bodyPr>
-          <a:p>
-            <a:pPr indent="0">
-              <a:lnSpc>
-                <a:spcPct val="150000"/>
-              </a:lnSpc>
-              <a:spcAft>
-                <a:spcPts val="600"/>
-              </a:spcAft>
-              <a:buFont typeface="Wingdings" panose="05000000000000000000" pitchFamily="2" charset="2"/>
-              <a:buNone/>
-            </a:pPr>
-            <a:endParaRPr lang="zh-CN" altLang="en-US" sz="1600" dirty="0" smtClean="0">
-              <a:latin typeface="华文中宋" panose="02010600040101010101" charset="-122"/>
-              <a:ea typeface="华文中宋" panose="02010600040101010101" charset="-122"/>
-              <a:cs typeface="华文中宋" panose="02010600040101010101" charset="-122"/>
-              <a:sym typeface="字魂105号-简雅黑" panose="00000500000000000000" pitchFamily="2" charset="-122"/>
-            </a:endParaRPr>
-          </a:p>
-        </p:txBody>
-      </p:sp>
-      <p:sp>
-        <p:nvSpPr>
-          <p:cNvPr id="12" name="矩形 11"/>
-          <p:cNvSpPr/>
-          <p:nvPr>
-            <p:custDataLst>
-              <p:tags r:id="rId4"/>
-            </p:custDataLst>
-          </p:nvPr>
-        </p:nvSpPr>
-        <p:spPr>
-          <a:xfrm>
-            <a:off x="6227445" y="1371600"/>
-            <a:ext cx="4895850" cy="1977390"/>
-          </a:xfrm>
-          <a:prstGeom prst="rect">
-            <a:avLst/>
-          </a:prstGeom>
-        </p:spPr>
-        <p:txBody>
-          <a:bodyPr wrap="square">
-            <a:noAutofit/>
-          </a:bodyPr>
-          <a:p>
-            <a:pPr marL="285750" indent="-285750">
-              <a:lnSpc>
-                <a:spcPct val="150000"/>
-              </a:lnSpc>
-              <a:spcAft>
-                <a:spcPts val="600"/>
-              </a:spcAft>
-              <a:buFont typeface="Wingdings" panose="05000000000000000000" pitchFamily="2" charset="2"/>
-              <a:buChar char="l"/>
-            </a:pPr>
-            <a:r>
-              <a:rPr lang="zh-CN" altLang="en-US" sz="2000" b="1" dirty="0">
-                <a:solidFill>
-                  <a:srgbClr val="005A8A"/>
-                </a:solidFill>
-                <a:latin typeface="字魂105号-简雅黑" panose="00000500000000000000" pitchFamily="2" charset="-122"/>
-                <a:ea typeface="字魂105号-简雅黑" panose="00000500000000000000" pitchFamily="2" charset="-122"/>
-                <a:sym typeface="字魂105号-简雅黑" panose="00000500000000000000" pitchFamily="2" charset="-122"/>
-              </a:rPr>
-              <a:t>效果呈现</a:t>
-            </a:r>
-            <a:endParaRPr sz="1600" dirty="0" smtClean="0">
-              <a:latin typeface="字魂105号-简雅黑" panose="00000500000000000000" pitchFamily="2" charset="-122"/>
-              <a:ea typeface="字魂105号-简雅黑" panose="00000500000000000000" pitchFamily="2" charset="-122"/>
-              <a:sym typeface="字魂105号-简雅黑" panose="00000500000000000000" pitchFamily="2" charset="-122"/>
-            </a:endParaRPr>
-          </a:p>
-          <a:p>
-            <a:pPr>
-              <a:lnSpc>
-                <a:spcPct val="150000"/>
-              </a:lnSpc>
-            </a:pPr>
-            <a:r>
-              <a:rPr lang="zh-CN" sz="1600" dirty="0" smtClean="0">
-                <a:latin typeface="字魂105号-简雅黑" panose="00000500000000000000" pitchFamily="2" charset="-122"/>
-                <a:ea typeface="字魂105号-简雅黑" panose="00000500000000000000" pitchFamily="2" charset="-122"/>
-                <a:sym typeface="字魂105号-简雅黑" panose="00000500000000000000" pitchFamily="2" charset="-122"/>
-              </a:rPr>
-              <a:t>由于语法分析会生成完整的语法树，所以当语法分析阶段出现错误，错误处理逻辑会非常复杂，统一采用抛出</a:t>
-            </a:r>
-            <a:r>
-              <a:rPr lang="en-US" altLang="zh-CN" sz="1600" dirty="0" smtClean="0">
-                <a:latin typeface="字魂105号-简雅黑" panose="00000500000000000000" pitchFamily="2" charset="-122"/>
-                <a:ea typeface="字魂105号-简雅黑" panose="00000500000000000000" pitchFamily="2" charset="-122"/>
-                <a:sym typeface="字魂105号-简雅黑" panose="00000500000000000000" pitchFamily="2" charset="-122"/>
-              </a:rPr>
-              <a:t>runtime_error</a:t>
-            </a:r>
-            <a:r>
-              <a:rPr lang="zh-CN" sz="1600" dirty="0" smtClean="0">
-                <a:latin typeface="字魂105号-简雅黑" panose="00000500000000000000" pitchFamily="2" charset="-122"/>
-                <a:ea typeface="字魂105号-简雅黑" panose="00000500000000000000" pitchFamily="2" charset="-122"/>
-                <a:sym typeface="字魂105号-简雅黑" panose="00000500000000000000" pitchFamily="2" charset="-122"/>
-              </a:rPr>
-              <a:t>错误的方式中断语法分析并报告错误。</a:t>
-            </a:r>
-            <a:endParaRPr lang="en-US" altLang="zh-CN" sz="1600" dirty="0" smtClean="0">
-              <a:latin typeface="字魂105号-简雅黑" panose="00000500000000000000" pitchFamily="2" charset="-122"/>
-              <a:ea typeface="字魂105号-简雅黑" panose="00000500000000000000" pitchFamily="2" charset="-122"/>
-              <a:sym typeface="字魂105号-简雅黑" panose="00000500000000000000" pitchFamily="2" charset="-122"/>
-            </a:endParaRPr>
-          </a:p>
-        </p:txBody>
-      </p:sp>
-      <p:sp>
-        <p:nvSpPr>
-          <p:cNvPr id="13" name="矩形 12"/>
-          <p:cNvSpPr/>
-          <p:nvPr>
-            <p:custDataLst>
-              <p:tags r:id="rId5"/>
-            </p:custDataLst>
-          </p:nvPr>
-        </p:nvSpPr>
-        <p:spPr>
-          <a:xfrm>
-            <a:off x="768985" y="1403350"/>
-            <a:ext cx="4841240" cy="1926590"/>
-          </a:xfrm>
-          <a:prstGeom prst="rect">
-            <a:avLst/>
-          </a:prstGeom>
-        </p:spPr>
-        <p:txBody>
-          <a:bodyPr wrap="square">
-            <a:noAutofit/>
-          </a:bodyPr>
-          <a:p>
-            <a:pPr marL="285750" indent="-285750">
-              <a:lnSpc>
-                <a:spcPct val="150000"/>
-              </a:lnSpc>
-              <a:spcAft>
-                <a:spcPts val="600"/>
-              </a:spcAft>
-              <a:buFont typeface="Wingdings" panose="05000000000000000000" pitchFamily="2" charset="2"/>
-              <a:buChar char="l"/>
-            </a:pPr>
-            <a:r>
-              <a:rPr lang="zh-CN" altLang="en-US" sz="2000" b="1" dirty="0">
-                <a:solidFill>
-                  <a:srgbClr val="005A8A"/>
-                </a:solidFill>
-                <a:latin typeface="字魂105号-简雅黑" panose="00000500000000000000" pitchFamily="2" charset="-122"/>
-                <a:ea typeface="字魂105号-简雅黑" panose="00000500000000000000" pitchFamily="2" charset="-122"/>
-                <a:sym typeface="字魂105号-简雅黑" panose="00000500000000000000" pitchFamily="2" charset="-122"/>
-              </a:rPr>
-              <a:t>错误定义</a:t>
-            </a:r>
-            <a:endParaRPr lang="zh-CN" altLang="en-US" sz="2000" b="1" dirty="0">
-              <a:solidFill>
-                <a:srgbClr val="005A8A"/>
-              </a:solidFill>
-              <a:latin typeface="字魂105号-简雅黑" panose="00000500000000000000" pitchFamily="2" charset="-122"/>
-              <a:ea typeface="字魂105号-简雅黑" panose="00000500000000000000" pitchFamily="2" charset="-122"/>
-              <a:sym typeface="字魂105号-简雅黑" panose="00000500000000000000" pitchFamily="2" charset="-122"/>
-            </a:endParaRPr>
-          </a:p>
-          <a:p>
-            <a:pPr indent="0">
-              <a:lnSpc>
-                <a:spcPct val="150000"/>
-              </a:lnSpc>
-              <a:spcAft>
-                <a:spcPts val="600"/>
-              </a:spcAft>
-              <a:buFont typeface="Wingdings" panose="05000000000000000000" pitchFamily="2" charset="2"/>
-              <a:buNone/>
-            </a:pPr>
-            <a:r>
-              <a:rPr sz="1600" dirty="0" smtClean="0">
-                <a:latin typeface="字魂105号-简雅黑" panose="00000500000000000000" pitchFamily="2" charset="-122"/>
-                <a:ea typeface="字魂105号-简雅黑" panose="00000500000000000000" pitchFamily="2" charset="-122"/>
-                <a:sym typeface="字魂105号-简雅黑" panose="00000500000000000000" pitchFamily="2" charset="-122"/>
-              </a:rPr>
-              <a:t>词法分析只有识别到未知 token 错误。</a:t>
-            </a:r>
-            <a:endParaRPr sz="1600" dirty="0" smtClean="0">
-              <a:latin typeface="字魂105号-简雅黑" panose="00000500000000000000" pitchFamily="2" charset="-122"/>
-              <a:ea typeface="字魂105号-简雅黑" panose="00000500000000000000" pitchFamily="2" charset="-122"/>
-              <a:sym typeface="字魂105号-简雅黑" panose="00000500000000000000" pitchFamily="2" charset="-122"/>
-            </a:endParaRPr>
-          </a:p>
-          <a:p>
-            <a:pPr>
-              <a:lnSpc>
-                <a:spcPct val="150000"/>
-              </a:lnSpc>
-            </a:pPr>
-            <a:r>
-              <a:rPr lang="zh-CN" sz="1600" dirty="0" smtClean="0">
-                <a:latin typeface="字魂105号-简雅黑" panose="00000500000000000000" pitchFamily="2" charset="-122"/>
-                <a:ea typeface="字魂105号-简雅黑" panose="00000500000000000000" pitchFamily="2" charset="-122"/>
-                <a:sym typeface="字魂105号-简雅黑" panose="00000500000000000000" pitchFamily="2" charset="-122"/>
-              </a:rPr>
-              <a:t>词法错误数据结构包括错误信息</a:t>
-            </a:r>
-            <a:r>
-              <a:rPr lang="en-US" altLang="zh-CN" sz="1600" dirty="0" smtClean="0">
-                <a:latin typeface="字魂105号-简雅黑" panose="00000500000000000000" pitchFamily="2" charset="-122"/>
-                <a:ea typeface="字魂105号-简雅黑" panose="00000500000000000000" pitchFamily="2" charset="-122"/>
-                <a:sym typeface="字魂105号-简雅黑" panose="00000500000000000000" pitchFamily="2" charset="-122"/>
-              </a:rPr>
-              <a:t>msg</a:t>
-            </a:r>
-            <a:r>
-              <a:rPr lang="zh-CN" altLang="en-US" sz="1600" dirty="0" smtClean="0">
-                <a:latin typeface="字魂105号-简雅黑" panose="00000500000000000000" pitchFamily="2" charset="-122"/>
-                <a:ea typeface="字魂105号-简雅黑" panose="00000500000000000000" pitchFamily="2" charset="-122"/>
-                <a:sym typeface="字魂105号-简雅黑" panose="00000500000000000000" pitchFamily="2" charset="-122"/>
-              </a:rPr>
-              <a:t>、</a:t>
-            </a:r>
-            <a:r>
-              <a:rPr lang="zh-CN" sz="1600" dirty="0" smtClean="0">
-                <a:latin typeface="字魂105号-简雅黑" panose="00000500000000000000" pitchFamily="2" charset="-122"/>
-                <a:ea typeface="字魂105号-简雅黑" panose="00000500000000000000" pitchFamily="2" charset="-122"/>
-                <a:sym typeface="字魂105号-简雅黑" panose="00000500000000000000" pitchFamily="2" charset="-122"/>
-              </a:rPr>
-              <a:t>错误类型</a:t>
-            </a:r>
-            <a:r>
-              <a:rPr lang="en-US" altLang="zh-CN" sz="1600" dirty="0" smtClean="0">
-                <a:latin typeface="字魂105号-简雅黑" panose="00000500000000000000" pitchFamily="2" charset="-122"/>
-                <a:ea typeface="字魂105号-简雅黑" panose="00000500000000000000" pitchFamily="2" charset="-122"/>
-                <a:sym typeface="字魂105号-简雅黑" panose="00000500000000000000" pitchFamily="2" charset="-122"/>
-              </a:rPr>
-              <a:t>type</a:t>
-            </a:r>
-            <a:r>
-              <a:rPr lang="zh-CN" sz="1600" dirty="0" smtClean="0">
-                <a:latin typeface="字魂105号-简雅黑" panose="00000500000000000000" pitchFamily="2" charset="-122"/>
-                <a:ea typeface="字魂105号-简雅黑" panose="00000500000000000000" pitchFamily="2" charset="-122"/>
-                <a:sym typeface="字魂105号-简雅黑" panose="00000500000000000000" pitchFamily="2" charset="-122"/>
-              </a:rPr>
-              <a:t>、位置信息</a:t>
-            </a:r>
-            <a:r>
-              <a:rPr lang="en-US" altLang="zh-CN" sz="1600" dirty="0" smtClean="0">
-                <a:latin typeface="字魂105号-简雅黑" panose="00000500000000000000" pitchFamily="2" charset="-122"/>
-                <a:ea typeface="字魂105号-简雅黑" panose="00000500000000000000" pitchFamily="2" charset="-122"/>
-                <a:sym typeface="字魂105号-简雅黑" panose="00000500000000000000" pitchFamily="2" charset="-122"/>
-              </a:rPr>
-              <a:t>row&amp;col</a:t>
-            </a:r>
-            <a:r>
-              <a:rPr lang="zh-CN" sz="1600" dirty="0" smtClean="0">
-                <a:latin typeface="字魂105号-简雅黑" panose="00000500000000000000" pitchFamily="2" charset="-122"/>
-                <a:ea typeface="字魂105号-简雅黑" panose="00000500000000000000" pitchFamily="2" charset="-122"/>
-                <a:sym typeface="字魂105号-简雅黑" panose="00000500000000000000" pitchFamily="2" charset="-122"/>
-              </a:rPr>
-              <a:t>和相关</a:t>
-            </a:r>
-            <a:r>
-              <a:rPr lang="en-US" altLang="zh-CN" sz="1600" dirty="0" smtClean="0">
-                <a:latin typeface="字魂105号-简雅黑" panose="00000500000000000000" pitchFamily="2" charset="-122"/>
-                <a:ea typeface="字魂105号-简雅黑" panose="00000500000000000000" pitchFamily="2" charset="-122"/>
-                <a:sym typeface="字魂105号-简雅黑" panose="00000500000000000000" pitchFamily="2" charset="-122"/>
-              </a:rPr>
-              <a:t>token</a:t>
-            </a:r>
-            <a:r>
-              <a:rPr lang="zh-CN" altLang="en-US" sz="1600" dirty="0" smtClean="0">
-                <a:latin typeface="字魂105号-简雅黑" panose="00000500000000000000" pitchFamily="2" charset="-122"/>
-                <a:ea typeface="字魂105号-简雅黑" panose="00000500000000000000" pitchFamily="2" charset="-122"/>
-                <a:sym typeface="字魂105号-简雅黑" panose="00000500000000000000" pitchFamily="2" charset="-122"/>
-              </a:rPr>
-              <a:t>。</a:t>
-            </a:r>
-            <a:endParaRPr sz="1600" dirty="0" smtClean="0">
-              <a:latin typeface="字魂105号-简雅黑" panose="00000500000000000000" pitchFamily="2" charset="-122"/>
-              <a:ea typeface="字魂105号-简雅黑" panose="00000500000000000000" pitchFamily="2" charset="-122"/>
-              <a:sym typeface="字魂105号-简雅黑" panose="00000500000000000000" pitchFamily="2" charset="-122"/>
-            </a:endParaRPr>
-          </a:p>
-          <a:p>
-            <a:pPr>
-              <a:lnSpc>
-                <a:spcPct val="150000"/>
-              </a:lnSpc>
-            </a:pPr>
-            <a:endParaRPr lang="zh-CN" sz="1600" dirty="0" smtClean="0">
-              <a:latin typeface="字魂105号-简雅黑" panose="00000500000000000000" pitchFamily="2" charset="-122"/>
-              <a:ea typeface="字魂105号-简雅黑" panose="00000500000000000000" pitchFamily="2" charset="-122"/>
-              <a:sym typeface="字魂105号-简雅黑" panose="00000500000000000000" pitchFamily="2" charset="-122"/>
-            </a:endParaRPr>
-          </a:p>
-        </p:txBody>
-      </p:sp>
-      <p:sp>
-        <p:nvSpPr>
-          <p:cNvPr id="17" name="矩形 16"/>
-          <p:cNvSpPr/>
-          <p:nvPr/>
-        </p:nvSpPr>
-        <p:spPr>
-          <a:xfrm>
-            <a:off x="5910580" y="-274320"/>
-            <a:ext cx="104140" cy="7292340"/>
-          </a:xfrm>
-          <a:prstGeom prst="rect">
-            <a:avLst/>
-          </a:prstGeom>
-        </p:spPr>
-        <p:style>
-          <a:lnRef idx="2">
-            <a:schemeClr val="accent1"/>
-          </a:lnRef>
-          <a:fillRef idx="0">
-            <a:srgbClr val="FFFFFF"/>
-          </a:fillRef>
-          <a:effectRef idx="0">
-            <a:srgbClr val="FFFFFF"/>
-          </a:effectRef>
-          <a:fontRef idx="minor">
-            <a:schemeClr val="dk1"/>
-          </a:fontRef>
-        </p:style>
-        <p:txBody>
-          <a:bodyPr rtlCol="0" anchor="ctr"/>
-          <a:p>
-            <a:pPr algn="ctr"/>
-            <a:endParaRPr lang="zh-CN" altLang="en-US"/>
-          </a:p>
-        </p:txBody>
-      </p:sp>
-      <p:pic>
-        <p:nvPicPr>
-          <p:cNvPr id="6" name="图片 5"/>
-          <p:cNvPicPr>
-            <a:picLocks noChangeAspect="1"/>
-          </p:cNvPicPr>
-          <p:nvPr>
-            <p:custDataLst>
-              <p:tags r:id="rId6"/>
-            </p:custDataLst>
-          </p:nvPr>
-        </p:nvPicPr>
-        <p:blipFill>
-          <a:blip r:embed="rId7"/>
-          <a:stretch>
-            <a:fillRect/>
-          </a:stretch>
-        </p:blipFill>
-        <p:spPr>
-          <a:xfrm>
-            <a:off x="1014730" y="3625215"/>
-            <a:ext cx="3794760" cy="1082040"/>
-          </a:xfrm>
-          <a:prstGeom prst="rect">
-            <a:avLst/>
-          </a:prstGeom>
-        </p:spPr>
-      </p:pic>
-      <p:pic>
-        <p:nvPicPr>
-          <p:cNvPr id="8" name="图片 7"/>
-          <p:cNvPicPr>
-            <a:picLocks noChangeAspect="1"/>
-          </p:cNvPicPr>
-          <p:nvPr>
-            <p:custDataLst>
-              <p:tags r:id="rId8"/>
-            </p:custDataLst>
-          </p:nvPr>
-        </p:nvPicPr>
-        <p:blipFill>
-          <a:blip r:embed="rId9"/>
-          <a:stretch>
-            <a:fillRect/>
-          </a:stretch>
-        </p:blipFill>
-        <p:spPr>
-          <a:xfrm>
-            <a:off x="1014730" y="4869815"/>
-            <a:ext cx="2764790" cy="1441450"/>
-          </a:xfrm>
-          <a:prstGeom prst="rect">
-            <a:avLst/>
-          </a:prstGeom>
-        </p:spPr>
-      </p:pic>
-      <p:sp>
-        <p:nvSpPr>
-          <p:cNvPr id="5" name="文本框 4"/>
-          <p:cNvSpPr txBox="1"/>
-          <p:nvPr/>
-        </p:nvSpPr>
-        <p:spPr>
-          <a:xfrm>
-            <a:off x="9552940" y="1310640"/>
-            <a:ext cx="4064000" cy="368300"/>
-          </a:xfrm>
-          <a:prstGeom prst="rect">
-            <a:avLst/>
-          </a:prstGeom>
-          <a:noFill/>
-        </p:spPr>
-        <p:txBody>
-          <a:bodyPr wrap="square" rtlCol="0">
-            <a:spAutoFit/>
-          </a:bodyPr>
-          <a:p>
-            <a:endParaRPr lang="zh-CN" altLang="en-US"/>
-          </a:p>
-        </p:txBody>
-      </p:sp>
-    </p:spTree>
-  </p:cSld>
-  <p:clrMapOvr>
-    <a:masterClrMapping/>
-  </p:clrMapOvr>
-  <mc:AlternateContent xmlns:mc="http://schemas.openxmlformats.org/markup-compatibility/2006">
-    <mc:Choice xmlns:p15="http://schemas.microsoft.com/office/powerpoint/2012/main" Requires="p15">
-      <p:transition xmlns:p14="http://schemas.microsoft.com/office/powerpoint/2010/main" spd="slow" Requires="p14" p14:dur="1250" advTm="3000">
-        <p15:prstTrans prst="pageCurlDouble"/>
-      </p:transition>
-    </mc:Choice>
-    <mc:Fallback>
-      <p:transition spd="slow" advTm="3000">
-        <p:fade/>
-      </p:transition>
-    </mc:Fallback>
-  </mc:AlternateContent>
-  <p:timing>
-    <p:tnLst>
-      <p:par>
-        <p:cTn id="1" dur="indefinite" restart="never" nodeType="tmRoot"/>
-      </p:par>
-    </p:tnLst>
-  </p:timing>
-</p:sld>
-</file>
-
-<file path=ppt/slides/slide34.xml><?xml version="1.0" encoding="utf-8"?>
-<p:sld xmlns:a="http://schemas.openxmlformats.org/drawingml/2006/main" xmlns:r="http://schemas.openxmlformats.org/officeDocument/2006/relationships" xmlns:p="http://schemas.openxmlformats.org/presentationml/2006/main">
-  <p:cSld>
-    <p:spTree>
-      <p:nvGrpSpPr>
-        <p:cNvPr id="1" name=""/>
-        <p:cNvGrpSpPr/>
-        <p:nvPr/>
-      </p:nvGrpSpPr>
-      <p:grpSpPr>
-        <a:xfrm>
-          <a:off x="0" y="0"/>
-          <a:ext cx="0" cy="0"/>
-          <a:chOff x="0" y="0"/>
-          <a:chExt cx="0" cy="0"/>
-        </a:xfrm>
-      </p:grpSpPr>
-      <p:sp>
-        <p:nvSpPr>
-          <p:cNvPr id="2" name="任意多边形: 形状 1"/>
-          <p:cNvSpPr/>
-          <p:nvPr/>
-        </p:nvSpPr>
-        <p:spPr>
-          <a:xfrm>
-            <a:off x="415290" y="503555"/>
-            <a:ext cx="4218940" cy="749935"/>
-          </a:xfrm>
-          <a:custGeom>
-            <a:avLst/>
-            <a:gdLst>
-              <a:gd name="connsiteX0" fmla="*/ 674315 w 6261654"/>
-              <a:gd name="connsiteY0" fmla="*/ 0 h 1348631"/>
-              <a:gd name="connsiteX1" fmla="*/ 674325 w 6261654"/>
-              <a:gd name="connsiteY1" fmla="*/ 1 h 1348631"/>
-              <a:gd name="connsiteX2" fmla="*/ 5558735 w 6261654"/>
-              <a:gd name="connsiteY2" fmla="*/ 1 h 1348631"/>
-              <a:gd name="connsiteX3" fmla="*/ 5558735 w 6261654"/>
-              <a:gd name="connsiteY3" fmla="*/ 2885 h 1348631"/>
-              <a:gd name="connsiteX4" fmla="*/ 5587339 w 6261654"/>
-              <a:gd name="connsiteY4" fmla="*/ 1 h 1348631"/>
-              <a:gd name="connsiteX5" fmla="*/ 6261654 w 6261654"/>
-              <a:gd name="connsiteY5" fmla="*/ 674316 h 1348631"/>
-              <a:gd name="connsiteX6" fmla="*/ 5587339 w 6261654"/>
-              <a:gd name="connsiteY6" fmla="*/ 1348631 h 1348631"/>
-              <a:gd name="connsiteX7" fmla="*/ 5558735 w 6261654"/>
-              <a:gd name="connsiteY7" fmla="*/ 1345748 h 1348631"/>
-              <a:gd name="connsiteX8" fmla="*/ 5558735 w 6261654"/>
-              <a:gd name="connsiteY8" fmla="*/ 1348630 h 1348631"/>
-              <a:gd name="connsiteX9" fmla="*/ 674315 w 6261654"/>
-              <a:gd name="connsiteY9" fmla="*/ 1348630 h 1348631"/>
-              <a:gd name="connsiteX10" fmla="*/ 0 w 6261654"/>
-              <a:gd name="connsiteY10" fmla="*/ 674315 h 1348631"/>
-              <a:gd name="connsiteX11" fmla="*/ 674315 w 6261654"/>
-              <a:gd name="connsiteY11" fmla="*/ 0 h 1348631"/>
-            </a:gdLst>
-            <a:ahLst/>
-            <a:cxnLst>
-              <a:cxn ang="0">
-                <a:pos x="connsiteX0" y="connsiteY0"/>
-              </a:cxn>
-              <a:cxn ang="0">
-                <a:pos x="connsiteX1" y="connsiteY1"/>
-              </a:cxn>
-              <a:cxn ang="0">
-                <a:pos x="connsiteX2" y="connsiteY2"/>
-              </a:cxn>
-              <a:cxn ang="0">
-                <a:pos x="connsiteX3" y="connsiteY3"/>
-              </a:cxn>
-              <a:cxn ang="0">
-                <a:pos x="connsiteX4" y="connsiteY4"/>
-              </a:cxn>
-              <a:cxn ang="0">
-                <a:pos x="connsiteX5" y="connsiteY5"/>
-              </a:cxn>
-              <a:cxn ang="0">
-                <a:pos x="connsiteX6" y="connsiteY6"/>
-              </a:cxn>
-              <a:cxn ang="0">
-                <a:pos x="connsiteX7" y="connsiteY7"/>
-              </a:cxn>
-              <a:cxn ang="0">
-                <a:pos x="connsiteX8" y="connsiteY8"/>
-              </a:cxn>
-              <a:cxn ang="0">
-                <a:pos x="connsiteX9" y="connsiteY9"/>
-              </a:cxn>
-              <a:cxn ang="0">
-                <a:pos x="connsiteX10" y="connsiteY10"/>
-              </a:cxn>
-              <a:cxn ang="0">
-                <a:pos x="connsiteX11" y="connsiteY11"/>
-              </a:cxn>
-            </a:cxnLst>
-            <a:rect l="l" t="t" r="r" b="b"/>
-            <a:pathLst>
-              <a:path w="6261654" h="1348631">
-                <a:moveTo>
-                  <a:pt x="674315" y="0"/>
-                </a:moveTo>
-                <a:lnTo>
-                  <a:pt x="674325" y="1"/>
-                </a:lnTo>
-                <a:lnTo>
-                  <a:pt x="5558735" y="1"/>
-                </a:lnTo>
-                <a:lnTo>
-                  <a:pt x="5558735" y="2885"/>
-                </a:lnTo>
-                <a:lnTo>
-                  <a:pt x="5587339" y="1"/>
-                </a:lnTo>
-                <a:cubicBezTo>
-                  <a:pt x="5959753" y="1"/>
-                  <a:pt x="6261654" y="301902"/>
-                  <a:pt x="6261654" y="674316"/>
-                </a:cubicBezTo>
-                <a:cubicBezTo>
-                  <a:pt x="6261654" y="1046730"/>
-                  <a:pt x="5959753" y="1348631"/>
-                  <a:pt x="5587339" y="1348631"/>
-                </a:cubicBezTo>
-                <a:lnTo>
-                  <a:pt x="5558735" y="1345748"/>
-                </a:lnTo>
-                <a:lnTo>
-                  <a:pt x="5558735" y="1348630"/>
-                </a:lnTo>
-                <a:lnTo>
-                  <a:pt x="674315" y="1348630"/>
-                </a:lnTo>
-                <a:cubicBezTo>
-                  <a:pt x="301901" y="1348630"/>
-                  <a:pt x="0" y="1046729"/>
-                  <a:pt x="0" y="674315"/>
-                </a:cubicBezTo>
-                <a:cubicBezTo>
-                  <a:pt x="0" y="301901"/>
-                  <a:pt x="301901" y="0"/>
-                  <a:pt x="674315" y="0"/>
-                </a:cubicBezTo>
-                <a:close/>
-              </a:path>
-            </a:pathLst>
-          </a:custGeom>
-          <a:solidFill>
-            <a:srgbClr val="005A8A"/>
-          </a:solidFill>
-          <a:ln w="38100">
-            <a:solidFill>
-              <a:srgbClr val="005A8A"/>
-            </a:solidFill>
-          </a:ln>
-          <a:effectLst/>
-        </p:spPr>
-        <p:style>
-          <a:lnRef idx="2">
-            <a:schemeClr val="accent1">
-              <a:shade val="50000"/>
-            </a:schemeClr>
-          </a:lnRef>
-          <a:fillRef idx="1">
-            <a:schemeClr val="accent1"/>
-          </a:fillRef>
-          <a:effectRef idx="0">
-            <a:schemeClr val="accent1"/>
-          </a:effectRef>
-          <a:fontRef idx="minor">
-            <a:schemeClr val="lt1"/>
-          </a:fontRef>
-        </p:style>
-        <p:txBody>
-          <a:bodyPr rtlCol="0" anchor="ctr"/>
-          <a:lstStyle/>
-          <a:p>
-            <a:endParaRPr lang="zh-CN" altLang="en-US" sz="2000" b="1" dirty="0">
-              <a:latin typeface="字魂105号-简雅黑" panose="00000500000000000000" pitchFamily="2" charset="-122"/>
-              <a:ea typeface="字魂105号-简雅黑" panose="00000500000000000000" pitchFamily="2" charset="-122"/>
-              <a:sym typeface="字魂105号-简雅黑" panose="00000500000000000000" pitchFamily="2" charset="-122"/>
-            </a:endParaRPr>
-          </a:p>
-        </p:txBody>
-      </p:sp>
-      <p:pic>
-        <p:nvPicPr>
-          <p:cNvPr id="3" name="图片 2"/>
-          <p:cNvPicPr>
-            <a:picLocks noChangeAspect="1"/>
-          </p:cNvPicPr>
-          <p:nvPr/>
-        </p:nvPicPr>
-        <p:blipFill>
-          <a:blip r:embed="rId1" cstate="print">
-            <a:extLst>
-              <a:ext uri="{28A0092B-C50C-407E-A947-70E740481C1C}">
-                <a14:useLocalDpi xmlns:a14="http://schemas.microsoft.com/office/drawing/2010/main" val="0"/>
-              </a:ext>
-            </a:extLst>
-          </a:blip>
-          <a:stretch>
-            <a:fillRect/>
-          </a:stretch>
-        </p:blipFill>
-        <p:spPr>
-          <a:xfrm>
-            <a:off x="577941" y="569481"/>
-            <a:ext cx="618131" cy="618131"/>
-          </a:xfrm>
-          <a:prstGeom prst="rect">
-            <a:avLst/>
-          </a:prstGeom>
-        </p:spPr>
-      </p:pic>
-      <p:sp>
-        <p:nvSpPr>
-          <p:cNvPr id="4" name="矩形 3"/>
-          <p:cNvSpPr/>
-          <p:nvPr/>
-        </p:nvSpPr>
-        <p:spPr>
-          <a:xfrm>
-            <a:off x="1289785" y="647713"/>
-            <a:ext cx="3244850" cy="460375"/>
-          </a:xfrm>
-          <a:prstGeom prst="rect">
-            <a:avLst/>
-          </a:prstGeom>
-        </p:spPr>
-        <p:txBody>
-          <a:bodyPr wrap="none">
-            <a:spAutoFit/>
-          </a:bodyPr>
-          <a:lstStyle/>
-          <a:p>
-            <a:r>
-              <a:rPr lang="en-US" altLang="zh-CN" sz="2400" b="1" dirty="0">
-                <a:solidFill>
-                  <a:schemeClr val="bg1"/>
-                </a:solidFill>
-                <a:latin typeface="字魂105号-简雅黑" panose="00000500000000000000" pitchFamily="2" charset="-122"/>
-                <a:ea typeface="字魂105号-简雅黑" panose="00000500000000000000" pitchFamily="2" charset="-122"/>
-                <a:sym typeface="字魂105号-简雅黑" panose="00000500000000000000" pitchFamily="2" charset="-122"/>
-              </a:rPr>
-              <a:t> </a:t>
-            </a:r>
-            <a:r>
-              <a:rPr lang="zh-CN" altLang="en-US" sz="2400" b="1" dirty="0">
-                <a:solidFill>
-                  <a:schemeClr val="bg1"/>
-                </a:solidFill>
-                <a:latin typeface="字魂105号-简雅黑" panose="00000500000000000000" pitchFamily="2" charset="-122"/>
-                <a:ea typeface="字魂105号-简雅黑" panose="00000500000000000000" pitchFamily="2" charset="-122"/>
-                <a:sym typeface="字魂105号-简雅黑" panose="00000500000000000000" pitchFamily="2" charset="-122"/>
-              </a:rPr>
-              <a:t>错误处理器</a:t>
-            </a:r>
-            <a:r>
-              <a:rPr lang="en-US" altLang="zh-CN" sz="2400" b="1" dirty="0">
-                <a:solidFill>
-                  <a:schemeClr val="bg1"/>
-                </a:solidFill>
-                <a:latin typeface="字魂105号-简雅黑" panose="00000500000000000000" pitchFamily="2" charset="-122"/>
-                <a:ea typeface="字魂105号-简雅黑" panose="00000500000000000000" pitchFamily="2" charset="-122"/>
-                <a:sym typeface="字魂105号-简雅黑" panose="00000500000000000000" pitchFamily="2" charset="-122"/>
-              </a:rPr>
-              <a:t>-</a:t>
-            </a:r>
-            <a:r>
-              <a:rPr lang="zh-CN" altLang="en-US" sz="2400" b="1" dirty="0">
-                <a:solidFill>
-                  <a:schemeClr val="bg1"/>
-                </a:solidFill>
-                <a:latin typeface="字魂105号-简雅黑" panose="00000500000000000000" pitchFamily="2" charset="-122"/>
-                <a:ea typeface="字魂105号-简雅黑" panose="00000500000000000000" pitchFamily="2" charset="-122"/>
-                <a:sym typeface="字魂105号-简雅黑" panose="00000500000000000000" pitchFamily="2" charset="-122"/>
-              </a:rPr>
-              <a:t>语义分析</a:t>
-            </a:r>
-            <a:endParaRPr lang="zh-CN" altLang="en-US" sz="2400" b="1" dirty="0">
-              <a:solidFill>
-                <a:schemeClr val="bg1"/>
-              </a:solidFill>
-              <a:latin typeface="字魂105号-简雅黑" panose="00000500000000000000" pitchFamily="2" charset="-122"/>
-              <a:ea typeface="字魂105号-简雅黑" panose="00000500000000000000" pitchFamily="2" charset="-122"/>
-              <a:sym typeface="字魂105号-简雅黑" panose="00000500000000000000" pitchFamily="2" charset="-122"/>
-            </a:endParaRPr>
-          </a:p>
-        </p:txBody>
-      </p:sp>
-      <p:pic>
-        <p:nvPicPr>
-          <p:cNvPr id="46" name="图片 45"/>
-          <p:cNvPicPr>
-            <a:picLocks noChangeAspect="1"/>
-          </p:cNvPicPr>
-          <p:nvPr/>
-        </p:nvPicPr>
-        <p:blipFill>
-          <a:blip r:embed="rId2" cstate="print">
-            <a:extLst>
-              <a:ext uri="{28A0092B-C50C-407E-A947-70E740481C1C}">
-                <a14:useLocalDpi xmlns:a14="http://schemas.microsoft.com/office/drawing/2010/main" val="0"/>
-              </a:ext>
-            </a:extLst>
-          </a:blip>
-          <a:stretch>
-            <a:fillRect/>
-          </a:stretch>
-        </p:blipFill>
-        <p:spPr>
-          <a:xfrm>
-            <a:off x="10935249" y="6387542"/>
-            <a:ext cx="938700" cy="312900"/>
-          </a:xfrm>
-          <a:prstGeom prst="rect">
-            <a:avLst/>
-          </a:prstGeom>
-        </p:spPr>
-      </p:pic>
-      <p:sp>
-        <p:nvSpPr>
-          <p:cNvPr id="69" name="矩形 68"/>
-          <p:cNvSpPr/>
-          <p:nvPr>
-            <p:custDataLst>
-              <p:tags r:id="rId3"/>
-            </p:custDataLst>
-          </p:nvPr>
-        </p:nvSpPr>
-        <p:spPr>
-          <a:xfrm>
-            <a:off x="2222500" y="1424940"/>
-            <a:ext cx="6737350" cy="746125"/>
-          </a:xfrm>
-          <a:prstGeom prst="rect">
-            <a:avLst/>
-          </a:prstGeom>
-        </p:spPr>
-        <p:txBody>
-          <a:bodyPr wrap="square">
-            <a:noAutofit/>
-          </a:bodyPr>
-          <a:p>
-            <a:pPr indent="0">
-              <a:lnSpc>
-                <a:spcPct val="150000"/>
-              </a:lnSpc>
-              <a:spcAft>
-                <a:spcPts val="600"/>
-              </a:spcAft>
-              <a:buFont typeface="Wingdings" panose="05000000000000000000" pitchFamily="2" charset="2"/>
-              <a:buNone/>
-            </a:pPr>
-            <a:endParaRPr lang="zh-CN" altLang="en-US" sz="1600" dirty="0" smtClean="0">
-              <a:latin typeface="华文中宋" panose="02010600040101010101" charset="-122"/>
-              <a:ea typeface="华文中宋" panose="02010600040101010101" charset="-122"/>
-              <a:cs typeface="华文中宋" panose="02010600040101010101" charset="-122"/>
-              <a:sym typeface="字魂105号-简雅黑" panose="00000500000000000000" pitchFamily="2" charset="-122"/>
-            </a:endParaRPr>
-          </a:p>
-        </p:txBody>
-      </p:sp>
-      <p:sp>
-        <p:nvSpPr>
-          <p:cNvPr id="12" name="矩形 11"/>
-          <p:cNvSpPr/>
-          <p:nvPr>
-            <p:custDataLst>
-              <p:tags r:id="rId4"/>
-            </p:custDataLst>
-          </p:nvPr>
-        </p:nvSpPr>
-        <p:spPr>
-          <a:xfrm>
             <a:off x="6417945" y="118110"/>
             <a:ext cx="4895850" cy="1977390"/>
           </a:xfrm>
@@ -29300,23 +31802,23 @@
             </a:pPr>
             <a:r>
               <a:rPr sz="1600" dirty="0" smtClean="0">
-                <a:latin typeface="字魂105号-简雅黑" panose="00000500000000000000" pitchFamily="2" charset="-122"/>
-                <a:ea typeface="字魂105号-简雅黑" panose="00000500000000000000" pitchFamily="2" charset="-122"/>
+                <a:latin typeface="华文中宋" panose="02010600040101010101" charset="-122"/>
+                <a:ea typeface="华文中宋" panose="02010600040101010101" charset="-122"/>
                 <a:sym typeface="字魂105号-简雅黑" panose="00000500000000000000" pitchFamily="2" charset="-122"/>
               </a:rPr>
               <a:t>在实现上，会在分析完代码后，统一报告</a:t>
             </a:r>
             <a:r>
               <a:rPr lang="zh-CN" sz="1600" dirty="0" smtClean="0">
-                <a:latin typeface="字魂105号-简雅黑" panose="00000500000000000000" pitchFamily="2" charset="-122"/>
-                <a:ea typeface="字魂105号-简雅黑" panose="00000500000000000000" pitchFamily="2" charset="-122"/>
+                <a:latin typeface="华文中宋" panose="02010600040101010101" charset="-122"/>
+                <a:ea typeface="华文中宋" panose="02010600040101010101" charset="-122"/>
                 <a:sym typeface="字魂105号-简雅黑" panose="00000500000000000000" pitchFamily="2" charset="-122"/>
               </a:rPr>
               <a:t>所有的语义错误，这也是错误处理器精髓所在。效果如图：</a:t>
             </a:r>
             <a:endParaRPr lang="zh-CN" sz="1600" dirty="0" smtClean="0">
-              <a:latin typeface="字魂105号-简雅黑" panose="00000500000000000000" pitchFamily="2" charset="-122"/>
-              <a:ea typeface="字魂105号-简雅黑" panose="00000500000000000000" pitchFamily="2" charset="-122"/>
+              <a:latin typeface="华文中宋" panose="02010600040101010101" charset="-122"/>
+              <a:ea typeface="华文中宋" panose="02010600040101010101" charset="-122"/>
               <a:sym typeface="字魂105号-简雅黑" panose="00000500000000000000" pitchFamily="2" charset="-122"/>
             </a:endParaRPr>
           </a:p>
@@ -29334,8 +31836,8 @@
         </p:nvSpPr>
         <p:spPr>
           <a:xfrm>
-            <a:off x="768985" y="1403350"/>
-            <a:ext cx="4841240" cy="1926590"/>
+            <a:off x="626745" y="1403350"/>
+            <a:ext cx="4983480" cy="1926590"/>
           </a:xfrm>
           <a:prstGeom prst="rect">
             <a:avLst/>
@@ -29389,39 +31891,44 @@
             </a:pPr>
             <a:r>
               <a:rPr lang="zh-CN" sz="1600" dirty="0" smtClean="0">
-                <a:latin typeface="字魂105号-简雅黑" panose="00000500000000000000" pitchFamily="2" charset="-122"/>
-                <a:ea typeface="字魂105号-简雅黑" panose="00000500000000000000" pitchFamily="2" charset="-122"/>
+                <a:latin typeface="华文中宋" panose="02010600040101010101" charset="-122"/>
+                <a:ea typeface="华文中宋" panose="02010600040101010101" charset="-122"/>
+                <a:cs typeface="华文中宋" panose="02010600040101010101" charset="-122"/>
                 <a:sym typeface="字魂105号-简雅黑" panose="00000500000000000000" pitchFamily="2" charset="-122"/>
               </a:rPr>
               <a:t>语义</a:t>
             </a:r>
             <a:r>
               <a:rPr sz="1600" dirty="0" smtClean="0">
-                <a:latin typeface="字魂105号-简雅黑" panose="00000500000000000000" pitchFamily="2" charset="-122"/>
-                <a:ea typeface="字魂105号-简雅黑" panose="00000500000000000000" pitchFamily="2" charset="-122"/>
+                <a:latin typeface="华文中宋" panose="02010600040101010101" charset="-122"/>
+                <a:ea typeface="华文中宋" panose="02010600040101010101" charset="-122"/>
+                <a:cs typeface="华文中宋" panose="02010600040101010101" charset="-122"/>
                 <a:sym typeface="字魂105号-简雅黑" panose="00000500000000000000" pitchFamily="2" charset="-122"/>
               </a:rPr>
               <a:t>分析识别</a:t>
             </a:r>
             <a:r>
               <a:rPr lang="zh-CN" sz="1600" dirty="0" smtClean="0">
-                <a:latin typeface="字魂105号-简雅黑" panose="00000500000000000000" pitchFamily="2" charset="-122"/>
-                <a:ea typeface="字魂105号-简雅黑" panose="00000500000000000000" pitchFamily="2" charset="-122"/>
+                <a:latin typeface="华文中宋" panose="02010600040101010101" charset="-122"/>
+                <a:ea typeface="华文中宋" panose="02010600040101010101" charset="-122"/>
+                <a:cs typeface="华文中宋" panose="02010600040101010101" charset="-122"/>
                 <a:sym typeface="字魂105号-简雅黑" panose="00000500000000000000" pitchFamily="2" charset="-122"/>
               </a:rPr>
               <a:t>的错误较为复杂</a:t>
             </a:r>
             <a:r>
               <a:rPr sz="1600" dirty="0" smtClean="0">
-                <a:latin typeface="字魂105号-简雅黑" panose="00000500000000000000" pitchFamily="2" charset="-122"/>
-                <a:ea typeface="字魂105号-简雅黑" panose="00000500000000000000" pitchFamily="2" charset="-122"/>
+                <a:latin typeface="华文中宋" panose="02010600040101010101" charset="-122"/>
+                <a:ea typeface="华文中宋" panose="02010600040101010101" charset="-122"/>
+                <a:cs typeface="华文中宋" panose="02010600040101010101" charset="-122"/>
                 <a:sym typeface="字魂105号-简雅黑" panose="00000500000000000000" pitchFamily="2" charset="-122"/>
               </a:rPr>
               <a:t>。</a:t>
             </a:r>
             <a:endParaRPr sz="1600" dirty="0" smtClean="0">
-              <a:latin typeface="字魂105号-简雅黑" panose="00000500000000000000" pitchFamily="2" charset="-122"/>
-              <a:ea typeface="字魂105号-简雅黑" panose="00000500000000000000" pitchFamily="2" charset="-122"/>
+              <a:latin typeface="华文中宋" panose="02010600040101010101" charset="-122"/>
+              <a:ea typeface="华文中宋" panose="02010600040101010101" charset="-122"/>
+              <a:cs typeface="华文中宋" panose="02010600040101010101" charset="-122"/>
               <a:sym typeface="字魂105号-简雅黑" panose="00000500000000000000" pitchFamily="2" charset="-122"/>
             </a:endParaRPr>
           </a:p>
@@ -29433,87 +31940,98 @@
             </a:pPr>
             <a:r>
               <a:rPr lang="zh-CN" sz="1600" dirty="0" smtClean="0">
-                <a:latin typeface="字魂105号-简雅黑" panose="00000500000000000000" pitchFamily="2" charset="-122"/>
-                <a:ea typeface="字魂105号-简雅黑" panose="00000500000000000000" pitchFamily="2" charset="-122"/>
+                <a:latin typeface="华文中宋" panose="02010600040101010101" charset="-122"/>
+                <a:ea typeface="华文中宋" panose="02010600040101010101" charset="-122"/>
+                <a:cs typeface="华文中宋" panose="02010600040101010101" charset="-122"/>
                 <a:sym typeface="字魂105号-简雅黑" panose="00000500000000000000" pitchFamily="2" charset="-122"/>
               </a:rPr>
               <a:t>语义错误数据结构包括错误信息</a:t>
             </a:r>
             <a:r>
               <a:rPr lang="en-US" altLang="zh-CN" sz="1600" dirty="0" smtClean="0">
-                <a:latin typeface="字魂105号-简雅黑" panose="00000500000000000000" pitchFamily="2" charset="-122"/>
-                <a:ea typeface="字魂105号-简雅黑" panose="00000500000000000000" pitchFamily="2" charset="-122"/>
+                <a:latin typeface="华文中宋" panose="02010600040101010101" charset="-122"/>
+                <a:ea typeface="华文中宋" panose="02010600040101010101" charset="-122"/>
+                <a:cs typeface="华文中宋" panose="02010600040101010101" charset="-122"/>
                 <a:sym typeface="字魂105号-简雅黑" panose="00000500000000000000" pitchFamily="2" charset="-122"/>
               </a:rPr>
               <a:t>msg</a:t>
             </a:r>
             <a:r>
               <a:rPr lang="zh-CN" altLang="en-US" sz="1600" dirty="0" smtClean="0">
-                <a:latin typeface="字魂105号-简雅黑" panose="00000500000000000000" pitchFamily="2" charset="-122"/>
-                <a:ea typeface="字魂105号-简雅黑" panose="00000500000000000000" pitchFamily="2" charset="-122"/>
+                <a:latin typeface="华文中宋" panose="02010600040101010101" charset="-122"/>
+                <a:ea typeface="华文中宋" panose="02010600040101010101" charset="-122"/>
+                <a:cs typeface="华文中宋" panose="02010600040101010101" charset="-122"/>
                 <a:sym typeface="字魂105号-简雅黑" panose="00000500000000000000" pitchFamily="2" charset="-122"/>
               </a:rPr>
               <a:t>、</a:t>
             </a:r>
             <a:r>
               <a:rPr lang="zh-CN" sz="1600" dirty="0" smtClean="0">
-                <a:latin typeface="字魂105号-简雅黑" panose="00000500000000000000" pitchFamily="2" charset="-122"/>
-                <a:ea typeface="字魂105号-简雅黑" panose="00000500000000000000" pitchFamily="2" charset="-122"/>
+                <a:latin typeface="华文中宋" panose="02010600040101010101" charset="-122"/>
+                <a:ea typeface="华文中宋" panose="02010600040101010101" charset="-122"/>
+                <a:cs typeface="华文中宋" panose="02010600040101010101" charset="-122"/>
                 <a:sym typeface="字魂105号-简雅黑" panose="00000500000000000000" pitchFamily="2" charset="-122"/>
               </a:rPr>
               <a:t>错误类型</a:t>
             </a:r>
             <a:r>
               <a:rPr lang="en-US" altLang="zh-CN" sz="1600" dirty="0" smtClean="0">
-                <a:latin typeface="字魂105号-简雅黑" panose="00000500000000000000" pitchFamily="2" charset="-122"/>
-                <a:ea typeface="字魂105号-简雅黑" panose="00000500000000000000" pitchFamily="2" charset="-122"/>
+                <a:latin typeface="华文中宋" panose="02010600040101010101" charset="-122"/>
+                <a:ea typeface="华文中宋" panose="02010600040101010101" charset="-122"/>
+                <a:cs typeface="华文中宋" panose="02010600040101010101" charset="-122"/>
                 <a:sym typeface="字魂105号-简雅黑" panose="00000500000000000000" pitchFamily="2" charset="-122"/>
               </a:rPr>
               <a:t>type</a:t>
             </a:r>
             <a:r>
               <a:rPr lang="zh-CN" sz="1600" dirty="0" smtClean="0">
-                <a:latin typeface="字魂105号-简雅黑" panose="00000500000000000000" pitchFamily="2" charset="-122"/>
-                <a:ea typeface="字魂105号-简雅黑" panose="00000500000000000000" pitchFamily="2" charset="-122"/>
+                <a:latin typeface="华文中宋" panose="02010600040101010101" charset="-122"/>
+                <a:ea typeface="华文中宋" panose="02010600040101010101" charset="-122"/>
+                <a:cs typeface="华文中宋" panose="02010600040101010101" charset="-122"/>
                 <a:sym typeface="字魂105号-简雅黑" panose="00000500000000000000" pitchFamily="2" charset="-122"/>
               </a:rPr>
               <a:t>、位置信息</a:t>
             </a:r>
             <a:r>
               <a:rPr lang="en-US" altLang="zh-CN" sz="1600" dirty="0" smtClean="0">
-                <a:latin typeface="字魂105号-简雅黑" panose="00000500000000000000" pitchFamily="2" charset="-122"/>
-                <a:ea typeface="字魂105号-简雅黑" panose="00000500000000000000" pitchFamily="2" charset="-122"/>
+                <a:latin typeface="华文中宋" panose="02010600040101010101" charset="-122"/>
+                <a:ea typeface="华文中宋" panose="02010600040101010101" charset="-122"/>
+                <a:cs typeface="华文中宋" panose="02010600040101010101" charset="-122"/>
                 <a:sym typeface="字魂105号-简雅黑" panose="00000500000000000000" pitchFamily="2" charset="-122"/>
               </a:rPr>
               <a:t>row&amp;col</a:t>
             </a:r>
             <a:r>
               <a:rPr lang="zh-CN" sz="1600" dirty="0" smtClean="0">
-                <a:latin typeface="字魂105号-简雅黑" panose="00000500000000000000" pitchFamily="2" charset="-122"/>
-                <a:ea typeface="字魂105号-简雅黑" panose="00000500000000000000" pitchFamily="2" charset="-122"/>
+                <a:latin typeface="华文中宋" panose="02010600040101010101" charset="-122"/>
+                <a:ea typeface="华文中宋" panose="02010600040101010101" charset="-122"/>
+                <a:cs typeface="华文中宋" panose="02010600040101010101" charset="-122"/>
                 <a:sym typeface="字魂105号-简雅黑" panose="00000500000000000000" pitchFamily="2" charset="-122"/>
               </a:rPr>
               <a:t>和所在作用域</a:t>
             </a:r>
             <a:r>
               <a:rPr lang="en-US" altLang="zh-CN" sz="1600" dirty="0" smtClean="0">
-                <a:latin typeface="字魂105号-简雅黑" panose="00000500000000000000" pitchFamily="2" charset="-122"/>
-                <a:ea typeface="字魂105号-简雅黑" panose="00000500000000000000" pitchFamily="2" charset="-122"/>
+                <a:latin typeface="华文中宋" panose="02010600040101010101" charset="-122"/>
+                <a:ea typeface="华文中宋" panose="02010600040101010101" charset="-122"/>
+                <a:cs typeface="华文中宋" panose="02010600040101010101" charset="-122"/>
                 <a:sym typeface="字魂105号-简雅黑" panose="00000500000000000000" pitchFamily="2" charset="-122"/>
               </a:rPr>
               <a:t>scope_name</a:t>
             </a:r>
             <a:r>
               <a:rPr lang="zh-CN" sz="1600" dirty="0" smtClean="0">
-                <a:latin typeface="字魂105号-简雅黑" panose="00000500000000000000" pitchFamily="2" charset="-122"/>
-                <a:ea typeface="字魂105号-简雅黑" panose="00000500000000000000" pitchFamily="2" charset="-122"/>
+                <a:latin typeface="华文中宋" panose="02010600040101010101" charset="-122"/>
+                <a:ea typeface="华文中宋" panose="02010600040101010101" charset="-122"/>
+                <a:cs typeface="华文中宋" panose="02010600040101010101" charset="-122"/>
                 <a:sym typeface="字魂105号-简雅黑" panose="00000500000000000000" pitchFamily="2" charset="-122"/>
               </a:rPr>
               <a:t>。</a:t>
             </a:r>
             <a:endParaRPr sz="1600" dirty="0" smtClean="0">
-              <a:latin typeface="字魂105号-简雅黑" panose="00000500000000000000" pitchFamily="2" charset="-122"/>
-              <a:ea typeface="字魂105号-简雅黑" panose="00000500000000000000" pitchFamily="2" charset="-122"/>
+              <a:latin typeface="华文中宋" panose="02010600040101010101" charset="-122"/>
+              <a:ea typeface="华文中宋" panose="02010600040101010101" charset="-122"/>
+              <a:cs typeface="华文中宋" panose="02010600040101010101" charset="-122"/>
               <a:sym typeface="字魂105号-简雅黑" panose="00000500000000000000" pitchFamily="2" charset="-122"/>
             </a:endParaRPr>
           </a:p>
@@ -29524,8 +32042,9 @@
               </a:lnSpc>
             </a:pPr>
             <a:endParaRPr lang="zh-CN" sz="1600" dirty="0" smtClean="0">
-              <a:latin typeface="字魂105号-简雅黑" panose="00000500000000000000" pitchFamily="2" charset="-122"/>
-              <a:ea typeface="字魂105号-简雅黑" panose="00000500000000000000" pitchFamily="2" charset="-122"/>
+              <a:latin typeface="华文中宋" panose="02010600040101010101" charset="-122"/>
+              <a:ea typeface="华文中宋" panose="02010600040101010101" charset="-122"/>
+              <a:cs typeface="华文中宋" panose="02010600040101010101" charset="-122"/>
               <a:sym typeface="字魂105号-简雅黑" panose="00000500000000000000" pitchFamily="2" charset="-122"/>
             </a:endParaRPr>
           </a:p>
@@ -29647,7 +32166,7 @@
 </p:sld>
 </file>
 
-<file path=ppt/slides/slide35.xml><?xml version="1.0" encoding="utf-8"?>
+<file path=ppt/slides/slide36.xml><?xml version="1.0" encoding="utf-8"?>
 <p:sld xmlns:a="http://schemas.openxmlformats.org/drawingml/2006/main" xmlns:r="http://schemas.openxmlformats.org/officeDocument/2006/relationships" xmlns:p="http://schemas.openxmlformats.org/presentationml/2006/main">
   <p:cSld>
     <p:spTree>
@@ -30053,7 +32572,7 @@
 </p:sld>
 </file>
 
-<file path=ppt/slides/slide36.xml><?xml version="1.0" encoding="utf-8"?>
+<file path=ppt/slides/slide37.xml><?xml version="1.0" encoding="utf-8"?>
 <p:sld xmlns:a="http://schemas.openxmlformats.org/drawingml/2006/main" xmlns:r="http://schemas.openxmlformats.org/officeDocument/2006/relationships" xmlns:p="http://schemas.openxmlformats.org/presentationml/2006/main">
   <p:cSld>
     <p:spTree>
@@ -31310,7 +33829,7 @@
 </p:sld>
 </file>
 
-<file path=ppt/slides/slide37.xml><?xml version="1.0" encoding="utf-8"?>
+<file path=ppt/slides/slide38.xml><?xml version="1.0" encoding="utf-8"?>
 <p:sld xmlns:a="http://schemas.openxmlformats.org/drawingml/2006/main" xmlns:r="http://schemas.openxmlformats.org/officeDocument/2006/relationships" xmlns:p="http://schemas.openxmlformats.org/presentationml/2006/main">
   <p:cSld>
     <p:spTree>
@@ -32567,7 +35086,7 @@
 </p:sld>
 </file>
 
-<file path=ppt/slides/slide38.xml><?xml version="1.0" encoding="utf-8"?>
+<file path=ppt/slides/slide39.xml><?xml version="1.0" encoding="utf-8"?>
 <p:sld xmlns:a="http://schemas.openxmlformats.org/drawingml/2006/main" xmlns:r="http://schemas.openxmlformats.org/officeDocument/2006/relationships" xmlns:p="http://schemas.openxmlformats.org/presentationml/2006/main">
   <p:cSld>
     <p:spTree>
@@ -32945,593 +35464,6 @@
           <a:xfrm>
             <a:off x="5677420" y="968390"/>
             <a:ext cx="2434110" cy="840090"/>
-          </a:xfrm>
-          <a:prstGeom prst="rect">
-            <a:avLst/>
-          </a:prstGeom>
-        </p:spPr>
-      </p:pic>
-    </p:spTree>
-  </p:cSld>
-  <p:clrMapOvr>
-    <a:masterClrMapping/>
-  </p:clrMapOvr>
-  <mc:AlternateContent xmlns:mc="http://schemas.openxmlformats.org/markup-compatibility/2006">
-    <mc:Choice xmlns:p15="http://schemas.microsoft.com/office/powerpoint/2012/main" Requires="p15">
-      <p:transition xmlns:p14="http://schemas.microsoft.com/office/powerpoint/2010/main" spd="slow" Requires="p14" p14:dur="1250" advTm="3000">
-        <p15:prstTrans prst="pageCurlDouble"/>
-      </p:transition>
-    </mc:Choice>
-    <mc:Fallback>
-      <p:transition spd="slow" advTm="3000">
-        <p:fade/>
-      </p:transition>
-    </mc:Fallback>
-  </mc:AlternateContent>
-  <p:timing>
-    <p:tnLst>
-      <p:par>
-        <p:cTn id="1" dur="indefinite" restart="never" nodeType="tmRoot"/>
-      </p:par>
-    </p:tnLst>
-  </p:timing>
-</p:sld>
-</file>
-
-<file path=ppt/slides/slide39.xml><?xml version="1.0" encoding="utf-8"?>
-<p:sld xmlns:a="http://schemas.openxmlformats.org/drawingml/2006/main" xmlns:r="http://schemas.openxmlformats.org/officeDocument/2006/relationships" xmlns:p="http://schemas.openxmlformats.org/presentationml/2006/main">
-  <p:cSld>
-    <p:spTree>
-      <p:nvGrpSpPr>
-        <p:cNvPr id="1" name=""/>
-        <p:cNvGrpSpPr/>
-        <p:nvPr/>
-      </p:nvGrpSpPr>
-      <p:grpSpPr>
-        <a:xfrm>
-          <a:off x="0" y="0"/>
-          <a:ext cx="0" cy="0"/>
-          <a:chOff x="0" y="0"/>
-          <a:chExt cx="0" cy="0"/>
-        </a:xfrm>
-      </p:grpSpPr>
-      <p:sp>
-        <p:nvSpPr>
-          <p:cNvPr id="2" name="任意多边形: 形状 1"/>
-          <p:cNvSpPr/>
-          <p:nvPr/>
-        </p:nvSpPr>
-        <p:spPr>
-          <a:xfrm>
-            <a:off x="415290" y="503555"/>
-            <a:ext cx="4218940" cy="749935"/>
-          </a:xfrm>
-          <a:custGeom>
-            <a:avLst/>
-            <a:gdLst>
-              <a:gd name="connsiteX0" fmla="*/ 674315 w 6261654"/>
-              <a:gd name="connsiteY0" fmla="*/ 0 h 1348631"/>
-              <a:gd name="connsiteX1" fmla="*/ 674325 w 6261654"/>
-              <a:gd name="connsiteY1" fmla="*/ 1 h 1348631"/>
-              <a:gd name="connsiteX2" fmla="*/ 5558735 w 6261654"/>
-              <a:gd name="connsiteY2" fmla="*/ 1 h 1348631"/>
-              <a:gd name="connsiteX3" fmla="*/ 5558735 w 6261654"/>
-              <a:gd name="connsiteY3" fmla="*/ 2885 h 1348631"/>
-              <a:gd name="connsiteX4" fmla="*/ 5587339 w 6261654"/>
-              <a:gd name="connsiteY4" fmla="*/ 1 h 1348631"/>
-              <a:gd name="connsiteX5" fmla="*/ 6261654 w 6261654"/>
-              <a:gd name="connsiteY5" fmla="*/ 674316 h 1348631"/>
-              <a:gd name="connsiteX6" fmla="*/ 5587339 w 6261654"/>
-              <a:gd name="connsiteY6" fmla="*/ 1348631 h 1348631"/>
-              <a:gd name="connsiteX7" fmla="*/ 5558735 w 6261654"/>
-              <a:gd name="connsiteY7" fmla="*/ 1345748 h 1348631"/>
-              <a:gd name="connsiteX8" fmla="*/ 5558735 w 6261654"/>
-              <a:gd name="connsiteY8" fmla="*/ 1348630 h 1348631"/>
-              <a:gd name="connsiteX9" fmla="*/ 674315 w 6261654"/>
-              <a:gd name="connsiteY9" fmla="*/ 1348630 h 1348631"/>
-              <a:gd name="connsiteX10" fmla="*/ 0 w 6261654"/>
-              <a:gd name="connsiteY10" fmla="*/ 674315 h 1348631"/>
-              <a:gd name="connsiteX11" fmla="*/ 674315 w 6261654"/>
-              <a:gd name="connsiteY11" fmla="*/ 0 h 1348631"/>
-            </a:gdLst>
-            <a:ahLst/>
-            <a:cxnLst>
-              <a:cxn ang="0">
-                <a:pos x="connsiteX0" y="connsiteY0"/>
-              </a:cxn>
-              <a:cxn ang="0">
-                <a:pos x="connsiteX1" y="connsiteY1"/>
-              </a:cxn>
-              <a:cxn ang="0">
-                <a:pos x="connsiteX2" y="connsiteY2"/>
-              </a:cxn>
-              <a:cxn ang="0">
-                <a:pos x="connsiteX3" y="connsiteY3"/>
-              </a:cxn>
-              <a:cxn ang="0">
-                <a:pos x="connsiteX4" y="connsiteY4"/>
-              </a:cxn>
-              <a:cxn ang="0">
-                <a:pos x="connsiteX5" y="connsiteY5"/>
-              </a:cxn>
-              <a:cxn ang="0">
-                <a:pos x="connsiteX6" y="connsiteY6"/>
-              </a:cxn>
-              <a:cxn ang="0">
-                <a:pos x="connsiteX7" y="connsiteY7"/>
-              </a:cxn>
-              <a:cxn ang="0">
-                <a:pos x="connsiteX8" y="connsiteY8"/>
-              </a:cxn>
-              <a:cxn ang="0">
-                <a:pos x="connsiteX9" y="connsiteY9"/>
-              </a:cxn>
-              <a:cxn ang="0">
-                <a:pos x="connsiteX10" y="connsiteY10"/>
-              </a:cxn>
-              <a:cxn ang="0">
-                <a:pos x="connsiteX11" y="connsiteY11"/>
-              </a:cxn>
-            </a:cxnLst>
-            <a:rect l="l" t="t" r="r" b="b"/>
-            <a:pathLst>
-              <a:path w="6261654" h="1348631">
-                <a:moveTo>
-                  <a:pt x="674315" y="0"/>
-                </a:moveTo>
-                <a:lnTo>
-                  <a:pt x="674325" y="1"/>
-                </a:lnTo>
-                <a:lnTo>
-                  <a:pt x="5558735" y="1"/>
-                </a:lnTo>
-                <a:lnTo>
-                  <a:pt x="5558735" y="2885"/>
-                </a:lnTo>
-                <a:lnTo>
-                  <a:pt x="5587339" y="1"/>
-                </a:lnTo>
-                <a:cubicBezTo>
-                  <a:pt x="5959753" y="1"/>
-                  <a:pt x="6261654" y="301902"/>
-                  <a:pt x="6261654" y="674316"/>
-                </a:cubicBezTo>
-                <a:cubicBezTo>
-                  <a:pt x="6261654" y="1046730"/>
-                  <a:pt x="5959753" y="1348631"/>
-                  <a:pt x="5587339" y="1348631"/>
-                </a:cubicBezTo>
-                <a:lnTo>
-                  <a:pt x="5558735" y="1345748"/>
-                </a:lnTo>
-                <a:lnTo>
-                  <a:pt x="5558735" y="1348630"/>
-                </a:lnTo>
-                <a:lnTo>
-                  <a:pt x="674315" y="1348630"/>
-                </a:lnTo>
-                <a:cubicBezTo>
-                  <a:pt x="301901" y="1348630"/>
-                  <a:pt x="0" y="1046729"/>
-                  <a:pt x="0" y="674315"/>
-                </a:cubicBezTo>
-                <a:cubicBezTo>
-                  <a:pt x="0" y="301901"/>
-                  <a:pt x="301901" y="0"/>
-                  <a:pt x="674315" y="0"/>
-                </a:cubicBezTo>
-                <a:close/>
-              </a:path>
-            </a:pathLst>
-          </a:custGeom>
-          <a:solidFill>
-            <a:srgbClr val="005A8A"/>
-          </a:solidFill>
-          <a:ln w="38100">
-            <a:solidFill>
-              <a:srgbClr val="005A8A"/>
-            </a:solidFill>
-          </a:ln>
-          <a:effectLst/>
-        </p:spPr>
-        <p:style>
-          <a:lnRef idx="2">
-            <a:schemeClr val="accent1">
-              <a:shade val="50000"/>
-            </a:schemeClr>
-          </a:lnRef>
-          <a:fillRef idx="1">
-            <a:schemeClr val="accent1"/>
-          </a:fillRef>
-          <a:effectRef idx="0">
-            <a:schemeClr val="accent1"/>
-          </a:effectRef>
-          <a:fontRef idx="minor">
-            <a:schemeClr val="lt1"/>
-          </a:fontRef>
-        </p:style>
-        <p:txBody>
-          <a:bodyPr rtlCol="0" anchor="ctr"/>
-          <a:lstStyle/>
-          <a:p>
-            <a:endParaRPr lang="zh-CN" altLang="en-US" sz="2000" b="1" dirty="0">
-              <a:latin typeface="字魂105号-简雅黑" panose="00000500000000000000" pitchFamily="2" charset="-122"/>
-              <a:ea typeface="字魂105号-简雅黑" panose="00000500000000000000" pitchFamily="2" charset="-122"/>
-              <a:sym typeface="字魂105号-简雅黑" panose="00000500000000000000" pitchFamily="2" charset="-122"/>
-            </a:endParaRPr>
-          </a:p>
-        </p:txBody>
-      </p:sp>
-      <p:pic>
-        <p:nvPicPr>
-          <p:cNvPr id="3" name="图片 2"/>
-          <p:cNvPicPr>
-            <a:picLocks noChangeAspect="1"/>
-          </p:cNvPicPr>
-          <p:nvPr/>
-        </p:nvPicPr>
-        <p:blipFill>
-          <a:blip r:embed="rId1" cstate="print">
-            <a:extLst>
-              <a:ext uri="{28A0092B-C50C-407E-A947-70E740481C1C}">
-                <a14:useLocalDpi xmlns:a14="http://schemas.microsoft.com/office/drawing/2010/main" val="0"/>
-              </a:ext>
-            </a:extLst>
-          </a:blip>
-          <a:stretch>
-            <a:fillRect/>
-          </a:stretch>
-        </p:blipFill>
-        <p:spPr>
-          <a:xfrm>
-            <a:off x="577941" y="569481"/>
-            <a:ext cx="618131" cy="618131"/>
-          </a:xfrm>
-          <a:prstGeom prst="rect">
-            <a:avLst/>
-          </a:prstGeom>
-        </p:spPr>
-      </p:pic>
-      <p:sp>
-        <p:nvSpPr>
-          <p:cNvPr id="4" name="矩形 3"/>
-          <p:cNvSpPr/>
-          <p:nvPr/>
-        </p:nvSpPr>
-        <p:spPr>
-          <a:xfrm>
-            <a:off x="1289785" y="647713"/>
-            <a:ext cx="2479040" cy="460375"/>
-          </a:xfrm>
-          <a:prstGeom prst="rect">
-            <a:avLst/>
-          </a:prstGeom>
-        </p:spPr>
-        <p:txBody>
-          <a:bodyPr wrap="none">
-            <a:spAutoFit/>
-          </a:bodyPr>
-          <a:lstStyle/>
-          <a:p>
-            <a:r>
-              <a:rPr lang="en-US" altLang="zh-CN" sz="2400" b="1" dirty="0">
-                <a:solidFill>
-                  <a:schemeClr val="bg1"/>
-                </a:solidFill>
-                <a:latin typeface="字魂105号-简雅黑" panose="00000500000000000000" pitchFamily="2" charset="-122"/>
-                <a:ea typeface="字魂105号-简雅黑" panose="00000500000000000000" pitchFamily="2" charset="-122"/>
-                <a:sym typeface="字魂105号-简雅黑" panose="00000500000000000000" pitchFamily="2" charset="-122"/>
-              </a:rPr>
-              <a:t> </a:t>
-            </a:r>
-            <a:r>
-              <a:rPr lang="zh-CN" altLang="en-US" sz="2400" b="1" dirty="0">
-                <a:solidFill>
-                  <a:schemeClr val="bg1"/>
-                </a:solidFill>
-                <a:latin typeface="字魂105号-简雅黑" panose="00000500000000000000" pitchFamily="2" charset="-122"/>
-                <a:ea typeface="字魂105号-简雅黑" panose="00000500000000000000" pitchFamily="2" charset="-122"/>
-                <a:sym typeface="字魂105号-简雅黑" panose="00000500000000000000" pitchFamily="2" charset="-122"/>
-              </a:rPr>
-              <a:t>参考文献与</a:t>
-            </a:r>
-            <a:r>
-              <a:rPr lang="zh-CN" altLang="en-US" sz="2400" b="1" dirty="0">
-                <a:solidFill>
-                  <a:schemeClr val="bg1"/>
-                </a:solidFill>
-                <a:latin typeface="字魂105号-简雅黑" panose="00000500000000000000" pitchFamily="2" charset="-122"/>
-                <a:ea typeface="字魂105号-简雅黑" panose="00000500000000000000" pitchFamily="2" charset="-122"/>
-                <a:sym typeface="字魂105号-简雅黑" panose="00000500000000000000" pitchFamily="2" charset="-122"/>
-              </a:rPr>
-              <a:t>资料</a:t>
-            </a:r>
-            <a:endParaRPr lang="zh-CN" altLang="en-US" sz="2400" b="1" dirty="0">
-              <a:solidFill>
-                <a:schemeClr val="bg1"/>
-              </a:solidFill>
-              <a:latin typeface="字魂105号-简雅黑" panose="00000500000000000000" pitchFamily="2" charset="-122"/>
-              <a:ea typeface="字魂105号-简雅黑" panose="00000500000000000000" pitchFamily="2" charset="-122"/>
-              <a:sym typeface="字魂105号-简雅黑" panose="00000500000000000000" pitchFamily="2" charset="-122"/>
-            </a:endParaRPr>
-          </a:p>
-        </p:txBody>
-      </p:sp>
-      <p:pic>
-        <p:nvPicPr>
-          <p:cNvPr id="46" name="图片 45"/>
-          <p:cNvPicPr>
-            <a:picLocks noChangeAspect="1"/>
-          </p:cNvPicPr>
-          <p:nvPr/>
-        </p:nvPicPr>
-        <p:blipFill>
-          <a:blip r:embed="rId2" cstate="print">
-            <a:extLst>
-              <a:ext uri="{28A0092B-C50C-407E-A947-70E740481C1C}">
-                <a14:useLocalDpi xmlns:a14="http://schemas.microsoft.com/office/drawing/2010/main" val="0"/>
-              </a:ext>
-            </a:extLst>
-          </a:blip>
-          <a:stretch>
-            <a:fillRect/>
-          </a:stretch>
-        </p:blipFill>
-        <p:spPr>
-          <a:xfrm>
-            <a:off x="10935249" y="6387542"/>
-            <a:ext cx="938700" cy="312900"/>
-          </a:xfrm>
-          <a:prstGeom prst="rect">
-            <a:avLst/>
-          </a:prstGeom>
-        </p:spPr>
-      </p:pic>
-      <p:sp>
-        <p:nvSpPr>
-          <p:cNvPr id="69" name="矩形 68"/>
-          <p:cNvSpPr/>
-          <p:nvPr>
-            <p:custDataLst>
-              <p:tags r:id="rId3"/>
-            </p:custDataLst>
-          </p:nvPr>
-        </p:nvSpPr>
-        <p:spPr>
-          <a:xfrm>
-            <a:off x="2222500" y="1424940"/>
-            <a:ext cx="6737350" cy="746125"/>
-          </a:xfrm>
-          <a:prstGeom prst="rect">
-            <a:avLst/>
-          </a:prstGeom>
-        </p:spPr>
-        <p:txBody>
-          <a:bodyPr wrap="square">
-            <a:noAutofit/>
-          </a:bodyPr>
-          <a:p>
-            <a:pPr indent="0">
-              <a:lnSpc>
-                <a:spcPct val="150000"/>
-              </a:lnSpc>
-              <a:spcAft>
-                <a:spcPts val="600"/>
-              </a:spcAft>
-              <a:buFont typeface="Wingdings" panose="05000000000000000000" pitchFamily="2" charset="2"/>
-              <a:buNone/>
-            </a:pPr>
-            <a:endParaRPr lang="zh-CN" altLang="en-US" sz="1600" dirty="0" smtClean="0">
-              <a:latin typeface="华文中宋" panose="02010600040101010101" charset="-122"/>
-              <a:ea typeface="华文中宋" panose="02010600040101010101" charset="-122"/>
-              <a:cs typeface="华文中宋" panose="02010600040101010101" charset="-122"/>
-              <a:sym typeface="字魂105号-简雅黑" panose="00000500000000000000" pitchFamily="2" charset="-122"/>
-            </a:endParaRPr>
-          </a:p>
-        </p:txBody>
-      </p:sp>
-      <p:sp>
-        <p:nvSpPr>
-          <p:cNvPr id="7" name="矩形 6"/>
-          <p:cNvSpPr/>
-          <p:nvPr>
-            <p:custDataLst>
-              <p:tags r:id="rId4"/>
-            </p:custDataLst>
-          </p:nvPr>
-        </p:nvSpPr>
-        <p:spPr>
-          <a:xfrm>
-            <a:off x="1196340" y="1470660"/>
-            <a:ext cx="4318000" cy="2042160"/>
-          </a:xfrm>
-          <a:prstGeom prst="rect">
-            <a:avLst/>
-          </a:prstGeom>
-        </p:spPr>
-        <p:txBody>
-          <a:bodyPr wrap="square">
-            <a:noAutofit/>
-          </a:bodyPr>
-          <a:p>
-            <a:pPr marL="285750" indent="-285750">
-              <a:lnSpc>
-                <a:spcPct val="150000"/>
-              </a:lnSpc>
-              <a:spcAft>
-                <a:spcPts val="600"/>
-              </a:spcAft>
-              <a:buFont typeface="Wingdings" panose="05000000000000000000" pitchFamily="2" charset="2"/>
-              <a:buChar char="l"/>
-            </a:pPr>
-            <a:r>
-              <a:rPr lang="zh-CN" altLang="en-US" sz="2000" b="1" dirty="0">
-                <a:solidFill>
-                  <a:srgbClr val="005A8A"/>
-                </a:solidFill>
-                <a:latin typeface="字魂105号-简雅黑" panose="00000500000000000000" pitchFamily="2" charset="-122"/>
-                <a:ea typeface="字魂105号-简雅黑" panose="00000500000000000000" pitchFamily="2" charset="-122"/>
-                <a:sym typeface="字魂105号-简雅黑" panose="00000500000000000000" pitchFamily="2" charset="-122"/>
-              </a:rPr>
-              <a:t>网站类资料</a:t>
-            </a:r>
-            <a:endParaRPr lang="en-US" altLang="zh-CN" sz="2000" b="1" dirty="0">
-              <a:solidFill>
-                <a:srgbClr val="005A8A"/>
-              </a:solidFill>
-              <a:latin typeface="字魂105号-简雅黑" panose="00000500000000000000" pitchFamily="2" charset="-122"/>
-              <a:ea typeface="字魂105号-简雅黑" panose="00000500000000000000" pitchFamily="2" charset="-122"/>
-              <a:sym typeface="字魂105号-简雅黑" panose="00000500000000000000" pitchFamily="2" charset="-122"/>
-            </a:endParaRPr>
-          </a:p>
-          <a:p>
-            <a:pPr>
-              <a:lnSpc>
-                <a:spcPct val="150000"/>
-              </a:lnSpc>
-            </a:pPr>
-            <a:endParaRPr lang="zh-CN" sz="1600" dirty="0" smtClean="0">
-              <a:latin typeface="字魂105号-简雅黑" panose="00000500000000000000" pitchFamily="2" charset="-122"/>
-              <a:ea typeface="字魂105号-简雅黑" panose="00000500000000000000" pitchFamily="2" charset="-122"/>
-              <a:sym typeface="字魂105号-简雅黑" panose="00000500000000000000" pitchFamily="2" charset="-122"/>
-            </a:endParaRPr>
-          </a:p>
-        </p:txBody>
-      </p:sp>
-      <p:sp>
-        <p:nvSpPr>
-          <p:cNvPr id="9" name="矩形 8"/>
-          <p:cNvSpPr/>
-          <p:nvPr>
-            <p:custDataLst>
-              <p:tags r:id="rId5"/>
-            </p:custDataLst>
-          </p:nvPr>
-        </p:nvSpPr>
-        <p:spPr>
-          <a:xfrm>
-            <a:off x="6841490" y="1470660"/>
-            <a:ext cx="4572000" cy="2042160"/>
-          </a:xfrm>
-          <a:prstGeom prst="rect">
-            <a:avLst/>
-          </a:prstGeom>
-        </p:spPr>
-        <p:txBody>
-          <a:bodyPr wrap="square">
-            <a:noAutofit/>
-          </a:bodyPr>
-          <a:p>
-            <a:pPr marL="285750" indent="-285750">
-              <a:lnSpc>
-                <a:spcPct val="150000"/>
-              </a:lnSpc>
-              <a:spcAft>
-                <a:spcPts val="600"/>
-              </a:spcAft>
-              <a:buFont typeface="Wingdings" panose="05000000000000000000" pitchFamily="2" charset="2"/>
-              <a:buChar char="l"/>
-            </a:pPr>
-            <a:r>
-              <a:rPr lang="zh-CN" altLang="en-US" sz="2000" b="1" dirty="0">
-                <a:solidFill>
-                  <a:srgbClr val="005A8A"/>
-                </a:solidFill>
-                <a:latin typeface="字魂105号-简雅黑" panose="00000500000000000000" pitchFamily="2" charset="-122"/>
-                <a:ea typeface="字魂105号-简雅黑" panose="00000500000000000000" pitchFamily="2" charset="-122"/>
-                <a:sym typeface="字魂105号-简雅黑" panose="00000500000000000000" pitchFamily="2" charset="-122"/>
-              </a:rPr>
-              <a:t>书籍类资料</a:t>
-            </a:r>
-            <a:endParaRPr lang="en-US" altLang="zh-CN" sz="2000" b="1" dirty="0">
-              <a:solidFill>
-                <a:srgbClr val="005A8A"/>
-              </a:solidFill>
-              <a:latin typeface="字魂105号-简雅黑" panose="00000500000000000000" pitchFamily="2" charset="-122"/>
-              <a:ea typeface="字魂105号-简雅黑" panose="00000500000000000000" pitchFamily="2" charset="-122"/>
-              <a:sym typeface="字魂105号-简雅黑" panose="00000500000000000000" pitchFamily="2" charset="-122"/>
-            </a:endParaRPr>
-          </a:p>
-          <a:p>
-            <a:pPr>
-              <a:lnSpc>
-                <a:spcPct val="150000"/>
-              </a:lnSpc>
-            </a:pPr>
-            <a:endParaRPr lang="zh-CN" sz="1600" dirty="0" smtClean="0">
-              <a:latin typeface="字魂105号-简雅黑" panose="00000500000000000000" pitchFamily="2" charset="-122"/>
-              <a:ea typeface="字魂105号-简雅黑" panose="00000500000000000000" pitchFamily="2" charset="-122"/>
-              <a:sym typeface="字魂105号-简雅黑" panose="00000500000000000000" pitchFamily="2" charset="-122"/>
-            </a:endParaRPr>
-          </a:p>
-        </p:txBody>
-      </p:sp>
-      <p:pic>
-        <p:nvPicPr>
-          <p:cNvPr id="5" name="图片 4"/>
-          <p:cNvPicPr>
-            <a:picLocks noChangeAspect="1"/>
-          </p:cNvPicPr>
-          <p:nvPr/>
-        </p:nvPicPr>
-        <p:blipFill>
-          <a:blip r:embed="rId6"/>
-          <a:stretch>
-            <a:fillRect/>
-          </a:stretch>
-        </p:blipFill>
-        <p:spPr>
-          <a:xfrm>
-            <a:off x="880745" y="2255520"/>
-            <a:ext cx="4698365" cy="1120140"/>
-          </a:xfrm>
-          <a:prstGeom prst="rect">
-            <a:avLst/>
-          </a:prstGeom>
-        </p:spPr>
-      </p:pic>
-      <p:pic>
-        <p:nvPicPr>
-          <p:cNvPr id="6" name="图片 5"/>
-          <p:cNvPicPr>
-            <a:picLocks noChangeAspect="1"/>
-          </p:cNvPicPr>
-          <p:nvPr/>
-        </p:nvPicPr>
-        <p:blipFill>
-          <a:blip r:embed="rId7"/>
-          <a:stretch>
-            <a:fillRect/>
-          </a:stretch>
-        </p:blipFill>
-        <p:spPr>
-          <a:xfrm>
-            <a:off x="881380" y="3375660"/>
-            <a:ext cx="4632960" cy="1610995"/>
-          </a:xfrm>
-          <a:prstGeom prst="rect">
-            <a:avLst/>
-          </a:prstGeom>
-        </p:spPr>
-      </p:pic>
-      <p:pic>
-        <p:nvPicPr>
-          <p:cNvPr id="11" name="图片 10"/>
-          <p:cNvPicPr>
-            <a:picLocks noChangeAspect="1"/>
-          </p:cNvPicPr>
-          <p:nvPr/>
-        </p:nvPicPr>
-        <p:blipFill>
-          <a:blip r:embed="rId8"/>
-          <a:stretch>
-            <a:fillRect/>
-          </a:stretch>
-        </p:blipFill>
-        <p:spPr>
-          <a:xfrm>
-            <a:off x="5960745" y="2568575"/>
-            <a:ext cx="5662930" cy="2111375"/>
           </a:xfrm>
           <a:prstGeom prst="rect">
             <a:avLst/>
@@ -35519,7 +37451,7 @@
                 <a:cs typeface="华文中宋" panose="02010600040101010101" charset="-122"/>
                 <a:sym typeface="字魂105号-简雅黑" panose="00000500000000000000" pitchFamily="2" charset="-122"/>
               </a:rPr>
-              <a:t>根</a:t>
+              <a:t>生成四元式中间代码，格式为 (op, arg1, arg2, res)，支持算术运算、控制流、函数调用等操作。</a:t>
             </a:r>
             <a:endParaRPr lang="zh-CN" altLang="en-US" sz="1400" dirty="0">
               <a:latin typeface="华文中宋" panose="02010600040101010101" charset="-122"/>
@@ -36216,6 +38148,593 @@
       </p:grpSpPr>
       <p:sp>
         <p:nvSpPr>
+          <p:cNvPr id="2" name="任意多边形: 形状 1"/>
+          <p:cNvSpPr/>
+          <p:nvPr/>
+        </p:nvSpPr>
+        <p:spPr>
+          <a:xfrm>
+            <a:off x="415290" y="503555"/>
+            <a:ext cx="4218940" cy="749935"/>
+          </a:xfrm>
+          <a:custGeom>
+            <a:avLst/>
+            <a:gdLst>
+              <a:gd name="connsiteX0" fmla="*/ 674315 w 6261654"/>
+              <a:gd name="connsiteY0" fmla="*/ 0 h 1348631"/>
+              <a:gd name="connsiteX1" fmla="*/ 674325 w 6261654"/>
+              <a:gd name="connsiteY1" fmla="*/ 1 h 1348631"/>
+              <a:gd name="connsiteX2" fmla="*/ 5558735 w 6261654"/>
+              <a:gd name="connsiteY2" fmla="*/ 1 h 1348631"/>
+              <a:gd name="connsiteX3" fmla="*/ 5558735 w 6261654"/>
+              <a:gd name="connsiteY3" fmla="*/ 2885 h 1348631"/>
+              <a:gd name="connsiteX4" fmla="*/ 5587339 w 6261654"/>
+              <a:gd name="connsiteY4" fmla="*/ 1 h 1348631"/>
+              <a:gd name="connsiteX5" fmla="*/ 6261654 w 6261654"/>
+              <a:gd name="connsiteY5" fmla="*/ 674316 h 1348631"/>
+              <a:gd name="connsiteX6" fmla="*/ 5587339 w 6261654"/>
+              <a:gd name="connsiteY6" fmla="*/ 1348631 h 1348631"/>
+              <a:gd name="connsiteX7" fmla="*/ 5558735 w 6261654"/>
+              <a:gd name="connsiteY7" fmla="*/ 1345748 h 1348631"/>
+              <a:gd name="connsiteX8" fmla="*/ 5558735 w 6261654"/>
+              <a:gd name="connsiteY8" fmla="*/ 1348630 h 1348631"/>
+              <a:gd name="connsiteX9" fmla="*/ 674315 w 6261654"/>
+              <a:gd name="connsiteY9" fmla="*/ 1348630 h 1348631"/>
+              <a:gd name="connsiteX10" fmla="*/ 0 w 6261654"/>
+              <a:gd name="connsiteY10" fmla="*/ 674315 h 1348631"/>
+              <a:gd name="connsiteX11" fmla="*/ 674315 w 6261654"/>
+              <a:gd name="connsiteY11" fmla="*/ 0 h 1348631"/>
+            </a:gdLst>
+            <a:ahLst/>
+            <a:cxnLst>
+              <a:cxn ang="0">
+                <a:pos x="connsiteX0" y="connsiteY0"/>
+              </a:cxn>
+              <a:cxn ang="0">
+                <a:pos x="connsiteX1" y="connsiteY1"/>
+              </a:cxn>
+              <a:cxn ang="0">
+                <a:pos x="connsiteX2" y="connsiteY2"/>
+              </a:cxn>
+              <a:cxn ang="0">
+                <a:pos x="connsiteX3" y="connsiteY3"/>
+              </a:cxn>
+              <a:cxn ang="0">
+                <a:pos x="connsiteX4" y="connsiteY4"/>
+              </a:cxn>
+              <a:cxn ang="0">
+                <a:pos x="connsiteX5" y="connsiteY5"/>
+              </a:cxn>
+              <a:cxn ang="0">
+                <a:pos x="connsiteX6" y="connsiteY6"/>
+              </a:cxn>
+              <a:cxn ang="0">
+                <a:pos x="connsiteX7" y="connsiteY7"/>
+              </a:cxn>
+              <a:cxn ang="0">
+                <a:pos x="connsiteX8" y="connsiteY8"/>
+              </a:cxn>
+              <a:cxn ang="0">
+                <a:pos x="connsiteX9" y="connsiteY9"/>
+              </a:cxn>
+              <a:cxn ang="0">
+                <a:pos x="connsiteX10" y="connsiteY10"/>
+              </a:cxn>
+              <a:cxn ang="0">
+                <a:pos x="connsiteX11" y="connsiteY11"/>
+              </a:cxn>
+            </a:cxnLst>
+            <a:rect l="l" t="t" r="r" b="b"/>
+            <a:pathLst>
+              <a:path w="6261654" h="1348631">
+                <a:moveTo>
+                  <a:pt x="674315" y="0"/>
+                </a:moveTo>
+                <a:lnTo>
+                  <a:pt x="674325" y="1"/>
+                </a:lnTo>
+                <a:lnTo>
+                  <a:pt x="5558735" y="1"/>
+                </a:lnTo>
+                <a:lnTo>
+                  <a:pt x="5558735" y="2885"/>
+                </a:lnTo>
+                <a:lnTo>
+                  <a:pt x="5587339" y="1"/>
+                </a:lnTo>
+                <a:cubicBezTo>
+                  <a:pt x="5959753" y="1"/>
+                  <a:pt x="6261654" y="301902"/>
+                  <a:pt x="6261654" y="674316"/>
+                </a:cubicBezTo>
+                <a:cubicBezTo>
+                  <a:pt x="6261654" y="1046730"/>
+                  <a:pt x="5959753" y="1348631"/>
+                  <a:pt x="5587339" y="1348631"/>
+                </a:cubicBezTo>
+                <a:lnTo>
+                  <a:pt x="5558735" y="1345748"/>
+                </a:lnTo>
+                <a:lnTo>
+                  <a:pt x="5558735" y="1348630"/>
+                </a:lnTo>
+                <a:lnTo>
+                  <a:pt x="674315" y="1348630"/>
+                </a:lnTo>
+                <a:cubicBezTo>
+                  <a:pt x="301901" y="1348630"/>
+                  <a:pt x="0" y="1046729"/>
+                  <a:pt x="0" y="674315"/>
+                </a:cubicBezTo>
+                <a:cubicBezTo>
+                  <a:pt x="0" y="301901"/>
+                  <a:pt x="301901" y="0"/>
+                  <a:pt x="674315" y="0"/>
+                </a:cubicBezTo>
+                <a:close/>
+              </a:path>
+            </a:pathLst>
+          </a:custGeom>
+          <a:solidFill>
+            <a:srgbClr val="005A8A"/>
+          </a:solidFill>
+          <a:ln w="38100">
+            <a:solidFill>
+              <a:srgbClr val="005A8A"/>
+            </a:solidFill>
+          </a:ln>
+          <a:effectLst/>
+        </p:spPr>
+        <p:style>
+          <a:lnRef idx="2">
+            <a:schemeClr val="accent1">
+              <a:shade val="50000"/>
+            </a:schemeClr>
+          </a:lnRef>
+          <a:fillRef idx="1">
+            <a:schemeClr val="accent1"/>
+          </a:fillRef>
+          <a:effectRef idx="0">
+            <a:schemeClr val="accent1"/>
+          </a:effectRef>
+          <a:fontRef idx="minor">
+            <a:schemeClr val="lt1"/>
+          </a:fontRef>
+        </p:style>
+        <p:txBody>
+          <a:bodyPr rtlCol="0" anchor="ctr"/>
+          <a:lstStyle/>
+          <a:p>
+            <a:endParaRPr lang="zh-CN" altLang="en-US" sz="2000" b="1" dirty="0">
+              <a:latin typeface="字魂105号-简雅黑" panose="00000500000000000000" pitchFamily="2" charset="-122"/>
+              <a:ea typeface="字魂105号-简雅黑" panose="00000500000000000000" pitchFamily="2" charset="-122"/>
+              <a:sym typeface="字魂105号-简雅黑" panose="00000500000000000000" pitchFamily="2" charset="-122"/>
+            </a:endParaRPr>
+          </a:p>
+        </p:txBody>
+      </p:sp>
+      <p:pic>
+        <p:nvPicPr>
+          <p:cNvPr id="3" name="图片 2"/>
+          <p:cNvPicPr>
+            <a:picLocks noChangeAspect="1"/>
+          </p:cNvPicPr>
+          <p:nvPr/>
+        </p:nvPicPr>
+        <p:blipFill>
+          <a:blip r:embed="rId1" cstate="print">
+            <a:extLst>
+              <a:ext uri="{28A0092B-C50C-407E-A947-70E740481C1C}">
+                <a14:useLocalDpi xmlns:a14="http://schemas.microsoft.com/office/drawing/2010/main" val="0"/>
+              </a:ext>
+            </a:extLst>
+          </a:blip>
+          <a:stretch>
+            <a:fillRect/>
+          </a:stretch>
+        </p:blipFill>
+        <p:spPr>
+          <a:xfrm>
+            <a:off x="577941" y="569481"/>
+            <a:ext cx="618131" cy="618131"/>
+          </a:xfrm>
+          <a:prstGeom prst="rect">
+            <a:avLst/>
+          </a:prstGeom>
+        </p:spPr>
+      </p:pic>
+      <p:sp>
+        <p:nvSpPr>
+          <p:cNvPr id="4" name="矩形 3"/>
+          <p:cNvSpPr/>
+          <p:nvPr/>
+        </p:nvSpPr>
+        <p:spPr>
+          <a:xfrm>
+            <a:off x="1289785" y="647713"/>
+            <a:ext cx="2479040" cy="460375"/>
+          </a:xfrm>
+          <a:prstGeom prst="rect">
+            <a:avLst/>
+          </a:prstGeom>
+        </p:spPr>
+        <p:txBody>
+          <a:bodyPr wrap="none">
+            <a:spAutoFit/>
+          </a:bodyPr>
+          <a:lstStyle/>
+          <a:p>
+            <a:r>
+              <a:rPr lang="en-US" altLang="zh-CN" sz="2400" b="1" dirty="0">
+                <a:solidFill>
+                  <a:schemeClr val="bg1"/>
+                </a:solidFill>
+                <a:latin typeface="字魂105号-简雅黑" panose="00000500000000000000" pitchFamily="2" charset="-122"/>
+                <a:ea typeface="字魂105号-简雅黑" panose="00000500000000000000" pitchFamily="2" charset="-122"/>
+                <a:sym typeface="字魂105号-简雅黑" panose="00000500000000000000" pitchFamily="2" charset="-122"/>
+              </a:rPr>
+              <a:t> </a:t>
+            </a:r>
+            <a:r>
+              <a:rPr lang="zh-CN" altLang="en-US" sz="2400" b="1" dirty="0">
+                <a:solidFill>
+                  <a:schemeClr val="bg1"/>
+                </a:solidFill>
+                <a:latin typeface="字魂105号-简雅黑" panose="00000500000000000000" pitchFamily="2" charset="-122"/>
+                <a:ea typeface="字魂105号-简雅黑" panose="00000500000000000000" pitchFamily="2" charset="-122"/>
+                <a:sym typeface="字魂105号-简雅黑" panose="00000500000000000000" pitchFamily="2" charset="-122"/>
+              </a:rPr>
+              <a:t>参考文献与</a:t>
+            </a:r>
+            <a:r>
+              <a:rPr lang="zh-CN" altLang="en-US" sz="2400" b="1" dirty="0">
+                <a:solidFill>
+                  <a:schemeClr val="bg1"/>
+                </a:solidFill>
+                <a:latin typeface="字魂105号-简雅黑" panose="00000500000000000000" pitchFamily="2" charset="-122"/>
+                <a:ea typeface="字魂105号-简雅黑" panose="00000500000000000000" pitchFamily="2" charset="-122"/>
+                <a:sym typeface="字魂105号-简雅黑" panose="00000500000000000000" pitchFamily="2" charset="-122"/>
+              </a:rPr>
+              <a:t>资料</a:t>
+            </a:r>
+            <a:endParaRPr lang="zh-CN" altLang="en-US" sz="2400" b="1" dirty="0">
+              <a:solidFill>
+                <a:schemeClr val="bg1"/>
+              </a:solidFill>
+              <a:latin typeface="字魂105号-简雅黑" panose="00000500000000000000" pitchFamily="2" charset="-122"/>
+              <a:ea typeface="字魂105号-简雅黑" panose="00000500000000000000" pitchFamily="2" charset="-122"/>
+              <a:sym typeface="字魂105号-简雅黑" panose="00000500000000000000" pitchFamily="2" charset="-122"/>
+            </a:endParaRPr>
+          </a:p>
+        </p:txBody>
+      </p:sp>
+      <p:pic>
+        <p:nvPicPr>
+          <p:cNvPr id="46" name="图片 45"/>
+          <p:cNvPicPr>
+            <a:picLocks noChangeAspect="1"/>
+          </p:cNvPicPr>
+          <p:nvPr/>
+        </p:nvPicPr>
+        <p:blipFill>
+          <a:blip r:embed="rId2" cstate="print">
+            <a:extLst>
+              <a:ext uri="{28A0092B-C50C-407E-A947-70E740481C1C}">
+                <a14:useLocalDpi xmlns:a14="http://schemas.microsoft.com/office/drawing/2010/main" val="0"/>
+              </a:ext>
+            </a:extLst>
+          </a:blip>
+          <a:stretch>
+            <a:fillRect/>
+          </a:stretch>
+        </p:blipFill>
+        <p:spPr>
+          <a:xfrm>
+            <a:off x="10935249" y="6387542"/>
+            <a:ext cx="938700" cy="312900"/>
+          </a:xfrm>
+          <a:prstGeom prst="rect">
+            <a:avLst/>
+          </a:prstGeom>
+        </p:spPr>
+      </p:pic>
+      <p:sp>
+        <p:nvSpPr>
+          <p:cNvPr id="69" name="矩形 68"/>
+          <p:cNvSpPr/>
+          <p:nvPr>
+            <p:custDataLst>
+              <p:tags r:id="rId3"/>
+            </p:custDataLst>
+          </p:nvPr>
+        </p:nvSpPr>
+        <p:spPr>
+          <a:xfrm>
+            <a:off x="2222500" y="1424940"/>
+            <a:ext cx="6737350" cy="746125"/>
+          </a:xfrm>
+          <a:prstGeom prst="rect">
+            <a:avLst/>
+          </a:prstGeom>
+        </p:spPr>
+        <p:txBody>
+          <a:bodyPr wrap="square">
+            <a:noAutofit/>
+          </a:bodyPr>
+          <a:p>
+            <a:pPr indent="0">
+              <a:lnSpc>
+                <a:spcPct val="150000"/>
+              </a:lnSpc>
+              <a:spcAft>
+                <a:spcPts val="600"/>
+              </a:spcAft>
+              <a:buFont typeface="Wingdings" panose="05000000000000000000" pitchFamily="2" charset="2"/>
+              <a:buNone/>
+            </a:pPr>
+            <a:endParaRPr lang="zh-CN" altLang="en-US" sz="1600" dirty="0" smtClean="0">
+              <a:latin typeface="华文中宋" panose="02010600040101010101" charset="-122"/>
+              <a:ea typeface="华文中宋" panose="02010600040101010101" charset="-122"/>
+              <a:cs typeface="华文中宋" panose="02010600040101010101" charset="-122"/>
+              <a:sym typeface="字魂105号-简雅黑" panose="00000500000000000000" pitchFamily="2" charset="-122"/>
+            </a:endParaRPr>
+          </a:p>
+        </p:txBody>
+      </p:sp>
+      <p:sp>
+        <p:nvSpPr>
+          <p:cNvPr id="7" name="矩形 6"/>
+          <p:cNvSpPr/>
+          <p:nvPr>
+            <p:custDataLst>
+              <p:tags r:id="rId4"/>
+            </p:custDataLst>
+          </p:nvPr>
+        </p:nvSpPr>
+        <p:spPr>
+          <a:xfrm>
+            <a:off x="1196340" y="1470660"/>
+            <a:ext cx="4318000" cy="2042160"/>
+          </a:xfrm>
+          <a:prstGeom prst="rect">
+            <a:avLst/>
+          </a:prstGeom>
+        </p:spPr>
+        <p:txBody>
+          <a:bodyPr wrap="square">
+            <a:noAutofit/>
+          </a:bodyPr>
+          <a:p>
+            <a:pPr marL="285750" indent="-285750">
+              <a:lnSpc>
+                <a:spcPct val="150000"/>
+              </a:lnSpc>
+              <a:spcAft>
+                <a:spcPts val="600"/>
+              </a:spcAft>
+              <a:buFont typeface="Wingdings" panose="05000000000000000000" pitchFamily="2" charset="2"/>
+              <a:buChar char="l"/>
+            </a:pPr>
+            <a:r>
+              <a:rPr lang="zh-CN" altLang="en-US" sz="2000" b="1" dirty="0">
+                <a:solidFill>
+                  <a:srgbClr val="005A8A"/>
+                </a:solidFill>
+                <a:latin typeface="字魂105号-简雅黑" panose="00000500000000000000" pitchFamily="2" charset="-122"/>
+                <a:ea typeface="字魂105号-简雅黑" panose="00000500000000000000" pitchFamily="2" charset="-122"/>
+                <a:sym typeface="字魂105号-简雅黑" panose="00000500000000000000" pitchFamily="2" charset="-122"/>
+              </a:rPr>
+              <a:t>网站类资料</a:t>
+            </a:r>
+            <a:endParaRPr lang="en-US" altLang="zh-CN" sz="2000" b="1" dirty="0">
+              <a:solidFill>
+                <a:srgbClr val="005A8A"/>
+              </a:solidFill>
+              <a:latin typeface="字魂105号-简雅黑" panose="00000500000000000000" pitchFamily="2" charset="-122"/>
+              <a:ea typeface="字魂105号-简雅黑" panose="00000500000000000000" pitchFamily="2" charset="-122"/>
+              <a:sym typeface="字魂105号-简雅黑" panose="00000500000000000000" pitchFamily="2" charset="-122"/>
+            </a:endParaRPr>
+          </a:p>
+          <a:p>
+            <a:pPr>
+              <a:lnSpc>
+                <a:spcPct val="150000"/>
+              </a:lnSpc>
+            </a:pPr>
+            <a:endParaRPr lang="zh-CN" sz="1600" dirty="0" smtClean="0">
+              <a:latin typeface="字魂105号-简雅黑" panose="00000500000000000000" pitchFamily="2" charset="-122"/>
+              <a:ea typeface="字魂105号-简雅黑" panose="00000500000000000000" pitchFamily="2" charset="-122"/>
+              <a:sym typeface="字魂105号-简雅黑" panose="00000500000000000000" pitchFamily="2" charset="-122"/>
+            </a:endParaRPr>
+          </a:p>
+        </p:txBody>
+      </p:sp>
+      <p:sp>
+        <p:nvSpPr>
+          <p:cNvPr id="9" name="矩形 8"/>
+          <p:cNvSpPr/>
+          <p:nvPr>
+            <p:custDataLst>
+              <p:tags r:id="rId5"/>
+            </p:custDataLst>
+          </p:nvPr>
+        </p:nvSpPr>
+        <p:spPr>
+          <a:xfrm>
+            <a:off x="6841490" y="1470660"/>
+            <a:ext cx="4572000" cy="2042160"/>
+          </a:xfrm>
+          <a:prstGeom prst="rect">
+            <a:avLst/>
+          </a:prstGeom>
+        </p:spPr>
+        <p:txBody>
+          <a:bodyPr wrap="square">
+            <a:noAutofit/>
+          </a:bodyPr>
+          <a:p>
+            <a:pPr marL="285750" indent="-285750">
+              <a:lnSpc>
+                <a:spcPct val="150000"/>
+              </a:lnSpc>
+              <a:spcAft>
+                <a:spcPts val="600"/>
+              </a:spcAft>
+              <a:buFont typeface="Wingdings" panose="05000000000000000000" pitchFamily="2" charset="2"/>
+              <a:buChar char="l"/>
+            </a:pPr>
+            <a:r>
+              <a:rPr lang="zh-CN" altLang="en-US" sz="2000" b="1" dirty="0">
+                <a:solidFill>
+                  <a:srgbClr val="005A8A"/>
+                </a:solidFill>
+                <a:latin typeface="字魂105号-简雅黑" panose="00000500000000000000" pitchFamily="2" charset="-122"/>
+                <a:ea typeface="字魂105号-简雅黑" panose="00000500000000000000" pitchFamily="2" charset="-122"/>
+                <a:sym typeface="字魂105号-简雅黑" panose="00000500000000000000" pitchFamily="2" charset="-122"/>
+              </a:rPr>
+              <a:t>书籍类资料</a:t>
+            </a:r>
+            <a:endParaRPr lang="en-US" altLang="zh-CN" sz="2000" b="1" dirty="0">
+              <a:solidFill>
+                <a:srgbClr val="005A8A"/>
+              </a:solidFill>
+              <a:latin typeface="字魂105号-简雅黑" panose="00000500000000000000" pitchFamily="2" charset="-122"/>
+              <a:ea typeface="字魂105号-简雅黑" panose="00000500000000000000" pitchFamily="2" charset="-122"/>
+              <a:sym typeface="字魂105号-简雅黑" panose="00000500000000000000" pitchFamily="2" charset="-122"/>
+            </a:endParaRPr>
+          </a:p>
+          <a:p>
+            <a:pPr>
+              <a:lnSpc>
+                <a:spcPct val="150000"/>
+              </a:lnSpc>
+            </a:pPr>
+            <a:endParaRPr lang="zh-CN" sz="1600" dirty="0" smtClean="0">
+              <a:latin typeface="字魂105号-简雅黑" panose="00000500000000000000" pitchFamily="2" charset="-122"/>
+              <a:ea typeface="字魂105号-简雅黑" panose="00000500000000000000" pitchFamily="2" charset="-122"/>
+              <a:sym typeface="字魂105号-简雅黑" panose="00000500000000000000" pitchFamily="2" charset="-122"/>
+            </a:endParaRPr>
+          </a:p>
+        </p:txBody>
+      </p:sp>
+      <p:pic>
+        <p:nvPicPr>
+          <p:cNvPr id="5" name="图片 4"/>
+          <p:cNvPicPr>
+            <a:picLocks noChangeAspect="1"/>
+          </p:cNvPicPr>
+          <p:nvPr/>
+        </p:nvPicPr>
+        <p:blipFill>
+          <a:blip r:embed="rId6"/>
+          <a:stretch>
+            <a:fillRect/>
+          </a:stretch>
+        </p:blipFill>
+        <p:spPr>
+          <a:xfrm>
+            <a:off x="880745" y="2255520"/>
+            <a:ext cx="4698365" cy="1120140"/>
+          </a:xfrm>
+          <a:prstGeom prst="rect">
+            <a:avLst/>
+          </a:prstGeom>
+        </p:spPr>
+      </p:pic>
+      <p:pic>
+        <p:nvPicPr>
+          <p:cNvPr id="6" name="图片 5"/>
+          <p:cNvPicPr>
+            <a:picLocks noChangeAspect="1"/>
+          </p:cNvPicPr>
+          <p:nvPr/>
+        </p:nvPicPr>
+        <p:blipFill>
+          <a:blip r:embed="rId7"/>
+          <a:stretch>
+            <a:fillRect/>
+          </a:stretch>
+        </p:blipFill>
+        <p:spPr>
+          <a:xfrm>
+            <a:off x="881380" y="3375660"/>
+            <a:ext cx="4632960" cy="1610995"/>
+          </a:xfrm>
+          <a:prstGeom prst="rect">
+            <a:avLst/>
+          </a:prstGeom>
+        </p:spPr>
+      </p:pic>
+      <p:pic>
+        <p:nvPicPr>
+          <p:cNvPr id="11" name="图片 10"/>
+          <p:cNvPicPr>
+            <a:picLocks noChangeAspect="1"/>
+          </p:cNvPicPr>
+          <p:nvPr/>
+        </p:nvPicPr>
+        <p:blipFill>
+          <a:blip r:embed="rId8"/>
+          <a:stretch>
+            <a:fillRect/>
+          </a:stretch>
+        </p:blipFill>
+        <p:spPr>
+          <a:xfrm>
+            <a:off x="5960745" y="2568575"/>
+            <a:ext cx="5662930" cy="2111375"/>
+          </a:xfrm>
+          <a:prstGeom prst="rect">
+            <a:avLst/>
+          </a:prstGeom>
+        </p:spPr>
+      </p:pic>
+    </p:spTree>
+  </p:cSld>
+  <p:clrMapOvr>
+    <a:masterClrMapping/>
+  </p:clrMapOvr>
+  <mc:AlternateContent xmlns:mc="http://schemas.openxmlformats.org/markup-compatibility/2006">
+    <mc:Choice xmlns:p15="http://schemas.microsoft.com/office/powerpoint/2012/main" Requires="p15">
+      <p:transition xmlns:p14="http://schemas.microsoft.com/office/powerpoint/2010/main" spd="slow" Requires="p14" p14:dur="1250" advTm="3000">
+        <p15:prstTrans prst="pageCurlDouble"/>
+      </p:transition>
+    </mc:Choice>
+    <mc:Fallback>
+      <p:transition spd="slow" advTm="3000">
+        <p:fade/>
+      </p:transition>
+    </mc:Fallback>
+  </mc:AlternateContent>
+  <p:timing>
+    <p:tnLst>
+      <p:par>
+        <p:cTn id="1" dur="indefinite" restart="never" nodeType="tmRoot"/>
+      </p:par>
+    </p:tnLst>
+  </p:timing>
+</p:sld>
+</file>
+
+<file path=ppt/slides/slide41.xml><?xml version="1.0" encoding="utf-8"?>
+<p:sld xmlns:a="http://schemas.openxmlformats.org/drawingml/2006/main" xmlns:r="http://schemas.openxmlformats.org/officeDocument/2006/relationships" xmlns:p="http://schemas.openxmlformats.org/presentationml/2006/main">
+  <p:cSld>
+    <p:spTree>
+      <p:nvGrpSpPr>
+        <p:cNvPr id="1" name=""/>
+        <p:cNvGrpSpPr/>
+        <p:nvPr/>
+      </p:nvGrpSpPr>
+      <p:grpSpPr>
+        <a:xfrm>
+          <a:off x="0" y="0"/>
+          <a:ext cx="0" cy="0"/>
+          <a:chOff x="0" y="0"/>
+          <a:chExt cx="0" cy="0"/>
+        </a:xfrm>
+      </p:grpSpPr>
+      <p:sp>
+        <p:nvSpPr>
           <p:cNvPr id="4" name="矩形 3"/>
           <p:cNvSpPr/>
           <p:nvPr/>
@@ -37581,8 +40100,9 @@
                     </a:schemeClr>
                   </a:outerShdw>
                 </a:effectLst>
-                <a:latin typeface="字魂105号-简雅黑" panose="00000500000000000000" pitchFamily="2" charset="-122"/>
-                <a:ea typeface="字魂105号-简雅黑" panose="00000500000000000000" pitchFamily="2" charset="-122"/>
+                <a:latin typeface="华文中宋" panose="02010600040101010101" charset="-122"/>
+                <a:ea typeface="华文中宋" panose="02010600040101010101" charset="-122"/>
+                <a:cs typeface="华文中宋" panose="02010600040101010101" charset="-122"/>
                 <a:sym typeface="字魂105号-简雅黑" panose="00000500000000000000" pitchFamily="2" charset="-122"/>
               </a:rPr>
               <a:t>合理分工，通过</a:t>
@@ -37599,8 +40119,9 @@
                     </a:schemeClr>
                   </a:outerShdw>
                 </a:effectLst>
-                <a:latin typeface="字魂105号-简雅黑" panose="00000500000000000000" pitchFamily="2" charset="-122"/>
-                <a:ea typeface="字魂105号-简雅黑" panose="00000500000000000000" pitchFamily="2" charset="-122"/>
+                <a:latin typeface="华文中宋" panose="02010600040101010101" charset="-122"/>
+                <a:ea typeface="华文中宋" panose="02010600040101010101" charset="-122"/>
+                <a:cs typeface="华文中宋" panose="02010600040101010101" charset="-122"/>
                 <a:sym typeface="字魂105号-简雅黑" panose="00000500000000000000" pitchFamily="2" charset="-122"/>
               </a:rPr>
               <a:t>git</a:t>
@@ -37617,8 +40138,9 @@
                     </a:schemeClr>
                   </a:outerShdw>
                 </a:effectLst>
-                <a:latin typeface="字魂105号-简雅黑" panose="00000500000000000000" pitchFamily="2" charset="-122"/>
-                <a:ea typeface="字魂105号-简雅黑" panose="00000500000000000000" pitchFamily="2" charset="-122"/>
+                <a:latin typeface="华文中宋" panose="02010600040101010101" charset="-122"/>
+                <a:ea typeface="华文中宋" panose="02010600040101010101" charset="-122"/>
+                <a:cs typeface="华文中宋" panose="02010600040101010101" charset="-122"/>
                 <a:sym typeface="字魂105号-简雅黑" panose="00000500000000000000" pitchFamily="2" charset="-122"/>
               </a:rPr>
               <a:t>进行模块化编程，总计</a:t>
@@ -37635,8 +40157,9 @@
                     </a:schemeClr>
                   </a:outerShdw>
                 </a:effectLst>
-                <a:latin typeface="字魂105号-简雅黑" panose="00000500000000000000" pitchFamily="2" charset="-122"/>
-                <a:ea typeface="字魂105号-简雅黑" panose="00000500000000000000" pitchFamily="2" charset="-122"/>
+                <a:latin typeface="华文中宋" panose="02010600040101010101" charset="-122"/>
+                <a:ea typeface="华文中宋" panose="02010600040101010101" charset="-122"/>
+                <a:cs typeface="华文中宋" panose="02010600040101010101" charset="-122"/>
                 <a:sym typeface="字魂105号-简雅黑" panose="00000500000000000000" pitchFamily="2" charset="-122"/>
               </a:rPr>
               <a:t>5</a:t>
@@ -37653,8 +40176,9 @@
                     </a:schemeClr>
                   </a:outerShdw>
                 </a:effectLst>
-                <a:latin typeface="字魂105号-简雅黑" panose="00000500000000000000" pitchFamily="2" charset="-122"/>
-                <a:ea typeface="字魂105号-简雅黑" panose="00000500000000000000" pitchFamily="2" charset="-122"/>
+                <a:latin typeface="华文中宋" panose="02010600040101010101" charset="-122"/>
+                <a:ea typeface="华文中宋" panose="02010600040101010101" charset="-122"/>
+                <a:cs typeface="华文中宋" panose="02010600040101010101" charset="-122"/>
                 <a:sym typeface="字魂105号-简雅黑" panose="00000500000000000000" pitchFamily="2" charset="-122"/>
               </a:rPr>
               <a:t>个分支</a:t>
@@ -37671,8 +40195,9 @@
                     </a:schemeClr>
                   </a:outerShdw>
                 </a:effectLst>
-                <a:latin typeface="字魂105号-简雅黑" panose="00000500000000000000" pitchFamily="2" charset="-122"/>
-                <a:ea typeface="字魂105号-简雅黑" panose="00000500000000000000" pitchFamily="2" charset="-122"/>
+                <a:latin typeface="华文中宋" panose="02010600040101010101" charset="-122"/>
+                <a:ea typeface="华文中宋" panose="02010600040101010101" charset="-122"/>
+                <a:cs typeface="华文中宋" panose="02010600040101010101" charset="-122"/>
                 <a:sym typeface="字魂105号-简雅黑" panose="00000500000000000000" pitchFamily="2" charset="-122"/>
               </a:rPr>
               <a:t>2</a:t>
@@ -37689,8 +40214,9 @@
                     </a:schemeClr>
                   </a:outerShdw>
                 </a:effectLst>
-                <a:latin typeface="字魂105号-简雅黑" panose="00000500000000000000" pitchFamily="2" charset="-122"/>
-                <a:ea typeface="字魂105号-简雅黑" panose="00000500000000000000" pitchFamily="2" charset="-122"/>
+                <a:latin typeface="华文中宋" panose="02010600040101010101" charset="-122"/>
+                <a:ea typeface="华文中宋" panose="02010600040101010101" charset="-122"/>
+                <a:cs typeface="华文中宋" panose="02010600040101010101" charset="-122"/>
                 <a:sym typeface="字魂105号-简雅黑" panose="00000500000000000000" pitchFamily="2" charset="-122"/>
               </a:rPr>
               <a:t>个</a:t>
@@ -37707,8 +40233,9 @@
                     </a:schemeClr>
                   </a:outerShdw>
                 </a:effectLst>
-                <a:latin typeface="字魂105号-简雅黑" panose="00000500000000000000" pitchFamily="2" charset="-122"/>
-                <a:ea typeface="字魂105号-简雅黑" panose="00000500000000000000" pitchFamily="2" charset="-122"/>
+                <a:latin typeface="华文中宋" panose="02010600040101010101" charset="-122"/>
+                <a:ea typeface="华文中宋" panose="02010600040101010101" charset="-122"/>
+                <a:cs typeface="华文中宋" panose="02010600040101010101" charset="-122"/>
                 <a:sym typeface="字魂105号-简雅黑" panose="00000500000000000000" pitchFamily="2" charset="-122"/>
               </a:rPr>
               <a:t>tag207</a:t>
@@ -37725,8 +40252,9 @@
                     </a:schemeClr>
                   </a:outerShdw>
                 </a:effectLst>
-                <a:latin typeface="字魂105号-简雅黑" panose="00000500000000000000" pitchFamily="2" charset="-122"/>
-                <a:ea typeface="字魂105号-简雅黑" panose="00000500000000000000" pitchFamily="2" charset="-122"/>
+                <a:latin typeface="华文中宋" panose="02010600040101010101" charset="-122"/>
+                <a:ea typeface="华文中宋" panose="02010600040101010101" charset="-122"/>
+                <a:cs typeface="华文中宋" panose="02010600040101010101" charset="-122"/>
                 <a:sym typeface="字魂105号-简雅黑" panose="00000500000000000000" pitchFamily="2" charset="-122"/>
               </a:rPr>
               <a:t>次提交。（图片记得更新）</a:t>
@@ -37742,8 +40270,9 @@
                   </a:schemeClr>
                 </a:outerShdw>
               </a:effectLst>
-              <a:latin typeface="字魂105号-简雅黑" panose="00000500000000000000" pitchFamily="2" charset="-122"/>
-              <a:ea typeface="字魂105号-简雅黑" panose="00000500000000000000" pitchFamily="2" charset="-122"/>
+              <a:latin typeface="华文中宋" panose="02010600040101010101" charset="-122"/>
+              <a:ea typeface="华文中宋" panose="02010600040101010101" charset="-122"/>
+              <a:cs typeface="华文中宋" panose="02010600040101010101" charset="-122"/>
               <a:sym typeface="字魂105号-简雅黑" panose="00000500000000000000" pitchFamily="2" charset="-122"/>
             </a:endParaRPr>
           </a:p>
@@ -37790,8 +40319,9 @@
                     </a:schemeClr>
                   </a:outerShdw>
                 </a:effectLst>
-                <a:latin typeface="字魂105号-简雅黑" panose="00000500000000000000" pitchFamily="2" charset="-122"/>
-                <a:ea typeface="字魂105号-简雅黑" panose="00000500000000000000" pitchFamily="2" charset="-122"/>
+                <a:latin typeface="华文中宋" panose="02010600040101010101" charset="-122"/>
+                <a:ea typeface="华文中宋" panose="02010600040101010101" charset="-122"/>
+                <a:cs typeface="华文中宋" panose="02010600040101010101" charset="-122"/>
                 <a:sym typeface="字魂105号-简雅黑" panose="00000500000000000000" pitchFamily="2" charset="-122"/>
               </a:rPr>
               <a:t>使用clang-format和 .editorconfig统一代码风格；</a:t>
@@ -37807,8 +40337,9 @@
                   </a:schemeClr>
                 </a:outerShdw>
               </a:effectLst>
-              <a:latin typeface="字魂105号-简雅黑" panose="00000500000000000000" pitchFamily="2" charset="-122"/>
-              <a:ea typeface="字魂105号-简雅黑" panose="00000500000000000000" pitchFamily="2" charset="-122"/>
+              <a:latin typeface="华文中宋" panose="02010600040101010101" charset="-122"/>
+              <a:ea typeface="华文中宋" panose="02010600040101010101" charset="-122"/>
+              <a:cs typeface="华文中宋" panose="02010600040101010101" charset="-122"/>
               <a:sym typeface="字魂105号-简雅黑" panose="00000500000000000000" pitchFamily="2" charset="-122"/>
             </a:endParaRPr>
           </a:p>
@@ -37833,8 +40364,9 @@
                     </a:schemeClr>
                   </a:outerShdw>
                 </a:effectLst>
-                <a:latin typeface="字魂105号-简雅黑" panose="00000500000000000000" pitchFamily="2" charset="-122"/>
-                <a:ea typeface="字魂105号-简雅黑" panose="00000500000000000000" pitchFamily="2" charset="-122"/>
+                <a:latin typeface="华文中宋" panose="02010600040101010101" charset="-122"/>
+                <a:ea typeface="华文中宋" panose="02010600040101010101" charset="-122"/>
+                <a:cs typeface="华文中宋" panose="02010600040101010101" charset="-122"/>
                 <a:sym typeface="字魂105号-简雅黑" panose="00000500000000000000" pitchFamily="2" charset="-122"/>
               </a:rPr>
               <a:t>利用clang-tidy进行静态代码分析；</a:t>
@@ -37850,8 +40382,9 @@
                   </a:schemeClr>
                 </a:outerShdw>
               </a:effectLst>
-              <a:latin typeface="字魂105号-简雅黑" panose="00000500000000000000" pitchFamily="2" charset="-122"/>
-              <a:ea typeface="字魂105号-简雅黑" panose="00000500000000000000" pitchFamily="2" charset="-122"/>
+              <a:latin typeface="华文中宋" panose="02010600040101010101" charset="-122"/>
+              <a:ea typeface="华文中宋" panose="02010600040101010101" charset="-122"/>
+              <a:cs typeface="华文中宋" panose="02010600040101010101" charset="-122"/>
               <a:sym typeface="字魂105号-简雅黑" panose="00000500000000000000" pitchFamily="2" charset="-122"/>
             </a:endParaRPr>
           </a:p>
@@ -37876,8 +40409,9 @@
                     </a:schemeClr>
                   </a:outerShdw>
                 </a:effectLst>
-                <a:latin typeface="字魂105号-简雅黑" panose="00000500000000000000" pitchFamily="2" charset="-122"/>
-                <a:ea typeface="字魂105号-简雅黑" panose="00000500000000000000" pitchFamily="2" charset="-122"/>
+                <a:latin typeface="华文中宋" panose="02010600040101010101" charset="-122"/>
+                <a:ea typeface="华文中宋" panose="02010600040101010101" charset="-122"/>
+                <a:cs typeface="华文中宋" panose="02010600040101010101" charset="-122"/>
                 <a:sym typeface="字魂105号-简雅黑" panose="00000500000000000000" pitchFamily="2" charset="-122"/>
               </a:rPr>
               <a:t>通过git hooks实现提交前自动格式化与编译检查。</a:t>
@@ -37893,8 +40427,9 @@
                   </a:schemeClr>
                 </a:outerShdw>
               </a:effectLst>
-              <a:latin typeface="字魂105号-简雅黑" panose="00000500000000000000" pitchFamily="2" charset="-122"/>
-              <a:ea typeface="字魂105号-简雅黑" panose="00000500000000000000" pitchFamily="2" charset="-122"/>
+              <a:latin typeface="华文中宋" panose="02010600040101010101" charset="-122"/>
+              <a:ea typeface="华文中宋" panose="02010600040101010101" charset="-122"/>
+              <a:cs typeface="华文中宋" panose="02010600040101010101" charset="-122"/>
               <a:sym typeface="字魂105号-简雅黑" panose="00000500000000000000" pitchFamily="2" charset="-122"/>
             </a:endParaRPr>
           </a:p>
@@ -39418,39 +41953,56 @@
             </a:pPr>
             <a:r>
               <a:rPr lang="en-US" altLang="zh-CN" sz="1600" dirty="0" smtClean="0">
-                <a:latin typeface="字魂105号-简雅黑" panose="00000500000000000000" pitchFamily="2" charset="-122"/>
-                <a:ea typeface="字魂105号-简雅黑" panose="00000500000000000000" pitchFamily="2" charset="-122"/>
+                <a:latin typeface="华文中宋" panose="02010600040101010101" charset="-122"/>
+                <a:ea typeface="华文中宋" panose="02010600040101010101" charset="-122"/>
+                <a:cs typeface="华文中宋" panose="02010600040101010101" charset="-122"/>
                 <a:sym typeface="字魂105号-简雅黑" panose="00000500000000000000" pitchFamily="2" charset="-122"/>
               </a:rPr>
               <a:t>Token</a:t>
             </a:r>
             <a:r>
               <a:rPr lang="zh-CN" altLang="en-US" sz="1600" dirty="0" smtClean="0">
-                <a:latin typeface="字魂105号-简雅黑" panose="00000500000000000000" pitchFamily="2" charset="-122"/>
-                <a:ea typeface="字魂105号-简雅黑" panose="00000500000000000000" pitchFamily="2" charset="-122"/>
+                <a:latin typeface="华文中宋" panose="02010600040101010101" charset="-122"/>
+                <a:ea typeface="华文中宋" panose="02010600040101010101" charset="-122"/>
+                <a:cs typeface="华文中宋" panose="02010600040101010101" charset="-122"/>
                 <a:sym typeface="字魂105号-简雅黑" panose="00000500000000000000" pitchFamily="2" charset="-122"/>
               </a:rPr>
               <a:t>作为词法分析单元，数据成员有</a:t>
             </a:r>
             <a:r>
               <a:rPr lang="en-US" altLang="zh-CN" sz="1600" dirty="0" smtClean="0">
-                <a:latin typeface="字魂105号-简雅黑" panose="00000500000000000000" pitchFamily="2" charset="-122"/>
-                <a:ea typeface="字魂105号-简雅黑" panose="00000500000000000000" pitchFamily="2" charset="-122"/>
-                <a:sym typeface="字魂105号-简雅黑" panose="00000500000000000000" pitchFamily="2" charset="-122"/>
-              </a:rPr>
-              <a:t> `type`,`value`,`pos`</a:t>
+                <a:latin typeface="华文中宋" panose="02010600040101010101" charset="-122"/>
+                <a:ea typeface="华文中宋" panose="02010600040101010101" charset="-122"/>
+                <a:cs typeface="华文中宋" panose="02010600040101010101" charset="-122"/>
+                <a:sym typeface="字魂105号-简雅黑" panose="00000500000000000000" pitchFamily="2" charset="-122"/>
+              </a:rPr>
+              <a:t> </a:t>
+            </a:r>
+            <a:r>
+              <a:rPr lang="en-US" altLang="zh-CN" sz="1600" b="1" dirty="0" smtClean="0">
+                <a:solidFill>
+                  <a:srgbClr val="FF0000"/>
+                </a:solidFill>
+                <a:latin typeface="华文中宋" panose="02010600040101010101" charset="-122"/>
+                <a:ea typeface="华文中宋" panose="02010600040101010101" charset="-122"/>
+                <a:cs typeface="华文中宋" panose="02010600040101010101" charset="-122"/>
+                <a:sym typeface="字魂105号-简雅黑" panose="00000500000000000000" pitchFamily="2" charset="-122"/>
+              </a:rPr>
+              <a:t>`type`,`value`,`pos`</a:t>
             </a:r>
             <a:r>
               <a:rPr lang="zh-CN" altLang="en-US" sz="1600" dirty="0" smtClean="0">
-                <a:latin typeface="字魂105号-简雅黑" panose="00000500000000000000" pitchFamily="2" charset="-122"/>
-                <a:ea typeface="字魂105号-简雅黑" panose="00000500000000000000" pitchFamily="2" charset="-122"/>
+                <a:latin typeface="华文中宋" panose="02010600040101010101" charset="-122"/>
+                <a:ea typeface="华文中宋" panose="02010600040101010101" charset="-122"/>
+                <a:cs typeface="华文中宋" panose="02010600040101010101" charset="-122"/>
                 <a:sym typeface="字魂105号-简雅黑" panose="00000500000000000000" pitchFamily="2" charset="-122"/>
               </a:rPr>
               <a:t>。</a:t>
             </a:r>
             <a:endParaRPr lang="zh-CN" altLang="en-US" sz="1600" dirty="0" smtClean="0">
-              <a:latin typeface="字魂105号-简雅黑" panose="00000500000000000000" pitchFamily="2" charset="-122"/>
-              <a:ea typeface="字魂105号-简雅黑" panose="00000500000000000000" pitchFamily="2" charset="-122"/>
+              <a:latin typeface="华文中宋" panose="02010600040101010101" charset="-122"/>
+              <a:ea typeface="华文中宋" panose="02010600040101010101" charset="-122"/>
+              <a:cs typeface="华文中宋" panose="02010600040101010101" charset="-122"/>
               <a:sym typeface="字魂105号-简雅黑" panose="00000500000000000000" pitchFamily="2" charset="-122"/>
             </a:endParaRPr>
           </a:p>
@@ -39553,47 +42105,53 @@
             </a:pPr>
             <a:r>
               <a:rPr lang="zh-CN" altLang="en-US" sz="1600" dirty="0" smtClean="0">
-                <a:latin typeface="字魂105号-简雅黑" panose="00000500000000000000" pitchFamily="2" charset="-122"/>
-                <a:ea typeface="字魂105号-简雅黑" panose="00000500000000000000" pitchFamily="2" charset="-122"/>
+                <a:latin typeface="华文中宋" panose="02010600040101010101" charset="-122"/>
+                <a:ea typeface="华文中宋" panose="02010600040101010101" charset="-122"/>
+                <a:cs typeface="华文中宋" panose="02010600040101010101" charset="-122"/>
                 <a:sym typeface="字魂105号-简雅黑" panose="00000500000000000000" pitchFamily="2" charset="-122"/>
               </a:rPr>
               <a:t>根据</a:t>
             </a:r>
             <a:r>
               <a:rPr lang="en-US" altLang="zh-CN" sz="1600" dirty="0" smtClean="0">
-                <a:latin typeface="字魂105号-简雅黑" panose="00000500000000000000" pitchFamily="2" charset="-122"/>
-                <a:ea typeface="字魂105号-简雅黑" panose="00000500000000000000" pitchFamily="2" charset="-122"/>
+                <a:latin typeface="华文中宋" panose="02010600040101010101" charset="-122"/>
+                <a:ea typeface="华文中宋" panose="02010600040101010101" charset="-122"/>
+                <a:cs typeface="华文中宋" panose="02010600040101010101" charset="-122"/>
                 <a:sym typeface="字魂105号-简雅黑" panose="00000500000000000000" pitchFamily="2" charset="-122"/>
               </a:rPr>
               <a:t>Rust</a:t>
             </a:r>
             <a:r>
               <a:rPr lang="zh-CN" altLang="en-US" sz="1600" dirty="0" smtClean="0">
-                <a:latin typeface="字魂105号-简雅黑" panose="00000500000000000000" pitchFamily="2" charset="-122"/>
-                <a:ea typeface="字魂105号-简雅黑" panose="00000500000000000000" pitchFamily="2" charset="-122"/>
+                <a:latin typeface="华文中宋" panose="02010600040101010101" charset="-122"/>
+                <a:ea typeface="华文中宋" panose="02010600040101010101" charset="-122"/>
+                <a:cs typeface="华文中宋" panose="02010600040101010101" charset="-122"/>
                 <a:sym typeface="字魂105号-简雅黑" panose="00000500000000000000" pitchFamily="2" charset="-122"/>
               </a:rPr>
               <a:t>语言涉及的符号和关键字，构造枚举类</a:t>
             </a:r>
             <a:r>
               <a:rPr lang="en-US" altLang="zh-CN" sz="1600" dirty="0" smtClean="0">
-                <a:latin typeface="字魂105号-简雅黑" panose="00000500000000000000" pitchFamily="2" charset="-122"/>
-                <a:ea typeface="字魂105号-简雅黑" panose="00000500000000000000" pitchFamily="2" charset="-122"/>
+                <a:latin typeface="华文中宋" panose="02010600040101010101" charset="-122"/>
+                <a:ea typeface="华文中宋" panose="02010600040101010101" charset="-122"/>
+                <a:cs typeface="华文中宋" panose="02010600040101010101" charset="-122"/>
                 <a:sym typeface="字魂105号-简雅黑" panose="00000500000000000000" pitchFamily="2" charset="-122"/>
               </a:rPr>
               <a:t>Type</a:t>
             </a:r>
             <a:r>
               <a:rPr lang="zh-CN" altLang="en-US" sz="1600" dirty="0" smtClean="0">
-                <a:latin typeface="字魂105号-简雅黑" panose="00000500000000000000" pitchFamily="2" charset="-122"/>
-                <a:ea typeface="字魂105号-简雅黑" panose="00000500000000000000" pitchFamily="2" charset="-122"/>
+                <a:latin typeface="华文中宋" panose="02010600040101010101" charset="-122"/>
+                <a:ea typeface="华文中宋" panose="02010600040101010101" charset="-122"/>
+                <a:cs typeface="华文中宋" panose="02010600040101010101" charset="-122"/>
                 <a:sym typeface="字魂105号-简雅黑" panose="00000500000000000000" pitchFamily="2" charset="-122"/>
               </a:rPr>
               <a:t>进行区分。</a:t>
             </a:r>
             <a:endParaRPr lang="en-US" altLang="zh-CN" sz="1600" dirty="0" smtClean="0">
-              <a:latin typeface="字魂105号-简雅黑" panose="00000500000000000000" pitchFamily="2" charset="-122"/>
-              <a:ea typeface="字魂105号-简雅黑" panose="00000500000000000000" pitchFamily="2" charset="-122"/>
+              <a:latin typeface="华文中宋" panose="02010600040101010101" charset="-122"/>
+              <a:ea typeface="华文中宋" panose="02010600040101010101" charset="-122"/>
+              <a:cs typeface="华文中宋" panose="02010600040101010101" charset="-122"/>
               <a:sym typeface="字魂105号-简雅黑" panose="00000500000000000000" pitchFamily="2" charset="-122"/>
             </a:endParaRPr>
           </a:p>
@@ -40253,6 +42811,12 @@
 </file>
 
 <file path=ppt/tags/tag88.xml><?xml version="1.0" encoding="utf-8"?>
+<p:tagLst xmlns:p="http://schemas.openxmlformats.org/presentationml/2006/main">
+  <p:tag name="KSO_WM_BEAUTIFY_FLAG" val=""/>
+</p:tagLst>
+</file>
+
+<file path=ppt/tags/tag89.xml><?xml version="1.0" encoding="utf-8"?>
 <p:tagLst xmlns:p="http://schemas.openxmlformats.org/presentationml/2006/main">
   <p:tag name="ISPRING_PRESENTATION_TITLE" val="PowerPoint 演示文稿"/>
   <p:tag name="ISPRING_FIRST_PUBLISH" val="1"/>
